--- a/pics/2021-06-16-LU_decomposition/pics.pptx
+++ b/pics/2021-06-16-LU_decomposition/pics.pptx
@@ -6,6 +6,7 @@
   </p:sldMasterIdLst>
   <p:sldIdLst>
     <p:sldId id="256" r:id="rId2"/>
+    <p:sldId id="257" r:id="rId3"/>
   </p:sldIdLst>
   <p:sldSz cx="9144000" cy="6858000" type="screen4x3"/>
   <p:notesSz cx="6858000" cy="9144000"/>
@@ -288,7 +289,7 @@
           <a:p>
             <a:fld id="{FB30EDBD-1C2D-4C1E-B459-B60219FAB484}" type="datetimeFigureOut">
               <a:rPr lang="ko-KR" altLang="en-US" smtClean="0"/>
-              <a:t>2021-06-17</a:t>
+              <a:t>2021-06-18</a:t>
             </a:fld>
             <a:endParaRPr lang="ko-KR" altLang="en-US"/>
           </a:p>
@@ -453,7 +454,7 @@
           <a:p>
             <a:fld id="{FB30EDBD-1C2D-4C1E-B459-B60219FAB484}" type="datetimeFigureOut">
               <a:rPr lang="ko-KR" altLang="en-US" smtClean="0"/>
-              <a:t>2021-06-17</a:t>
+              <a:t>2021-06-18</a:t>
             </a:fld>
             <a:endParaRPr lang="ko-KR" altLang="en-US"/>
           </a:p>
@@ -628,7 +629,7 @@
           <a:p>
             <a:fld id="{FB30EDBD-1C2D-4C1E-B459-B60219FAB484}" type="datetimeFigureOut">
               <a:rPr lang="ko-KR" altLang="en-US" smtClean="0"/>
-              <a:t>2021-06-17</a:t>
+              <a:t>2021-06-18</a:t>
             </a:fld>
             <a:endParaRPr lang="ko-KR" altLang="en-US"/>
           </a:p>
@@ -793,7 +794,7 @@
           <a:p>
             <a:fld id="{FB30EDBD-1C2D-4C1E-B459-B60219FAB484}" type="datetimeFigureOut">
               <a:rPr lang="ko-KR" altLang="en-US" smtClean="0"/>
-              <a:t>2021-06-17</a:t>
+              <a:t>2021-06-18</a:t>
             </a:fld>
             <a:endParaRPr lang="ko-KR" altLang="en-US"/>
           </a:p>
@@ -1034,7 +1035,7 @@
           <a:p>
             <a:fld id="{FB30EDBD-1C2D-4C1E-B459-B60219FAB484}" type="datetimeFigureOut">
               <a:rPr lang="ko-KR" altLang="en-US" smtClean="0"/>
-              <a:t>2021-06-17</a:t>
+              <a:t>2021-06-18</a:t>
             </a:fld>
             <a:endParaRPr lang="ko-KR" altLang="en-US"/>
           </a:p>
@@ -1317,7 +1318,7 @@
           <a:p>
             <a:fld id="{FB30EDBD-1C2D-4C1E-B459-B60219FAB484}" type="datetimeFigureOut">
               <a:rPr lang="ko-KR" altLang="en-US" smtClean="0"/>
-              <a:t>2021-06-17</a:t>
+              <a:t>2021-06-18</a:t>
             </a:fld>
             <a:endParaRPr lang="ko-KR" altLang="en-US"/>
           </a:p>
@@ -1734,7 +1735,7 @@
           <a:p>
             <a:fld id="{FB30EDBD-1C2D-4C1E-B459-B60219FAB484}" type="datetimeFigureOut">
               <a:rPr lang="ko-KR" altLang="en-US" smtClean="0"/>
-              <a:t>2021-06-17</a:t>
+              <a:t>2021-06-18</a:t>
             </a:fld>
             <a:endParaRPr lang="ko-KR" altLang="en-US"/>
           </a:p>
@@ -1847,7 +1848,7 @@
           <a:p>
             <a:fld id="{FB30EDBD-1C2D-4C1E-B459-B60219FAB484}" type="datetimeFigureOut">
               <a:rPr lang="ko-KR" altLang="en-US" smtClean="0"/>
-              <a:t>2021-06-17</a:t>
+              <a:t>2021-06-18</a:t>
             </a:fld>
             <a:endParaRPr lang="ko-KR" altLang="en-US"/>
           </a:p>
@@ -1937,7 +1938,7 @@
           <a:p>
             <a:fld id="{FB30EDBD-1C2D-4C1E-B459-B60219FAB484}" type="datetimeFigureOut">
               <a:rPr lang="ko-KR" altLang="en-US" smtClean="0"/>
-              <a:t>2021-06-17</a:t>
+              <a:t>2021-06-18</a:t>
             </a:fld>
             <a:endParaRPr lang="ko-KR" altLang="en-US"/>
           </a:p>
@@ -2209,7 +2210,7 @@
           <a:p>
             <a:fld id="{FB30EDBD-1C2D-4C1E-B459-B60219FAB484}" type="datetimeFigureOut">
               <a:rPr lang="ko-KR" altLang="en-US" smtClean="0"/>
-              <a:t>2021-06-17</a:t>
+              <a:t>2021-06-18</a:t>
             </a:fld>
             <a:endParaRPr lang="ko-KR" altLang="en-US"/>
           </a:p>
@@ -2457,7 +2458,7 @@
           <a:p>
             <a:fld id="{FB30EDBD-1C2D-4C1E-B459-B60219FAB484}" type="datetimeFigureOut">
               <a:rPr lang="ko-KR" altLang="en-US" smtClean="0"/>
-              <a:t>2021-06-17</a:t>
+              <a:t>2021-06-18</a:t>
             </a:fld>
             <a:endParaRPr lang="ko-KR" altLang="en-US"/>
           </a:p>
@@ -2665,7 +2666,7 @@
           <a:p>
             <a:fld id="{FB30EDBD-1C2D-4C1E-B459-B60219FAB484}" type="datetimeFigureOut">
               <a:rPr lang="ko-KR" altLang="en-US" smtClean="0"/>
-              <a:t>2021-06-17</a:t>
+              <a:t>2021-06-18</a:t>
             </a:fld>
             <a:endParaRPr lang="ko-KR" altLang="en-US"/>
           </a:p>
@@ -3035,8 +3036,8 @@
           <a:chExt cx="0" cy="0"/>
         </a:xfrm>
       </p:grpSpPr>
-      <mc:AlternateContent xmlns:mc="http://schemas.openxmlformats.org/markup-compatibility/2006">
-        <mc:Choice xmlns:a14="http://schemas.microsoft.com/office/drawing/2010/main" Requires="a14">
+      <mc:AlternateContent xmlns:mc="http://schemas.openxmlformats.org/markup-compatibility/2006" xmlns:a14="http://schemas.microsoft.com/office/drawing/2010/main">
+        <mc:Choice Requires="a14">
           <p:sp>
             <p:nvSpPr>
               <p:cNvPr id="4" name="TextBox 3"/>
@@ -3059,6 +3060,7 @@
               </a:bodyPr>
               <a:lstStyle/>
               <a:p>
+                <a:pPr/>
                 <a14:m>
                   <m:oMathPara xmlns:m="http://schemas.openxmlformats.org/officeDocument/2006/math">
                     <m:oMathParaPr>
@@ -3837,7 +3839,7 @@
             </p:txBody>
           </p:sp>
         </mc:Choice>
-        <mc:Fallback>
+        <mc:Fallback xmlns="">
           <p:sp>
             <p:nvSpPr>
               <p:cNvPr id="4" name="TextBox 3"/>
@@ -3876,8 +3878,8 @@
           </p:sp>
         </mc:Fallback>
       </mc:AlternateContent>
-      <mc:AlternateContent xmlns:mc="http://schemas.openxmlformats.org/markup-compatibility/2006">
-        <mc:Choice xmlns:a14="http://schemas.microsoft.com/office/drawing/2010/main" Requires="a14">
+      <mc:AlternateContent xmlns:mc="http://schemas.openxmlformats.org/markup-compatibility/2006" xmlns:a14="http://schemas.microsoft.com/office/drawing/2010/main">
+        <mc:Choice Requires="a14">
           <p:sp>
             <p:nvSpPr>
               <p:cNvPr id="5" name="TextBox 4"/>
@@ -3900,6 +3902,7 @@
               </a:bodyPr>
               <a:lstStyle/>
               <a:p>
+                <a:pPr/>
                 <a14:m>
                   <m:oMathPara xmlns:m="http://schemas.openxmlformats.org/officeDocument/2006/math">
                     <m:oMathParaPr>
@@ -3963,7 +3966,7 @@
             </p:txBody>
           </p:sp>
         </mc:Choice>
-        <mc:Fallback>
+        <mc:Fallback xmlns="">
           <p:sp>
             <p:nvSpPr>
               <p:cNvPr id="5" name="TextBox 4"/>
@@ -4002,8 +4005,8 @@
           </p:sp>
         </mc:Fallback>
       </mc:AlternateContent>
-      <mc:AlternateContent xmlns:mc="http://schemas.openxmlformats.org/markup-compatibility/2006">
-        <mc:Choice xmlns:a14="http://schemas.microsoft.com/office/drawing/2010/main" Requires="a14">
+      <mc:AlternateContent xmlns:mc="http://schemas.openxmlformats.org/markup-compatibility/2006" xmlns:a14="http://schemas.microsoft.com/office/drawing/2010/main">
+        <mc:Choice Requires="a14">
           <p:sp>
             <p:nvSpPr>
               <p:cNvPr id="6" name="TextBox 5"/>
@@ -4026,6 +4029,1543 @@
               </a:bodyPr>
               <a:lstStyle/>
               <a:p>
+                <a:pPr/>
+                <a14:m>
+                  <m:oMathPara xmlns:m="http://schemas.openxmlformats.org/officeDocument/2006/math">
+                    <m:oMathParaPr>
+                      <m:jc m:val="centerGroup"/>
+                    </m:oMathParaPr>
+                    <m:oMath xmlns:m="http://schemas.openxmlformats.org/officeDocument/2006/math">
+                      <m:sSub>
+                        <m:sSubPr>
+                          <m:ctrlPr>
+                            <a:rPr lang="en-US" altLang="ko-KR" b="0" i="1" smtClean="0">
+                              <a:solidFill>
+                                <a:srgbClr val="00B050"/>
+                              </a:solidFill>
+                              <a:latin typeface="Cambria Math"/>
+                            </a:rPr>
+                          </m:ctrlPr>
+                        </m:sSubPr>
+                        <m:e>
+                          <m:r>
+                            <a:rPr lang="en-US" altLang="ko-KR" b="0" i="1" smtClean="0">
+                              <a:solidFill>
+                                <a:srgbClr val="00B050"/>
+                              </a:solidFill>
+                              <a:latin typeface="Cambria Math"/>
+                            </a:rPr>
+                            <m:t>𝑟</m:t>
+                          </m:r>
+                        </m:e>
+                        <m:sub>
+                          <m:r>
+                            <a:rPr lang="en-US" altLang="ko-KR" b="0" i="1" smtClean="0">
+                              <a:solidFill>
+                                <a:srgbClr val="00B050"/>
+                              </a:solidFill>
+                              <a:latin typeface="Cambria Math"/>
+                            </a:rPr>
+                            <m:t>2</m:t>
+                          </m:r>
+                        </m:sub>
+                      </m:sSub>
+                      <m:r>
+                        <a:rPr lang="en-US" altLang="ko-KR" b="0" i="1" smtClean="0">
+                          <a:solidFill>
+                            <a:srgbClr val="00B050"/>
+                          </a:solidFill>
+                          <a:latin typeface="Cambria Math"/>
+                        </a:rPr>
+                        <m:t>→</m:t>
+                      </m:r>
+                      <m:d>
+                        <m:dPr>
+                          <m:ctrlPr>
+                            <a:rPr lang="en-US" altLang="ko-KR" b="0" i="1" smtClean="0">
+                              <a:solidFill>
+                                <a:srgbClr val="00B050"/>
+                              </a:solidFill>
+                              <a:latin typeface="Cambria Math"/>
+                            </a:rPr>
+                          </m:ctrlPr>
+                        </m:dPr>
+                        <m:e>
+                          <m:sSub>
+                            <m:sSubPr>
+                              <m:ctrlPr>
+                                <a:rPr lang="en-US" altLang="ko-KR" b="0" i="1" smtClean="0">
+                                  <a:solidFill>
+                                    <a:srgbClr val="00B050"/>
+                                  </a:solidFill>
+                                  <a:latin typeface="Cambria Math"/>
+                                </a:rPr>
+                              </m:ctrlPr>
+                            </m:sSubPr>
+                            <m:e>
+                              <m:r>
+                                <a:rPr lang="en-US" altLang="ko-KR" b="0" i="1" smtClean="0">
+                                  <a:solidFill>
+                                    <a:srgbClr val="00B050"/>
+                                  </a:solidFill>
+                                  <a:latin typeface="Cambria Math"/>
+                                </a:rPr>
+                                <m:t>𝑟</m:t>
+                              </m:r>
+                            </m:e>
+                            <m:sub>
+                              <m:r>
+                                <a:rPr lang="en-US" altLang="ko-KR" b="0" i="1" smtClean="0">
+                                  <a:solidFill>
+                                    <a:srgbClr val="00B050"/>
+                                  </a:solidFill>
+                                  <a:latin typeface="Cambria Math"/>
+                                </a:rPr>
+                                <m:t>2</m:t>
+                              </m:r>
+                            </m:sub>
+                          </m:sSub>
+                          <m:r>
+                            <a:rPr lang="en-US" altLang="ko-KR" b="0" i="1" smtClean="0">
+                              <a:solidFill>
+                                <a:srgbClr val="00B050"/>
+                              </a:solidFill>
+                              <a:latin typeface="Cambria Math"/>
+                            </a:rPr>
+                            <m:t>−2</m:t>
+                          </m:r>
+                          <m:sSub>
+                            <m:sSubPr>
+                              <m:ctrlPr>
+                                <a:rPr lang="en-US" altLang="ko-KR" b="0" i="1" smtClean="0">
+                                  <a:solidFill>
+                                    <a:srgbClr val="00B050"/>
+                                  </a:solidFill>
+                                  <a:latin typeface="Cambria Math"/>
+                                </a:rPr>
+                              </m:ctrlPr>
+                            </m:sSubPr>
+                            <m:e>
+                              <m:r>
+                                <a:rPr lang="en-US" altLang="ko-KR" b="0" i="1" smtClean="0">
+                                  <a:solidFill>
+                                    <a:srgbClr val="00B050"/>
+                                  </a:solidFill>
+                                  <a:latin typeface="Cambria Math"/>
+                                </a:rPr>
+                                <m:t>𝑟</m:t>
+                              </m:r>
+                            </m:e>
+                            <m:sub>
+                              <m:r>
+                                <a:rPr lang="en-US" altLang="ko-KR" b="0" i="1" smtClean="0">
+                                  <a:solidFill>
+                                    <a:srgbClr val="00B050"/>
+                                  </a:solidFill>
+                                  <a:latin typeface="Cambria Math"/>
+                                </a:rPr>
+                                <m:t>1</m:t>
+                              </m:r>
+                            </m:sub>
+                          </m:sSub>
+                        </m:e>
+                      </m:d>
+                    </m:oMath>
+                  </m:oMathPara>
+                </a14:m>
+                <a:endParaRPr lang="ko-KR" altLang="en-US" dirty="0">
+                  <a:solidFill>
+                    <a:srgbClr val="00B050"/>
+                  </a:solidFill>
+                </a:endParaRPr>
+              </a:p>
+            </p:txBody>
+          </p:sp>
+        </mc:Choice>
+        <mc:Fallback xmlns="">
+          <p:sp>
+            <p:nvSpPr>
+              <p:cNvPr id="6" name="TextBox 5"/>
+              <p:cNvSpPr txBox="1">
+                <a:spLocks noRot="1" noChangeAspect="1" noMove="1" noResize="1" noEditPoints="1" noAdjustHandles="1" noChangeArrowheads="1" noChangeShapeType="1" noTextEdit="1"/>
+              </p:cNvSpPr>
+              <p:nvPr/>
+            </p:nvSpPr>
+            <p:spPr>
+              <a:xfrm>
+                <a:off x="3227100" y="2423295"/>
+                <a:ext cx="1752467" cy="369332"/>
+              </a:xfrm>
+              <a:prstGeom prst="rect">
+                <a:avLst/>
+              </a:prstGeom>
+              <a:blipFill rotWithShape="1">
+                <a:blip r:embed="rId4"/>
+                <a:stretch>
+                  <a:fillRect b="-3333"/>
+                </a:stretch>
+              </a:blipFill>
+            </p:spPr>
+            <p:txBody>
+              <a:bodyPr/>
+              <a:lstStyle/>
+              <a:p>
+                <a:r>
+                  <a:rPr lang="ko-KR" altLang="en-US">
+                    <a:noFill/>
+                  </a:rPr>
+                  <a:t> </a:t>
+                </a:r>
+              </a:p>
+            </p:txBody>
+          </p:sp>
+        </mc:Fallback>
+      </mc:AlternateContent>
+      <mc:AlternateContent xmlns:mc="http://schemas.openxmlformats.org/markup-compatibility/2006" xmlns:a14="http://schemas.microsoft.com/office/drawing/2010/main">
+        <mc:Choice Requires="a14">
+          <p:sp>
+            <p:nvSpPr>
+              <p:cNvPr id="7" name="TextBox 6"/>
+              <p:cNvSpPr txBox="1"/>
+              <p:nvPr/>
+            </p:nvSpPr>
+            <p:spPr>
+              <a:xfrm>
+                <a:off x="2032659" y="3573016"/>
+                <a:ext cx="1752467" cy="369332"/>
+              </a:xfrm>
+              <a:prstGeom prst="rect">
+                <a:avLst/>
+              </a:prstGeom>
+              <a:noFill/>
+            </p:spPr>
+            <p:txBody>
+              <a:bodyPr wrap="none" rtlCol="0">
+                <a:spAutoFit/>
+              </a:bodyPr>
+              <a:lstStyle/>
+              <a:p>
+                <a:pPr/>
+                <a14:m>
+                  <m:oMathPara xmlns:m="http://schemas.openxmlformats.org/officeDocument/2006/math">
+                    <m:oMathParaPr>
+                      <m:jc m:val="centerGroup"/>
+                    </m:oMathParaPr>
+                    <m:oMath xmlns:m="http://schemas.openxmlformats.org/officeDocument/2006/math">
+                      <m:sSub>
+                        <m:sSubPr>
+                          <m:ctrlPr>
+                            <a:rPr lang="en-US" altLang="ko-KR" b="0" i="1" smtClean="0">
+                              <a:solidFill>
+                                <a:srgbClr val="00B0F0"/>
+                              </a:solidFill>
+                              <a:latin typeface="Cambria Math"/>
+                            </a:rPr>
+                          </m:ctrlPr>
+                        </m:sSubPr>
+                        <m:e>
+                          <m:r>
+                            <a:rPr lang="en-US" altLang="ko-KR" b="0" i="1" smtClean="0">
+                              <a:solidFill>
+                                <a:srgbClr val="00B0F0"/>
+                              </a:solidFill>
+                              <a:latin typeface="Cambria Math"/>
+                            </a:rPr>
+                            <m:t>𝑟</m:t>
+                          </m:r>
+                        </m:e>
+                        <m:sub>
+                          <m:r>
+                            <a:rPr lang="en-US" altLang="ko-KR" b="0" i="1" smtClean="0">
+                              <a:solidFill>
+                                <a:srgbClr val="00B0F0"/>
+                              </a:solidFill>
+                              <a:latin typeface="Cambria Math"/>
+                            </a:rPr>
+                            <m:t>3</m:t>
+                          </m:r>
+                        </m:sub>
+                      </m:sSub>
+                      <m:r>
+                        <a:rPr lang="en-US" altLang="ko-KR" b="0" i="1" smtClean="0">
+                          <a:solidFill>
+                            <a:srgbClr val="00B0F0"/>
+                          </a:solidFill>
+                          <a:latin typeface="Cambria Math"/>
+                        </a:rPr>
+                        <m:t>→(</m:t>
+                      </m:r>
+                      <m:sSub>
+                        <m:sSubPr>
+                          <m:ctrlPr>
+                            <a:rPr lang="en-US" altLang="ko-KR" b="0" i="1" smtClean="0">
+                              <a:solidFill>
+                                <a:srgbClr val="00B0F0"/>
+                              </a:solidFill>
+                              <a:latin typeface="Cambria Math"/>
+                            </a:rPr>
+                          </m:ctrlPr>
+                        </m:sSubPr>
+                        <m:e>
+                          <m:r>
+                            <a:rPr lang="en-US" altLang="ko-KR" b="0" i="1" smtClean="0">
+                              <a:solidFill>
+                                <a:srgbClr val="00B0F0"/>
+                              </a:solidFill>
+                              <a:latin typeface="Cambria Math"/>
+                            </a:rPr>
+                            <m:t>𝑟</m:t>
+                          </m:r>
+                        </m:e>
+                        <m:sub>
+                          <m:r>
+                            <a:rPr lang="en-US" altLang="ko-KR" b="0" i="1" smtClean="0">
+                              <a:solidFill>
+                                <a:srgbClr val="00B0F0"/>
+                              </a:solidFill>
+                              <a:latin typeface="Cambria Math"/>
+                            </a:rPr>
+                            <m:t>3</m:t>
+                          </m:r>
+                        </m:sub>
+                      </m:sSub>
+                      <m:r>
+                        <a:rPr lang="en-US" altLang="ko-KR" b="0" i="1" smtClean="0">
+                          <a:solidFill>
+                            <a:srgbClr val="00B0F0"/>
+                          </a:solidFill>
+                          <a:latin typeface="Cambria Math"/>
+                        </a:rPr>
+                        <m:t>−2</m:t>
+                      </m:r>
+                      <m:sSub>
+                        <m:sSubPr>
+                          <m:ctrlPr>
+                            <a:rPr lang="en-US" altLang="ko-KR" b="0" i="1" smtClean="0">
+                              <a:solidFill>
+                                <a:srgbClr val="00B0F0"/>
+                              </a:solidFill>
+                              <a:latin typeface="Cambria Math"/>
+                            </a:rPr>
+                          </m:ctrlPr>
+                        </m:sSubPr>
+                        <m:e>
+                          <m:r>
+                            <a:rPr lang="en-US" altLang="ko-KR" b="0" i="1" smtClean="0">
+                              <a:solidFill>
+                                <a:srgbClr val="00B0F0"/>
+                              </a:solidFill>
+                              <a:latin typeface="Cambria Math"/>
+                            </a:rPr>
+                            <m:t>𝑟</m:t>
+                          </m:r>
+                        </m:e>
+                        <m:sub>
+                          <m:r>
+                            <a:rPr lang="en-US" altLang="ko-KR" b="0" i="1" smtClean="0">
+                              <a:solidFill>
+                                <a:srgbClr val="00B0F0"/>
+                              </a:solidFill>
+                              <a:latin typeface="Cambria Math"/>
+                            </a:rPr>
+                            <m:t>1</m:t>
+                          </m:r>
+                        </m:sub>
+                      </m:sSub>
+                      <m:r>
+                        <a:rPr lang="en-US" altLang="ko-KR" b="0" i="1" smtClean="0">
+                          <a:solidFill>
+                            <a:srgbClr val="00B0F0"/>
+                          </a:solidFill>
+                          <a:latin typeface="Cambria Math"/>
+                        </a:rPr>
+                        <m:t>)</m:t>
+                      </m:r>
+                    </m:oMath>
+                  </m:oMathPara>
+                </a14:m>
+                <a:endParaRPr lang="ko-KR" altLang="en-US" dirty="0">
+                  <a:solidFill>
+                    <a:srgbClr val="00B0F0"/>
+                  </a:solidFill>
+                </a:endParaRPr>
+              </a:p>
+            </p:txBody>
+          </p:sp>
+        </mc:Choice>
+        <mc:Fallback xmlns="">
+          <p:sp>
+            <p:nvSpPr>
+              <p:cNvPr id="7" name="TextBox 6"/>
+              <p:cNvSpPr txBox="1">
+                <a:spLocks noRot="1" noChangeAspect="1" noMove="1" noResize="1" noEditPoints="1" noAdjustHandles="1" noChangeArrowheads="1" noChangeShapeType="1" noTextEdit="1"/>
+              </p:cNvSpPr>
+              <p:nvPr/>
+            </p:nvSpPr>
+            <p:spPr>
+              <a:xfrm>
+                <a:off x="2032659" y="3573016"/>
+                <a:ext cx="1752467" cy="369332"/>
+              </a:xfrm>
+              <a:prstGeom prst="rect">
+                <a:avLst/>
+              </a:prstGeom>
+              <a:blipFill rotWithShape="1">
+                <a:blip r:embed="rId5"/>
+                <a:stretch>
+                  <a:fillRect b="-14754"/>
+                </a:stretch>
+              </a:blipFill>
+            </p:spPr>
+            <p:txBody>
+              <a:bodyPr/>
+              <a:lstStyle/>
+              <a:p>
+                <a:r>
+                  <a:rPr lang="ko-KR" altLang="en-US">
+                    <a:noFill/>
+                  </a:rPr>
+                  <a:t> </a:t>
+                </a:r>
+              </a:p>
+            </p:txBody>
+          </p:sp>
+        </mc:Fallback>
+      </mc:AlternateContent>
+      <mc:AlternateContent xmlns:mc="http://schemas.openxmlformats.org/markup-compatibility/2006" xmlns:a14="http://schemas.microsoft.com/office/drawing/2010/main">
+        <mc:Choice Requires="a14">
+          <p:sp>
+            <p:nvSpPr>
+              <p:cNvPr id="8" name="TextBox 7"/>
+              <p:cNvSpPr txBox="1"/>
+              <p:nvPr/>
+            </p:nvSpPr>
+            <p:spPr>
+              <a:xfrm>
+                <a:off x="850808" y="2423295"/>
+                <a:ext cx="1629549" cy="369332"/>
+              </a:xfrm>
+              <a:prstGeom prst="rect">
+                <a:avLst/>
+              </a:prstGeom>
+              <a:noFill/>
+            </p:spPr>
+            <p:txBody>
+              <a:bodyPr wrap="none" rtlCol="0">
+                <a:spAutoFit/>
+              </a:bodyPr>
+              <a:lstStyle/>
+              <a:p>
+                <a:pPr/>
+                <a14:m>
+                  <m:oMathPara xmlns:m="http://schemas.openxmlformats.org/officeDocument/2006/math">
+                    <m:oMathParaPr>
+                      <m:jc m:val="centerGroup"/>
+                    </m:oMathParaPr>
+                    <m:oMath xmlns:m="http://schemas.openxmlformats.org/officeDocument/2006/math">
+                      <m:sSub>
+                        <m:sSubPr>
+                          <m:ctrlPr>
+                            <a:rPr lang="en-US" altLang="ko-KR" b="0" i="1" smtClean="0">
+                              <a:solidFill>
+                                <a:srgbClr val="FF0000"/>
+                              </a:solidFill>
+                              <a:latin typeface="Cambria Math"/>
+                            </a:rPr>
+                          </m:ctrlPr>
+                        </m:sSubPr>
+                        <m:e>
+                          <m:r>
+                            <a:rPr lang="en-US" altLang="ko-KR" b="0" i="1" smtClean="0">
+                              <a:solidFill>
+                                <a:srgbClr val="FF0000"/>
+                              </a:solidFill>
+                              <a:latin typeface="Cambria Math"/>
+                            </a:rPr>
+                            <m:t>𝑟</m:t>
+                          </m:r>
+                        </m:e>
+                        <m:sub>
+                          <m:r>
+                            <a:rPr lang="en-US" altLang="ko-KR" b="0" i="1" smtClean="0">
+                              <a:solidFill>
+                                <a:srgbClr val="FF0000"/>
+                              </a:solidFill>
+                              <a:latin typeface="Cambria Math"/>
+                            </a:rPr>
+                            <m:t>3</m:t>
+                          </m:r>
+                        </m:sub>
+                      </m:sSub>
+                      <m:r>
+                        <a:rPr lang="en-US" altLang="ko-KR" b="0" i="1" smtClean="0">
+                          <a:solidFill>
+                            <a:srgbClr val="FF0000"/>
+                          </a:solidFill>
+                          <a:latin typeface="Cambria Math"/>
+                        </a:rPr>
+                        <m:t>→(</m:t>
+                      </m:r>
+                      <m:sSub>
+                        <m:sSubPr>
+                          <m:ctrlPr>
+                            <a:rPr lang="en-US" altLang="ko-KR" b="0" i="1" smtClean="0">
+                              <a:solidFill>
+                                <a:srgbClr val="FF0000"/>
+                              </a:solidFill>
+                              <a:latin typeface="Cambria Math"/>
+                            </a:rPr>
+                          </m:ctrlPr>
+                        </m:sSubPr>
+                        <m:e>
+                          <m:r>
+                            <a:rPr lang="en-US" altLang="ko-KR" b="0" i="1" smtClean="0">
+                              <a:solidFill>
+                                <a:srgbClr val="FF0000"/>
+                              </a:solidFill>
+                              <a:latin typeface="Cambria Math"/>
+                            </a:rPr>
+                            <m:t>𝑟</m:t>
+                          </m:r>
+                        </m:e>
+                        <m:sub>
+                          <m:r>
+                            <a:rPr lang="en-US" altLang="ko-KR" b="0" i="1" smtClean="0">
+                              <a:solidFill>
+                                <a:srgbClr val="FF0000"/>
+                              </a:solidFill>
+                              <a:latin typeface="Cambria Math"/>
+                            </a:rPr>
+                            <m:t>3</m:t>
+                          </m:r>
+                        </m:sub>
+                      </m:sSub>
+                      <m:r>
+                        <a:rPr lang="en-US" altLang="ko-KR" b="0" i="1" smtClean="0">
+                          <a:solidFill>
+                            <a:srgbClr val="FF0000"/>
+                          </a:solidFill>
+                          <a:latin typeface="Cambria Math"/>
+                        </a:rPr>
+                        <m:t>−</m:t>
+                      </m:r>
+                      <m:sSub>
+                        <m:sSubPr>
+                          <m:ctrlPr>
+                            <a:rPr lang="en-US" altLang="ko-KR" b="0" i="1" smtClean="0">
+                              <a:solidFill>
+                                <a:srgbClr val="FF0000"/>
+                              </a:solidFill>
+                              <a:latin typeface="Cambria Math"/>
+                            </a:rPr>
+                          </m:ctrlPr>
+                        </m:sSubPr>
+                        <m:e>
+                          <m:r>
+                            <a:rPr lang="en-US" altLang="ko-KR" b="0" i="1" smtClean="0">
+                              <a:solidFill>
+                                <a:srgbClr val="FF0000"/>
+                              </a:solidFill>
+                              <a:latin typeface="Cambria Math"/>
+                            </a:rPr>
+                            <m:t>𝑟</m:t>
+                          </m:r>
+                        </m:e>
+                        <m:sub>
+                          <m:r>
+                            <a:rPr lang="en-US" altLang="ko-KR" b="0" i="1" smtClean="0">
+                              <a:solidFill>
+                                <a:srgbClr val="FF0000"/>
+                              </a:solidFill>
+                              <a:latin typeface="Cambria Math"/>
+                            </a:rPr>
+                            <m:t>2</m:t>
+                          </m:r>
+                        </m:sub>
+                      </m:sSub>
+                      <m:r>
+                        <a:rPr lang="en-US" altLang="ko-KR" b="0" i="1" smtClean="0">
+                          <a:solidFill>
+                            <a:srgbClr val="FF0000"/>
+                          </a:solidFill>
+                          <a:latin typeface="Cambria Math"/>
+                        </a:rPr>
+                        <m:t>)</m:t>
+                      </m:r>
+                    </m:oMath>
+                  </m:oMathPara>
+                </a14:m>
+                <a:endParaRPr lang="ko-KR" altLang="en-US" dirty="0">
+                  <a:solidFill>
+                    <a:srgbClr val="FF0000"/>
+                  </a:solidFill>
+                </a:endParaRPr>
+              </a:p>
+            </p:txBody>
+          </p:sp>
+        </mc:Choice>
+        <mc:Fallback xmlns="">
+          <p:sp>
+            <p:nvSpPr>
+              <p:cNvPr id="8" name="TextBox 7"/>
+              <p:cNvSpPr txBox="1">
+                <a:spLocks noRot="1" noChangeAspect="1" noMove="1" noResize="1" noEditPoints="1" noAdjustHandles="1" noChangeArrowheads="1" noChangeShapeType="1" noTextEdit="1"/>
+              </p:cNvSpPr>
+              <p:nvPr/>
+            </p:nvSpPr>
+            <p:spPr>
+              <a:xfrm>
+                <a:off x="850808" y="2423295"/>
+                <a:ext cx="1629549" cy="369332"/>
+              </a:xfrm>
+              <a:prstGeom prst="rect">
+                <a:avLst/>
+              </a:prstGeom>
+              <a:blipFill rotWithShape="1">
+                <a:blip r:embed="rId6"/>
+                <a:stretch>
+                  <a:fillRect b="-16667"/>
+                </a:stretch>
+              </a:blipFill>
+            </p:spPr>
+            <p:txBody>
+              <a:bodyPr/>
+              <a:lstStyle/>
+              <a:p>
+                <a:r>
+                  <a:rPr lang="ko-KR" altLang="en-US">
+                    <a:noFill/>
+                  </a:rPr>
+                  <a:t> </a:t>
+                </a:r>
+              </a:p>
+            </p:txBody>
+          </p:sp>
+        </mc:Fallback>
+      </mc:AlternateContent>
+    </p:spTree>
+    <p:extLst>
+      <p:ext uri="{BB962C8B-B14F-4D97-AF65-F5344CB8AC3E}">
+        <p14:creationId xmlns:p14="http://schemas.microsoft.com/office/powerpoint/2010/main" val="2265551501"/>
+      </p:ext>
+    </p:extLst>
+  </p:cSld>
+  <p:clrMapOvr>
+    <a:masterClrMapping/>
+  </p:clrMapOvr>
+</p:sld>
+</file>
+
+<file path=ppt/slides/slide2.xml><?xml version="1.0" encoding="utf-8"?>
+<p:sld xmlns:a="http://schemas.openxmlformats.org/drawingml/2006/main" xmlns:r="http://schemas.openxmlformats.org/officeDocument/2006/relationships" xmlns:p="http://schemas.openxmlformats.org/presentationml/2006/main">
+  <p:cSld>
+    <p:spTree>
+      <p:nvGrpSpPr>
+        <p:cNvPr id="1" name=""/>
+        <p:cNvGrpSpPr/>
+        <p:nvPr/>
+      </p:nvGrpSpPr>
+      <p:grpSpPr>
+        <a:xfrm>
+          <a:off x="0" y="0"/>
+          <a:ext cx="0" cy="0"/>
+          <a:chOff x="0" y="0"/>
+          <a:chExt cx="0" cy="0"/>
+        </a:xfrm>
+      </p:grpSpPr>
+      <mc:AlternateContent xmlns:mc="http://schemas.openxmlformats.org/markup-compatibility/2006">
+        <mc:Choice xmlns:a14="http://schemas.microsoft.com/office/drawing/2010/main" Requires="a14">
+          <p:sp>
+            <p:nvSpPr>
+              <p:cNvPr id="4" name="TextBox 3"/>
+              <p:cNvSpPr txBox="1"/>
+              <p:nvPr/>
+            </p:nvSpPr>
+            <p:spPr>
+              <a:xfrm>
+                <a:off x="1179565" y="2991103"/>
+                <a:ext cx="6784870" cy="824906"/>
+              </a:xfrm>
+              <a:prstGeom prst="rect">
+                <a:avLst/>
+              </a:prstGeom>
+              <a:noFill/>
+            </p:spPr>
+            <p:txBody>
+              <a:bodyPr wrap="none" rtlCol="0">
+                <a:spAutoFit/>
+              </a:bodyPr>
+              <a:lstStyle/>
+              <a:p>
+                <a:pPr/>
+                <a14:m>
+                  <m:oMathPara xmlns:m="http://schemas.openxmlformats.org/officeDocument/2006/math">
+                    <m:oMathParaPr>
+                      <m:jc m:val="centerGroup"/>
+                    </m:oMathParaPr>
+                    <m:oMath xmlns:m="http://schemas.openxmlformats.org/officeDocument/2006/math">
+                      <m:d>
+                        <m:dPr>
+                          <m:begChr m:val="["/>
+                          <m:endChr m:val="]"/>
+                          <m:ctrlPr>
+                            <a:rPr lang="en-US" altLang="ko-KR" i="1" smtClean="0">
+                              <a:solidFill>
+                                <a:srgbClr val="FF0000"/>
+                              </a:solidFill>
+                              <a:latin typeface="Cambria Math"/>
+                            </a:rPr>
+                          </m:ctrlPr>
+                        </m:dPr>
+                        <m:e>
+                          <m:m>
+                            <m:mPr>
+                              <m:mcs>
+                                <m:mc>
+                                  <m:mcPr>
+                                    <m:count m:val="3"/>
+                                    <m:mcJc m:val="center"/>
+                                  </m:mcPr>
+                                </m:mc>
+                              </m:mcs>
+                              <m:ctrlPr>
+                                <a:rPr lang="en-US" altLang="ko-KR" i="1" smtClean="0">
+                                  <a:solidFill>
+                                    <a:srgbClr val="FF0000"/>
+                                  </a:solidFill>
+                                  <a:latin typeface="Cambria Math"/>
+                                </a:rPr>
+                              </m:ctrlPr>
+                            </m:mPr>
+                            <m:mr>
+                              <m:e>
+                                <m:r>
+                                  <m:rPr>
+                                    <m:brk m:alnAt="7"/>
+                                  </m:rPr>
+                                  <a:rPr lang="en-US" altLang="ko-KR" b="0" i="1" smtClean="0">
+                                    <a:solidFill>
+                                      <a:srgbClr val="FF0000"/>
+                                    </a:solidFill>
+                                    <a:latin typeface="Cambria Math"/>
+                                  </a:rPr>
+                                  <m:t>1</m:t>
+                                </m:r>
+                              </m:e>
+                              <m:e>
+                                <m:r>
+                                  <a:rPr lang="en-US" altLang="ko-KR" b="0" i="1" smtClean="0">
+                                    <a:solidFill>
+                                      <a:srgbClr val="FF0000"/>
+                                    </a:solidFill>
+                                    <a:latin typeface="Cambria Math"/>
+                                  </a:rPr>
+                                  <m:t>0</m:t>
+                                </m:r>
+                              </m:e>
+                              <m:e>
+                                <m:r>
+                                  <a:rPr lang="en-US" altLang="ko-KR" b="0" i="1" smtClean="0">
+                                    <a:solidFill>
+                                      <a:srgbClr val="FF0000"/>
+                                    </a:solidFill>
+                                    <a:latin typeface="Cambria Math"/>
+                                  </a:rPr>
+                                  <m:t>0</m:t>
+                                </m:r>
+                              </m:e>
+                            </m:mr>
+                            <m:mr>
+                              <m:e>
+                                <m:r>
+                                  <a:rPr lang="en-US" altLang="ko-KR" b="0" i="1" smtClean="0">
+                                    <a:solidFill>
+                                      <a:srgbClr val="FF0000"/>
+                                    </a:solidFill>
+                                    <a:latin typeface="Cambria Math"/>
+                                  </a:rPr>
+                                  <m:t>0</m:t>
+                                </m:r>
+                              </m:e>
+                              <m:e>
+                                <m:r>
+                                  <a:rPr lang="en-US" altLang="ko-KR" b="0" i="1" smtClean="0">
+                                    <a:solidFill>
+                                      <a:srgbClr val="FF0000"/>
+                                    </a:solidFill>
+                                    <a:latin typeface="Cambria Math"/>
+                                  </a:rPr>
+                                  <m:t>1</m:t>
+                                </m:r>
+                              </m:e>
+                              <m:e>
+                                <m:r>
+                                  <a:rPr lang="en-US" altLang="ko-KR" b="0" i="1" smtClean="0">
+                                    <a:solidFill>
+                                      <a:srgbClr val="FF0000"/>
+                                    </a:solidFill>
+                                    <a:latin typeface="Cambria Math"/>
+                                  </a:rPr>
+                                  <m:t>0</m:t>
+                                </m:r>
+                              </m:e>
+                            </m:mr>
+                            <m:mr>
+                              <m:e>
+                                <m:r>
+                                  <a:rPr lang="en-US" altLang="ko-KR" b="0" i="1" smtClean="0">
+                                    <a:solidFill>
+                                      <a:srgbClr val="FF0000"/>
+                                    </a:solidFill>
+                                    <a:latin typeface="Cambria Math"/>
+                                  </a:rPr>
+                                  <m:t>0</m:t>
+                                </m:r>
+                              </m:e>
+                              <m:e>
+                                <m:r>
+                                  <a:rPr lang="en-US" altLang="ko-KR" b="0" i="1" smtClean="0">
+                                    <a:solidFill>
+                                      <a:srgbClr val="FF0000"/>
+                                    </a:solidFill>
+                                    <a:latin typeface="Cambria Math"/>
+                                  </a:rPr>
+                                  <m:t>−1</m:t>
+                                </m:r>
+                              </m:e>
+                              <m:e>
+                                <m:r>
+                                  <a:rPr lang="en-US" altLang="ko-KR" b="0" i="1" smtClean="0">
+                                    <a:solidFill>
+                                      <a:srgbClr val="FF0000"/>
+                                    </a:solidFill>
+                                    <a:latin typeface="Cambria Math"/>
+                                  </a:rPr>
+                                  <m:t>1</m:t>
+                                </m:r>
+                              </m:e>
+                            </m:mr>
+                          </m:m>
+                        </m:e>
+                      </m:d>
+                      <m:d>
+                        <m:dPr>
+                          <m:begChr m:val="["/>
+                          <m:endChr m:val="]"/>
+                          <m:ctrlPr>
+                            <a:rPr lang="en-US" altLang="ko-KR" i="1" smtClean="0">
+                              <a:solidFill>
+                                <a:srgbClr val="00B0F0"/>
+                              </a:solidFill>
+                              <a:latin typeface="Cambria Math"/>
+                            </a:rPr>
+                          </m:ctrlPr>
+                        </m:dPr>
+                        <m:e>
+                          <m:m>
+                            <m:mPr>
+                              <m:mcs>
+                                <m:mc>
+                                  <m:mcPr>
+                                    <m:count m:val="3"/>
+                                    <m:mcJc m:val="center"/>
+                                  </m:mcPr>
+                                </m:mc>
+                              </m:mcs>
+                              <m:ctrlPr>
+                                <a:rPr lang="en-US" altLang="ko-KR" i="1">
+                                  <a:solidFill>
+                                    <a:srgbClr val="00B0F0"/>
+                                  </a:solidFill>
+                                  <a:latin typeface="Cambria Math"/>
+                                </a:rPr>
+                              </m:ctrlPr>
+                            </m:mPr>
+                            <m:mr>
+                              <m:e>
+                                <m:r>
+                                  <m:rPr>
+                                    <m:brk m:alnAt="7"/>
+                                  </m:rPr>
+                                  <a:rPr lang="en-US" altLang="ko-KR" b="0" i="1" smtClean="0">
+                                    <a:solidFill>
+                                      <a:srgbClr val="00B0F0"/>
+                                    </a:solidFill>
+                                    <a:latin typeface="Cambria Math"/>
+                                  </a:rPr>
+                                  <m:t>1</m:t>
+                                </m:r>
+                              </m:e>
+                              <m:e>
+                                <m:r>
+                                  <a:rPr lang="en-US" altLang="ko-KR" b="0" i="1" smtClean="0">
+                                    <a:solidFill>
+                                      <a:srgbClr val="00B0F0"/>
+                                    </a:solidFill>
+                                    <a:latin typeface="Cambria Math"/>
+                                  </a:rPr>
+                                  <m:t>0</m:t>
+                                </m:r>
+                              </m:e>
+                              <m:e>
+                                <m:r>
+                                  <a:rPr lang="en-US" altLang="ko-KR" b="0" i="1" smtClean="0">
+                                    <a:solidFill>
+                                      <a:srgbClr val="00B0F0"/>
+                                    </a:solidFill>
+                                    <a:latin typeface="Cambria Math"/>
+                                  </a:rPr>
+                                  <m:t>0</m:t>
+                                </m:r>
+                              </m:e>
+                            </m:mr>
+                            <m:mr>
+                              <m:e>
+                                <m:r>
+                                  <a:rPr lang="en-US" altLang="ko-KR" b="0" i="1" smtClean="0">
+                                    <a:solidFill>
+                                      <a:srgbClr val="00B0F0"/>
+                                    </a:solidFill>
+                                    <a:latin typeface="Cambria Math"/>
+                                  </a:rPr>
+                                  <m:t>0</m:t>
+                                </m:r>
+                              </m:e>
+                              <m:e>
+                                <m:r>
+                                  <a:rPr lang="en-US" altLang="ko-KR" b="0" i="1" smtClean="0">
+                                    <a:solidFill>
+                                      <a:srgbClr val="00B0F0"/>
+                                    </a:solidFill>
+                                    <a:latin typeface="Cambria Math"/>
+                                  </a:rPr>
+                                  <m:t>1</m:t>
+                                </m:r>
+                              </m:e>
+                              <m:e>
+                                <m:r>
+                                  <a:rPr lang="en-US" altLang="ko-KR" b="0" i="1" smtClean="0">
+                                    <a:solidFill>
+                                      <a:srgbClr val="00B0F0"/>
+                                    </a:solidFill>
+                                    <a:latin typeface="Cambria Math"/>
+                                  </a:rPr>
+                                  <m:t>0</m:t>
+                                </m:r>
+                              </m:e>
+                            </m:mr>
+                            <m:mr>
+                              <m:e>
+                                <m:r>
+                                  <a:rPr lang="en-US" altLang="ko-KR" b="0" i="1" smtClean="0">
+                                    <a:solidFill>
+                                      <a:srgbClr val="00B0F0"/>
+                                    </a:solidFill>
+                                    <a:latin typeface="Cambria Math"/>
+                                  </a:rPr>
+                                  <m:t>−2</m:t>
+                                </m:r>
+                              </m:e>
+                              <m:e>
+                                <m:r>
+                                  <a:rPr lang="en-US" altLang="ko-KR" b="0" i="1" smtClean="0">
+                                    <a:solidFill>
+                                      <a:srgbClr val="00B0F0"/>
+                                    </a:solidFill>
+                                    <a:latin typeface="Cambria Math"/>
+                                  </a:rPr>
+                                  <m:t>0</m:t>
+                                </m:r>
+                              </m:e>
+                              <m:e>
+                                <m:r>
+                                  <a:rPr lang="en-US" altLang="ko-KR" b="0" i="1" smtClean="0">
+                                    <a:solidFill>
+                                      <a:srgbClr val="00B0F0"/>
+                                    </a:solidFill>
+                                    <a:latin typeface="Cambria Math"/>
+                                  </a:rPr>
+                                  <m:t>1</m:t>
+                                </m:r>
+                              </m:e>
+                            </m:mr>
+                          </m:m>
+                        </m:e>
+                      </m:d>
+                      <m:d>
+                        <m:dPr>
+                          <m:begChr m:val="["/>
+                          <m:endChr m:val="]"/>
+                          <m:ctrlPr>
+                            <a:rPr lang="en-US" altLang="ko-KR" i="1" smtClean="0">
+                              <a:solidFill>
+                                <a:srgbClr val="00B050"/>
+                              </a:solidFill>
+                              <a:latin typeface="Cambria Math"/>
+                            </a:rPr>
+                          </m:ctrlPr>
+                        </m:dPr>
+                        <m:e>
+                          <m:m>
+                            <m:mPr>
+                              <m:mcs>
+                                <m:mc>
+                                  <m:mcPr>
+                                    <m:count m:val="3"/>
+                                    <m:mcJc m:val="center"/>
+                                  </m:mcPr>
+                                </m:mc>
+                              </m:mcs>
+                              <m:ctrlPr>
+                                <a:rPr lang="en-US" altLang="ko-KR" i="1">
+                                  <a:solidFill>
+                                    <a:srgbClr val="00B050"/>
+                                  </a:solidFill>
+                                  <a:latin typeface="Cambria Math"/>
+                                </a:rPr>
+                              </m:ctrlPr>
+                            </m:mPr>
+                            <m:mr>
+                              <m:e>
+                                <m:r>
+                                  <m:rPr>
+                                    <m:brk m:alnAt="7"/>
+                                  </m:rPr>
+                                  <a:rPr lang="en-US" altLang="ko-KR" b="0" i="1" smtClean="0">
+                                    <a:solidFill>
+                                      <a:srgbClr val="00B050"/>
+                                    </a:solidFill>
+                                    <a:latin typeface="Cambria Math"/>
+                                  </a:rPr>
+                                  <m:t>1</m:t>
+                                </m:r>
+                              </m:e>
+                              <m:e>
+                                <m:r>
+                                  <a:rPr lang="en-US" altLang="ko-KR" b="0" i="1" smtClean="0">
+                                    <a:solidFill>
+                                      <a:srgbClr val="00B050"/>
+                                    </a:solidFill>
+                                    <a:latin typeface="Cambria Math"/>
+                                  </a:rPr>
+                                  <m:t>0</m:t>
+                                </m:r>
+                              </m:e>
+                              <m:e>
+                                <m:r>
+                                  <a:rPr lang="en-US" altLang="ko-KR" b="0" i="1" smtClean="0">
+                                    <a:solidFill>
+                                      <a:srgbClr val="00B050"/>
+                                    </a:solidFill>
+                                    <a:latin typeface="Cambria Math"/>
+                                  </a:rPr>
+                                  <m:t>0</m:t>
+                                </m:r>
+                              </m:e>
+                            </m:mr>
+                            <m:mr>
+                              <m:e>
+                                <m:r>
+                                  <a:rPr lang="en-US" altLang="ko-KR" b="0" i="1" smtClean="0">
+                                    <a:solidFill>
+                                      <a:srgbClr val="00B050"/>
+                                    </a:solidFill>
+                                    <a:latin typeface="Cambria Math"/>
+                                  </a:rPr>
+                                  <m:t>−2</m:t>
+                                </m:r>
+                              </m:e>
+                              <m:e>
+                                <m:r>
+                                  <a:rPr lang="en-US" altLang="ko-KR" b="0" i="1" smtClean="0">
+                                    <a:solidFill>
+                                      <a:srgbClr val="00B050"/>
+                                    </a:solidFill>
+                                    <a:latin typeface="Cambria Math"/>
+                                  </a:rPr>
+                                  <m:t>1</m:t>
+                                </m:r>
+                              </m:e>
+                              <m:e>
+                                <m:r>
+                                  <a:rPr lang="en-US" altLang="ko-KR" b="0" i="1" smtClean="0">
+                                    <a:solidFill>
+                                      <a:srgbClr val="00B050"/>
+                                    </a:solidFill>
+                                    <a:latin typeface="Cambria Math"/>
+                                  </a:rPr>
+                                  <m:t>0</m:t>
+                                </m:r>
+                              </m:e>
+                            </m:mr>
+                            <m:mr>
+                              <m:e>
+                                <m:r>
+                                  <a:rPr lang="en-US" altLang="ko-KR" b="0" i="1" smtClean="0">
+                                    <a:solidFill>
+                                      <a:srgbClr val="00B050"/>
+                                    </a:solidFill>
+                                    <a:latin typeface="Cambria Math"/>
+                                  </a:rPr>
+                                  <m:t>0</m:t>
+                                </m:r>
+                              </m:e>
+                              <m:e>
+                                <m:r>
+                                  <a:rPr lang="en-US" altLang="ko-KR" b="0" i="1" smtClean="0">
+                                    <a:solidFill>
+                                      <a:srgbClr val="00B050"/>
+                                    </a:solidFill>
+                                    <a:latin typeface="Cambria Math"/>
+                                  </a:rPr>
+                                  <m:t>0</m:t>
+                                </m:r>
+                              </m:e>
+                              <m:e>
+                                <m:r>
+                                  <a:rPr lang="en-US" altLang="ko-KR" b="0" i="1" smtClean="0">
+                                    <a:solidFill>
+                                      <a:srgbClr val="00B050"/>
+                                    </a:solidFill>
+                                    <a:latin typeface="Cambria Math"/>
+                                  </a:rPr>
+                                  <m:t>1</m:t>
+                                </m:r>
+                              </m:e>
+                            </m:mr>
+                          </m:m>
+                        </m:e>
+                      </m:d>
+                      <m:d>
+                        <m:dPr>
+                          <m:begChr m:val="["/>
+                          <m:endChr m:val="]"/>
+                          <m:ctrlPr>
+                            <a:rPr lang="en-US" altLang="ko-KR" i="1" smtClean="0">
+                              <a:solidFill>
+                                <a:schemeClr val="tx1"/>
+                              </a:solidFill>
+                              <a:latin typeface="Cambria Math"/>
+                            </a:rPr>
+                          </m:ctrlPr>
+                        </m:dPr>
+                        <m:e>
+                          <m:m>
+                            <m:mPr>
+                              <m:mcs>
+                                <m:mc>
+                                  <m:mcPr>
+                                    <m:count m:val="3"/>
+                                    <m:mcJc m:val="center"/>
+                                  </m:mcPr>
+                                </m:mc>
+                              </m:mcs>
+                              <m:ctrlPr>
+                                <a:rPr lang="en-US" altLang="ko-KR" i="1">
+                                  <a:solidFill>
+                                    <a:schemeClr val="tx1"/>
+                                  </a:solidFill>
+                                  <a:latin typeface="Cambria Math"/>
+                                </a:rPr>
+                              </m:ctrlPr>
+                            </m:mPr>
+                            <m:mr>
+                              <m:e>
+                                <m:r>
+                                  <m:rPr>
+                                    <m:brk m:alnAt="7"/>
+                                  </m:rPr>
+                                  <a:rPr lang="en-US" altLang="ko-KR" i="1">
+                                    <a:solidFill>
+                                      <a:schemeClr val="tx1"/>
+                                    </a:solidFill>
+                                    <a:latin typeface="Cambria Math"/>
+                                  </a:rPr>
+                                  <m:t>1</m:t>
+                                </m:r>
+                              </m:e>
+                              <m:e>
+                                <m:r>
+                                  <a:rPr lang="en-US" altLang="ko-KR" b="0" i="1" smtClean="0">
+                                    <a:solidFill>
+                                      <a:schemeClr val="tx1"/>
+                                    </a:solidFill>
+                                    <a:latin typeface="Cambria Math"/>
+                                  </a:rPr>
+                                  <m:t>1</m:t>
+                                </m:r>
+                              </m:e>
+                              <m:e>
+                                <m:r>
+                                  <a:rPr lang="en-US" altLang="ko-KR" b="0" i="1" smtClean="0">
+                                    <a:solidFill>
+                                      <a:schemeClr val="tx1"/>
+                                    </a:solidFill>
+                                    <a:latin typeface="Cambria Math"/>
+                                  </a:rPr>
+                                  <m:t>1</m:t>
+                                </m:r>
+                              </m:e>
+                            </m:mr>
+                            <m:mr>
+                              <m:e>
+                                <m:r>
+                                  <a:rPr lang="en-US" altLang="ko-KR" i="1">
+                                    <a:solidFill>
+                                      <a:schemeClr val="tx1"/>
+                                    </a:solidFill>
+                                    <a:latin typeface="Cambria Math"/>
+                                  </a:rPr>
+                                  <m:t>2</m:t>
+                                </m:r>
+                              </m:e>
+                              <m:e>
+                                <m:r>
+                                  <a:rPr lang="en-US" altLang="ko-KR" b="0" i="1" smtClean="0">
+                                    <a:solidFill>
+                                      <a:schemeClr val="tx1"/>
+                                    </a:solidFill>
+                                    <a:latin typeface="Cambria Math"/>
+                                  </a:rPr>
+                                  <m:t>3</m:t>
+                                </m:r>
+                              </m:e>
+                              <m:e>
+                                <m:r>
+                                  <a:rPr lang="en-US" altLang="ko-KR" b="0" i="1" smtClean="0">
+                                    <a:solidFill>
+                                      <a:schemeClr val="tx1"/>
+                                    </a:solidFill>
+                                    <a:latin typeface="Cambria Math"/>
+                                  </a:rPr>
+                                  <m:t>−1</m:t>
+                                </m:r>
+                              </m:e>
+                            </m:mr>
+                            <m:mr>
+                              <m:e>
+                                <m:r>
+                                  <a:rPr lang="en-US" altLang="ko-KR" b="0" i="1" smtClean="0">
+                                    <a:solidFill>
+                                      <a:schemeClr val="tx1"/>
+                                    </a:solidFill>
+                                    <a:latin typeface="Cambria Math"/>
+                                  </a:rPr>
+                                  <m:t>2</m:t>
+                                </m:r>
+                              </m:e>
+                              <m:e>
+                                <m:r>
+                                  <a:rPr lang="en-US" altLang="ko-KR" b="0" i="1" smtClean="0">
+                                    <a:solidFill>
+                                      <a:schemeClr val="tx1"/>
+                                    </a:solidFill>
+                                    <a:latin typeface="Cambria Math"/>
+                                  </a:rPr>
+                                  <m:t>3</m:t>
+                                </m:r>
+                              </m:e>
+                              <m:e>
+                                <m:r>
+                                  <a:rPr lang="en-US" altLang="ko-KR" b="0" i="1" smtClean="0">
+                                    <a:solidFill>
+                                      <a:schemeClr val="tx1"/>
+                                    </a:solidFill>
+                                    <a:latin typeface="Cambria Math"/>
+                                  </a:rPr>
+                                  <m:t>3</m:t>
+                                </m:r>
+                              </m:e>
+                            </m:mr>
+                          </m:m>
+                        </m:e>
+                      </m:d>
+                      <m:r>
+                        <a:rPr lang="en-US" altLang="ko-KR" b="0" i="1" smtClean="0">
+                          <a:latin typeface="Cambria Math"/>
+                        </a:rPr>
+                        <m:t>=</m:t>
+                      </m:r>
+                      <m:d>
+                        <m:dPr>
+                          <m:begChr m:val="["/>
+                          <m:endChr m:val="]"/>
+                          <m:ctrlPr>
+                            <a:rPr lang="en-US" altLang="ko-KR" i="1">
+                              <a:latin typeface="Cambria Math"/>
+                            </a:rPr>
+                          </m:ctrlPr>
+                        </m:dPr>
+                        <m:e>
+                          <m:m>
+                            <m:mPr>
+                              <m:mcs>
+                                <m:mc>
+                                  <m:mcPr>
+                                    <m:count m:val="3"/>
+                                    <m:mcJc m:val="center"/>
+                                  </m:mcPr>
+                                </m:mc>
+                              </m:mcs>
+                              <m:ctrlPr>
+                                <a:rPr lang="en-US" altLang="ko-KR" i="1">
+                                  <a:latin typeface="Cambria Math"/>
+                                </a:rPr>
+                              </m:ctrlPr>
+                            </m:mPr>
+                            <m:mr>
+                              <m:e>
+                                <m:r>
+                                  <m:rPr>
+                                    <m:brk m:alnAt="7"/>
+                                  </m:rPr>
+                                  <a:rPr lang="en-US" altLang="ko-KR" i="1">
+                                    <a:latin typeface="Cambria Math"/>
+                                  </a:rPr>
+                                  <m:t>1</m:t>
+                                </m:r>
+                              </m:e>
+                              <m:e>
+                                <m:r>
+                                  <a:rPr lang="en-US" altLang="ko-KR" i="1">
+                                    <a:latin typeface="Cambria Math"/>
+                                  </a:rPr>
+                                  <m:t>1</m:t>
+                                </m:r>
+                              </m:e>
+                              <m:e>
+                                <m:r>
+                                  <a:rPr lang="en-US" altLang="ko-KR" i="1">
+                                    <a:latin typeface="Cambria Math"/>
+                                  </a:rPr>
+                                  <m:t>1</m:t>
+                                </m:r>
+                              </m:e>
+                            </m:mr>
+                            <m:mr>
+                              <m:e>
+                                <m:r>
+                                  <a:rPr lang="en-US" altLang="ko-KR" b="0" i="1" smtClean="0">
+                                    <a:latin typeface="Cambria Math"/>
+                                  </a:rPr>
+                                  <m:t>0</m:t>
+                                </m:r>
+                              </m:e>
+                              <m:e>
+                                <m:r>
+                                  <a:rPr lang="en-US" altLang="ko-KR" b="0" i="1" smtClean="0">
+                                    <a:latin typeface="Cambria Math"/>
+                                  </a:rPr>
+                                  <m:t>1</m:t>
+                                </m:r>
+                              </m:e>
+                              <m:e>
+                                <m:r>
+                                  <a:rPr lang="en-US" altLang="ko-KR" i="1">
+                                    <a:latin typeface="Cambria Math"/>
+                                  </a:rPr>
+                                  <m:t>−</m:t>
+                                </m:r>
+                                <m:r>
+                                  <a:rPr lang="en-US" altLang="ko-KR" b="0" i="1" smtClean="0">
+                                    <a:latin typeface="Cambria Math"/>
+                                  </a:rPr>
+                                  <m:t>3</m:t>
+                                </m:r>
+                              </m:e>
+                            </m:mr>
+                            <m:mr>
+                              <m:e>
+                                <m:r>
+                                  <a:rPr lang="en-US" altLang="ko-KR" b="0" i="1" smtClean="0">
+                                    <a:latin typeface="Cambria Math"/>
+                                  </a:rPr>
+                                  <m:t>0</m:t>
+                                </m:r>
+                              </m:e>
+                              <m:e>
+                                <m:r>
+                                  <a:rPr lang="en-US" altLang="ko-KR" b="0" i="1" smtClean="0">
+                                    <a:latin typeface="Cambria Math"/>
+                                  </a:rPr>
+                                  <m:t>0</m:t>
+                                </m:r>
+                              </m:e>
+                              <m:e>
+                                <m:r>
+                                  <a:rPr lang="en-US" altLang="ko-KR" b="0" i="1" smtClean="0">
+                                    <a:latin typeface="Cambria Math"/>
+                                  </a:rPr>
+                                  <m:t>4</m:t>
+                                </m:r>
+                              </m:e>
+                            </m:mr>
+                          </m:m>
+                        </m:e>
+                      </m:d>
+                    </m:oMath>
+                  </m:oMathPara>
+                </a14:m>
+                <a:endParaRPr lang="ko-KR" altLang="en-US" dirty="0"/>
+              </a:p>
+            </p:txBody>
+          </p:sp>
+        </mc:Choice>
+        <mc:Fallback>
+          <p:sp>
+            <p:nvSpPr>
+              <p:cNvPr id="4" name="TextBox 3"/>
+              <p:cNvSpPr txBox="1">
+                <a:spLocks noRot="1" noChangeAspect="1" noMove="1" noResize="1" noEditPoints="1" noAdjustHandles="1" noChangeArrowheads="1" noChangeShapeType="1" noTextEdit="1"/>
+              </p:cNvSpPr>
+              <p:nvPr/>
+            </p:nvSpPr>
+            <p:spPr>
+              <a:xfrm>
+                <a:off x="1179565" y="2991103"/>
+                <a:ext cx="6784870" cy="824906"/>
+              </a:xfrm>
+              <a:prstGeom prst="rect">
+                <a:avLst/>
+              </a:prstGeom>
+              <a:blipFill rotWithShape="1">
+                <a:blip r:embed="rId2"/>
+                <a:stretch>
+                  <a:fillRect/>
+                </a:stretch>
+              </a:blipFill>
+            </p:spPr>
+            <p:txBody>
+              <a:bodyPr/>
+              <a:lstStyle/>
+              <a:p>
+                <a:r>
+                  <a:rPr lang="ko-KR" altLang="en-US">
+                    <a:noFill/>
+                  </a:rPr>
+                  <a:t> </a:t>
+                </a:r>
+              </a:p>
+            </p:txBody>
+          </p:sp>
+        </mc:Fallback>
+      </mc:AlternateContent>
+      <mc:AlternateContent xmlns:mc="http://schemas.openxmlformats.org/markup-compatibility/2006">
+        <mc:Choice xmlns:a14="http://schemas.microsoft.com/office/drawing/2010/main" Requires="a14">
+          <p:sp>
+            <p:nvSpPr>
+              <p:cNvPr id="5" name="TextBox 4"/>
+              <p:cNvSpPr txBox="1"/>
+              <p:nvPr/>
+            </p:nvSpPr>
+            <p:spPr>
+              <a:xfrm>
+                <a:off x="5428332" y="3855199"/>
+                <a:ext cx="414537" cy="369332"/>
+              </a:xfrm>
+              <a:prstGeom prst="rect">
+                <a:avLst/>
+              </a:prstGeom>
+              <a:noFill/>
+            </p:spPr>
+            <p:txBody>
+              <a:bodyPr wrap="none" rtlCol="0">
+                <a:spAutoFit/>
+              </a:bodyPr>
+              <a:lstStyle/>
+              <a:p>
+                <a:pPr/>
+                <a14:m>
+                  <m:oMathPara xmlns:m="http://schemas.openxmlformats.org/officeDocument/2006/math">
+                    <m:oMathParaPr>
+                      <m:jc m:val="centerGroup"/>
+                    </m:oMathParaPr>
+                    <m:oMath xmlns:m="http://schemas.openxmlformats.org/officeDocument/2006/math">
+                      <m:r>
+                        <a:rPr lang="en-US" altLang="ko-KR" b="0" i="1" smtClean="0">
+                          <a:solidFill>
+                            <a:schemeClr val="tx1"/>
+                          </a:solidFill>
+                          <a:latin typeface="Cambria Math"/>
+                        </a:rPr>
+                        <m:t>𝐴</m:t>
+                      </m:r>
+                    </m:oMath>
+                  </m:oMathPara>
+                </a14:m>
+                <a:endParaRPr lang="ko-KR" altLang="en-US" dirty="0">
+                  <a:solidFill>
+                    <a:schemeClr val="tx1"/>
+                  </a:solidFill>
+                </a:endParaRPr>
+              </a:p>
+            </p:txBody>
+          </p:sp>
+        </mc:Choice>
+        <mc:Fallback>
+          <p:sp>
+            <p:nvSpPr>
+              <p:cNvPr id="5" name="TextBox 4"/>
+              <p:cNvSpPr txBox="1">
+                <a:spLocks noRot="1" noChangeAspect="1" noMove="1" noResize="1" noEditPoints="1" noAdjustHandles="1" noChangeArrowheads="1" noChangeShapeType="1" noTextEdit="1"/>
+              </p:cNvSpPr>
+              <p:nvPr/>
+            </p:nvSpPr>
+            <p:spPr>
+              <a:xfrm>
+                <a:off x="5428332" y="3855199"/>
+                <a:ext cx="414537" cy="369332"/>
+              </a:xfrm>
+              <a:prstGeom prst="rect">
+                <a:avLst/>
+              </a:prstGeom>
+              <a:blipFill rotWithShape="1">
+                <a:blip r:embed="rId3"/>
+                <a:stretch>
+                  <a:fillRect/>
+                </a:stretch>
+              </a:blipFill>
+            </p:spPr>
+            <p:txBody>
+              <a:bodyPr/>
+              <a:lstStyle/>
+              <a:p>
+                <a:r>
+                  <a:rPr lang="ko-KR" altLang="en-US">
+                    <a:noFill/>
+                  </a:rPr>
+                  <a:t> </a:t>
+                </a:r>
+              </a:p>
+            </p:txBody>
+          </p:sp>
+        </mc:Fallback>
+      </mc:AlternateContent>
+      <mc:AlternateContent xmlns:mc="http://schemas.openxmlformats.org/markup-compatibility/2006">
+        <mc:Choice xmlns:a14="http://schemas.microsoft.com/office/drawing/2010/main" Requires="a14">
+          <p:sp>
+            <p:nvSpPr>
+              <p:cNvPr id="6" name="TextBox 5"/>
+              <p:cNvSpPr txBox="1"/>
+              <p:nvPr/>
+            </p:nvSpPr>
+            <p:spPr>
+              <a:xfrm>
+                <a:off x="3579376" y="2633470"/>
+                <a:ext cx="1752467" cy="369332"/>
+              </a:xfrm>
+              <a:prstGeom prst="rect">
+                <a:avLst/>
+              </a:prstGeom>
+              <a:noFill/>
+            </p:spPr>
+            <p:txBody>
+              <a:bodyPr wrap="none" rtlCol="0">
+                <a:spAutoFit/>
+              </a:bodyPr>
+              <a:lstStyle/>
+              <a:p>
+                <a:pPr/>
                 <a14:m>
                   <m:oMathPara xmlns:m="http://schemas.openxmlformats.org/officeDocument/2006/math">
                     <m:oMathParaPr>
@@ -4189,7 +5729,7 @@
             </p:nvSpPr>
             <p:spPr>
               <a:xfrm>
-                <a:off x="3227100" y="2423295"/>
+                <a:off x="3579376" y="2633470"/>
                 <a:ext cx="1752467" cy="369332"/>
               </a:xfrm>
               <a:prstGeom prst="rect">
@@ -4198,7 +5738,7 @@
               <a:blipFill rotWithShape="1">
                 <a:blip r:embed="rId4"/>
                 <a:stretch>
-                  <a:fillRect b="-3333"/>
+                  <a:fillRect b="-1639"/>
                 </a:stretch>
               </a:blipFill>
             </p:spPr>
@@ -4227,7 +5767,7 @@
             </p:nvSpPr>
             <p:spPr>
               <a:xfrm>
-                <a:off x="2032659" y="3573016"/>
+                <a:off x="2384935" y="3783191"/>
                 <a:ext cx="1752467" cy="369332"/>
               </a:xfrm>
               <a:prstGeom prst="rect">
@@ -4241,6 +5781,7 @@
               </a:bodyPr>
               <a:lstStyle/>
               <a:p>
+                <a:pPr/>
                 <a14:m>
                   <m:oMathPara xmlns:m="http://schemas.openxmlformats.org/officeDocument/2006/math">
                     <m:oMathParaPr>
@@ -4399,7 +5940,7 @@
             </p:nvSpPr>
             <p:spPr>
               <a:xfrm>
-                <a:off x="2032659" y="3573016"/>
+                <a:off x="2384935" y="3783191"/>
                 <a:ext cx="1752467" cy="369332"/>
               </a:xfrm>
               <a:prstGeom prst="rect">
@@ -4408,7 +5949,7 @@
               <a:blipFill rotWithShape="1">
                 <a:blip r:embed="rId5"/>
                 <a:stretch>
-                  <a:fillRect b="-14754"/>
+                  <a:fillRect b="-16667"/>
                 </a:stretch>
               </a:blipFill>
             </p:spPr>
@@ -4437,7 +5978,7 @@
             </p:nvSpPr>
             <p:spPr>
               <a:xfrm>
-                <a:off x="850808" y="2423295"/>
+                <a:off x="1203084" y="2633470"/>
                 <a:ext cx="1629549" cy="369332"/>
               </a:xfrm>
               <a:prstGeom prst="rect">
@@ -4451,6 +5992,7 @@
               </a:bodyPr>
               <a:lstStyle/>
               <a:p>
+                <a:pPr/>
                 <a14:m>
                   <m:oMathPara xmlns:m="http://schemas.openxmlformats.org/officeDocument/2006/math">
                     <m:oMathParaPr>
@@ -4609,7 +6151,7 @@
             </p:nvSpPr>
             <p:spPr>
               <a:xfrm>
-                <a:off x="850808" y="2423295"/>
+                <a:off x="1203084" y="2633470"/>
                 <a:ext cx="1629549" cy="369332"/>
               </a:xfrm>
               <a:prstGeom prst="rect">
@@ -4618,7 +6160,7 @@
               <a:blipFill rotWithShape="1">
                 <a:blip r:embed="rId6"/>
                 <a:stretch>
-                  <a:fillRect b="-16667"/>
+                  <a:fillRect b="-14754"/>
                 </a:stretch>
               </a:blipFill>
             </p:spPr>
@@ -4640,7 +6182,7 @@
     </p:spTree>
     <p:extLst>
       <p:ext uri="{BB962C8B-B14F-4D97-AF65-F5344CB8AC3E}">
-        <p14:creationId xmlns:p14="http://schemas.microsoft.com/office/powerpoint/2010/main" val="2265551501"/>
+        <p14:creationId xmlns:p14="http://schemas.microsoft.com/office/powerpoint/2010/main" val="3009831409"/>
       </p:ext>
     </p:extLst>
   </p:cSld>

--- a/pics/2021-06-16-LU_decomposition/pics.pptx
+++ b/pics/2021-06-16-LU_decomposition/pics.pptx
@@ -7,6 +7,7 @@
   <p:sldIdLst>
     <p:sldId id="256" r:id="rId2"/>
     <p:sldId id="257" r:id="rId3"/>
+    <p:sldId id="258" r:id="rId4"/>
   </p:sldIdLst>
   <p:sldSz cx="9144000" cy="6858000" type="screen4x3"/>
   <p:notesSz cx="6858000" cy="9144000"/>
@@ -4673,8 +4674,8 @@
           <a:chExt cx="0" cy="0"/>
         </a:xfrm>
       </p:grpSpPr>
-      <mc:AlternateContent xmlns:mc="http://schemas.openxmlformats.org/markup-compatibility/2006">
-        <mc:Choice xmlns:a14="http://schemas.microsoft.com/office/drawing/2010/main" Requires="a14">
+      <mc:AlternateContent xmlns:mc="http://schemas.openxmlformats.org/markup-compatibility/2006" xmlns:a14="http://schemas.microsoft.com/office/drawing/2010/main">
+        <mc:Choice Requires="a14">
           <p:sp>
             <p:nvSpPr>
               <p:cNvPr id="4" name="TextBox 3"/>
@@ -5411,7 +5412,7 @@
             </p:txBody>
           </p:sp>
         </mc:Choice>
-        <mc:Fallback>
+        <mc:Fallback xmlns="">
           <p:sp>
             <p:nvSpPr>
               <p:cNvPr id="4" name="TextBox 3"/>
@@ -5450,8 +5451,8 @@
           </p:sp>
         </mc:Fallback>
       </mc:AlternateContent>
-      <mc:AlternateContent xmlns:mc="http://schemas.openxmlformats.org/markup-compatibility/2006">
-        <mc:Choice xmlns:a14="http://schemas.microsoft.com/office/drawing/2010/main" Requires="a14">
+      <mc:AlternateContent xmlns:mc="http://schemas.openxmlformats.org/markup-compatibility/2006" xmlns:a14="http://schemas.microsoft.com/office/drawing/2010/main">
+        <mc:Choice Requires="a14">
           <p:sp>
             <p:nvSpPr>
               <p:cNvPr id="5" name="TextBox 4"/>
@@ -5502,7 +5503,7 @@
             </p:txBody>
           </p:sp>
         </mc:Choice>
-        <mc:Fallback>
+        <mc:Fallback xmlns="">
           <p:sp>
             <p:nvSpPr>
               <p:cNvPr id="5" name="TextBox 4"/>
@@ -5541,8 +5542,8 @@
           </p:sp>
         </mc:Fallback>
       </mc:AlternateContent>
-      <mc:AlternateContent xmlns:mc="http://schemas.openxmlformats.org/markup-compatibility/2006">
-        <mc:Choice xmlns:a14="http://schemas.microsoft.com/office/drawing/2010/main" Requires="a14">
+      <mc:AlternateContent xmlns:mc="http://schemas.openxmlformats.org/markup-compatibility/2006" xmlns:a14="http://schemas.microsoft.com/office/drawing/2010/main">
+        <mc:Choice Requires="a14">
           <p:sp>
             <p:nvSpPr>
               <p:cNvPr id="6" name="TextBox 5"/>
@@ -5718,7 +5719,7 @@
             </p:txBody>
           </p:sp>
         </mc:Choice>
-        <mc:Fallback>
+        <mc:Fallback xmlns="">
           <p:sp>
             <p:nvSpPr>
               <p:cNvPr id="6" name="TextBox 5"/>
@@ -5757,8 +5758,8 @@
           </p:sp>
         </mc:Fallback>
       </mc:AlternateContent>
-      <mc:AlternateContent xmlns:mc="http://schemas.openxmlformats.org/markup-compatibility/2006">
-        <mc:Choice xmlns:a14="http://schemas.microsoft.com/office/drawing/2010/main" Requires="a14">
+      <mc:AlternateContent xmlns:mc="http://schemas.openxmlformats.org/markup-compatibility/2006" xmlns:a14="http://schemas.microsoft.com/office/drawing/2010/main">
+        <mc:Choice Requires="a14">
           <p:sp>
             <p:nvSpPr>
               <p:cNvPr id="7" name="TextBox 6"/>
@@ -5929,7 +5930,7 @@
             </p:txBody>
           </p:sp>
         </mc:Choice>
-        <mc:Fallback>
+        <mc:Fallback xmlns="">
           <p:sp>
             <p:nvSpPr>
               <p:cNvPr id="7" name="TextBox 6"/>
@@ -5968,8 +5969,8 @@
           </p:sp>
         </mc:Fallback>
       </mc:AlternateContent>
-      <mc:AlternateContent xmlns:mc="http://schemas.openxmlformats.org/markup-compatibility/2006">
-        <mc:Choice xmlns:a14="http://schemas.microsoft.com/office/drawing/2010/main" Requires="a14">
+      <mc:AlternateContent xmlns:mc="http://schemas.openxmlformats.org/markup-compatibility/2006" xmlns:a14="http://schemas.microsoft.com/office/drawing/2010/main">
+        <mc:Choice Requires="a14">
           <p:sp>
             <p:nvSpPr>
               <p:cNvPr id="8" name="TextBox 7"/>
@@ -6140,7 +6141,7 @@
             </p:txBody>
           </p:sp>
         </mc:Choice>
-        <mc:Fallback>
+        <mc:Fallback xmlns="">
           <p:sp>
             <p:nvSpPr>
               <p:cNvPr id="8" name="TextBox 7"/>
@@ -6183,6 +6184,2105 @@
     <p:extLst>
       <p:ext uri="{BB962C8B-B14F-4D97-AF65-F5344CB8AC3E}">
         <p14:creationId xmlns:p14="http://schemas.microsoft.com/office/powerpoint/2010/main" val="3009831409"/>
+      </p:ext>
+    </p:extLst>
+  </p:cSld>
+  <p:clrMapOvr>
+    <a:masterClrMapping/>
+  </p:clrMapOvr>
+</p:sld>
+</file>
+
+<file path=ppt/slides/slide3.xml><?xml version="1.0" encoding="utf-8"?>
+<p:sld xmlns:a="http://schemas.openxmlformats.org/drawingml/2006/main" xmlns:r="http://schemas.openxmlformats.org/officeDocument/2006/relationships" xmlns:p="http://schemas.openxmlformats.org/presentationml/2006/main">
+  <p:cSld>
+    <p:spTree>
+      <p:nvGrpSpPr>
+        <p:cNvPr id="1" name=""/>
+        <p:cNvGrpSpPr/>
+        <p:nvPr/>
+      </p:nvGrpSpPr>
+      <p:grpSpPr>
+        <a:xfrm>
+          <a:off x="0" y="0"/>
+          <a:ext cx="0" cy="0"/>
+          <a:chOff x="0" y="0"/>
+          <a:chExt cx="0" cy="0"/>
+        </a:xfrm>
+      </p:grpSpPr>
+      <mc:AlternateContent xmlns:mc="http://schemas.openxmlformats.org/markup-compatibility/2006">
+        <mc:Choice xmlns:a14="http://schemas.microsoft.com/office/drawing/2010/main" Requires="a14">
+          <p:sp>
+            <p:nvSpPr>
+              <p:cNvPr id="9" name="TextBox 8"/>
+              <p:cNvSpPr txBox="1"/>
+              <p:nvPr/>
+            </p:nvSpPr>
+            <p:spPr>
+              <a:xfrm>
+                <a:off x="1164697" y="1484784"/>
+                <a:ext cx="7389010" cy="879023"/>
+              </a:xfrm>
+              <a:prstGeom prst="rect">
+                <a:avLst/>
+              </a:prstGeom>
+              <a:noFill/>
+            </p:spPr>
+            <p:txBody>
+              <a:bodyPr wrap="none" rtlCol="0">
+                <a:spAutoFit/>
+              </a:bodyPr>
+              <a:lstStyle/>
+              <a:p>
+                <a:pPr/>
+                <a14:m>
+                  <m:oMathPara xmlns:m="http://schemas.openxmlformats.org/officeDocument/2006/math">
+                    <m:oMathParaPr>
+                      <m:jc m:val="centerGroup"/>
+                    </m:oMathParaPr>
+                    <m:oMath xmlns:m="http://schemas.openxmlformats.org/officeDocument/2006/math">
+                      <m:d>
+                        <m:dPr>
+                          <m:begChr m:val="["/>
+                          <m:endChr m:val="]"/>
+                          <m:ctrlPr>
+                            <a:rPr lang="en-US" altLang="ko-KR" i="1" smtClean="0">
+                              <a:solidFill>
+                                <a:schemeClr val="tx1"/>
+                              </a:solidFill>
+                              <a:latin typeface="Cambria Math"/>
+                            </a:rPr>
+                          </m:ctrlPr>
+                        </m:dPr>
+                        <m:e>
+                          <m:m>
+                            <m:mPr>
+                              <m:mcs>
+                                <m:mc>
+                                  <m:mcPr>
+                                    <m:count m:val="3"/>
+                                    <m:mcJc m:val="center"/>
+                                  </m:mcPr>
+                                </m:mc>
+                              </m:mcs>
+                              <m:ctrlPr>
+                                <a:rPr lang="en-US" altLang="ko-KR" i="1">
+                                  <a:solidFill>
+                                    <a:schemeClr val="tx1"/>
+                                  </a:solidFill>
+                                  <a:latin typeface="Cambria Math"/>
+                                </a:rPr>
+                              </m:ctrlPr>
+                            </m:mPr>
+                            <m:mr>
+                              <m:e>
+                                <m:r>
+                                  <m:rPr>
+                                    <m:brk m:alnAt="7"/>
+                                  </m:rPr>
+                                  <a:rPr lang="en-US" altLang="ko-KR" i="1">
+                                    <a:solidFill>
+                                      <a:schemeClr val="tx1"/>
+                                    </a:solidFill>
+                                    <a:latin typeface="Cambria Math"/>
+                                  </a:rPr>
+                                  <m:t>1</m:t>
+                                </m:r>
+                              </m:e>
+                              <m:e>
+                                <m:r>
+                                  <a:rPr lang="en-US" altLang="ko-KR" b="0" i="1" smtClean="0">
+                                    <a:solidFill>
+                                      <a:schemeClr val="tx1"/>
+                                    </a:solidFill>
+                                    <a:latin typeface="Cambria Math"/>
+                                  </a:rPr>
+                                  <m:t>1</m:t>
+                                </m:r>
+                              </m:e>
+                              <m:e>
+                                <m:r>
+                                  <a:rPr lang="en-US" altLang="ko-KR" b="0" i="1" smtClean="0">
+                                    <a:solidFill>
+                                      <a:schemeClr val="tx1"/>
+                                    </a:solidFill>
+                                    <a:latin typeface="Cambria Math"/>
+                                  </a:rPr>
+                                  <m:t>1</m:t>
+                                </m:r>
+                              </m:e>
+                            </m:mr>
+                            <m:mr>
+                              <m:e>
+                                <m:r>
+                                  <a:rPr lang="en-US" altLang="ko-KR" i="1">
+                                    <a:solidFill>
+                                      <a:schemeClr val="tx1"/>
+                                    </a:solidFill>
+                                    <a:latin typeface="Cambria Math"/>
+                                  </a:rPr>
+                                  <m:t>2</m:t>
+                                </m:r>
+                              </m:e>
+                              <m:e>
+                                <m:r>
+                                  <a:rPr lang="en-US" altLang="ko-KR" b="0" i="1" smtClean="0">
+                                    <a:solidFill>
+                                      <a:schemeClr val="tx1"/>
+                                    </a:solidFill>
+                                    <a:latin typeface="Cambria Math"/>
+                                  </a:rPr>
+                                  <m:t>3</m:t>
+                                </m:r>
+                              </m:e>
+                              <m:e>
+                                <m:r>
+                                  <a:rPr lang="en-US" altLang="ko-KR" b="0" i="1" smtClean="0">
+                                    <a:solidFill>
+                                      <a:schemeClr val="tx1"/>
+                                    </a:solidFill>
+                                    <a:latin typeface="Cambria Math"/>
+                                  </a:rPr>
+                                  <m:t>−1</m:t>
+                                </m:r>
+                              </m:e>
+                            </m:mr>
+                            <m:mr>
+                              <m:e>
+                                <m:r>
+                                  <a:rPr lang="en-US" altLang="ko-KR" b="0" i="1" smtClean="0">
+                                    <a:solidFill>
+                                      <a:schemeClr val="tx1"/>
+                                    </a:solidFill>
+                                    <a:latin typeface="Cambria Math"/>
+                                  </a:rPr>
+                                  <m:t>2</m:t>
+                                </m:r>
+                              </m:e>
+                              <m:e>
+                                <m:r>
+                                  <a:rPr lang="en-US" altLang="ko-KR" b="0" i="1" smtClean="0">
+                                    <a:solidFill>
+                                      <a:schemeClr val="tx1"/>
+                                    </a:solidFill>
+                                    <a:latin typeface="Cambria Math"/>
+                                  </a:rPr>
+                                  <m:t>3</m:t>
+                                </m:r>
+                              </m:e>
+                              <m:e>
+                                <m:r>
+                                  <a:rPr lang="en-US" altLang="ko-KR" b="0" i="1" smtClean="0">
+                                    <a:solidFill>
+                                      <a:schemeClr val="tx1"/>
+                                    </a:solidFill>
+                                    <a:latin typeface="Cambria Math"/>
+                                  </a:rPr>
+                                  <m:t>3</m:t>
+                                </m:r>
+                              </m:e>
+                            </m:mr>
+                          </m:m>
+                        </m:e>
+                      </m:d>
+                      <m:r>
+                        <a:rPr lang="en-US" altLang="ko-KR" b="0" i="1" smtClean="0">
+                          <a:latin typeface="Cambria Math"/>
+                        </a:rPr>
+                        <m:t>=</m:t>
+                      </m:r>
+                      <m:sSup>
+                        <m:sSupPr>
+                          <m:ctrlPr>
+                            <a:rPr lang="en-US" altLang="ko-KR" i="1">
+                              <a:solidFill>
+                                <a:srgbClr val="00B050"/>
+                              </a:solidFill>
+                              <a:latin typeface="Cambria Math"/>
+                            </a:rPr>
+                          </m:ctrlPr>
+                        </m:sSupPr>
+                        <m:e>
+                          <m:d>
+                            <m:dPr>
+                              <m:begChr m:val="["/>
+                              <m:endChr m:val="]"/>
+                              <m:ctrlPr>
+                                <a:rPr lang="en-US" altLang="ko-KR" i="1">
+                                  <a:solidFill>
+                                    <a:srgbClr val="00B050"/>
+                                  </a:solidFill>
+                                  <a:latin typeface="Cambria Math"/>
+                                </a:rPr>
+                              </m:ctrlPr>
+                            </m:dPr>
+                            <m:e>
+                              <m:m>
+                                <m:mPr>
+                                  <m:mcs>
+                                    <m:mc>
+                                      <m:mcPr>
+                                        <m:count m:val="3"/>
+                                        <m:mcJc m:val="center"/>
+                                      </m:mcPr>
+                                    </m:mc>
+                                  </m:mcs>
+                                  <m:ctrlPr>
+                                    <a:rPr lang="en-US" altLang="ko-KR" i="1">
+                                      <a:solidFill>
+                                        <a:srgbClr val="00B050"/>
+                                      </a:solidFill>
+                                      <a:latin typeface="Cambria Math"/>
+                                    </a:rPr>
+                                  </m:ctrlPr>
+                                </m:mPr>
+                                <m:mr>
+                                  <m:e>
+                                    <m:r>
+                                      <m:rPr>
+                                        <m:brk m:alnAt="7"/>
+                                      </m:rPr>
+                                      <a:rPr lang="en-US" altLang="ko-KR" i="1">
+                                        <a:solidFill>
+                                          <a:srgbClr val="00B050"/>
+                                        </a:solidFill>
+                                        <a:latin typeface="Cambria Math"/>
+                                      </a:rPr>
+                                      <m:t>1</m:t>
+                                    </m:r>
+                                  </m:e>
+                                  <m:e>
+                                    <m:r>
+                                      <a:rPr lang="en-US" altLang="ko-KR" i="1">
+                                        <a:solidFill>
+                                          <a:srgbClr val="00B050"/>
+                                        </a:solidFill>
+                                        <a:latin typeface="Cambria Math"/>
+                                      </a:rPr>
+                                      <m:t>0</m:t>
+                                    </m:r>
+                                  </m:e>
+                                  <m:e>
+                                    <m:r>
+                                      <a:rPr lang="en-US" altLang="ko-KR" i="1">
+                                        <a:solidFill>
+                                          <a:srgbClr val="00B050"/>
+                                        </a:solidFill>
+                                        <a:latin typeface="Cambria Math"/>
+                                      </a:rPr>
+                                      <m:t>0</m:t>
+                                    </m:r>
+                                  </m:e>
+                                </m:mr>
+                                <m:mr>
+                                  <m:e>
+                                    <m:r>
+                                      <a:rPr lang="en-US" altLang="ko-KR" i="1">
+                                        <a:solidFill>
+                                          <a:srgbClr val="00B050"/>
+                                        </a:solidFill>
+                                        <a:latin typeface="Cambria Math"/>
+                                      </a:rPr>
+                                      <m:t>−2</m:t>
+                                    </m:r>
+                                  </m:e>
+                                  <m:e>
+                                    <m:r>
+                                      <a:rPr lang="en-US" altLang="ko-KR" i="1">
+                                        <a:solidFill>
+                                          <a:srgbClr val="00B050"/>
+                                        </a:solidFill>
+                                        <a:latin typeface="Cambria Math"/>
+                                      </a:rPr>
+                                      <m:t>1</m:t>
+                                    </m:r>
+                                  </m:e>
+                                  <m:e>
+                                    <m:r>
+                                      <a:rPr lang="en-US" altLang="ko-KR" i="1">
+                                        <a:solidFill>
+                                          <a:srgbClr val="00B050"/>
+                                        </a:solidFill>
+                                        <a:latin typeface="Cambria Math"/>
+                                      </a:rPr>
+                                      <m:t>0</m:t>
+                                    </m:r>
+                                  </m:e>
+                                </m:mr>
+                                <m:mr>
+                                  <m:e>
+                                    <m:r>
+                                      <a:rPr lang="en-US" altLang="ko-KR" i="1">
+                                        <a:solidFill>
+                                          <a:srgbClr val="00B050"/>
+                                        </a:solidFill>
+                                        <a:latin typeface="Cambria Math"/>
+                                      </a:rPr>
+                                      <m:t>0</m:t>
+                                    </m:r>
+                                  </m:e>
+                                  <m:e>
+                                    <m:r>
+                                      <a:rPr lang="en-US" altLang="ko-KR" i="1">
+                                        <a:solidFill>
+                                          <a:srgbClr val="00B050"/>
+                                        </a:solidFill>
+                                        <a:latin typeface="Cambria Math"/>
+                                      </a:rPr>
+                                      <m:t>0</m:t>
+                                    </m:r>
+                                  </m:e>
+                                  <m:e>
+                                    <m:r>
+                                      <a:rPr lang="en-US" altLang="ko-KR" i="1">
+                                        <a:solidFill>
+                                          <a:srgbClr val="00B050"/>
+                                        </a:solidFill>
+                                        <a:latin typeface="Cambria Math"/>
+                                      </a:rPr>
+                                      <m:t>1</m:t>
+                                    </m:r>
+                                  </m:e>
+                                </m:mr>
+                              </m:m>
+                            </m:e>
+                          </m:d>
+                        </m:e>
+                        <m:sup>
+                          <m:r>
+                            <a:rPr lang="en-US" altLang="ko-KR" i="1">
+                              <a:solidFill>
+                                <a:srgbClr val="00B050"/>
+                              </a:solidFill>
+                              <a:latin typeface="Cambria Math"/>
+                            </a:rPr>
+                            <m:t>−1</m:t>
+                          </m:r>
+                        </m:sup>
+                      </m:sSup>
+                      <m:sSup>
+                        <m:sSupPr>
+                          <m:ctrlPr>
+                            <a:rPr lang="en-US" altLang="ko-KR" i="1">
+                              <a:solidFill>
+                                <a:srgbClr val="00B0F0"/>
+                              </a:solidFill>
+                              <a:latin typeface="Cambria Math"/>
+                            </a:rPr>
+                          </m:ctrlPr>
+                        </m:sSupPr>
+                        <m:e>
+                          <m:d>
+                            <m:dPr>
+                              <m:begChr m:val="["/>
+                              <m:endChr m:val="]"/>
+                              <m:ctrlPr>
+                                <a:rPr lang="en-US" altLang="ko-KR" i="1">
+                                  <a:solidFill>
+                                    <a:srgbClr val="00B0F0"/>
+                                  </a:solidFill>
+                                  <a:latin typeface="Cambria Math"/>
+                                </a:rPr>
+                              </m:ctrlPr>
+                            </m:dPr>
+                            <m:e>
+                              <m:m>
+                                <m:mPr>
+                                  <m:mcs>
+                                    <m:mc>
+                                      <m:mcPr>
+                                        <m:count m:val="3"/>
+                                        <m:mcJc m:val="center"/>
+                                      </m:mcPr>
+                                    </m:mc>
+                                  </m:mcs>
+                                  <m:ctrlPr>
+                                    <a:rPr lang="en-US" altLang="ko-KR" i="1">
+                                      <a:solidFill>
+                                        <a:srgbClr val="00B0F0"/>
+                                      </a:solidFill>
+                                      <a:latin typeface="Cambria Math"/>
+                                    </a:rPr>
+                                  </m:ctrlPr>
+                                </m:mPr>
+                                <m:mr>
+                                  <m:e>
+                                    <m:r>
+                                      <m:rPr>
+                                        <m:brk m:alnAt="7"/>
+                                      </m:rPr>
+                                      <a:rPr lang="en-US" altLang="ko-KR" i="1">
+                                        <a:solidFill>
+                                          <a:srgbClr val="00B0F0"/>
+                                        </a:solidFill>
+                                        <a:latin typeface="Cambria Math"/>
+                                      </a:rPr>
+                                      <m:t>1</m:t>
+                                    </m:r>
+                                  </m:e>
+                                  <m:e>
+                                    <m:r>
+                                      <a:rPr lang="en-US" altLang="ko-KR" i="1">
+                                        <a:solidFill>
+                                          <a:srgbClr val="00B0F0"/>
+                                        </a:solidFill>
+                                        <a:latin typeface="Cambria Math"/>
+                                      </a:rPr>
+                                      <m:t>0</m:t>
+                                    </m:r>
+                                  </m:e>
+                                  <m:e>
+                                    <m:r>
+                                      <a:rPr lang="en-US" altLang="ko-KR" i="1">
+                                        <a:solidFill>
+                                          <a:srgbClr val="00B0F0"/>
+                                        </a:solidFill>
+                                        <a:latin typeface="Cambria Math"/>
+                                      </a:rPr>
+                                      <m:t>0</m:t>
+                                    </m:r>
+                                  </m:e>
+                                </m:mr>
+                                <m:mr>
+                                  <m:e>
+                                    <m:r>
+                                      <a:rPr lang="en-US" altLang="ko-KR" i="1">
+                                        <a:solidFill>
+                                          <a:srgbClr val="00B0F0"/>
+                                        </a:solidFill>
+                                        <a:latin typeface="Cambria Math"/>
+                                      </a:rPr>
+                                      <m:t>0</m:t>
+                                    </m:r>
+                                  </m:e>
+                                  <m:e>
+                                    <m:r>
+                                      <a:rPr lang="en-US" altLang="ko-KR" i="1">
+                                        <a:solidFill>
+                                          <a:srgbClr val="00B0F0"/>
+                                        </a:solidFill>
+                                        <a:latin typeface="Cambria Math"/>
+                                      </a:rPr>
+                                      <m:t>1</m:t>
+                                    </m:r>
+                                  </m:e>
+                                  <m:e>
+                                    <m:r>
+                                      <a:rPr lang="en-US" altLang="ko-KR" i="1">
+                                        <a:solidFill>
+                                          <a:srgbClr val="00B0F0"/>
+                                        </a:solidFill>
+                                        <a:latin typeface="Cambria Math"/>
+                                      </a:rPr>
+                                      <m:t>0</m:t>
+                                    </m:r>
+                                  </m:e>
+                                </m:mr>
+                                <m:mr>
+                                  <m:e>
+                                    <m:r>
+                                      <a:rPr lang="en-US" altLang="ko-KR" i="1">
+                                        <a:solidFill>
+                                          <a:srgbClr val="00B0F0"/>
+                                        </a:solidFill>
+                                        <a:latin typeface="Cambria Math"/>
+                                      </a:rPr>
+                                      <m:t>−2</m:t>
+                                    </m:r>
+                                  </m:e>
+                                  <m:e>
+                                    <m:r>
+                                      <a:rPr lang="en-US" altLang="ko-KR" i="1">
+                                        <a:solidFill>
+                                          <a:srgbClr val="00B0F0"/>
+                                        </a:solidFill>
+                                        <a:latin typeface="Cambria Math"/>
+                                      </a:rPr>
+                                      <m:t>0</m:t>
+                                    </m:r>
+                                  </m:e>
+                                  <m:e>
+                                    <m:r>
+                                      <a:rPr lang="en-US" altLang="ko-KR" i="1">
+                                        <a:solidFill>
+                                          <a:srgbClr val="00B0F0"/>
+                                        </a:solidFill>
+                                        <a:latin typeface="Cambria Math"/>
+                                      </a:rPr>
+                                      <m:t>1</m:t>
+                                    </m:r>
+                                  </m:e>
+                                </m:mr>
+                              </m:m>
+                            </m:e>
+                          </m:d>
+                        </m:e>
+                        <m:sup>
+                          <m:r>
+                            <a:rPr lang="en-US" altLang="ko-KR" i="1">
+                              <a:solidFill>
+                                <a:srgbClr val="00B0F0"/>
+                              </a:solidFill>
+                              <a:latin typeface="Cambria Math"/>
+                            </a:rPr>
+                            <m:t>−1</m:t>
+                          </m:r>
+                        </m:sup>
+                      </m:sSup>
+                      <m:sSup>
+                        <m:sSupPr>
+                          <m:ctrlPr>
+                            <a:rPr lang="en-US" altLang="ko-KR" b="0" i="1" smtClean="0">
+                              <a:solidFill>
+                                <a:srgbClr val="FF0000"/>
+                              </a:solidFill>
+                              <a:latin typeface="Cambria Math"/>
+                            </a:rPr>
+                          </m:ctrlPr>
+                        </m:sSupPr>
+                        <m:e>
+                          <m:d>
+                            <m:dPr>
+                              <m:begChr m:val="["/>
+                              <m:endChr m:val="]"/>
+                              <m:ctrlPr>
+                                <a:rPr lang="en-US" altLang="ko-KR" i="1">
+                                  <a:solidFill>
+                                    <a:srgbClr val="FF0000"/>
+                                  </a:solidFill>
+                                  <a:latin typeface="Cambria Math"/>
+                                </a:rPr>
+                              </m:ctrlPr>
+                            </m:dPr>
+                            <m:e>
+                              <m:m>
+                                <m:mPr>
+                                  <m:mcs>
+                                    <m:mc>
+                                      <m:mcPr>
+                                        <m:count m:val="3"/>
+                                        <m:mcJc m:val="center"/>
+                                      </m:mcPr>
+                                    </m:mc>
+                                  </m:mcs>
+                                  <m:ctrlPr>
+                                    <a:rPr lang="en-US" altLang="ko-KR" i="1">
+                                      <a:solidFill>
+                                        <a:srgbClr val="FF0000"/>
+                                      </a:solidFill>
+                                      <a:latin typeface="Cambria Math"/>
+                                    </a:rPr>
+                                  </m:ctrlPr>
+                                </m:mPr>
+                                <m:mr>
+                                  <m:e>
+                                    <m:r>
+                                      <m:rPr>
+                                        <m:brk m:alnAt="7"/>
+                                      </m:rPr>
+                                      <a:rPr lang="en-US" altLang="ko-KR" i="1">
+                                        <a:solidFill>
+                                          <a:srgbClr val="FF0000"/>
+                                        </a:solidFill>
+                                        <a:latin typeface="Cambria Math"/>
+                                      </a:rPr>
+                                      <m:t>1</m:t>
+                                    </m:r>
+                                  </m:e>
+                                  <m:e>
+                                    <m:r>
+                                      <a:rPr lang="en-US" altLang="ko-KR" i="1">
+                                        <a:solidFill>
+                                          <a:srgbClr val="FF0000"/>
+                                        </a:solidFill>
+                                        <a:latin typeface="Cambria Math"/>
+                                      </a:rPr>
+                                      <m:t>0</m:t>
+                                    </m:r>
+                                  </m:e>
+                                  <m:e>
+                                    <m:r>
+                                      <a:rPr lang="en-US" altLang="ko-KR" i="1">
+                                        <a:solidFill>
+                                          <a:srgbClr val="FF0000"/>
+                                        </a:solidFill>
+                                        <a:latin typeface="Cambria Math"/>
+                                      </a:rPr>
+                                      <m:t>0</m:t>
+                                    </m:r>
+                                  </m:e>
+                                </m:mr>
+                                <m:mr>
+                                  <m:e>
+                                    <m:r>
+                                      <a:rPr lang="en-US" altLang="ko-KR" i="1">
+                                        <a:solidFill>
+                                          <a:srgbClr val="FF0000"/>
+                                        </a:solidFill>
+                                        <a:latin typeface="Cambria Math"/>
+                                      </a:rPr>
+                                      <m:t>0</m:t>
+                                    </m:r>
+                                  </m:e>
+                                  <m:e>
+                                    <m:r>
+                                      <a:rPr lang="en-US" altLang="ko-KR" i="1">
+                                        <a:solidFill>
+                                          <a:srgbClr val="FF0000"/>
+                                        </a:solidFill>
+                                        <a:latin typeface="Cambria Math"/>
+                                      </a:rPr>
+                                      <m:t>1</m:t>
+                                    </m:r>
+                                  </m:e>
+                                  <m:e>
+                                    <m:r>
+                                      <a:rPr lang="en-US" altLang="ko-KR" i="1">
+                                        <a:solidFill>
+                                          <a:srgbClr val="FF0000"/>
+                                        </a:solidFill>
+                                        <a:latin typeface="Cambria Math"/>
+                                      </a:rPr>
+                                      <m:t>0</m:t>
+                                    </m:r>
+                                  </m:e>
+                                </m:mr>
+                                <m:mr>
+                                  <m:e>
+                                    <m:r>
+                                      <a:rPr lang="en-US" altLang="ko-KR" i="1">
+                                        <a:solidFill>
+                                          <a:srgbClr val="FF0000"/>
+                                        </a:solidFill>
+                                        <a:latin typeface="Cambria Math"/>
+                                      </a:rPr>
+                                      <m:t>0</m:t>
+                                    </m:r>
+                                  </m:e>
+                                  <m:e>
+                                    <m:r>
+                                      <a:rPr lang="en-US" altLang="ko-KR" i="1">
+                                        <a:solidFill>
+                                          <a:srgbClr val="FF0000"/>
+                                        </a:solidFill>
+                                        <a:latin typeface="Cambria Math"/>
+                                      </a:rPr>
+                                      <m:t>−1</m:t>
+                                    </m:r>
+                                  </m:e>
+                                  <m:e>
+                                    <m:r>
+                                      <a:rPr lang="en-US" altLang="ko-KR" i="1">
+                                        <a:solidFill>
+                                          <a:srgbClr val="FF0000"/>
+                                        </a:solidFill>
+                                        <a:latin typeface="Cambria Math"/>
+                                      </a:rPr>
+                                      <m:t>1</m:t>
+                                    </m:r>
+                                  </m:e>
+                                </m:mr>
+                              </m:m>
+                            </m:e>
+                          </m:d>
+                        </m:e>
+                        <m:sup>
+                          <m:r>
+                            <a:rPr lang="en-US" altLang="ko-KR" b="0" i="1" smtClean="0">
+                              <a:solidFill>
+                                <a:srgbClr val="FF0000"/>
+                              </a:solidFill>
+                              <a:latin typeface="Cambria Math"/>
+                            </a:rPr>
+                            <m:t>−1</m:t>
+                          </m:r>
+                        </m:sup>
+                      </m:sSup>
+                      <m:d>
+                        <m:dPr>
+                          <m:begChr m:val="["/>
+                          <m:endChr m:val="]"/>
+                          <m:ctrlPr>
+                            <a:rPr lang="en-US" altLang="ko-KR" i="1">
+                              <a:latin typeface="Cambria Math"/>
+                            </a:rPr>
+                          </m:ctrlPr>
+                        </m:dPr>
+                        <m:e>
+                          <m:m>
+                            <m:mPr>
+                              <m:mcs>
+                                <m:mc>
+                                  <m:mcPr>
+                                    <m:count m:val="3"/>
+                                    <m:mcJc m:val="center"/>
+                                  </m:mcPr>
+                                </m:mc>
+                              </m:mcs>
+                              <m:ctrlPr>
+                                <a:rPr lang="en-US" altLang="ko-KR" i="1">
+                                  <a:latin typeface="Cambria Math"/>
+                                </a:rPr>
+                              </m:ctrlPr>
+                            </m:mPr>
+                            <m:mr>
+                              <m:e>
+                                <m:r>
+                                  <m:rPr>
+                                    <m:brk m:alnAt="7"/>
+                                  </m:rPr>
+                                  <a:rPr lang="en-US" altLang="ko-KR" i="1">
+                                    <a:latin typeface="Cambria Math"/>
+                                  </a:rPr>
+                                  <m:t>1</m:t>
+                                </m:r>
+                              </m:e>
+                              <m:e>
+                                <m:r>
+                                  <a:rPr lang="en-US" altLang="ko-KR" i="1">
+                                    <a:latin typeface="Cambria Math"/>
+                                  </a:rPr>
+                                  <m:t>1</m:t>
+                                </m:r>
+                              </m:e>
+                              <m:e>
+                                <m:r>
+                                  <a:rPr lang="en-US" altLang="ko-KR" i="1">
+                                    <a:latin typeface="Cambria Math"/>
+                                  </a:rPr>
+                                  <m:t>1</m:t>
+                                </m:r>
+                              </m:e>
+                            </m:mr>
+                            <m:mr>
+                              <m:e>
+                                <m:r>
+                                  <a:rPr lang="en-US" altLang="ko-KR" b="0" i="1" smtClean="0">
+                                    <a:latin typeface="Cambria Math"/>
+                                  </a:rPr>
+                                  <m:t>0</m:t>
+                                </m:r>
+                              </m:e>
+                              <m:e>
+                                <m:r>
+                                  <a:rPr lang="en-US" altLang="ko-KR" b="0" i="1" smtClean="0">
+                                    <a:latin typeface="Cambria Math"/>
+                                  </a:rPr>
+                                  <m:t>1</m:t>
+                                </m:r>
+                              </m:e>
+                              <m:e>
+                                <m:r>
+                                  <a:rPr lang="en-US" altLang="ko-KR" i="1">
+                                    <a:latin typeface="Cambria Math"/>
+                                  </a:rPr>
+                                  <m:t>−</m:t>
+                                </m:r>
+                                <m:r>
+                                  <a:rPr lang="en-US" altLang="ko-KR" b="0" i="1" smtClean="0">
+                                    <a:latin typeface="Cambria Math"/>
+                                  </a:rPr>
+                                  <m:t>3</m:t>
+                                </m:r>
+                              </m:e>
+                            </m:mr>
+                            <m:mr>
+                              <m:e>
+                                <m:r>
+                                  <a:rPr lang="en-US" altLang="ko-KR" b="0" i="1" smtClean="0">
+                                    <a:latin typeface="Cambria Math"/>
+                                  </a:rPr>
+                                  <m:t>0</m:t>
+                                </m:r>
+                              </m:e>
+                              <m:e>
+                                <m:r>
+                                  <a:rPr lang="en-US" altLang="ko-KR" b="0" i="1" smtClean="0">
+                                    <a:latin typeface="Cambria Math"/>
+                                  </a:rPr>
+                                  <m:t>0</m:t>
+                                </m:r>
+                              </m:e>
+                              <m:e>
+                                <m:r>
+                                  <a:rPr lang="en-US" altLang="ko-KR" b="0" i="1" smtClean="0">
+                                    <a:latin typeface="Cambria Math"/>
+                                  </a:rPr>
+                                  <m:t>4</m:t>
+                                </m:r>
+                              </m:e>
+                            </m:mr>
+                          </m:m>
+                        </m:e>
+                      </m:d>
+                    </m:oMath>
+                  </m:oMathPara>
+                </a14:m>
+                <a:endParaRPr lang="ko-KR" altLang="en-US" dirty="0"/>
+              </a:p>
+            </p:txBody>
+          </p:sp>
+        </mc:Choice>
+        <mc:Fallback>
+          <p:sp>
+            <p:nvSpPr>
+              <p:cNvPr id="9" name="TextBox 8"/>
+              <p:cNvSpPr txBox="1">
+                <a:spLocks noRot="1" noChangeAspect="1" noMove="1" noResize="1" noEditPoints="1" noAdjustHandles="1" noChangeArrowheads="1" noChangeShapeType="1" noTextEdit="1"/>
+              </p:cNvSpPr>
+              <p:nvPr/>
+            </p:nvSpPr>
+            <p:spPr>
+              <a:xfrm>
+                <a:off x="1164697" y="1484784"/>
+                <a:ext cx="7389010" cy="879023"/>
+              </a:xfrm>
+              <a:prstGeom prst="rect">
+                <a:avLst/>
+              </a:prstGeom>
+              <a:blipFill rotWithShape="1">
+                <a:blip r:embed="rId2"/>
+                <a:stretch>
+                  <a:fillRect/>
+                </a:stretch>
+              </a:blipFill>
+            </p:spPr>
+            <p:txBody>
+              <a:bodyPr/>
+              <a:lstStyle/>
+              <a:p>
+                <a:r>
+                  <a:rPr lang="ko-KR" altLang="en-US">
+                    <a:noFill/>
+                  </a:rPr>
+                  <a:t> </a:t>
+                </a:r>
+              </a:p>
+            </p:txBody>
+          </p:sp>
+        </mc:Fallback>
+      </mc:AlternateContent>
+      <mc:AlternateContent xmlns:mc="http://schemas.openxmlformats.org/markup-compatibility/2006">
+        <mc:Choice xmlns:a14="http://schemas.microsoft.com/office/drawing/2010/main" Requires="a14">
+          <p:sp>
+            <p:nvSpPr>
+              <p:cNvPr id="10" name="TextBox 9"/>
+              <p:cNvSpPr txBox="1"/>
+              <p:nvPr/>
+            </p:nvSpPr>
+            <p:spPr>
+              <a:xfrm>
+                <a:off x="1547664" y="908720"/>
+                <a:ext cx="642804" cy="646331"/>
+              </a:xfrm>
+              <a:prstGeom prst="rect">
+                <a:avLst/>
+              </a:prstGeom>
+              <a:noFill/>
+            </p:spPr>
+            <p:txBody>
+              <a:bodyPr wrap="none" rtlCol="0">
+                <a:spAutoFit/>
+              </a:bodyPr>
+              <a:lstStyle/>
+              <a:p>
+                <a:pPr/>
+                <a14:m>
+                  <m:oMathPara xmlns:m="http://schemas.openxmlformats.org/officeDocument/2006/math">
+                    <m:oMathParaPr>
+                      <m:jc m:val="centerGroup"/>
+                    </m:oMathParaPr>
+                    <m:oMath xmlns:m="http://schemas.openxmlformats.org/officeDocument/2006/math">
+                      <m:r>
+                        <a:rPr lang="en-US" altLang="ko-KR" sz="3600" b="0" i="1" smtClean="0">
+                          <a:solidFill>
+                            <a:schemeClr val="tx1"/>
+                          </a:solidFill>
+                          <a:latin typeface="Cambria Math"/>
+                        </a:rPr>
+                        <m:t>𝐴</m:t>
+                      </m:r>
+                    </m:oMath>
+                  </m:oMathPara>
+                </a14:m>
+                <a:endParaRPr lang="ko-KR" altLang="en-US" sz="3600" dirty="0">
+                  <a:solidFill>
+                    <a:schemeClr val="tx1"/>
+                  </a:solidFill>
+                </a:endParaRPr>
+              </a:p>
+            </p:txBody>
+          </p:sp>
+        </mc:Choice>
+        <mc:Fallback>
+          <p:sp>
+            <p:nvSpPr>
+              <p:cNvPr id="10" name="TextBox 9"/>
+              <p:cNvSpPr txBox="1">
+                <a:spLocks noRot="1" noChangeAspect="1" noMove="1" noResize="1" noEditPoints="1" noAdjustHandles="1" noChangeArrowheads="1" noChangeShapeType="1" noTextEdit="1"/>
+              </p:cNvSpPr>
+              <p:nvPr/>
+            </p:nvSpPr>
+            <p:spPr>
+              <a:xfrm>
+                <a:off x="1547664" y="908720"/>
+                <a:ext cx="642804" cy="646331"/>
+              </a:xfrm>
+              <a:prstGeom prst="rect">
+                <a:avLst/>
+              </a:prstGeom>
+              <a:blipFill rotWithShape="1">
+                <a:blip r:embed="rId3"/>
+                <a:stretch>
+                  <a:fillRect/>
+                </a:stretch>
+              </a:blipFill>
+            </p:spPr>
+            <p:txBody>
+              <a:bodyPr/>
+              <a:lstStyle/>
+              <a:p>
+                <a:r>
+                  <a:rPr lang="ko-KR" altLang="en-US">
+                    <a:noFill/>
+                  </a:rPr>
+                  <a:t> </a:t>
+                </a:r>
+              </a:p>
+            </p:txBody>
+          </p:sp>
+        </mc:Fallback>
+      </mc:AlternateContent>
+      <mc:AlternateContent xmlns:mc="http://schemas.openxmlformats.org/markup-compatibility/2006">
+        <mc:Choice xmlns:a14="http://schemas.microsoft.com/office/drawing/2010/main" Requires="a14">
+          <p:sp>
+            <p:nvSpPr>
+              <p:cNvPr id="14" name="TextBox 13"/>
+              <p:cNvSpPr txBox="1"/>
+              <p:nvPr/>
+            </p:nvSpPr>
+            <p:spPr>
+              <a:xfrm>
+                <a:off x="2411760" y="2636912"/>
+                <a:ext cx="4914359" cy="824906"/>
+              </a:xfrm>
+              <a:prstGeom prst="rect">
+                <a:avLst/>
+              </a:prstGeom>
+              <a:noFill/>
+            </p:spPr>
+            <p:txBody>
+              <a:bodyPr wrap="none" rtlCol="0">
+                <a:spAutoFit/>
+              </a:bodyPr>
+              <a:lstStyle/>
+              <a:p>
+                <a:pPr/>
+                <a14:m>
+                  <m:oMathPara xmlns:m="http://schemas.openxmlformats.org/officeDocument/2006/math">
+                    <m:oMathParaPr>
+                      <m:jc m:val="centerGroup"/>
+                    </m:oMathParaPr>
+                    <m:oMath xmlns:m="http://schemas.openxmlformats.org/officeDocument/2006/math">
+                      <m:r>
+                        <a:rPr lang="en-US" altLang="ko-KR" b="0" i="1" smtClean="0">
+                          <a:latin typeface="Cambria Math"/>
+                        </a:rPr>
+                        <m:t>=</m:t>
+                      </m:r>
+                      <m:d>
+                        <m:dPr>
+                          <m:begChr m:val="["/>
+                          <m:endChr m:val="]"/>
+                          <m:ctrlPr>
+                            <a:rPr lang="en-US" altLang="ko-KR" i="1">
+                              <a:solidFill>
+                                <a:srgbClr val="00B050"/>
+                              </a:solidFill>
+                              <a:latin typeface="Cambria Math"/>
+                            </a:rPr>
+                          </m:ctrlPr>
+                        </m:dPr>
+                        <m:e>
+                          <m:m>
+                            <m:mPr>
+                              <m:mcs>
+                                <m:mc>
+                                  <m:mcPr>
+                                    <m:count m:val="3"/>
+                                    <m:mcJc m:val="center"/>
+                                  </m:mcPr>
+                                </m:mc>
+                              </m:mcs>
+                              <m:ctrlPr>
+                                <a:rPr lang="en-US" altLang="ko-KR" i="1">
+                                  <a:solidFill>
+                                    <a:srgbClr val="00B050"/>
+                                  </a:solidFill>
+                                  <a:latin typeface="Cambria Math"/>
+                                </a:rPr>
+                              </m:ctrlPr>
+                            </m:mPr>
+                            <m:mr>
+                              <m:e>
+                                <m:r>
+                                  <m:rPr>
+                                    <m:brk m:alnAt="7"/>
+                                  </m:rPr>
+                                  <a:rPr lang="en-US" altLang="ko-KR" i="1">
+                                    <a:solidFill>
+                                      <a:srgbClr val="00B050"/>
+                                    </a:solidFill>
+                                    <a:latin typeface="Cambria Math"/>
+                                  </a:rPr>
+                                  <m:t>1</m:t>
+                                </m:r>
+                              </m:e>
+                              <m:e>
+                                <m:r>
+                                  <a:rPr lang="en-US" altLang="ko-KR" i="1">
+                                    <a:solidFill>
+                                      <a:srgbClr val="00B050"/>
+                                    </a:solidFill>
+                                    <a:latin typeface="Cambria Math"/>
+                                  </a:rPr>
+                                  <m:t>0</m:t>
+                                </m:r>
+                              </m:e>
+                              <m:e>
+                                <m:r>
+                                  <a:rPr lang="en-US" altLang="ko-KR" i="1">
+                                    <a:solidFill>
+                                      <a:srgbClr val="00B050"/>
+                                    </a:solidFill>
+                                    <a:latin typeface="Cambria Math"/>
+                                  </a:rPr>
+                                  <m:t>0</m:t>
+                                </m:r>
+                              </m:e>
+                            </m:mr>
+                            <m:mr>
+                              <m:e>
+                                <m:r>
+                                  <a:rPr lang="en-US" altLang="ko-KR" i="1">
+                                    <a:solidFill>
+                                      <a:srgbClr val="00B050"/>
+                                    </a:solidFill>
+                                    <a:latin typeface="Cambria Math"/>
+                                  </a:rPr>
+                                  <m:t>2</m:t>
+                                </m:r>
+                              </m:e>
+                              <m:e>
+                                <m:r>
+                                  <a:rPr lang="en-US" altLang="ko-KR" i="1">
+                                    <a:solidFill>
+                                      <a:srgbClr val="00B050"/>
+                                    </a:solidFill>
+                                    <a:latin typeface="Cambria Math"/>
+                                  </a:rPr>
+                                  <m:t>1</m:t>
+                                </m:r>
+                              </m:e>
+                              <m:e>
+                                <m:r>
+                                  <a:rPr lang="en-US" altLang="ko-KR" i="1">
+                                    <a:solidFill>
+                                      <a:srgbClr val="00B050"/>
+                                    </a:solidFill>
+                                    <a:latin typeface="Cambria Math"/>
+                                  </a:rPr>
+                                  <m:t>0</m:t>
+                                </m:r>
+                              </m:e>
+                            </m:mr>
+                            <m:mr>
+                              <m:e>
+                                <m:r>
+                                  <a:rPr lang="en-US" altLang="ko-KR" i="1">
+                                    <a:solidFill>
+                                      <a:srgbClr val="00B050"/>
+                                    </a:solidFill>
+                                    <a:latin typeface="Cambria Math"/>
+                                  </a:rPr>
+                                  <m:t>0</m:t>
+                                </m:r>
+                              </m:e>
+                              <m:e>
+                                <m:r>
+                                  <a:rPr lang="en-US" altLang="ko-KR" i="1">
+                                    <a:solidFill>
+                                      <a:srgbClr val="00B050"/>
+                                    </a:solidFill>
+                                    <a:latin typeface="Cambria Math"/>
+                                  </a:rPr>
+                                  <m:t>0</m:t>
+                                </m:r>
+                              </m:e>
+                              <m:e>
+                                <m:r>
+                                  <a:rPr lang="en-US" altLang="ko-KR" i="1">
+                                    <a:solidFill>
+                                      <a:srgbClr val="00B050"/>
+                                    </a:solidFill>
+                                    <a:latin typeface="Cambria Math"/>
+                                  </a:rPr>
+                                  <m:t>1</m:t>
+                                </m:r>
+                              </m:e>
+                            </m:mr>
+                          </m:m>
+                        </m:e>
+                      </m:d>
+                      <m:d>
+                        <m:dPr>
+                          <m:begChr m:val="["/>
+                          <m:endChr m:val="]"/>
+                          <m:ctrlPr>
+                            <a:rPr lang="en-US" altLang="ko-KR" i="1">
+                              <a:solidFill>
+                                <a:srgbClr val="00B0F0"/>
+                              </a:solidFill>
+                              <a:latin typeface="Cambria Math"/>
+                            </a:rPr>
+                          </m:ctrlPr>
+                        </m:dPr>
+                        <m:e>
+                          <m:m>
+                            <m:mPr>
+                              <m:mcs>
+                                <m:mc>
+                                  <m:mcPr>
+                                    <m:count m:val="3"/>
+                                    <m:mcJc m:val="center"/>
+                                  </m:mcPr>
+                                </m:mc>
+                              </m:mcs>
+                              <m:ctrlPr>
+                                <a:rPr lang="en-US" altLang="ko-KR" i="1">
+                                  <a:solidFill>
+                                    <a:srgbClr val="00B0F0"/>
+                                  </a:solidFill>
+                                  <a:latin typeface="Cambria Math"/>
+                                </a:rPr>
+                              </m:ctrlPr>
+                            </m:mPr>
+                            <m:mr>
+                              <m:e>
+                                <m:r>
+                                  <m:rPr>
+                                    <m:brk m:alnAt="7"/>
+                                  </m:rPr>
+                                  <a:rPr lang="en-US" altLang="ko-KR" i="1">
+                                    <a:solidFill>
+                                      <a:srgbClr val="00B0F0"/>
+                                    </a:solidFill>
+                                    <a:latin typeface="Cambria Math"/>
+                                  </a:rPr>
+                                  <m:t>1</m:t>
+                                </m:r>
+                              </m:e>
+                              <m:e>
+                                <m:r>
+                                  <a:rPr lang="en-US" altLang="ko-KR" i="1">
+                                    <a:solidFill>
+                                      <a:srgbClr val="00B0F0"/>
+                                    </a:solidFill>
+                                    <a:latin typeface="Cambria Math"/>
+                                  </a:rPr>
+                                  <m:t>0</m:t>
+                                </m:r>
+                              </m:e>
+                              <m:e>
+                                <m:r>
+                                  <a:rPr lang="en-US" altLang="ko-KR" i="1">
+                                    <a:solidFill>
+                                      <a:srgbClr val="00B0F0"/>
+                                    </a:solidFill>
+                                    <a:latin typeface="Cambria Math"/>
+                                  </a:rPr>
+                                  <m:t>0</m:t>
+                                </m:r>
+                              </m:e>
+                            </m:mr>
+                            <m:mr>
+                              <m:e>
+                                <m:r>
+                                  <a:rPr lang="en-US" altLang="ko-KR" i="1">
+                                    <a:solidFill>
+                                      <a:srgbClr val="00B0F0"/>
+                                    </a:solidFill>
+                                    <a:latin typeface="Cambria Math"/>
+                                  </a:rPr>
+                                  <m:t>0</m:t>
+                                </m:r>
+                              </m:e>
+                              <m:e>
+                                <m:r>
+                                  <a:rPr lang="en-US" altLang="ko-KR" i="1">
+                                    <a:solidFill>
+                                      <a:srgbClr val="00B0F0"/>
+                                    </a:solidFill>
+                                    <a:latin typeface="Cambria Math"/>
+                                  </a:rPr>
+                                  <m:t>1</m:t>
+                                </m:r>
+                              </m:e>
+                              <m:e>
+                                <m:r>
+                                  <a:rPr lang="en-US" altLang="ko-KR" i="1">
+                                    <a:solidFill>
+                                      <a:srgbClr val="00B0F0"/>
+                                    </a:solidFill>
+                                    <a:latin typeface="Cambria Math"/>
+                                  </a:rPr>
+                                  <m:t>0</m:t>
+                                </m:r>
+                              </m:e>
+                            </m:mr>
+                            <m:mr>
+                              <m:e>
+                                <m:r>
+                                  <a:rPr lang="en-US" altLang="ko-KR" i="1">
+                                    <a:solidFill>
+                                      <a:srgbClr val="00B0F0"/>
+                                    </a:solidFill>
+                                    <a:latin typeface="Cambria Math"/>
+                                  </a:rPr>
+                                  <m:t>2</m:t>
+                                </m:r>
+                              </m:e>
+                              <m:e>
+                                <m:r>
+                                  <a:rPr lang="en-US" altLang="ko-KR" i="1">
+                                    <a:solidFill>
+                                      <a:srgbClr val="00B0F0"/>
+                                    </a:solidFill>
+                                    <a:latin typeface="Cambria Math"/>
+                                  </a:rPr>
+                                  <m:t>0</m:t>
+                                </m:r>
+                              </m:e>
+                              <m:e>
+                                <m:r>
+                                  <a:rPr lang="en-US" altLang="ko-KR" i="1">
+                                    <a:solidFill>
+                                      <a:srgbClr val="00B0F0"/>
+                                    </a:solidFill>
+                                    <a:latin typeface="Cambria Math"/>
+                                  </a:rPr>
+                                  <m:t>1</m:t>
+                                </m:r>
+                              </m:e>
+                            </m:mr>
+                          </m:m>
+                        </m:e>
+                      </m:d>
+                      <m:d>
+                        <m:dPr>
+                          <m:begChr m:val="["/>
+                          <m:endChr m:val="]"/>
+                          <m:ctrlPr>
+                            <a:rPr lang="en-US" altLang="ko-KR" i="1">
+                              <a:solidFill>
+                                <a:srgbClr val="FF0000"/>
+                              </a:solidFill>
+                              <a:latin typeface="Cambria Math"/>
+                            </a:rPr>
+                          </m:ctrlPr>
+                        </m:dPr>
+                        <m:e>
+                          <m:m>
+                            <m:mPr>
+                              <m:mcs>
+                                <m:mc>
+                                  <m:mcPr>
+                                    <m:count m:val="3"/>
+                                    <m:mcJc m:val="center"/>
+                                  </m:mcPr>
+                                </m:mc>
+                              </m:mcs>
+                              <m:ctrlPr>
+                                <a:rPr lang="en-US" altLang="ko-KR" i="1">
+                                  <a:solidFill>
+                                    <a:srgbClr val="FF0000"/>
+                                  </a:solidFill>
+                                  <a:latin typeface="Cambria Math"/>
+                                </a:rPr>
+                              </m:ctrlPr>
+                            </m:mPr>
+                            <m:mr>
+                              <m:e>
+                                <m:r>
+                                  <m:rPr>
+                                    <m:brk m:alnAt="7"/>
+                                  </m:rPr>
+                                  <a:rPr lang="en-US" altLang="ko-KR" i="1">
+                                    <a:solidFill>
+                                      <a:srgbClr val="FF0000"/>
+                                    </a:solidFill>
+                                    <a:latin typeface="Cambria Math"/>
+                                  </a:rPr>
+                                  <m:t>1</m:t>
+                                </m:r>
+                              </m:e>
+                              <m:e>
+                                <m:r>
+                                  <a:rPr lang="en-US" altLang="ko-KR" i="1">
+                                    <a:solidFill>
+                                      <a:srgbClr val="FF0000"/>
+                                    </a:solidFill>
+                                    <a:latin typeface="Cambria Math"/>
+                                  </a:rPr>
+                                  <m:t>0</m:t>
+                                </m:r>
+                              </m:e>
+                              <m:e>
+                                <m:r>
+                                  <a:rPr lang="en-US" altLang="ko-KR" i="1">
+                                    <a:solidFill>
+                                      <a:srgbClr val="FF0000"/>
+                                    </a:solidFill>
+                                    <a:latin typeface="Cambria Math"/>
+                                  </a:rPr>
+                                  <m:t>0</m:t>
+                                </m:r>
+                              </m:e>
+                            </m:mr>
+                            <m:mr>
+                              <m:e>
+                                <m:r>
+                                  <a:rPr lang="en-US" altLang="ko-KR" i="1">
+                                    <a:solidFill>
+                                      <a:srgbClr val="FF0000"/>
+                                    </a:solidFill>
+                                    <a:latin typeface="Cambria Math"/>
+                                  </a:rPr>
+                                  <m:t>0</m:t>
+                                </m:r>
+                              </m:e>
+                              <m:e>
+                                <m:r>
+                                  <a:rPr lang="en-US" altLang="ko-KR" i="1">
+                                    <a:solidFill>
+                                      <a:srgbClr val="FF0000"/>
+                                    </a:solidFill>
+                                    <a:latin typeface="Cambria Math"/>
+                                  </a:rPr>
+                                  <m:t>1</m:t>
+                                </m:r>
+                              </m:e>
+                              <m:e>
+                                <m:r>
+                                  <a:rPr lang="en-US" altLang="ko-KR" i="1">
+                                    <a:solidFill>
+                                      <a:srgbClr val="FF0000"/>
+                                    </a:solidFill>
+                                    <a:latin typeface="Cambria Math"/>
+                                  </a:rPr>
+                                  <m:t>0</m:t>
+                                </m:r>
+                              </m:e>
+                            </m:mr>
+                            <m:mr>
+                              <m:e>
+                                <m:r>
+                                  <a:rPr lang="en-US" altLang="ko-KR" i="1">
+                                    <a:solidFill>
+                                      <a:srgbClr val="FF0000"/>
+                                    </a:solidFill>
+                                    <a:latin typeface="Cambria Math"/>
+                                  </a:rPr>
+                                  <m:t>0</m:t>
+                                </m:r>
+                              </m:e>
+                              <m:e>
+                                <m:r>
+                                  <a:rPr lang="en-US" altLang="ko-KR" i="1">
+                                    <a:solidFill>
+                                      <a:srgbClr val="FF0000"/>
+                                    </a:solidFill>
+                                    <a:latin typeface="Cambria Math"/>
+                                  </a:rPr>
+                                  <m:t>1</m:t>
+                                </m:r>
+                              </m:e>
+                              <m:e>
+                                <m:r>
+                                  <a:rPr lang="en-US" altLang="ko-KR" i="1">
+                                    <a:solidFill>
+                                      <a:srgbClr val="FF0000"/>
+                                    </a:solidFill>
+                                    <a:latin typeface="Cambria Math"/>
+                                  </a:rPr>
+                                  <m:t>1</m:t>
+                                </m:r>
+                              </m:e>
+                            </m:mr>
+                          </m:m>
+                        </m:e>
+                      </m:d>
+                      <m:d>
+                        <m:dPr>
+                          <m:begChr m:val="["/>
+                          <m:endChr m:val="]"/>
+                          <m:ctrlPr>
+                            <a:rPr lang="en-US" altLang="ko-KR" i="1">
+                              <a:latin typeface="Cambria Math"/>
+                            </a:rPr>
+                          </m:ctrlPr>
+                        </m:dPr>
+                        <m:e>
+                          <m:m>
+                            <m:mPr>
+                              <m:mcs>
+                                <m:mc>
+                                  <m:mcPr>
+                                    <m:count m:val="3"/>
+                                    <m:mcJc m:val="center"/>
+                                  </m:mcPr>
+                                </m:mc>
+                              </m:mcs>
+                              <m:ctrlPr>
+                                <a:rPr lang="en-US" altLang="ko-KR" i="1">
+                                  <a:latin typeface="Cambria Math"/>
+                                </a:rPr>
+                              </m:ctrlPr>
+                            </m:mPr>
+                            <m:mr>
+                              <m:e>
+                                <m:r>
+                                  <m:rPr>
+                                    <m:brk m:alnAt="7"/>
+                                  </m:rPr>
+                                  <a:rPr lang="en-US" altLang="ko-KR" i="1">
+                                    <a:latin typeface="Cambria Math"/>
+                                  </a:rPr>
+                                  <m:t>1</m:t>
+                                </m:r>
+                              </m:e>
+                              <m:e>
+                                <m:r>
+                                  <a:rPr lang="en-US" altLang="ko-KR" i="1">
+                                    <a:latin typeface="Cambria Math"/>
+                                  </a:rPr>
+                                  <m:t>1</m:t>
+                                </m:r>
+                              </m:e>
+                              <m:e>
+                                <m:r>
+                                  <a:rPr lang="en-US" altLang="ko-KR" i="1">
+                                    <a:latin typeface="Cambria Math"/>
+                                  </a:rPr>
+                                  <m:t>1</m:t>
+                                </m:r>
+                              </m:e>
+                            </m:mr>
+                            <m:mr>
+                              <m:e>
+                                <m:r>
+                                  <a:rPr lang="en-US" altLang="ko-KR" b="0" i="1" smtClean="0">
+                                    <a:latin typeface="Cambria Math"/>
+                                  </a:rPr>
+                                  <m:t>0</m:t>
+                                </m:r>
+                              </m:e>
+                              <m:e>
+                                <m:r>
+                                  <a:rPr lang="en-US" altLang="ko-KR" b="0" i="1" smtClean="0">
+                                    <a:latin typeface="Cambria Math"/>
+                                  </a:rPr>
+                                  <m:t>1</m:t>
+                                </m:r>
+                              </m:e>
+                              <m:e>
+                                <m:r>
+                                  <a:rPr lang="en-US" altLang="ko-KR" i="1">
+                                    <a:latin typeface="Cambria Math"/>
+                                  </a:rPr>
+                                  <m:t>−</m:t>
+                                </m:r>
+                                <m:r>
+                                  <a:rPr lang="en-US" altLang="ko-KR" b="0" i="1" smtClean="0">
+                                    <a:latin typeface="Cambria Math"/>
+                                  </a:rPr>
+                                  <m:t>3</m:t>
+                                </m:r>
+                              </m:e>
+                            </m:mr>
+                            <m:mr>
+                              <m:e>
+                                <m:r>
+                                  <a:rPr lang="en-US" altLang="ko-KR" b="0" i="1" smtClean="0">
+                                    <a:latin typeface="Cambria Math"/>
+                                  </a:rPr>
+                                  <m:t>0</m:t>
+                                </m:r>
+                              </m:e>
+                              <m:e>
+                                <m:r>
+                                  <a:rPr lang="en-US" altLang="ko-KR" b="0" i="1" smtClean="0">
+                                    <a:latin typeface="Cambria Math"/>
+                                  </a:rPr>
+                                  <m:t>0</m:t>
+                                </m:r>
+                              </m:e>
+                              <m:e>
+                                <m:r>
+                                  <a:rPr lang="en-US" altLang="ko-KR" b="0" i="1" smtClean="0">
+                                    <a:latin typeface="Cambria Math"/>
+                                  </a:rPr>
+                                  <m:t>4</m:t>
+                                </m:r>
+                              </m:e>
+                            </m:mr>
+                          </m:m>
+                        </m:e>
+                      </m:d>
+                    </m:oMath>
+                  </m:oMathPara>
+                </a14:m>
+                <a:endParaRPr lang="ko-KR" altLang="en-US" dirty="0"/>
+              </a:p>
+            </p:txBody>
+          </p:sp>
+        </mc:Choice>
+        <mc:Fallback>
+          <p:sp>
+            <p:nvSpPr>
+              <p:cNvPr id="14" name="TextBox 13"/>
+              <p:cNvSpPr txBox="1">
+                <a:spLocks noRot="1" noChangeAspect="1" noMove="1" noResize="1" noEditPoints="1" noAdjustHandles="1" noChangeArrowheads="1" noChangeShapeType="1" noTextEdit="1"/>
+              </p:cNvSpPr>
+              <p:nvPr/>
+            </p:nvSpPr>
+            <p:spPr>
+              <a:xfrm>
+                <a:off x="2411760" y="2636912"/>
+                <a:ext cx="4914359" cy="824906"/>
+              </a:xfrm>
+              <a:prstGeom prst="rect">
+                <a:avLst/>
+              </a:prstGeom>
+              <a:blipFill rotWithShape="1">
+                <a:blip r:embed="rId4"/>
+                <a:stretch>
+                  <a:fillRect/>
+                </a:stretch>
+              </a:blipFill>
+            </p:spPr>
+            <p:txBody>
+              <a:bodyPr/>
+              <a:lstStyle/>
+              <a:p>
+                <a:r>
+                  <a:rPr lang="ko-KR" altLang="en-US">
+                    <a:noFill/>
+                  </a:rPr>
+                  <a:t> </a:t>
+                </a:r>
+              </a:p>
+            </p:txBody>
+          </p:sp>
+        </mc:Fallback>
+      </mc:AlternateContent>
+      <mc:AlternateContent xmlns:mc="http://schemas.openxmlformats.org/markup-compatibility/2006">
+        <mc:Choice xmlns:a14="http://schemas.microsoft.com/office/drawing/2010/main" Requires="a14">
+          <p:sp>
+            <p:nvSpPr>
+              <p:cNvPr id="15" name="TextBox 14"/>
+              <p:cNvSpPr txBox="1"/>
+              <p:nvPr/>
+            </p:nvSpPr>
+            <p:spPr>
+              <a:xfrm>
+                <a:off x="2411760" y="3645024"/>
+                <a:ext cx="2859694" cy="824906"/>
+              </a:xfrm>
+              <a:prstGeom prst="rect">
+                <a:avLst/>
+              </a:prstGeom>
+              <a:noFill/>
+            </p:spPr>
+            <p:txBody>
+              <a:bodyPr wrap="none" rtlCol="0">
+                <a:spAutoFit/>
+              </a:bodyPr>
+              <a:lstStyle/>
+              <a:p>
+                <a14:m>
+                  <m:oMathPara xmlns:m="http://schemas.openxmlformats.org/officeDocument/2006/math">
+                    <m:oMathParaPr>
+                      <m:jc m:val="centerGroup"/>
+                    </m:oMathParaPr>
+                    <m:oMath xmlns:m="http://schemas.openxmlformats.org/officeDocument/2006/math">
+                      <m:r>
+                        <a:rPr lang="en-US" altLang="ko-KR" b="0" i="1" smtClean="0">
+                          <a:latin typeface="Cambria Math"/>
+                        </a:rPr>
+                        <m:t>=</m:t>
+                      </m:r>
+                      <m:d>
+                        <m:dPr>
+                          <m:begChr m:val="["/>
+                          <m:endChr m:val="]"/>
+                          <m:ctrlPr>
+                            <a:rPr lang="en-US" altLang="ko-KR" i="1">
+                              <a:latin typeface="Cambria Math"/>
+                            </a:rPr>
+                          </m:ctrlPr>
+                        </m:dPr>
+                        <m:e>
+                          <m:m>
+                            <m:mPr>
+                              <m:mcs>
+                                <m:mc>
+                                  <m:mcPr>
+                                    <m:count m:val="3"/>
+                                    <m:mcJc m:val="center"/>
+                                  </m:mcPr>
+                                </m:mc>
+                              </m:mcs>
+                              <m:ctrlPr>
+                                <a:rPr lang="en-US" altLang="ko-KR" i="1">
+                                  <a:latin typeface="Cambria Math"/>
+                                </a:rPr>
+                              </m:ctrlPr>
+                            </m:mPr>
+                            <m:mr>
+                              <m:e>
+                                <m:r>
+                                  <m:rPr>
+                                    <m:brk m:alnAt="7"/>
+                                  </m:rPr>
+                                  <a:rPr lang="en-US" altLang="ko-KR" i="1">
+                                    <a:latin typeface="Cambria Math"/>
+                                  </a:rPr>
+                                  <m:t>1</m:t>
+                                </m:r>
+                              </m:e>
+                              <m:e>
+                                <m:r>
+                                  <a:rPr lang="en-US" altLang="ko-KR" b="0" i="1" smtClean="0">
+                                    <a:latin typeface="Cambria Math"/>
+                                  </a:rPr>
+                                  <m:t>0</m:t>
+                                </m:r>
+                              </m:e>
+                              <m:e>
+                                <m:r>
+                                  <a:rPr lang="en-US" altLang="ko-KR" b="0" i="1" smtClean="0">
+                                    <a:latin typeface="Cambria Math"/>
+                                  </a:rPr>
+                                  <m:t>0</m:t>
+                                </m:r>
+                              </m:e>
+                            </m:mr>
+                            <m:mr>
+                              <m:e>
+                                <m:r>
+                                  <a:rPr lang="en-US" altLang="ko-KR" b="0" i="1" smtClean="0">
+                                    <a:latin typeface="Cambria Math"/>
+                                  </a:rPr>
+                                  <m:t>2</m:t>
+                                </m:r>
+                              </m:e>
+                              <m:e>
+                                <m:r>
+                                  <a:rPr lang="en-US" altLang="ko-KR" i="1">
+                                    <a:latin typeface="Cambria Math"/>
+                                  </a:rPr>
+                                  <m:t>1</m:t>
+                                </m:r>
+                              </m:e>
+                              <m:e>
+                                <m:r>
+                                  <a:rPr lang="en-US" altLang="ko-KR" b="0" i="1" smtClean="0">
+                                    <a:latin typeface="Cambria Math"/>
+                                  </a:rPr>
+                                  <m:t>0</m:t>
+                                </m:r>
+                              </m:e>
+                            </m:mr>
+                            <m:mr>
+                              <m:e>
+                                <m:r>
+                                  <a:rPr lang="en-US" altLang="ko-KR" b="0" i="1" smtClean="0">
+                                    <a:latin typeface="Cambria Math"/>
+                                  </a:rPr>
+                                  <m:t>2</m:t>
+                                </m:r>
+                              </m:e>
+                              <m:e>
+                                <m:r>
+                                  <a:rPr lang="en-US" altLang="ko-KR" b="0" i="1" smtClean="0">
+                                    <a:latin typeface="Cambria Math"/>
+                                  </a:rPr>
+                                  <m:t>1</m:t>
+                                </m:r>
+                              </m:e>
+                              <m:e>
+                                <m:r>
+                                  <a:rPr lang="en-US" altLang="ko-KR" b="0" i="1" smtClean="0">
+                                    <a:latin typeface="Cambria Math"/>
+                                  </a:rPr>
+                                  <m:t>1</m:t>
+                                </m:r>
+                              </m:e>
+                            </m:mr>
+                          </m:m>
+                        </m:e>
+                      </m:d>
+                      <m:d>
+                        <m:dPr>
+                          <m:begChr m:val="["/>
+                          <m:endChr m:val="]"/>
+                          <m:ctrlPr>
+                            <a:rPr lang="en-US" altLang="ko-KR" i="1">
+                              <a:latin typeface="Cambria Math"/>
+                            </a:rPr>
+                          </m:ctrlPr>
+                        </m:dPr>
+                        <m:e>
+                          <m:m>
+                            <m:mPr>
+                              <m:mcs>
+                                <m:mc>
+                                  <m:mcPr>
+                                    <m:count m:val="3"/>
+                                    <m:mcJc m:val="center"/>
+                                  </m:mcPr>
+                                </m:mc>
+                              </m:mcs>
+                              <m:ctrlPr>
+                                <a:rPr lang="en-US" altLang="ko-KR" i="1">
+                                  <a:latin typeface="Cambria Math"/>
+                                </a:rPr>
+                              </m:ctrlPr>
+                            </m:mPr>
+                            <m:mr>
+                              <m:e>
+                                <m:r>
+                                  <m:rPr>
+                                    <m:brk m:alnAt="7"/>
+                                  </m:rPr>
+                                  <a:rPr lang="en-US" altLang="ko-KR" i="1">
+                                    <a:latin typeface="Cambria Math"/>
+                                  </a:rPr>
+                                  <m:t>1</m:t>
+                                </m:r>
+                              </m:e>
+                              <m:e>
+                                <m:r>
+                                  <a:rPr lang="en-US" altLang="ko-KR" i="1">
+                                    <a:latin typeface="Cambria Math"/>
+                                  </a:rPr>
+                                  <m:t>1</m:t>
+                                </m:r>
+                              </m:e>
+                              <m:e>
+                                <m:r>
+                                  <a:rPr lang="en-US" altLang="ko-KR" i="1">
+                                    <a:latin typeface="Cambria Math"/>
+                                  </a:rPr>
+                                  <m:t>1</m:t>
+                                </m:r>
+                              </m:e>
+                            </m:mr>
+                            <m:mr>
+                              <m:e>
+                                <m:r>
+                                  <a:rPr lang="en-US" altLang="ko-KR" b="0" i="1" smtClean="0">
+                                    <a:latin typeface="Cambria Math"/>
+                                  </a:rPr>
+                                  <m:t>0</m:t>
+                                </m:r>
+                              </m:e>
+                              <m:e>
+                                <m:r>
+                                  <a:rPr lang="en-US" altLang="ko-KR" b="0" i="1" smtClean="0">
+                                    <a:latin typeface="Cambria Math"/>
+                                  </a:rPr>
+                                  <m:t>1</m:t>
+                                </m:r>
+                              </m:e>
+                              <m:e>
+                                <m:r>
+                                  <a:rPr lang="en-US" altLang="ko-KR" i="1">
+                                    <a:latin typeface="Cambria Math"/>
+                                  </a:rPr>
+                                  <m:t>−</m:t>
+                                </m:r>
+                                <m:r>
+                                  <a:rPr lang="en-US" altLang="ko-KR" b="0" i="1" smtClean="0">
+                                    <a:latin typeface="Cambria Math"/>
+                                  </a:rPr>
+                                  <m:t>3</m:t>
+                                </m:r>
+                              </m:e>
+                            </m:mr>
+                            <m:mr>
+                              <m:e>
+                                <m:r>
+                                  <a:rPr lang="en-US" altLang="ko-KR" b="0" i="1" smtClean="0">
+                                    <a:latin typeface="Cambria Math"/>
+                                  </a:rPr>
+                                  <m:t>0</m:t>
+                                </m:r>
+                              </m:e>
+                              <m:e>
+                                <m:r>
+                                  <a:rPr lang="en-US" altLang="ko-KR" b="0" i="1" smtClean="0">
+                                    <a:latin typeface="Cambria Math"/>
+                                  </a:rPr>
+                                  <m:t>0</m:t>
+                                </m:r>
+                              </m:e>
+                              <m:e>
+                                <m:r>
+                                  <a:rPr lang="en-US" altLang="ko-KR" b="0" i="1" smtClean="0">
+                                    <a:latin typeface="Cambria Math"/>
+                                  </a:rPr>
+                                  <m:t>4</m:t>
+                                </m:r>
+                              </m:e>
+                            </m:mr>
+                          </m:m>
+                        </m:e>
+                      </m:d>
+                    </m:oMath>
+                  </m:oMathPara>
+                </a14:m>
+                <a:endParaRPr lang="ko-KR" altLang="en-US" dirty="0"/>
+              </a:p>
+            </p:txBody>
+          </p:sp>
+        </mc:Choice>
+        <mc:Fallback>
+          <p:sp>
+            <p:nvSpPr>
+              <p:cNvPr id="15" name="TextBox 14"/>
+              <p:cNvSpPr txBox="1">
+                <a:spLocks noRot="1" noChangeAspect="1" noMove="1" noResize="1" noEditPoints="1" noAdjustHandles="1" noChangeArrowheads="1" noChangeShapeType="1" noTextEdit="1"/>
+              </p:cNvSpPr>
+              <p:nvPr/>
+            </p:nvSpPr>
+            <p:spPr>
+              <a:xfrm>
+                <a:off x="2411760" y="3645024"/>
+                <a:ext cx="2859694" cy="824906"/>
+              </a:xfrm>
+              <a:prstGeom prst="rect">
+                <a:avLst/>
+              </a:prstGeom>
+              <a:blipFill rotWithShape="1">
+                <a:blip r:embed="rId5"/>
+                <a:stretch>
+                  <a:fillRect/>
+                </a:stretch>
+              </a:blipFill>
+            </p:spPr>
+            <p:txBody>
+              <a:bodyPr/>
+              <a:lstStyle/>
+              <a:p>
+                <a:r>
+                  <a:rPr lang="ko-KR" altLang="en-US">
+                    <a:noFill/>
+                  </a:rPr>
+                  <a:t> </a:t>
+                </a:r>
+              </a:p>
+            </p:txBody>
+          </p:sp>
+        </mc:Fallback>
+      </mc:AlternateContent>
+      <mc:AlternateContent xmlns:mc="http://schemas.openxmlformats.org/markup-compatibility/2006">
+        <mc:Choice xmlns:a14="http://schemas.microsoft.com/office/drawing/2010/main" Requires="a14">
+          <p:sp>
+            <p:nvSpPr>
+              <p:cNvPr id="16" name="TextBox 15"/>
+              <p:cNvSpPr txBox="1"/>
+              <p:nvPr/>
+            </p:nvSpPr>
+            <p:spPr>
+              <a:xfrm>
+                <a:off x="3049387" y="4469930"/>
+                <a:ext cx="601318" cy="646331"/>
+              </a:xfrm>
+              <a:prstGeom prst="rect">
+                <a:avLst/>
+              </a:prstGeom>
+              <a:noFill/>
+            </p:spPr>
+            <p:txBody>
+              <a:bodyPr wrap="none" rtlCol="0">
+                <a:spAutoFit/>
+              </a:bodyPr>
+              <a:lstStyle/>
+              <a:p>
+                <a:pPr/>
+                <a14:m>
+                  <m:oMathPara xmlns:m="http://schemas.openxmlformats.org/officeDocument/2006/math">
+                    <m:oMathParaPr>
+                      <m:jc m:val="centerGroup"/>
+                    </m:oMathParaPr>
+                    <m:oMath xmlns:m="http://schemas.openxmlformats.org/officeDocument/2006/math">
+                      <m:r>
+                        <a:rPr lang="en-US" altLang="ko-KR" sz="3600" i="1" dirty="0" smtClean="0">
+                          <a:solidFill>
+                            <a:schemeClr val="tx1"/>
+                          </a:solidFill>
+                          <a:latin typeface="Cambria Math"/>
+                        </a:rPr>
+                        <m:t>𝐿</m:t>
+                      </m:r>
+                    </m:oMath>
+                  </m:oMathPara>
+                </a14:m>
+                <a:endParaRPr lang="ko-KR" altLang="en-US" sz="3600" dirty="0">
+                  <a:solidFill>
+                    <a:schemeClr val="tx1"/>
+                  </a:solidFill>
+                </a:endParaRPr>
+              </a:p>
+            </p:txBody>
+          </p:sp>
+        </mc:Choice>
+        <mc:Fallback>
+          <p:sp>
+            <p:nvSpPr>
+              <p:cNvPr id="16" name="TextBox 15"/>
+              <p:cNvSpPr txBox="1">
+                <a:spLocks noRot="1" noChangeAspect="1" noMove="1" noResize="1" noEditPoints="1" noAdjustHandles="1" noChangeArrowheads="1" noChangeShapeType="1" noTextEdit="1"/>
+              </p:cNvSpPr>
+              <p:nvPr/>
+            </p:nvSpPr>
+            <p:spPr>
+              <a:xfrm>
+                <a:off x="3049387" y="4469930"/>
+                <a:ext cx="601318" cy="646331"/>
+              </a:xfrm>
+              <a:prstGeom prst="rect">
+                <a:avLst/>
+              </a:prstGeom>
+              <a:blipFill rotWithShape="1">
+                <a:blip r:embed="rId6"/>
+                <a:stretch>
+                  <a:fillRect/>
+                </a:stretch>
+              </a:blipFill>
+            </p:spPr>
+            <p:txBody>
+              <a:bodyPr/>
+              <a:lstStyle/>
+              <a:p>
+                <a:r>
+                  <a:rPr lang="ko-KR" altLang="en-US">
+                    <a:noFill/>
+                  </a:rPr>
+                  <a:t> </a:t>
+                </a:r>
+              </a:p>
+            </p:txBody>
+          </p:sp>
+        </mc:Fallback>
+      </mc:AlternateContent>
+      <mc:AlternateContent xmlns:mc="http://schemas.openxmlformats.org/markup-compatibility/2006">
+        <mc:Choice xmlns:a14="http://schemas.microsoft.com/office/drawing/2010/main" Requires="a14">
+          <p:sp>
+            <p:nvSpPr>
+              <p:cNvPr id="17" name="TextBox 16"/>
+              <p:cNvSpPr txBox="1"/>
+              <p:nvPr/>
+            </p:nvSpPr>
+            <p:spPr>
+              <a:xfrm>
+                <a:off x="4139952" y="4469930"/>
+                <a:ext cx="673005" cy="646331"/>
+              </a:xfrm>
+              <a:prstGeom prst="rect">
+                <a:avLst/>
+              </a:prstGeom>
+              <a:noFill/>
+            </p:spPr>
+            <p:txBody>
+              <a:bodyPr wrap="none" rtlCol="0">
+                <a:spAutoFit/>
+              </a:bodyPr>
+              <a:lstStyle/>
+              <a:p>
+                <a:pPr/>
+                <a14:m>
+                  <m:oMathPara xmlns:m="http://schemas.openxmlformats.org/officeDocument/2006/math">
+                    <m:oMathParaPr>
+                      <m:jc m:val="centerGroup"/>
+                    </m:oMathParaPr>
+                    <m:oMath xmlns:m="http://schemas.openxmlformats.org/officeDocument/2006/math">
+                      <m:r>
+                        <a:rPr lang="en-US" altLang="ko-KR" sz="3600" b="0" i="1" dirty="0" smtClean="0">
+                          <a:solidFill>
+                            <a:schemeClr val="tx1"/>
+                          </a:solidFill>
+                          <a:latin typeface="Cambria Math"/>
+                        </a:rPr>
+                        <m:t>𝑈</m:t>
+                      </m:r>
+                    </m:oMath>
+                  </m:oMathPara>
+                </a14:m>
+                <a:endParaRPr lang="ko-KR" altLang="en-US" sz="3600" dirty="0">
+                  <a:solidFill>
+                    <a:schemeClr val="tx1"/>
+                  </a:solidFill>
+                </a:endParaRPr>
+              </a:p>
+            </p:txBody>
+          </p:sp>
+        </mc:Choice>
+        <mc:Fallback>
+          <p:sp>
+            <p:nvSpPr>
+              <p:cNvPr id="17" name="TextBox 16"/>
+              <p:cNvSpPr txBox="1">
+                <a:spLocks noRot="1" noChangeAspect="1" noMove="1" noResize="1" noEditPoints="1" noAdjustHandles="1" noChangeArrowheads="1" noChangeShapeType="1" noTextEdit="1"/>
+              </p:cNvSpPr>
+              <p:nvPr/>
+            </p:nvSpPr>
+            <p:spPr>
+              <a:xfrm>
+                <a:off x="4139952" y="4469930"/>
+                <a:ext cx="673005" cy="646331"/>
+              </a:xfrm>
+              <a:prstGeom prst="rect">
+                <a:avLst/>
+              </a:prstGeom>
+              <a:blipFill rotWithShape="1">
+                <a:blip r:embed="rId7"/>
+                <a:stretch>
+                  <a:fillRect/>
+                </a:stretch>
+              </a:blipFill>
+            </p:spPr>
+            <p:txBody>
+              <a:bodyPr/>
+              <a:lstStyle/>
+              <a:p>
+                <a:r>
+                  <a:rPr lang="ko-KR" altLang="en-US">
+                    <a:noFill/>
+                  </a:rPr>
+                  <a:t> </a:t>
+                </a:r>
+              </a:p>
+            </p:txBody>
+          </p:sp>
+        </mc:Fallback>
+      </mc:AlternateContent>
+    </p:spTree>
+    <p:extLst>
+      <p:ext uri="{BB962C8B-B14F-4D97-AF65-F5344CB8AC3E}">
+        <p14:creationId xmlns:p14="http://schemas.microsoft.com/office/powerpoint/2010/main" val="1863567984"/>
       </p:ext>
     </p:extLst>
   </p:cSld>

--- a/pics/2021-06-16-LU_decomposition/pics.pptx
+++ b/pics/2021-06-16-LU_decomposition/pics.pptx
@@ -4,10 +4,14 @@
   <p:sldMasterIdLst>
     <p:sldMasterId id="2147483648" r:id="rId1"/>
   </p:sldMasterIdLst>
+  <p:notesMasterIdLst>
+    <p:notesMasterId r:id="rId6"/>
+  </p:notesMasterIdLst>
   <p:sldIdLst>
     <p:sldId id="256" r:id="rId2"/>
     <p:sldId id="257" r:id="rId3"/>
-    <p:sldId id="258" r:id="rId4"/>
+    <p:sldId id="259" r:id="rId4"/>
+    <p:sldId id="258" r:id="rId5"/>
   </p:sldIdLst>
   <p:sldSz cx="9144000" cy="6858000" type="screen4x3"/>
   <p:notesSz cx="6858000" cy="9144000"/>
@@ -107,6 +111,356 @@
     </a:lvl9pPr>
   </p:defaultTextStyle>
 </p:presentation>
+</file>
+
+<file path=ppt/notesMasters/notesMaster1.xml><?xml version="1.0" encoding="utf-8"?>
+<p:notesMaster xmlns:a="http://schemas.openxmlformats.org/drawingml/2006/main" xmlns:r="http://schemas.openxmlformats.org/officeDocument/2006/relationships" xmlns:p="http://schemas.openxmlformats.org/presentationml/2006/main">
+  <p:cSld>
+    <p:bg>
+      <p:bgRef idx="1001">
+        <a:schemeClr val="bg1"/>
+      </p:bgRef>
+    </p:bg>
+    <p:spTree>
+      <p:nvGrpSpPr>
+        <p:cNvPr id="1" name=""/>
+        <p:cNvGrpSpPr/>
+        <p:nvPr/>
+      </p:nvGrpSpPr>
+      <p:grpSpPr>
+        <a:xfrm>
+          <a:off x="0" y="0"/>
+          <a:ext cx="0" cy="0"/>
+          <a:chOff x="0" y="0"/>
+          <a:chExt cx="0" cy="0"/>
+        </a:xfrm>
+      </p:grpSpPr>
+      <p:sp>
+        <p:nvSpPr>
+          <p:cNvPr id="2" name="머리글 개체 틀 1"/>
+          <p:cNvSpPr>
+            <a:spLocks noGrp="1"/>
+          </p:cNvSpPr>
+          <p:nvPr>
+            <p:ph type="hdr" sz="quarter"/>
+          </p:nvPr>
+        </p:nvSpPr>
+        <p:spPr>
+          <a:xfrm>
+            <a:off x="0" y="0"/>
+            <a:ext cx="2971800" cy="457200"/>
+          </a:xfrm>
+          <a:prstGeom prst="rect">
+            <a:avLst/>
+          </a:prstGeom>
+        </p:spPr>
+        <p:txBody>
+          <a:bodyPr vert="horz" lIns="91440" tIns="45720" rIns="91440" bIns="45720" rtlCol="0"/>
+          <a:lstStyle>
+            <a:lvl1pPr algn="l">
+              <a:defRPr sz="1200"/>
+            </a:lvl1pPr>
+          </a:lstStyle>
+          <a:p>
+            <a:endParaRPr lang="ko-KR" altLang="en-US"/>
+          </a:p>
+        </p:txBody>
+      </p:sp>
+      <p:sp>
+        <p:nvSpPr>
+          <p:cNvPr id="3" name="날짜 개체 틀 2"/>
+          <p:cNvSpPr>
+            <a:spLocks noGrp="1"/>
+          </p:cNvSpPr>
+          <p:nvPr>
+            <p:ph type="dt" idx="1"/>
+          </p:nvPr>
+        </p:nvSpPr>
+        <p:spPr>
+          <a:xfrm>
+            <a:off x="3884613" y="0"/>
+            <a:ext cx="2971800" cy="457200"/>
+          </a:xfrm>
+          <a:prstGeom prst="rect">
+            <a:avLst/>
+          </a:prstGeom>
+        </p:spPr>
+        <p:txBody>
+          <a:bodyPr vert="horz" lIns="91440" tIns="45720" rIns="91440" bIns="45720" rtlCol="0"/>
+          <a:lstStyle>
+            <a:lvl1pPr algn="r">
+              <a:defRPr sz="1200"/>
+            </a:lvl1pPr>
+          </a:lstStyle>
+          <a:p>
+            <a:fld id="{B0E7B15C-6628-4D92-A60E-C83AA13F351D}" type="datetimeFigureOut">
+              <a:rPr lang="ko-KR" altLang="en-US" smtClean="0"/>
+              <a:t>2021-06-18</a:t>
+            </a:fld>
+            <a:endParaRPr lang="ko-KR" altLang="en-US"/>
+          </a:p>
+        </p:txBody>
+      </p:sp>
+      <p:sp>
+        <p:nvSpPr>
+          <p:cNvPr id="4" name="슬라이드 이미지 개체 틀 3"/>
+          <p:cNvSpPr>
+            <a:spLocks noGrp="1" noRot="1" noChangeAspect="1"/>
+          </p:cNvSpPr>
+          <p:nvPr>
+            <p:ph type="sldImg" idx="2"/>
+          </p:nvPr>
+        </p:nvSpPr>
+        <p:spPr>
+          <a:xfrm>
+            <a:off x="1143000" y="685800"/>
+            <a:ext cx="4572000" cy="3429000"/>
+          </a:xfrm>
+          <a:prstGeom prst="rect">
+            <a:avLst/>
+          </a:prstGeom>
+          <a:noFill/>
+          <a:ln w="12700">
+            <a:solidFill>
+              <a:prstClr val="black"/>
+            </a:solidFill>
+          </a:ln>
+        </p:spPr>
+        <p:txBody>
+          <a:bodyPr vert="horz" lIns="91440" tIns="45720" rIns="91440" bIns="45720" rtlCol="0" anchor="ctr"/>
+          <a:lstStyle/>
+          <a:p>
+            <a:endParaRPr lang="ko-KR" altLang="en-US"/>
+          </a:p>
+        </p:txBody>
+      </p:sp>
+      <p:sp>
+        <p:nvSpPr>
+          <p:cNvPr id="5" name="슬라이드 노트 개체 틀 4"/>
+          <p:cNvSpPr>
+            <a:spLocks noGrp="1"/>
+          </p:cNvSpPr>
+          <p:nvPr>
+            <p:ph type="body" sz="quarter" idx="3"/>
+          </p:nvPr>
+        </p:nvSpPr>
+        <p:spPr>
+          <a:xfrm>
+            <a:off x="685800" y="4343400"/>
+            <a:ext cx="5486400" cy="4114800"/>
+          </a:xfrm>
+          <a:prstGeom prst="rect">
+            <a:avLst/>
+          </a:prstGeom>
+        </p:spPr>
+        <p:txBody>
+          <a:bodyPr vert="horz" lIns="91440" tIns="45720" rIns="91440" bIns="45720" rtlCol="0"/>
+          <a:lstStyle/>
+          <a:p>
+            <a:pPr lvl="0"/>
+            <a:r>
+              <a:rPr lang="ko-KR" altLang="en-US" smtClean="0"/>
+              <a:t>마스터 텍스트 스타일을 편집합니다</a:t>
+            </a:r>
+          </a:p>
+          <a:p>
+            <a:pPr lvl="1"/>
+            <a:r>
+              <a:rPr lang="ko-KR" altLang="en-US" smtClean="0"/>
+              <a:t>둘째 수준</a:t>
+            </a:r>
+          </a:p>
+          <a:p>
+            <a:pPr lvl="2"/>
+            <a:r>
+              <a:rPr lang="ko-KR" altLang="en-US" smtClean="0"/>
+              <a:t>셋째 수준</a:t>
+            </a:r>
+          </a:p>
+          <a:p>
+            <a:pPr lvl="3"/>
+            <a:r>
+              <a:rPr lang="ko-KR" altLang="en-US" smtClean="0"/>
+              <a:t>넷째 수준</a:t>
+            </a:r>
+          </a:p>
+          <a:p>
+            <a:pPr lvl="4"/>
+            <a:r>
+              <a:rPr lang="ko-KR" altLang="en-US" smtClean="0"/>
+              <a:t>다섯째 수준</a:t>
+            </a:r>
+            <a:endParaRPr lang="ko-KR" altLang="en-US"/>
+          </a:p>
+        </p:txBody>
+      </p:sp>
+      <p:sp>
+        <p:nvSpPr>
+          <p:cNvPr id="6" name="바닥글 개체 틀 5"/>
+          <p:cNvSpPr>
+            <a:spLocks noGrp="1"/>
+          </p:cNvSpPr>
+          <p:nvPr>
+            <p:ph type="ftr" sz="quarter" idx="4"/>
+          </p:nvPr>
+        </p:nvSpPr>
+        <p:spPr>
+          <a:xfrm>
+            <a:off x="0" y="8685213"/>
+            <a:ext cx="2971800" cy="457200"/>
+          </a:xfrm>
+          <a:prstGeom prst="rect">
+            <a:avLst/>
+          </a:prstGeom>
+        </p:spPr>
+        <p:txBody>
+          <a:bodyPr vert="horz" lIns="91440" tIns="45720" rIns="91440" bIns="45720" rtlCol="0" anchor="b"/>
+          <a:lstStyle>
+            <a:lvl1pPr algn="l">
+              <a:defRPr sz="1200"/>
+            </a:lvl1pPr>
+          </a:lstStyle>
+          <a:p>
+            <a:endParaRPr lang="ko-KR" altLang="en-US"/>
+          </a:p>
+        </p:txBody>
+      </p:sp>
+      <p:sp>
+        <p:nvSpPr>
+          <p:cNvPr id="7" name="슬라이드 번호 개체 틀 6"/>
+          <p:cNvSpPr>
+            <a:spLocks noGrp="1"/>
+          </p:cNvSpPr>
+          <p:nvPr>
+            <p:ph type="sldNum" sz="quarter" idx="5"/>
+          </p:nvPr>
+        </p:nvSpPr>
+        <p:spPr>
+          <a:xfrm>
+            <a:off x="3884613" y="8685213"/>
+            <a:ext cx="2971800" cy="457200"/>
+          </a:xfrm>
+          <a:prstGeom prst="rect">
+            <a:avLst/>
+          </a:prstGeom>
+        </p:spPr>
+        <p:txBody>
+          <a:bodyPr vert="horz" lIns="91440" tIns="45720" rIns="91440" bIns="45720" rtlCol="0" anchor="b"/>
+          <a:lstStyle>
+            <a:lvl1pPr algn="r">
+              <a:defRPr sz="1200"/>
+            </a:lvl1pPr>
+          </a:lstStyle>
+          <a:p>
+            <a:fld id="{E40BF222-1ADB-42C8-B96B-22E3CB5DDA1A}" type="slidenum">
+              <a:rPr lang="ko-KR" altLang="en-US" smtClean="0"/>
+              <a:t>‹#›</a:t>
+            </a:fld>
+            <a:endParaRPr lang="ko-KR" altLang="en-US"/>
+          </a:p>
+        </p:txBody>
+      </p:sp>
+    </p:spTree>
+    <p:extLst>
+      <p:ext uri="{BB962C8B-B14F-4D97-AF65-F5344CB8AC3E}">
+        <p14:creationId xmlns:p14="http://schemas.microsoft.com/office/powerpoint/2010/main" val="2660044769"/>
+      </p:ext>
+    </p:extLst>
+  </p:cSld>
+  <p:clrMap bg1="lt1" tx1="dk1" bg2="lt2" tx2="dk2" accent1="accent1" accent2="accent2" accent3="accent3" accent4="accent4" accent5="accent5" accent6="accent6" hlink="hlink" folHlink="folHlink"/>
+  <p:notesStyle>
+    <a:lvl1pPr marL="0" algn="l" defTabSz="914400" rtl="0" eaLnBrk="1" latinLnBrk="1" hangingPunct="1">
+      <a:defRPr sz="1200" kern="1200">
+        <a:solidFill>
+          <a:schemeClr val="tx1"/>
+        </a:solidFill>
+        <a:latin typeface="+mn-lt"/>
+        <a:ea typeface="+mn-ea"/>
+        <a:cs typeface="+mn-cs"/>
+      </a:defRPr>
+    </a:lvl1pPr>
+    <a:lvl2pPr marL="457200" algn="l" defTabSz="914400" rtl="0" eaLnBrk="1" latinLnBrk="1" hangingPunct="1">
+      <a:defRPr sz="1200" kern="1200">
+        <a:solidFill>
+          <a:schemeClr val="tx1"/>
+        </a:solidFill>
+        <a:latin typeface="+mn-lt"/>
+        <a:ea typeface="+mn-ea"/>
+        <a:cs typeface="+mn-cs"/>
+      </a:defRPr>
+    </a:lvl2pPr>
+    <a:lvl3pPr marL="914400" algn="l" defTabSz="914400" rtl="0" eaLnBrk="1" latinLnBrk="1" hangingPunct="1">
+      <a:defRPr sz="1200" kern="1200">
+        <a:solidFill>
+          <a:schemeClr val="tx1"/>
+        </a:solidFill>
+        <a:latin typeface="+mn-lt"/>
+        <a:ea typeface="+mn-ea"/>
+        <a:cs typeface="+mn-cs"/>
+      </a:defRPr>
+    </a:lvl3pPr>
+    <a:lvl4pPr marL="1371600" algn="l" defTabSz="914400" rtl="0" eaLnBrk="1" latinLnBrk="1" hangingPunct="1">
+      <a:defRPr sz="1200" kern="1200">
+        <a:solidFill>
+          <a:schemeClr val="tx1"/>
+        </a:solidFill>
+        <a:latin typeface="+mn-lt"/>
+        <a:ea typeface="+mn-ea"/>
+        <a:cs typeface="+mn-cs"/>
+      </a:defRPr>
+    </a:lvl4pPr>
+    <a:lvl5pPr marL="1828800" algn="l" defTabSz="914400" rtl="0" eaLnBrk="1" latinLnBrk="1" hangingPunct="1">
+      <a:defRPr sz="1200" kern="1200">
+        <a:solidFill>
+          <a:schemeClr val="tx1"/>
+        </a:solidFill>
+        <a:latin typeface="+mn-lt"/>
+        <a:ea typeface="+mn-ea"/>
+        <a:cs typeface="+mn-cs"/>
+      </a:defRPr>
+    </a:lvl5pPr>
+    <a:lvl6pPr marL="2286000" algn="l" defTabSz="914400" rtl="0" eaLnBrk="1" latinLnBrk="1" hangingPunct="1">
+      <a:defRPr sz="1200" kern="1200">
+        <a:solidFill>
+          <a:schemeClr val="tx1"/>
+        </a:solidFill>
+        <a:latin typeface="+mn-lt"/>
+        <a:ea typeface="+mn-ea"/>
+        <a:cs typeface="+mn-cs"/>
+      </a:defRPr>
+    </a:lvl6pPr>
+    <a:lvl7pPr marL="2743200" algn="l" defTabSz="914400" rtl="0" eaLnBrk="1" latinLnBrk="1" hangingPunct="1">
+      <a:defRPr sz="1200" kern="1200">
+        <a:solidFill>
+          <a:schemeClr val="tx1"/>
+        </a:solidFill>
+        <a:latin typeface="+mn-lt"/>
+        <a:ea typeface="+mn-ea"/>
+        <a:cs typeface="+mn-cs"/>
+      </a:defRPr>
+    </a:lvl7pPr>
+    <a:lvl8pPr marL="3200400" algn="l" defTabSz="914400" rtl="0" eaLnBrk="1" latinLnBrk="1" hangingPunct="1">
+      <a:defRPr sz="1200" kern="1200">
+        <a:solidFill>
+          <a:schemeClr val="tx1"/>
+        </a:solidFill>
+        <a:latin typeface="+mn-lt"/>
+        <a:ea typeface="+mn-ea"/>
+        <a:cs typeface="+mn-cs"/>
+      </a:defRPr>
+    </a:lvl8pPr>
+    <a:lvl9pPr marL="3657600" algn="l" defTabSz="914400" rtl="0" eaLnBrk="1" latinLnBrk="1" hangingPunct="1">
+      <a:defRPr sz="1200" kern="1200">
+        <a:solidFill>
+          <a:schemeClr val="tx1"/>
+        </a:solidFill>
+        <a:latin typeface="+mn-lt"/>
+        <a:ea typeface="+mn-ea"/>
+        <a:cs typeface="+mn-cs"/>
+      </a:defRPr>
+    </a:lvl9pPr>
+  </p:notesStyle>
+</p:notesMaster>
 </file>
 
 <file path=ppt/slideLayouts/slideLayout1.xml><?xml version="1.0" encoding="utf-8"?>
@@ -6214,13 +6568,1519 @@
         <mc:Choice xmlns:a14="http://schemas.microsoft.com/office/drawing/2010/main" Requires="a14">
           <p:sp>
             <p:nvSpPr>
+              <p:cNvPr id="4" name="TextBox 3"/>
+              <p:cNvSpPr txBox="1"/>
+              <p:nvPr/>
+            </p:nvSpPr>
+            <p:spPr>
+              <a:xfrm>
+                <a:off x="1179565" y="1383599"/>
+                <a:ext cx="6784870" cy="824906"/>
+              </a:xfrm>
+              <a:prstGeom prst="rect">
+                <a:avLst/>
+              </a:prstGeom>
+              <a:noFill/>
+            </p:spPr>
+            <p:txBody>
+              <a:bodyPr wrap="none" rtlCol="0">
+                <a:spAutoFit/>
+              </a:bodyPr>
+              <a:lstStyle/>
+              <a:p>
+                <a:pPr/>
+                <a14:m>
+                  <m:oMathPara xmlns:m="http://schemas.openxmlformats.org/officeDocument/2006/math">
+                    <m:oMathParaPr>
+                      <m:jc m:val="centerGroup"/>
+                    </m:oMathParaPr>
+                    <m:oMath xmlns:m="http://schemas.openxmlformats.org/officeDocument/2006/math">
+                      <m:d>
+                        <m:dPr>
+                          <m:begChr m:val="["/>
+                          <m:endChr m:val="]"/>
+                          <m:ctrlPr>
+                            <a:rPr lang="en-US" altLang="ko-KR" i="1" smtClean="0">
+                              <a:solidFill>
+                                <a:srgbClr val="FF0000"/>
+                              </a:solidFill>
+                              <a:latin typeface="Cambria Math"/>
+                            </a:rPr>
+                          </m:ctrlPr>
+                        </m:dPr>
+                        <m:e>
+                          <m:m>
+                            <m:mPr>
+                              <m:mcs>
+                                <m:mc>
+                                  <m:mcPr>
+                                    <m:count m:val="3"/>
+                                    <m:mcJc m:val="center"/>
+                                  </m:mcPr>
+                                </m:mc>
+                              </m:mcs>
+                              <m:ctrlPr>
+                                <a:rPr lang="en-US" altLang="ko-KR" i="1" smtClean="0">
+                                  <a:solidFill>
+                                    <a:srgbClr val="FF0000"/>
+                                  </a:solidFill>
+                                  <a:latin typeface="Cambria Math"/>
+                                </a:rPr>
+                              </m:ctrlPr>
+                            </m:mPr>
+                            <m:mr>
+                              <m:e>
+                                <m:r>
+                                  <m:rPr>
+                                    <m:brk m:alnAt="7"/>
+                                  </m:rPr>
+                                  <a:rPr lang="en-US" altLang="ko-KR" b="0" i="1" smtClean="0">
+                                    <a:solidFill>
+                                      <a:srgbClr val="FF0000"/>
+                                    </a:solidFill>
+                                    <a:latin typeface="Cambria Math"/>
+                                  </a:rPr>
+                                  <m:t>1</m:t>
+                                </m:r>
+                              </m:e>
+                              <m:e>
+                                <m:r>
+                                  <a:rPr lang="en-US" altLang="ko-KR" b="0" i="1" smtClean="0">
+                                    <a:solidFill>
+                                      <a:srgbClr val="FF0000"/>
+                                    </a:solidFill>
+                                    <a:latin typeface="Cambria Math"/>
+                                  </a:rPr>
+                                  <m:t>0</m:t>
+                                </m:r>
+                              </m:e>
+                              <m:e>
+                                <m:r>
+                                  <a:rPr lang="en-US" altLang="ko-KR" b="0" i="1" smtClean="0">
+                                    <a:solidFill>
+                                      <a:srgbClr val="FF0000"/>
+                                    </a:solidFill>
+                                    <a:latin typeface="Cambria Math"/>
+                                  </a:rPr>
+                                  <m:t>0</m:t>
+                                </m:r>
+                              </m:e>
+                            </m:mr>
+                            <m:mr>
+                              <m:e>
+                                <m:r>
+                                  <a:rPr lang="en-US" altLang="ko-KR" b="0" i="1" smtClean="0">
+                                    <a:solidFill>
+                                      <a:srgbClr val="FF0000"/>
+                                    </a:solidFill>
+                                    <a:latin typeface="Cambria Math"/>
+                                  </a:rPr>
+                                  <m:t>0</m:t>
+                                </m:r>
+                              </m:e>
+                              <m:e>
+                                <m:r>
+                                  <a:rPr lang="en-US" altLang="ko-KR" b="0" i="1" smtClean="0">
+                                    <a:solidFill>
+                                      <a:srgbClr val="FF0000"/>
+                                    </a:solidFill>
+                                    <a:latin typeface="Cambria Math"/>
+                                  </a:rPr>
+                                  <m:t>1</m:t>
+                                </m:r>
+                              </m:e>
+                              <m:e>
+                                <m:r>
+                                  <a:rPr lang="en-US" altLang="ko-KR" b="0" i="1" smtClean="0">
+                                    <a:solidFill>
+                                      <a:srgbClr val="FF0000"/>
+                                    </a:solidFill>
+                                    <a:latin typeface="Cambria Math"/>
+                                  </a:rPr>
+                                  <m:t>0</m:t>
+                                </m:r>
+                              </m:e>
+                            </m:mr>
+                            <m:mr>
+                              <m:e>
+                                <m:r>
+                                  <a:rPr lang="en-US" altLang="ko-KR" b="0" i="1" smtClean="0">
+                                    <a:solidFill>
+                                      <a:srgbClr val="FF0000"/>
+                                    </a:solidFill>
+                                    <a:latin typeface="Cambria Math"/>
+                                  </a:rPr>
+                                  <m:t>0</m:t>
+                                </m:r>
+                              </m:e>
+                              <m:e>
+                                <m:r>
+                                  <a:rPr lang="en-US" altLang="ko-KR" b="0" i="1" smtClean="0">
+                                    <a:solidFill>
+                                      <a:srgbClr val="FF0000"/>
+                                    </a:solidFill>
+                                    <a:latin typeface="Cambria Math"/>
+                                  </a:rPr>
+                                  <m:t>−1</m:t>
+                                </m:r>
+                              </m:e>
+                              <m:e>
+                                <m:r>
+                                  <a:rPr lang="en-US" altLang="ko-KR" b="0" i="1" smtClean="0">
+                                    <a:solidFill>
+                                      <a:srgbClr val="FF0000"/>
+                                    </a:solidFill>
+                                    <a:latin typeface="Cambria Math"/>
+                                  </a:rPr>
+                                  <m:t>1</m:t>
+                                </m:r>
+                              </m:e>
+                            </m:mr>
+                          </m:m>
+                        </m:e>
+                      </m:d>
+                      <m:d>
+                        <m:dPr>
+                          <m:begChr m:val="["/>
+                          <m:endChr m:val="]"/>
+                          <m:ctrlPr>
+                            <a:rPr lang="en-US" altLang="ko-KR" i="1" smtClean="0">
+                              <a:solidFill>
+                                <a:srgbClr val="00B0F0"/>
+                              </a:solidFill>
+                              <a:latin typeface="Cambria Math"/>
+                            </a:rPr>
+                          </m:ctrlPr>
+                        </m:dPr>
+                        <m:e>
+                          <m:m>
+                            <m:mPr>
+                              <m:mcs>
+                                <m:mc>
+                                  <m:mcPr>
+                                    <m:count m:val="3"/>
+                                    <m:mcJc m:val="center"/>
+                                  </m:mcPr>
+                                </m:mc>
+                              </m:mcs>
+                              <m:ctrlPr>
+                                <a:rPr lang="en-US" altLang="ko-KR" i="1">
+                                  <a:solidFill>
+                                    <a:srgbClr val="00B0F0"/>
+                                  </a:solidFill>
+                                  <a:latin typeface="Cambria Math"/>
+                                </a:rPr>
+                              </m:ctrlPr>
+                            </m:mPr>
+                            <m:mr>
+                              <m:e>
+                                <m:r>
+                                  <m:rPr>
+                                    <m:brk m:alnAt="7"/>
+                                  </m:rPr>
+                                  <a:rPr lang="en-US" altLang="ko-KR" b="0" i="1" smtClean="0">
+                                    <a:solidFill>
+                                      <a:srgbClr val="00B0F0"/>
+                                    </a:solidFill>
+                                    <a:latin typeface="Cambria Math"/>
+                                  </a:rPr>
+                                  <m:t>1</m:t>
+                                </m:r>
+                              </m:e>
+                              <m:e>
+                                <m:r>
+                                  <a:rPr lang="en-US" altLang="ko-KR" b="0" i="1" smtClean="0">
+                                    <a:solidFill>
+                                      <a:srgbClr val="00B0F0"/>
+                                    </a:solidFill>
+                                    <a:latin typeface="Cambria Math"/>
+                                  </a:rPr>
+                                  <m:t>0</m:t>
+                                </m:r>
+                              </m:e>
+                              <m:e>
+                                <m:r>
+                                  <a:rPr lang="en-US" altLang="ko-KR" b="0" i="1" smtClean="0">
+                                    <a:solidFill>
+                                      <a:srgbClr val="00B0F0"/>
+                                    </a:solidFill>
+                                    <a:latin typeface="Cambria Math"/>
+                                  </a:rPr>
+                                  <m:t>0</m:t>
+                                </m:r>
+                              </m:e>
+                            </m:mr>
+                            <m:mr>
+                              <m:e>
+                                <m:r>
+                                  <a:rPr lang="en-US" altLang="ko-KR" b="0" i="1" smtClean="0">
+                                    <a:solidFill>
+                                      <a:srgbClr val="00B0F0"/>
+                                    </a:solidFill>
+                                    <a:latin typeface="Cambria Math"/>
+                                  </a:rPr>
+                                  <m:t>0</m:t>
+                                </m:r>
+                              </m:e>
+                              <m:e>
+                                <m:r>
+                                  <a:rPr lang="en-US" altLang="ko-KR" b="0" i="1" smtClean="0">
+                                    <a:solidFill>
+                                      <a:srgbClr val="00B0F0"/>
+                                    </a:solidFill>
+                                    <a:latin typeface="Cambria Math"/>
+                                  </a:rPr>
+                                  <m:t>1</m:t>
+                                </m:r>
+                              </m:e>
+                              <m:e>
+                                <m:r>
+                                  <a:rPr lang="en-US" altLang="ko-KR" b="0" i="1" smtClean="0">
+                                    <a:solidFill>
+                                      <a:srgbClr val="00B0F0"/>
+                                    </a:solidFill>
+                                    <a:latin typeface="Cambria Math"/>
+                                  </a:rPr>
+                                  <m:t>0</m:t>
+                                </m:r>
+                              </m:e>
+                            </m:mr>
+                            <m:mr>
+                              <m:e>
+                                <m:r>
+                                  <a:rPr lang="en-US" altLang="ko-KR" b="0" i="1" smtClean="0">
+                                    <a:solidFill>
+                                      <a:srgbClr val="00B0F0"/>
+                                    </a:solidFill>
+                                    <a:latin typeface="Cambria Math"/>
+                                  </a:rPr>
+                                  <m:t>−2</m:t>
+                                </m:r>
+                              </m:e>
+                              <m:e>
+                                <m:r>
+                                  <a:rPr lang="en-US" altLang="ko-KR" b="0" i="1" smtClean="0">
+                                    <a:solidFill>
+                                      <a:srgbClr val="00B0F0"/>
+                                    </a:solidFill>
+                                    <a:latin typeface="Cambria Math"/>
+                                  </a:rPr>
+                                  <m:t>0</m:t>
+                                </m:r>
+                              </m:e>
+                              <m:e>
+                                <m:r>
+                                  <a:rPr lang="en-US" altLang="ko-KR" b="0" i="1" smtClean="0">
+                                    <a:solidFill>
+                                      <a:srgbClr val="00B0F0"/>
+                                    </a:solidFill>
+                                    <a:latin typeface="Cambria Math"/>
+                                  </a:rPr>
+                                  <m:t>1</m:t>
+                                </m:r>
+                              </m:e>
+                            </m:mr>
+                          </m:m>
+                        </m:e>
+                      </m:d>
+                      <m:d>
+                        <m:dPr>
+                          <m:begChr m:val="["/>
+                          <m:endChr m:val="]"/>
+                          <m:ctrlPr>
+                            <a:rPr lang="en-US" altLang="ko-KR" i="1" smtClean="0">
+                              <a:solidFill>
+                                <a:srgbClr val="00B050"/>
+                              </a:solidFill>
+                              <a:latin typeface="Cambria Math"/>
+                            </a:rPr>
+                          </m:ctrlPr>
+                        </m:dPr>
+                        <m:e>
+                          <m:m>
+                            <m:mPr>
+                              <m:mcs>
+                                <m:mc>
+                                  <m:mcPr>
+                                    <m:count m:val="3"/>
+                                    <m:mcJc m:val="center"/>
+                                  </m:mcPr>
+                                </m:mc>
+                              </m:mcs>
+                              <m:ctrlPr>
+                                <a:rPr lang="en-US" altLang="ko-KR" i="1">
+                                  <a:solidFill>
+                                    <a:srgbClr val="00B050"/>
+                                  </a:solidFill>
+                                  <a:latin typeface="Cambria Math"/>
+                                </a:rPr>
+                              </m:ctrlPr>
+                            </m:mPr>
+                            <m:mr>
+                              <m:e>
+                                <m:r>
+                                  <m:rPr>
+                                    <m:brk m:alnAt="7"/>
+                                  </m:rPr>
+                                  <a:rPr lang="en-US" altLang="ko-KR" b="0" i="1" smtClean="0">
+                                    <a:solidFill>
+                                      <a:srgbClr val="00B050"/>
+                                    </a:solidFill>
+                                    <a:latin typeface="Cambria Math"/>
+                                  </a:rPr>
+                                  <m:t>1</m:t>
+                                </m:r>
+                              </m:e>
+                              <m:e>
+                                <m:r>
+                                  <a:rPr lang="en-US" altLang="ko-KR" b="0" i="1" smtClean="0">
+                                    <a:solidFill>
+                                      <a:srgbClr val="00B050"/>
+                                    </a:solidFill>
+                                    <a:latin typeface="Cambria Math"/>
+                                  </a:rPr>
+                                  <m:t>0</m:t>
+                                </m:r>
+                              </m:e>
+                              <m:e>
+                                <m:r>
+                                  <a:rPr lang="en-US" altLang="ko-KR" b="0" i="1" smtClean="0">
+                                    <a:solidFill>
+                                      <a:srgbClr val="00B050"/>
+                                    </a:solidFill>
+                                    <a:latin typeface="Cambria Math"/>
+                                  </a:rPr>
+                                  <m:t>0</m:t>
+                                </m:r>
+                              </m:e>
+                            </m:mr>
+                            <m:mr>
+                              <m:e>
+                                <m:r>
+                                  <a:rPr lang="en-US" altLang="ko-KR" b="0" i="1" smtClean="0">
+                                    <a:solidFill>
+                                      <a:srgbClr val="00B050"/>
+                                    </a:solidFill>
+                                    <a:latin typeface="Cambria Math"/>
+                                  </a:rPr>
+                                  <m:t>−2</m:t>
+                                </m:r>
+                              </m:e>
+                              <m:e>
+                                <m:r>
+                                  <a:rPr lang="en-US" altLang="ko-KR" b="0" i="1" smtClean="0">
+                                    <a:solidFill>
+                                      <a:srgbClr val="00B050"/>
+                                    </a:solidFill>
+                                    <a:latin typeface="Cambria Math"/>
+                                  </a:rPr>
+                                  <m:t>1</m:t>
+                                </m:r>
+                              </m:e>
+                              <m:e>
+                                <m:r>
+                                  <a:rPr lang="en-US" altLang="ko-KR" b="0" i="1" smtClean="0">
+                                    <a:solidFill>
+                                      <a:srgbClr val="00B050"/>
+                                    </a:solidFill>
+                                    <a:latin typeface="Cambria Math"/>
+                                  </a:rPr>
+                                  <m:t>0</m:t>
+                                </m:r>
+                              </m:e>
+                            </m:mr>
+                            <m:mr>
+                              <m:e>
+                                <m:r>
+                                  <a:rPr lang="en-US" altLang="ko-KR" b="0" i="1" smtClean="0">
+                                    <a:solidFill>
+                                      <a:srgbClr val="00B050"/>
+                                    </a:solidFill>
+                                    <a:latin typeface="Cambria Math"/>
+                                  </a:rPr>
+                                  <m:t>0</m:t>
+                                </m:r>
+                              </m:e>
+                              <m:e>
+                                <m:r>
+                                  <a:rPr lang="en-US" altLang="ko-KR" b="0" i="1" smtClean="0">
+                                    <a:solidFill>
+                                      <a:srgbClr val="00B050"/>
+                                    </a:solidFill>
+                                    <a:latin typeface="Cambria Math"/>
+                                  </a:rPr>
+                                  <m:t>0</m:t>
+                                </m:r>
+                              </m:e>
+                              <m:e>
+                                <m:r>
+                                  <a:rPr lang="en-US" altLang="ko-KR" b="0" i="1" smtClean="0">
+                                    <a:solidFill>
+                                      <a:srgbClr val="00B050"/>
+                                    </a:solidFill>
+                                    <a:latin typeface="Cambria Math"/>
+                                  </a:rPr>
+                                  <m:t>1</m:t>
+                                </m:r>
+                              </m:e>
+                            </m:mr>
+                          </m:m>
+                        </m:e>
+                      </m:d>
+                      <m:d>
+                        <m:dPr>
+                          <m:begChr m:val="["/>
+                          <m:endChr m:val="]"/>
+                          <m:ctrlPr>
+                            <a:rPr lang="en-US" altLang="ko-KR" i="1" smtClean="0">
+                              <a:solidFill>
+                                <a:schemeClr val="tx1"/>
+                              </a:solidFill>
+                              <a:latin typeface="Cambria Math"/>
+                            </a:rPr>
+                          </m:ctrlPr>
+                        </m:dPr>
+                        <m:e>
+                          <m:m>
+                            <m:mPr>
+                              <m:mcs>
+                                <m:mc>
+                                  <m:mcPr>
+                                    <m:count m:val="3"/>
+                                    <m:mcJc m:val="center"/>
+                                  </m:mcPr>
+                                </m:mc>
+                              </m:mcs>
+                              <m:ctrlPr>
+                                <a:rPr lang="en-US" altLang="ko-KR" i="1">
+                                  <a:solidFill>
+                                    <a:schemeClr val="tx1"/>
+                                  </a:solidFill>
+                                  <a:latin typeface="Cambria Math"/>
+                                </a:rPr>
+                              </m:ctrlPr>
+                            </m:mPr>
+                            <m:mr>
+                              <m:e>
+                                <m:r>
+                                  <m:rPr>
+                                    <m:brk m:alnAt="7"/>
+                                  </m:rPr>
+                                  <a:rPr lang="en-US" altLang="ko-KR" i="1">
+                                    <a:solidFill>
+                                      <a:schemeClr val="tx1"/>
+                                    </a:solidFill>
+                                    <a:latin typeface="Cambria Math"/>
+                                  </a:rPr>
+                                  <m:t>1</m:t>
+                                </m:r>
+                              </m:e>
+                              <m:e>
+                                <m:r>
+                                  <a:rPr lang="en-US" altLang="ko-KR" b="0" i="1" smtClean="0">
+                                    <a:solidFill>
+                                      <a:schemeClr val="tx1"/>
+                                    </a:solidFill>
+                                    <a:latin typeface="Cambria Math"/>
+                                  </a:rPr>
+                                  <m:t>1</m:t>
+                                </m:r>
+                              </m:e>
+                              <m:e>
+                                <m:r>
+                                  <a:rPr lang="en-US" altLang="ko-KR" b="0" i="1" smtClean="0">
+                                    <a:solidFill>
+                                      <a:schemeClr val="tx1"/>
+                                    </a:solidFill>
+                                    <a:latin typeface="Cambria Math"/>
+                                  </a:rPr>
+                                  <m:t>1</m:t>
+                                </m:r>
+                              </m:e>
+                            </m:mr>
+                            <m:mr>
+                              <m:e>
+                                <m:r>
+                                  <a:rPr lang="en-US" altLang="ko-KR" i="1">
+                                    <a:solidFill>
+                                      <a:schemeClr val="tx1"/>
+                                    </a:solidFill>
+                                    <a:latin typeface="Cambria Math"/>
+                                  </a:rPr>
+                                  <m:t>2</m:t>
+                                </m:r>
+                              </m:e>
+                              <m:e>
+                                <m:r>
+                                  <a:rPr lang="en-US" altLang="ko-KR" b="0" i="1" smtClean="0">
+                                    <a:solidFill>
+                                      <a:schemeClr val="tx1"/>
+                                    </a:solidFill>
+                                    <a:latin typeface="Cambria Math"/>
+                                  </a:rPr>
+                                  <m:t>3</m:t>
+                                </m:r>
+                              </m:e>
+                              <m:e>
+                                <m:r>
+                                  <a:rPr lang="en-US" altLang="ko-KR" b="0" i="1" smtClean="0">
+                                    <a:solidFill>
+                                      <a:schemeClr val="tx1"/>
+                                    </a:solidFill>
+                                    <a:latin typeface="Cambria Math"/>
+                                  </a:rPr>
+                                  <m:t>−1</m:t>
+                                </m:r>
+                              </m:e>
+                            </m:mr>
+                            <m:mr>
+                              <m:e>
+                                <m:r>
+                                  <a:rPr lang="en-US" altLang="ko-KR" b="0" i="1" smtClean="0">
+                                    <a:solidFill>
+                                      <a:schemeClr val="tx1"/>
+                                    </a:solidFill>
+                                    <a:latin typeface="Cambria Math"/>
+                                  </a:rPr>
+                                  <m:t>2</m:t>
+                                </m:r>
+                              </m:e>
+                              <m:e>
+                                <m:r>
+                                  <a:rPr lang="en-US" altLang="ko-KR" b="0" i="1" smtClean="0">
+                                    <a:solidFill>
+                                      <a:schemeClr val="tx1"/>
+                                    </a:solidFill>
+                                    <a:latin typeface="Cambria Math"/>
+                                  </a:rPr>
+                                  <m:t>3</m:t>
+                                </m:r>
+                              </m:e>
+                              <m:e>
+                                <m:r>
+                                  <a:rPr lang="en-US" altLang="ko-KR" b="0" i="1" smtClean="0">
+                                    <a:solidFill>
+                                      <a:schemeClr val="tx1"/>
+                                    </a:solidFill>
+                                    <a:latin typeface="Cambria Math"/>
+                                  </a:rPr>
+                                  <m:t>3</m:t>
+                                </m:r>
+                              </m:e>
+                            </m:mr>
+                          </m:m>
+                        </m:e>
+                      </m:d>
+                      <m:r>
+                        <a:rPr lang="en-US" altLang="ko-KR" b="0" i="1" smtClean="0">
+                          <a:latin typeface="Cambria Math"/>
+                        </a:rPr>
+                        <m:t>=</m:t>
+                      </m:r>
+                      <m:d>
+                        <m:dPr>
+                          <m:begChr m:val="["/>
+                          <m:endChr m:val="]"/>
+                          <m:ctrlPr>
+                            <a:rPr lang="en-US" altLang="ko-KR" i="1">
+                              <a:latin typeface="Cambria Math"/>
+                            </a:rPr>
+                          </m:ctrlPr>
+                        </m:dPr>
+                        <m:e>
+                          <m:m>
+                            <m:mPr>
+                              <m:mcs>
+                                <m:mc>
+                                  <m:mcPr>
+                                    <m:count m:val="3"/>
+                                    <m:mcJc m:val="center"/>
+                                  </m:mcPr>
+                                </m:mc>
+                              </m:mcs>
+                              <m:ctrlPr>
+                                <a:rPr lang="en-US" altLang="ko-KR" i="1">
+                                  <a:latin typeface="Cambria Math"/>
+                                </a:rPr>
+                              </m:ctrlPr>
+                            </m:mPr>
+                            <m:mr>
+                              <m:e>
+                                <m:r>
+                                  <m:rPr>
+                                    <m:brk m:alnAt="7"/>
+                                  </m:rPr>
+                                  <a:rPr lang="en-US" altLang="ko-KR" i="1">
+                                    <a:latin typeface="Cambria Math"/>
+                                  </a:rPr>
+                                  <m:t>1</m:t>
+                                </m:r>
+                              </m:e>
+                              <m:e>
+                                <m:r>
+                                  <a:rPr lang="en-US" altLang="ko-KR" i="1">
+                                    <a:latin typeface="Cambria Math"/>
+                                  </a:rPr>
+                                  <m:t>1</m:t>
+                                </m:r>
+                              </m:e>
+                              <m:e>
+                                <m:r>
+                                  <a:rPr lang="en-US" altLang="ko-KR" i="1">
+                                    <a:latin typeface="Cambria Math"/>
+                                  </a:rPr>
+                                  <m:t>1</m:t>
+                                </m:r>
+                              </m:e>
+                            </m:mr>
+                            <m:mr>
+                              <m:e>
+                                <m:r>
+                                  <a:rPr lang="en-US" altLang="ko-KR" b="0" i="1" smtClean="0">
+                                    <a:latin typeface="Cambria Math"/>
+                                  </a:rPr>
+                                  <m:t>0</m:t>
+                                </m:r>
+                              </m:e>
+                              <m:e>
+                                <m:r>
+                                  <a:rPr lang="en-US" altLang="ko-KR" b="0" i="1" smtClean="0">
+                                    <a:latin typeface="Cambria Math"/>
+                                  </a:rPr>
+                                  <m:t>1</m:t>
+                                </m:r>
+                              </m:e>
+                              <m:e>
+                                <m:r>
+                                  <a:rPr lang="en-US" altLang="ko-KR" i="1">
+                                    <a:latin typeface="Cambria Math"/>
+                                  </a:rPr>
+                                  <m:t>−</m:t>
+                                </m:r>
+                                <m:r>
+                                  <a:rPr lang="en-US" altLang="ko-KR" b="0" i="1" smtClean="0">
+                                    <a:latin typeface="Cambria Math"/>
+                                  </a:rPr>
+                                  <m:t>3</m:t>
+                                </m:r>
+                              </m:e>
+                            </m:mr>
+                            <m:mr>
+                              <m:e>
+                                <m:r>
+                                  <a:rPr lang="en-US" altLang="ko-KR" b="0" i="1" smtClean="0">
+                                    <a:latin typeface="Cambria Math"/>
+                                  </a:rPr>
+                                  <m:t>0</m:t>
+                                </m:r>
+                              </m:e>
+                              <m:e>
+                                <m:r>
+                                  <a:rPr lang="en-US" altLang="ko-KR" b="0" i="1" smtClean="0">
+                                    <a:latin typeface="Cambria Math"/>
+                                  </a:rPr>
+                                  <m:t>0</m:t>
+                                </m:r>
+                              </m:e>
+                              <m:e>
+                                <m:r>
+                                  <a:rPr lang="en-US" altLang="ko-KR" b="0" i="1" smtClean="0">
+                                    <a:latin typeface="Cambria Math"/>
+                                  </a:rPr>
+                                  <m:t>4</m:t>
+                                </m:r>
+                              </m:e>
+                            </m:mr>
+                          </m:m>
+                        </m:e>
+                      </m:d>
+                    </m:oMath>
+                  </m:oMathPara>
+                </a14:m>
+                <a:endParaRPr lang="ko-KR" altLang="en-US" dirty="0"/>
+              </a:p>
+            </p:txBody>
+          </p:sp>
+        </mc:Choice>
+        <mc:Fallback>
+          <p:sp>
+            <p:nvSpPr>
+              <p:cNvPr id="4" name="TextBox 3"/>
+              <p:cNvSpPr txBox="1">
+                <a:spLocks noRot="1" noChangeAspect="1" noMove="1" noResize="1" noEditPoints="1" noAdjustHandles="1" noChangeArrowheads="1" noChangeShapeType="1" noTextEdit="1"/>
+              </p:cNvSpPr>
+              <p:nvPr/>
+            </p:nvSpPr>
+            <p:spPr>
+              <a:xfrm>
+                <a:off x="1179565" y="1383599"/>
+                <a:ext cx="6784870" cy="824906"/>
+              </a:xfrm>
+              <a:prstGeom prst="rect">
+                <a:avLst/>
+              </a:prstGeom>
+              <a:blipFill rotWithShape="1">
+                <a:blip r:embed="rId2"/>
+                <a:stretch>
+                  <a:fillRect/>
+                </a:stretch>
+              </a:blipFill>
+            </p:spPr>
+            <p:txBody>
+              <a:bodyPr/>
+              <a:lstStyle/>
+              <a:p>
+                <a:r>
+                  <a:rPr lang="ko-KR" altLang="en-US">
+                    <a:noFill/>
+                  </a:rPr>
+                  <a:t> </a:t>
+                </a:r>
+              </a:p>
+            </p:txBody>
+          </p:sp>
+        </mc:Fallback>
+      </mc:AlternateContent>
+      <mc:AlternateContent xmlns:mc="http://schemas.openxmlformats.org/markup-compatibility/2006">
+        <mc:Choice xmlns:a14="http://schemas.microsoft.com/office/drawing/2010/main" Requires="a14">
+          <p:sp>
+            <p:nvSpPr>
+              <p:cNvPr id="5" name="TextBox 4"/>
+              <p:cNvSpPr txBox="1"/>
+              <p:nvPr/>
+            </p:nvSpPr>
+            <p:spPr>
+              <a:xfrm>
+                <a:off x="5428332" y="2247695"/>
+                <a:ext cx="414537" cy="369332"/>
+              </a:xfrm>
+              <a:prstGeom prst="rect">
+                <a:avLst/>
+              </a:prstGeom>
+              <a:noFill/>
+            </p:spPr>
+            <p:txBody>
+              <a:bodyPr wrap="none" rtlCol="0">
+                <a:spAutoFit/>
+              </a:bodyPr>
+              <a:lstStyle/>
+              <a:p>
+                <a:pPr/>
+                <a14:m>
+                  <m:oMathPara xmlns:m="http://schemas.openxmlformats.org/officeDocument/2006/math">
+                    <m:oMathParaPr>
+                      <m:jc m:val="centerGroup"/>
+                    </m:oMathParaPr>
+                    <m:oMath xmlns:m="http://schemas.openxmlformats.org/officeDocument/2006/math">
+                      <m:r>
+                        <a:rPr lang="en-US" altLang="ko-KR" b="0" i="1" smtClean="0">
+                          <a:solidFill>
+                            <a:schemeClr val="tx1"/>
+                          </a:solidFill>
+                          <a:latin typeface="Cambria Math"/>
+                        </a:rPr>
+                        <m:t>𝐴</m:t>
+                      </m:r>
+                    </m:oMath>
+                  </m:oMathPara>
+                </a14:m>
+                <a:endParaRPr lang="ko-KR" altLang="en-US" dirty="0">
+                  <a:solidFill>
+                    <a:schemeClr val="tx1"/>
+                  </a:solidFill>
+                </a:endParaRPr>
+              </a:p>
+            </p:txBody>
+          </p:sp>
+        </mc:Choice>
+        <mc:Fallback>
+          <p:sp>
+            <p:nvSpPr>
+              <p:cNvPr id="5" name="TextBox 4"/>
+              <p:cNvSpPr txBox="1">
+                <a:spLocks noRot="1" noChangeAspect="1" noMove="1" noResize="1" noEditPoints="1" noAdjustHandles="1" noChangeArrowheads="1" noChangeShapeType="1" noTextEdit="1"/>
+              </p:cNvSpPr>
+              <p:nvPr/>
+            </p:nvSpPr>
+            <p:spPr>
+              <a:xfrm>
+                <a:off x="5428332" y="2247695"/>
+                <a:ext cx="414537" cy="369332"/>
+              </a:xfrm>
+              <a:prstGeom prst="rect">
+                <a:avLst/>
+              </a:prstGeom>
+              <a:blipFill rotWithShape="1">
+                <a:blip r:embed="rId3"/>
+                <a:stretch>
+                  <a:fillRect/>
+                </a:stretch>
+              </a:blipFill>
+            </p:spPr>
+            <p:txBody>
+              <a:bodyPr/>
+              <a:lstStyle/>
+              <a:p>
+                <a:r>
+                  <a:rPr lang="ko-KR" altLang="en-US">
+                    <a:noFill/>
+                  </a:rPr>
+                  <a:t> </a:t>
+                </a:r>
+              </a:p>
+            </p:txBody>
+          </p:sp>
+        </mc:Fallback>
+      </mc:AlternateContent>
+      <mc:AlternateContent xmlns:mc="http://schemas.openxmlformats.org/markup-compatibility/2006">
+        <mc:Choice xmlns:a14="http://schemas.microsoft.com/office/drawing/2010/main" Requires="a14">
+          <p:sp>
+            <p:nvSpPr>
+              <p:cNvPr id="6" name="TextBox 5"/>
+              <p:cNvSpPr txBox="1"/>
+              <p:nvPr/>
+            </p:nvSpPr>
+            <p:spPr>
+              <a:xfrm>
+                <a:off x="3579376" y="1025966"/>
+                <a:ext cx="1752467" cy="369332"/>
+              </a:xfrm>
+              <a:prstGeom prst="rect">
+                <a:avLst/>
+              </a:prstGeom>
+              <a:noFill/>
+            </p:spPr>
+            <p:txBody>
+              <a:bodyPr wrap="none" rtlCol="0">
+                <a:spAutoFit/>
+              </a:bodyPr>
+              <a:lstStyle/>
+              <a:p>
+                <a:pPr/>
+                <a14:m>
+                  <m:oMathPara xmlns:m="http://schemas.openxmlformats.org/officeDocument/2006/math">
+                    <m:oMathParaPr>
+                      <m:jc m:val="centerGroup"/>
+                    </m:oMathParaPr>
+                    <m:oMath xmlns:m="http://schemas.openxmlformats.org/officeDocument/2006/math">
+                      <m:sSub>
+                        <m:sSubPr>
+                          <m:ctrlPr>
+                            <a:rPr lang="en-US" altLang="ko-KR" b="0" i="1" smtClean="0">
+                              <a:solidFill>
+                                <a:srgbClr val="00B050"/>
+                              </a:solidFill>
+                              <a:latin typeface="Cambria Math"/>
+                            </a:rPr>
+                          </m:ctrlPr>
+                        </m:sSubPr>
+                        <m:e>
+                          <m:r>
+                            <a:rPr lang="en-US" altLang="ko-KR" b="0" i="1" smtClean="0">
+                              <a:solidFill>
+                                <a:srgbClr val="00B050"/>
+                              </a:solidFill>
+                              <a:latin typeface="Cambria Math"/>
+                            </a:rPr>
+                            <m:t>𝑟</m:t>
+                          </m:r>
+                        </m:e>
+                        <m:sub>
+                          <m:r>
+                            <a:rPr lang="en-US" altLang="ko-KR" b="0" i="1" smtClean="0">
+                              <a:solidFill>
+                                <a:srgbClr val="00B050"/>
+                              </a:solidFill>
+                              <a:latin typeface="Cambria Math"/>
+                            </a:rPr>
+                            <m:t>2</m:t>
+                          </m:r>
+                        </m:sub>
+                      </m:sSub>
+                      <m:r>
+                        <a:rPr lang="en-US" altLang="ko-KR" b="0" i="1" smtClean="0">
+                          <a:solidFill>
+                            <a:srgbClr val="00B050"/>
+                          </a:solidFill>
+                          <a:latin typeface="Cambria Math"/>
+                        </a:rPr>
+                        <m:t>→</m:t>
+                      </m:r>
+                      <m:d>
+                        <m:dPr>
+                          <m:ctrlPr>
+                            <a:rPr lang="en-US" altLang="ko-KR" b="0" i="1" smtClean="0">
+                              <a:solidFill>
+                                <a:srgbClr val="00B050"/>
+                              </a:solidFill>
+                              <a:latin typeface="Cambria Math"/>
+                            </a:rPr>
+                          </m:ctrlPr>
+                        </m:dPr>
+                        <m:e>
+                          <m:sSub>
+                            <m:sSubPr>
+                              <m:ctrlPr>
+                                <a:rPr lang="en-US" altLang="ko-KR" b="0" i="1" smtClean="0">
+                                  <a:solidFill>
+                                    <a:srgbClr val="00B050"/>
+                                  </a:solidFill>
+                                  <a:latin typeface="Cambria Math"/>
+                                </a:rPr>
+                              </m:ctrlPr>
+                            </m:sSubPr>
+                            <m:e>
+                              <m:r>
+                                <a:rPr lang="en-US" altLang="ko-KR" b="0" i="1" smtClean="0">
+                                  <a:solidFill>
+                                    <a:srgbClr val="00B050"/>
+                                  </a:solidFill>
+                                  <a:latin typeface="Cambria Math"/>
+                                </a:rPr>
+                                <m:t>𝑟</m:t>
+                              </m:r>
+                            </m:e>
+                            <m:sub>
+                              <m:r>
+                                <a:rPr lang="en-US" altLang="ko-KR" b="0" i="1" smtClean="0">
+                                  <a:solidFill>
+                                    <a:srgbClr val="00B050"/>
+                                  </a:solidFill>
+                                  <a:latin typeface="Cambria Math"/>
+                                </a:rPr>
+                                <m:t>2</m:t>
+                              </m:r>
+                            </m:sub>
+                          </m:sSub>
+                          <m:r>
+                            <a:rPr lang="en-US" altLang="ko-KR" b="0" i="1" smtClean="0">
+                              <a:solidFill>
+                                <a:srgbClr val="00B050"/>
+                              </a:solidFill>
+                              <a:latin typeface="Cambria Math"/>
+                            </a:rPr>
+                            <m:t>−2</m:t>
+                          </m:r>
+                          <m:sSub>
+                            <m:sSubPr>
+                              <m:ctrlPr>
+                                <a:rPr lang="en-US" altLang="ko-KR" b="0" i="1" smtClean="0">
+                                  <a:solidFill>
+                                    <a:srgbClr val="00B050"/>
+                                  </a:solidFill>
+                                  <a:latin typeface="Cambria Math"/>
+                                </a:rPr>
+                              </m:ctrlPr>
+                            </m:sSubPr>
+                            <m:e>
+                              <m:r>
+                                <a:rPr lang="en-US" altLang="ko-KR" b="0" i="1" smtClean="0">
+                                  <a:solidFill>
+                                    <a:srgbClr val="00B050"/>
+                                  </a:solidFill>
+                                  <a:latin typeface="Cambria Math"/>
+                                </a:rPr>
+                                <m:t>𝑟</m:t>
+                              </m:r>
+                            </m:e>
+                            <m:sub>
+                              <m:r>
+                                <a:rPr lang="en-US" altLang="ko-KR" b="0" i="1" smtClean="0">
+                                  <a:solidFill>
+                                    <a:srgbClr val="00B050"/>
+                                  </a:solidFill>
+                                  <a:latin typeface="Cambria Math"/>
+                                </a:rPr>
+                                <m:t>1</m:t>
+                              </m:r>
+                            </m:sub>
+                          </m:sSub>
+                        </m:e>
+                      </m:d>
+                    </m:oMath>
+                  </m:oMathPara>
+                </a14:m>
+                <a:endParaRPr lang="ko-KR" altLang="en-US" dirty="0">
+                  <a:solidFill>
+                    <a:srgbClr val="00B050"/>
+                  </a:solidFill>
+                </a:endParaRPr>
+              </a:p>
+            </p:txBody>
+          </p:sp>
+        </mc:Choice>
+        <mc:Fallback>
+          <p:sp>
+            <p:nvSpPr>
+              <p:cNvPr id="6" name="TextBox 5"/>
+              <p:cNvSpPr txBox="1">
+                <a:spLocks noRot="1" noChangeAspect="1" noMove="1" noResize="1" noEditPoints="1" noAdjustHandles="1" noChangeArrowheads="1" noChangeShapeType="1" noTextEdit="1"/>
+              </p:cNvSpPr>
+              <p:nvPr/>
+            </p:nvSpPr>
+            <p:spPr>
+              <a:xfrm>
+                <a:off x="3579376" y="1025966"/>
+                <a:ext cx="1752467" cy="369332"/>
+              </a:xfrm>
+              <a:prstGeom prst="rect">
+                <a:avLst/>
+              </a:prstGeom>
+              <a:blipFill rotWithShape="1">
+                <a:blip r:embed="rId4"/>
+                <a:stretch>
+                  <a:fillRect b="-1639"/>
+                </a:stretch>
+              </a:blipFill>
+            </p:spPr>
+            <p:txBody>
+              <a:bodyPr/>
+              <a:lstStyle/>
+              <a:p>
+                <a:r>
+                  <a:rPr lang="ko-KR" altLang="en-US">
+                    <a:noFill/>
+                  </a:rPr>
+                  <a:t> </a:t>
+                </a:r>
+              </a:p>
+            </p:txBody>
+          </p:sp>
+        </mc:Fallback>
+      </mc:AlternateContent>
+      <mc:AlternateContent xmlns:mc="http://schemas.openxmlformats.org/markup-compatibility/2006">
+        <mc:Choice xmlns:a14="http://schemas.microsoft.com/office/drawing/2010/main" Requires="a14">
+          <p:sp>
+            <p:nvSpPr>
+              <p:cNvPr id="7" name="TextBox 6"/>
+              <p:cNvSpPr txBox="1"/>
+              <p:nvPr/>
+            </p:nvSpPr>
+            <p:spPr>
+              <a:xfrm>
+                <a:off x="2384935" y="2175687"/>
+                <a:ext cx="1752467" cy="369332"/>
+              </a:xfrm>
+              <a:prstGeom prst="rect">
+                <a:avLst/>
+              </a:prstGeom>
+              <a:noFill/>
+            </p:spPr>
+            <p:txBody>
+              <a:bodyPr wrap="none" rtlCol="0">
+                <a:spAutoFit/>
+              </a:bodyPr>
+              <a:lstStyle/>
+              <a:p>
+                <a:pPr/>
+                <a14:m>
+                  <m:oMathPara xmlns:m="http://schemas.openxmlformats.org/officeDocument/2006/math">
+                    <m:oMathParaPr>
+                      <m:jc m:val="centerGroup"/>
+                    </m:oMathParaPr>
+                    <m:oMath xmlns:m="http://schemas.openxmlformats.org/officeDocument/2006/math">
+                      <m:sSub>
+                        <m:sSubPr>
+                          <m:ctrlPr>
+                            <a:rPr lang="en-US" altLang="ko-KR" b="0" i="1" smtClean="0">
+                              <a:solidFill>
+                                <a:srgbClr val="00B0F0"/>
+                              </a:solidFill>
+                              <a:latin typeface="Cambria Math"/>
+                            </a:rPr>
+                          </m:ctrlPr>
+                        </m:sSubPr>
+                        <m:e>
+                          <m:r>
+                            <a:rPr lang="en-US" altLang="ko-KR" b="0" i="1" smtClean="0">
+                              <a:solidFill>
+                                <a:srgbClr val="00B0F0"/>
+                              </a:solidFill>
+                              <a:latin typeface="Cambria Math"/>
+                            </a:rPr>
+                            <m:t>𝑟</m:t>
+                          </m:r>
+                        </m:e>
+                        <m:sub>
+                          <m:r>
+                            <a:rPr lang="en-US" altLang="ko-KR" b="0" i="1" smtClean="0">
+                              <a:solidFill>
+                                <a:srgbClr val="00B0F0"/>
+                              </a:solidFill>
+                              <a:latin typeface="Cambria Math"/>
+                            </a:rPr>
+                            <m:t>3</m:t>
+                          </m:r>
+                        </m:sub>
+                      </m:sSub>
+                      <m:r>
+                        <a:rPr lang="en-US" altLang="ko-KR" b="0" i="1" smtClean="0">
+                          <a:solidFill>
+                            <a:srgbClr val="00B0F0"/>
+                          </a:solidFill>
+                          <a:latin typeface="Cambria Math"/>
+                        </a:rPr>
+                        <m:t>→(</m:t>
+                      </m:r>
+                      <m:sSub>
+                        <m:sSubPr>
+                          <m:ctrlPr>
+                            <a:rPr lang="en-US" altLang="ko-KR" b="0" i="1" smtClean="0">
+                              <a:solidFill>
+                                <a:srgbClr val="00B0F0"/>
+                              </a:solidFill>
+                              <a:latin typeface="Cambria Math"/>
+                            </a:rPr>
+                          </m:ctrlPr>
+                        </m:sSubPr>
+                        <m:e>
+                          <m:r>
+                            <a:rPr lang="en-US" altLang="ko-KR" b="0" i="1" smtClean="0">
+                              <a:solidFill>
+                                <a:srgbClr val="00B0F0"/>
+                              </a:solidFill>
+                              <a:latin typeface="Cambria Math"/>
+                            </a:rPr>
+                            <m:t>𝑟</m:t>
+                          </m:r>
+                        </m:e>
+                        <m:sub>
+                          <m:r>
+                            <a:rPr lang="en-US" altLang="ko-KR" b="0" i="1" smtClean="0">
+                              <a:solidFill>
+                                <a:srgbClr val="00B0F0"/>
+                              </a:solidFill>
+                              <a:latin typeface="Cambria Math"/>
+                            </a:rPr>
+                            <m:t>3</m:t>
+                          </m:r>
+                        </m:sub>
+                      </m:sSub>
+                      <m:r>
+                        <a:rPr lang="en-US" altLang="ko-KR" b="0" i="1" smtClean="0">
+                          <a:solidFill>
+                            <a:srgbClr val="00B0F0"/>
+                          </a:solidFill>
+                          <a:latin typeface="Cambria Math"/>
+                        </a:rPr>
+                        <m:t>−2</m:t>
+                      </m:r>
+                      <m:sSub>
+                        <m:sSubPr>
+                          <m:ctrlPr>
+                            <a:rPr lang="en-US" altLang="ko-KR" b="0" i="1" smtClean="0">
+                              <a:solidFill>
+                                <a:srgbClr val="00B0F0"/>
+                              </a:solidFill>
+                              <a:latin typeface="Cambria Math"/>
+                            </a:rPr>
+                          </m:ctrlPr>
+                        </m:sSubPr>
+                        <m:e>
+                          <m:r>
+                            <a:rPr lang="en-US" altLang="ko-KR" b="0" i="1" smtClean="0">
+                              <a:solidFill>
+                                <a:srgbClr val="00B0F0"/>
+                              </a:solidFill>
+                              <a:latin typeface="Cambria Math"/>
+                            </a:rPr>
+                            <m:t>𝑟</m:t>
+                          </m:r>
+                        </m:e>
+                        <m:sub>
+                          <m:r>
+                            <a:rPr lang="en-US" altLang="ko-KR" b="0" i="1" smtClean="0">
+                              <a:solidFill>
+                                <a:srgbClr val="00B0F0"/>
+                              </a:solidFill>
+                              <a:latin typeface="Cambria Math"/>
+                            </a:rPr>
+                            <m:t>1</m:t>
+                          </m:r>
+                        </m:sub>
+                      </m:sSub>
+                      <m:r>
+                        <a:rPr lang="en-US" altLang="ko-KR" b="0" i="1" smtClean="0">
+                          <a:solidFill>
+                            <a:srgbClr val="00B0F0"/>
+                          </a:solidFill>
+                          <a:latin typeface="Cambria Math"/>
+                        </a:rPr>
+                        <m:t>)</m:t>
+                      </m:r>
+                    </m:oMath>
+                  </m:oMathPara>
+                </a14:m>
+                <a:endParaRPr lang="ko-KR" altLang="en-US" dirty="0">
+                  <a:solidFill>
+                    <a:srgbClr val="00B0F0"/>
+                  </a:solidFill>
+                </a:endParaRPr>
+              </a:p>
+            </p:txBody>
+          </p:sp>
+        </mc:Choice>
+        <mc:Fallback>
+          <p:sp>
+            <p:nvSpPr>
+              <p:cNvPr id="7" name="TextBox 6"/>
+              <p:cNvSpPr txBox="1">
+                <a:spLocks noRot="1" noChangeAspect="1" noMove="1" noResize="1" noEditPoints="1" noAdjustHandles="1" noChangeArrowheads="1" noChangeShapeType="1" noTextEdit="1"/>
+              </p:cNvSpPr>
+              <p:nvPr/>
+            </p:nvSpPr>
+            <p:spPr>
+              <a:xfrm>
+                <a:off x="2384935" y="2175687"/>
+                <a:ext cx="1752467" cy="369332"/>
+              </a:xfrm>
+              <a:prstGeom prst="rect">
+                <a:avLst/>
+              </a:prstGeom>
+              <a:blipFill rotWithShape="1">
+                <a:blip r:embed="rId5"/>
+                <a:stretch>
+                  <a:fillRect b="-16667"/>
+                </a:stretch>
+              </a:blipFill>
+            </p:spPr>
+            <p:txBody>
+              <a:bodyPr/>
+              <a:lstStyle/>
+              <a:p>
+                <a:r>
+                  <a:rPr lang="ko-KR" altLang="en-US">
+                    <a:noFill/>
+                  </a:rPr>
+                  <a:t> </a:t>
+                </a:r>
+              </a:p>
+            </p:txBody>
+          </p:sp>
+        </mc:Fallback>
+      </mc:AlternateContent>
+      <mc:AlternateContent xmlns:mc="http://schemas.openxmlformats.org/markup-compatibility/2006">
+        <mc:Choice xmlns:a14="http://schemas.microsoft.com/office/drawing/2010/main" Requires="a14">
+          <p:sp>
+            <p:nvSpPr>
+              <p:cNvPr id="8" name="TextBox 7"/>
+              <p:cNvSpPr txBox="1"/>
+              <p:nvPr/>
+            </p:nvSpPr>
+            <p:spPr>
+              <a:xfrm>
+                <a:off x="1203084" y="1025966"/>
+                <a:ext cx="1629549" cy="369332"/>
+              </a:xfrm>
+              <a:prstGeom prst="rect">
+                <a:avLst/>
+              </a:prstGeom>
+              <a:noFill/>
+            </p:spPr>
+            <p:txBody>
+              <a:bodyPr wrap="none" rtlCol="0">
+                <a:spAutoFit/>
+              </a:bodyPr>
+              <a:lstStyle/>
+              <a:p>
+                <a:pPr/>
+                <a14:m>
+                  <m:oMathPara xmlns:m="http://schemas.openxmlformats.org/officeDocument/2006/math">
+                    <m:oMathParaPr>
+                      <m:jc m:val="centerGroup"/>
+                    </m:oMathParaPr>
+                    <m:oMath xmlns:m="http://schemas.openxmlformats.org/officeDocument/2006/math">
+                      <m:sSub>
+                        <m:sSubPr>
+                          <m:ctrlPr>
+                            <a:rPr lang="en-US" altLang="ko-KR" b="0" i="1" smtClean="0">
+                              <a:solidFill>
+                                <a:srgbClr val="FF0000"/>
+                              </a:solidFill>
+                              <a:latin typeface="Cambria Math"/>
+                            </a:rPr>
+                          </m:ctrlPr>
+                        </m:sSubPr>
+                        <m:e>
+                          <m:r>
+                            <a:rPr lang="en-US" altLang="ko-KR" b="0" i="1" smtClean="0">
+                              <a:solidFill>
+                                <a:srgbClr val="FF0000"/>
+                              </a:solidFill>
+                              <a:latin typeface="Cambria Math"/>
+                            </a:rPr>
+                            <m:t>𝑟</m:t>
+                          </m:r>
+                        </m:e>
+                        <m:sub>
+                          <m:r>
+                            <a:rPr lang="en-US" altLang="ko-KR" b="0" i="1" smtClean="0">
+                              <a:solidFill>
+                                <a:srgbClr val="FF0000"/>
+                              </a:solidFill>
+                              <a:latin typeface="Cambria Math"/>
+                            </a:rPr>
+                            <m:t>3</m:t>
+                          </m:r>
+                        </m:sub>
+                      </m:sSub>
+                      <m:r>
+                        <a:rPr lang="en-US" altLang="ko-KR" b="0" i="1" smtClean="0">
+                          <a:solidFill>
+                            <a:srgbClr val="FF0000"/>
+                          </a:solidFill>
+                          <a:latin typeface="Cambria Math"/>
+                        </a:rPr>
+                        <m:t>→(</m:t>
+                      </m:r>
+                      <m:sSub>
+                        <m:sSubPr>
+                          <m:ctrlPr>
+                            <a:rPr lang="en-US" altLang="ko-KR" b="0" i="1" smtClean="0">
+                              <a:solidFill>
+                                <a:srgbClr val="FF0000"/>
+                              </a:solidFill>
+                              <a:latin typeface="Cambria Math"/>
+                            </a:rPr>
+                          </m:ctrlPr>
+                        </m:sSubPr>
+                        <m:e>
+                          <m:r>
+                            <a:rPr lang="en-US" altLang="ko-KR" b="0" i="1" smtClean="0">
+                              <a:solidFill>
+                                <a:srgbClr val="FF0000"/>
+                              </a:solidFill>
+                              <a:latin typeface="Cambria Math"/>
+                            </a:rPr>
+                            <m:t>𝑟</m:t>
+                          </m:r>
+                        </m:e>
+                        <m:sub>
+                          <m:r>
+                            <a:rPr lang="en-US" altLang="ko-KR" b="0" i="1" smtClean="0">
+                              <a:solidFill>
+                                <a:srgbClr val="FF0000"/>
+                              </a:solidFill>
+                              <a:latin typeface="Cambria Math"/>
+                            </a:rPr>
+                            <m:t>3</m:t>
+                          </m:r>
+                        </m:sub>
+                      </m:sSub>
+                      <m:r>
+                        <a:rPr lang="en-US" altLang="ko-KR" b="0" i="1" smtClean="0">
+                          <a:solidFill>
+                            <a:srgbClr val="FF0000"/>
+                          </a:solidFill>
+                          <a:latin typeface="Cambria Math"/>
+                        </a:rPr>
+                        <m:t>−</m:t>
+                      </m:r>
+                      <m:sSub>
+                        <m:sSubPr>
+                          <m:ctrlPr>
+                            <a:rPr lang="en-US" altLang="ko-KR" b="0" i="1" smtClean="0">
+                              <a:solidFill>
+                                <a:srgbClr val="FF0000"/>
+                              </a:solidFill>
+                              <a:latin typeface="Cambria Math"/>
+                            </a:rPr>
+                          </m:ctrlPr>
+                        </m:sSubPr>
+                        <m:e>
+                          <m:r>
+                            <a:rPr lang="en-US" altLang="ko-KR" b="0" i="1" smtClean="0">
+                              <a:solidFill>
+                                <a:srgbClr val="FF0000"/>
+                              </a:solidFill>
+                              <a:latin typeface="Cambria Math"/>
+                            </a:rPr>
+                            <m:t>𝑟</m:t>
+                          </m:r>
+                        </m:e>
+                        <m:sub>
+                          <m:r>
+                            <a:rPr lang="en-US" altLang="ko-KR" b="0" i="1" smtClean="0">
+                              <a:solidFill>
+                                <a:srgbClr val="FF0000"/>
+                              </a:solidFill>
+                              <a:latin typeface="Cambria Math"/>
+                            </a:rPr>
+                            <m:t>2</m:t>
+                          </m:r>
+                        </m:sub>
+                      </m:sSub>
+                      <m:r>
+                        <a:rPr lang="en-US" altLang="ko-KR" b="0" i="1" smtClean="0">
+                          <a:solidFill>
+                            <a:srgbClr val="FF0000"/>
+                          </a:solidFill>
+                          <a:latin typeface="Cambria Math"/>
+                        </a:rPr>
+                        <m:t>)</m:t>
+                      </m:r>
+                    </m:oMath>
+                  </m:oMathPara>
+                </a14:m>
+                <a:endParaRPr lang="ko-KR" altLang="en-US" dirty="0">
+                  <a:solidFill>
+                    <a:srgbClr val="FF0000"/>
+                  </a:solidFill>
+                </a:endParaRPr>
+              </a:p>
+            </p:txBody>
+          </p:sp>
+        </mc:Choice>
+        <mc:Fallback>
+          <p:sp>
+            <p:nvSpPr>
+              <p:cNvPr id="8" name="TextBox 7"/>
+              <p:cNvSpPr txBox="1">
+                <a:spLocks noRot="1" noChangeAspect="1" noMove="1" noResize="1" noEditPoints="1" noAdjustHandles="1" noChangeArrowheads="1" noChangeShapeType="1" noTextEdit="1"/>
+              </p:cNvSpPr>
+              <p:nvPr/>
+            </p:nvSpPr>
+            <p:spPr>
+              <a:xfrm>
+                <a:off x="1203084" y="1025966"/>
+                <a:ext cx="1629549" cy="369332"/>
+              </a:xfrm>
+              <a:prstGeom prst="rect">
+                <a:avLst/>
+              </a:prstGeom>
+              <a:blipFill rotWithShape="1">
+                <a:blip r:embed="rId6"/>
+                <a:stretch>
+                  <a:fillRect b="-14754"/>
+                </a:stretch>
+              </a:blipFill>
+            </p:spPr>
+            <p:txBody>
+              <a:bodyPr/>
+              <a:lstStyle/>
+              <a:p>
+                <a:r>
+                  <a:rPr lang="ko-KR" altLang="en-US">
+                    <a:noFill/>
+                  </a:rPr>
+                  <a:t> </a:t>
+                </a:r>
+              </a:p>
+            </p:txBody>
+          </p:sp>
+        </mc:Fallback>
+      </mc:AlternateContent>
+      <mc:AlternateContent xmlns:mc="http://schemas.openxmlformats.org/markup-compatibility/2006">
+        <mc:Choice xmlns:a14="http://schemas.microsoft.com/office/drawing/2010/main" Requires="a14">
+          <p:sp>
+            <p:nvSpPr>
               <p:cNvPr id="9" name="TextBox 8"/>
               <p:cNvSpPr txBox="1"/>
               <p:nvPr/>
             </p:nvSpPr>
             <p:spPr>
               <a:xfrm>
-                <a:off x="1164697" y="1484784"/>
+                <a:off x="877495" y="4084535"/>
                 <a:ext cx="7389010" cy="879023"/>
               </a:xfrm>
               <a:prstGeom prst="rect">
@@ -7034,6 +8894,1073 @@
             </p:nvSpPr>
             <p:spPr>
               <a:xfrm>
+                <a:off x="877495" y="4084535"/>
+                <a:ext cx="7389010" cy="879023"/>
+              </a:xfrm>
+              <a:prstGeom prst="rect">
+                <a:avLst/>
+              </a:prstGeom>
+              <a:blipFill rotWithShape="1">
+                <a:blip r:embed="rId7"/>
+                <a:stretch>
+                  <a:fillRect/>
+                </a:stretch>
+              </a:blipFill>
+            </p:spPr>
+            <p:txBody>
+              <a:bodyPr/>
+              <a:lstStyle/>
+              <a:p>
+                <a:r>
+                  <a:rPr lang="ko-KR" altLang="en-US">
+                    <a:noFill/>
+                  </a:rPr>
+                  <a:t> </a:t>
+                </a:r>
+              </a:p>
+            </p:txBody>
+          </p:sp>
+        </mc:Fallback>
+      </mc:AlternateContent>
+      <mc:AlternateContent xmlns:mc="http://schemas.openxmlformats.org/markup-compatibility/2006">
+        <mc:Choice xmlns:a14="http://schemas.microsoft.com/office/drawing/2010/main" Requires="a14">
+          <p:sp>
+            <p:nvSpPr>
+              <p:cNvPr id="11" name="TextBox 10"/>
+              <p:cNvSpPr txBox="1"/>
+              <p:nvPr/>
+            </p:nvSpPr>
+            <p:spPr>
+              <a:xfrm>
+                <a:off x="1404478" y="4963558"/>
+                <a:ext cx="414537" cy="369332"/>
+              </a:xfrm>
+              <a:prstGeom prst="rect">
+                <a:avLst/>
+              </a:prstGeom>
+              <a:noFill/>
+            </p:spPr>
+            <p:txBody>
+              <a:bodyPr wrap="none" rtlCol="0">
+                <a:spAutoFit/>
+              </a:bodyPr>
+              <a:lstStyle/>
+              <a:p>
+                <a:pPr/>
+                <a14:m>
+                  <m:oMathPara xmlns:m="http://schemas.openxmlformats.org/officeDocument/2006/math">
+                    <m:oMathParaPr>
+                      <m:jc m:val="centerGroup"/>
+                    </m:oMathParaPr>
+                    <m:oMath xmlns:m="http://schemas.openxmlformats.org/officeDocument/2006/math">
+                      <m:r>
+                        <a:rPr lang="en-US" altLang="ko-KR" b="0" i="1" smtClean="0">
+                          <a:solidFill>
+                            <a:schemeClr val="tx1"/>
+                          </a:solidFill>
+                          <a:latin typeface="Cambria Math"/>
+                        </a:rPr>
+                        <m:t>𝐴</m:t>
+                      </m:r>
+                    </m:oMath>
+                  </m:oMathPara>
+                </a14:m>
+                <a:endParaRPr lang="ko-KR" altLang="en-US" dirty="0">
+                  <a:solidFill>
+                    <a:schemeClr val="tx1"/>
+                  </a:solidFill>
+                </a:endParaRPr>
+              </a:p>
+            </p:txBody>
+          </p:sp>
+        </mc:Choice>
+        <mc:Fallback>
+          <p:sp>
+            <p:nvSpPr>
+              <p:cNvPr id="11" name="TextBox 10"/>
+              <p:cNvSpPr txBox="1">
+                <a:spLocks noRot="1" noChangeAspect="1" noMove="1" noResize="1" noEditPoints="1" noAdjustHandles="1" noChangeArrowheads="1" noChangeShapeType="1" noTextEdit="1"/>
+              </p:cNvSpPr>
+              <p:nvPr/>
+            </p:nvSpPr>
+            <p:spPr>
+              <a:xfrm>
+                <a:off x="1404478" y="4963558"/>
+                <a:ext cx="414537" cy="369332"/>
+              </a:xfrm>
+              <a:prstGeom prst="rect">
+                <a:avLst/>
+              </a:prstGeom>
+              <a:blipFill rotWithShape="1">
+                <a:blip r:embed="rId8"/>
+                <a:stretch>
+                  <a:fillRect/>
+                </a:stretch>
+              </a:blipFill>
+            </p:spPr>
+            <p:txBody>
+              <a:bodyPr/>
+              <a:lstStyle/>
+              <a:p>
+                <a:r>
+                  <a:rPr lang="ko-KR" altLang="en-US">
+                    <a:noFill/>
+                  </a:rPr>
+                  <a:t> </a:t>
+                </a:r>
+              </a:p>
+            </p:txBody>
+          </p:sp>
+        </mc:Fallback>
+      </mc:AlternateContent>
+      <p:sp>
+        <p:nvSpPr>
+          <p:cNvPr id="2" name="아래쪽 화살표 1"/>
+          <p:cNvSpPr/>
+          <p:nvPr/>
+        </p:nvSpPr>
+        <p:spPr>
+          <a:xfrm>
+            <a:off x="4329684" y="2852936"/>
+            <a:ext cx="484632" cy="978408"/>
+          </a:xfrm>
+          <a:prstGeom prst="downArrow">
+            <a:avLst/>
+          </a:prstGeom>
+          <a:solidFill>
+            <a:srgbClr val="FFC000"/>
+          </a:solidFill>
+        </p:spPr>
+        <p:style>
+          <a:lnRef idx="2">
+            <a:schemeClr val="accent1">
+              <a:shade val="50000"/>
+            </a:schemeClr>
+          </a:lnRef>
+          <a:fillRef idx="1">
+            <a:schemeClr val="accent1"/>
+          </a:fillRef>
+          <a:effectRef idx="0">
+            <a:schemeClr val="accent1"/>
+          </a:effectRef>
+          <a:fontRef idx="minor">
+            <a:schemeClr val="lt1"/>
+          </a:fontRef>
+        </p:style>
+        <p:txBody>
+          <a:bodyPr rtlCol="0" anchor="ctr"/>
+          <a:lstStyle/>
+          <a:p>
+            <a:pPr algn="ctr"/>
+            <a:endParaRPr lang="ko-KR" altLang="en-US" dirty="0"/>
+          </a:p>
+        </p:txBody>
+      </p:sp>
+      <p:sp>
+        <p:nvSpPr>
+          <p:cNvPr id="3" name="TextBox 2"/>
+          <p:cNvSpPr txBox="1"/>
+          <p:nvPr/>
+        </p:nvSpPr>
+        <p:spPr>
+          <a:xfrm>
+            <a:off x="4847335" y="2924944"/>
+            <a:ext cx="1763624" cy="646331"/>
+          </a:xfrm>
+          <a:prstGeom prst="rect">
+            <a:avLst/>
+          </a:prstGeom>
+          <a:noFill/>
+        </p:spPr>
+        <p:txBody>
+          <a:bodyPr wrap="none" rtlCol="0">
+            <a:spAutoFit/>
+          </a:bodyPr>
+          <a:lstStyle/>
+          <a:p>
+            <a:pPr algn="ctr"/>
+            <a:r>
+              <a:rPr lang="ko-KR" altLang="en-US" dirty="0" smtClean="0">
+                <a:latin typeface="나눔고딕" pitchFamily="50" charset="-127"/>
+                <a:ea typeface="나눔고딕" pitchFamily="50" charset="-127"/>
+              </a:rPr>
+              <a:t>기본 행렬의</a:t>
+            </a:r>
+            <a:endParaRPr lang="en-US" altLang="ko-KR" dirty="0" smtClean="0">
+              <a:latin typeface="나눔고딕" pitchFamily="50" charset="-127"/>
+              <a:ea typeface="나눔고딕" pitchFamily="50" charset="-127"/>
+            </a:endParaRPr>
+          </a:p>
+          <a:p>
+            <a:pPr algn="ctr"/>
+            <a:r>
+              <a:rPr lang="ko-KR" altLang="en-US" dirty="0" smtClean="0">
+                <a:latin typeface="나눔고딕" pitchFamily="50" charset="-127"/>
+                <a:ea typeface="나눔고딕" pitchFamily="50" charset="-127"/>
+              </a:rPr>
+              <a:t>역행렬 곱해주기</a:t>
+            </a:r>
+            <a:endParaRPr lang="ko-KR" altLang="en-US" dirty="0">
+              <a:latin typeface="나눔고딕" pitchFamily="50" charset="-127"/>
+              <a:ea typeface="나눔고딕" pitchFamily="50" charset="-127"/>
+            </a:endParaRPr>
+          </a:p>
+        </p:txBody>
+      </p:sp>
+    </p:spTree>
+    <p:extLst>
+      <p:ext uri="{BB962C8B-B14F-4D97-AF65-F5344CB8AC3E}">
+        <p14:creationId xmlns:p14="http://schemas.microsoft.com/office/powerpoint/2010/main" val="506268581"/>
+      </p:ext>
+    </p:extLst>
+  </p:cSld>
+  <p:clrMapOvr>
+    <a:masterClrMapping/>
+  </p:clrMapOvr>
+</p:sld>
+</file>
+
+<file path=ppt/slides/slide4.xml><?xml version="1.0" encoding="utf-8"?>
+<p:sld xmlns:a="http://schemas.openxmlformats.org/drawingml/2006/main" xmlns:r="http://schemas.openxmlformats.org/officeDocument/2006/relationships" xmlns:p="http://schemas.openxmlformats.org/presentationml/2006/main">
+  <p:cSld>
+    <p:spTree>
+      <p:nvGrpSpPr>
+        <p:cNvPr id="1" name=""/>
+        <p:cNvGrpSpPr/>
+        <p:nvPr/>
+      </p:nvGrpSpPr>
+      <p:grpSpPr>
+        <a:xfrm>
+          <a:off x="0" y="0"/>
+          <a:ext cx="0" cy="0"/>
+          <a:chOff x="0" y="0"/>
+          <a:chExt cx="0" cy="0"/>
+        </a:xfrm>
+      </p:grpSpPr>
+      <mc:AlternateContent xmlns:mc="http://schemas.openxmlformats.org/markup-compatibility/2006">
+        <mc:Choice xmlns:a14="http://schemas.microsoft.com/office/drawing/2010/main" Requires="a14">
+          <p:sp>
+            <p:nvSpPr>
+              <p:cNvPr id="9" name="TextBox 8"/>
+              <p:cNvSpPr txBox="1"/>
+              <p:nvPr/>
+            </p:nvSpPr>
+            <p:spPr>
+              <a:xfrm>
+                <a:off x="1164697" y="1484784"/>
+                <a:ext cx="7389010" cy="879023"/>
+              </a:xfrm>
+              <a:prstGeom prst="rect">
+                <a:avLst/>
+              </a:prstGeom>
+              <a:noFill/>
+            </p:spPr>
+            <p:txBody>
+              <a:bodyPr wrap="none" rtlCol="0">
+                <a:spAutoFit/>
+              </a:bodyPr>
+              <a:lstStyle/>
+              <a:p>
+                <a:pPr/>
+                <a14:m>
+                  <m:oMathPara xmlns:m="http://schemas.openxmlformats.org/officeDocument/2006/math">
+                    <m:oMathParaPr>
+                      <m:jc m:val="centerGroup"/>
+                    </m:oMathParaPr>
+                    <m:oMath xmlns:m="http://schemas.openxmlformats.org/officeDocument/2006/math">
+                      <m:d>
+                        <m:dPr>
+                          <m:begChr m:val="["/>
+                          <m:endChr m:val="]"/>
+                          <m:ctrlPr>
+                            <a:rPr lang="en-US" altLang="ko-KR" i="1" smtClean="0">
+                              <a:solidFill>
+                                <a:schemeClr val="tx1"/>
+                              </a:solidFill>
+                              <a:latin typeface="Cambria Math"/>
+                            </a:rPr>
+                          </m:ctrlPr>
+                        </m:dPr>
+                        <m:e>
+                          <m:m>
+                            <m:mPr>
+                              <m:mcs>
+                                <m:mc>
+                                  <m:mcPr>
+                                    <m:count m:val="3"/>
+                                    <m:mcJc m:val="center"/>
+                                  </m:mcPr>
+                                </m:mc>
+                              </m:mcs>
+                              <m:ctrlPr>
+                                <a:rPr lang="en-US" altLang="ko-KR" i="1">
+                                  <a:solidFill>
+                                    <a:schemeClr val="tx1"/>
+                                  </a:solidFill>
+                                  <a:latin typeface="Cambria Math"/>
+                                </a:rPr>
+                              </m:ctrlPr>
+                            </m:mPr>
+                            <m:mr>
+                              <m:e>
+                                <m:r>
+                                  <m:rPr>
+                                    <m:brk m:alnAt="7"/>
+                                  </m:rPr>
+                                  <a:rPr lang="en-US" altLang="ko-KR" i="1">
+                                    <a:solidFill>
+                                      <a:schemeClr val="tx1"/>
+                                    </a:solidFill>
+                                    <a:latin typeface="Cambria Math"/>
+                                  </a:rPr>
+                                  <m:t>1</m:t>
+                                </m:r>
+                              </m:e>
+                              <m:e>
+                                <m:r>
+                                  <a:rPr lang="en-US" altLang="ko-KR" b="0" i="1" smtClean="0">
+                                    <a:solidFill>
+                                      <a:schemeClr val="tx1"/>
+                                    </a:solidFill>
+                                    <a:latin typeface="Cambria Math"/>
+                                  </a:rPr>
+                                  <m:t>1</m:t>
+                                </m:r>
+                              </m:e>
+                              <m:e>
+                                <m:r>
+                                  <a:rPr lang="en-US" altLang="ko-KR" b="0" i="1" smtClean="0">
+                                    <a:solidFill>
+                                      <a:schemeClr val="tx1"/>
+                                    </a:solidFill>
+                                    <a:latin typeface="Cambria Math"/>
+                                  </a:rPr>
+                                  <m:t>1</m:t>
+                                </m:r>
+                              </m:e>
+                            </m:mr>
+                            <m:mr>
+                              <m:e>
+                                <m:r>
+                                  <a:rPr lang="en-US" altLang="ko-KR" i="1">
+                                    <a:solidFill>
+                                      <a:schemeClr val="tx1"/>
+                                    </a:solidFill>
+                                    <a:latin typeface="Cambria Math"/>
+                                  </a:rPr>
+                                  <m:t>2</m:t>
+                                </m:r>
+                              </m:e>
+                              <m:e>
+                                <m:r>
+                                  <a:rPr lang="en-US" altLang="ko-KR" b="0" i="1" smtClean="0">
+                                    <a:solidFill>
+                                      <a:schemeClr val="tx1"/>
+                                    </a:solidFill>
+                                    <a:latin typeface="Cambria Math"/>
+                                  </a:rPr>
+                                  <m:t>3</m:t>
+                                </m:r>
+                              </m:e>
+                              <m:e>
+                                <m:r>
+                                  <a:rPr lang="en-US" altLang="ko-KR" b="0" i="1" smtClean="0">
+                                    <a:solidFill>
+                                      <a:schemeClr val="tx1"/>
+                                    </a:solidFill>
+                                    <a:latin typeface="Cambria Math"/>
+                                  </a:rPr>
+                                  <m:t>−1</m:t>
+                                </m:r>
+                              </m:e>
+                            </m:mr>
+                            <m:mr>
+                              <m:e>
+                                <m:r>
+                                  <a:rPr lang="en-US" altLang="ko-KR" b="0" i="1" smtClean="0">
+                                    <a:solidFill>
+                                      <a:schemeClr val="tx1"/>
+                                    </a:solidFill>
+                                    <a:latin typeface="Cambria Math"/>
+                                  </a:rPr>
+                                  <m:t>2</m:t>
+                                </m:r>
+                              </m:e>
+                              <m:e>
+                                <m:r>
+                                  <a:rPr lang="en-US" altLang="ko-KR" b="0" i="1" smtClean="0">
+                                    <a:solidFill>
+                                      <a:schemeClr val="tx1"/>
+                                    </a:solidFill>
+                                    <a:latin typeface="Cambria Math"/>
+                                  </a:rPr>
+                                  <m:t>3</m:t>
+                                </m:r>
+                              </m:e>
+                              <m:e>
+                                <m:r>
+                                  <a:rPr lang="en-US" altLang="ko-KR" b="0" i="1" smtClean="0">
+                                    <a:solidFill>
+                                      <a:schemeClr val="tx1"/>
+                                    </a:solidFill>
+                                    <a:latin typeface="Cambria Math"/>
+                                  </a:rPr>
+                                  <m:t>3</m:t>
+                                </m:r>
+                              </m:e>
+                            </m:mr>
+                          </m:m>
+                        </m:e>
+                      </m:d>
+                      <m:r>
+                        <a:rPr lang="en-US" altLang="ko-KR" b="0" i="1" smtClean="0">
+                          <a:latin typeface="Cambria Math"/>
+                        </a:rPr>
+                        <m:t>=</m:t>
+                      </m:r>
+                      <m:sSup>
+                        <m:sSupPr>
+                          <m:ctrlPr>
+                            <a:rPr lang="en-US" altLang="ko-KR" i="1">
+                              <a:solidFill>
+                                <a:srgbClr val="00B050"/>
+                              </a:solidFill>
+                              <a:latin typeface="Cambria Math"/>
+                            </a:rPr>
+                          </m:ctrlPr>
+                        </m:sSupPr>
+                        <m:e>
+                          <m:d>
+                            <m:dPr>
+                              <m:begChr m:val="["/>
+                              <m:endChr m:val="]"/>
+                              <m:ctrlPr>
+                                <a:rPr lang="en-US" altLang="ko-KR" i="1">
+                                  <a:solidFill>
+                                    <a:srgbClr val="00B050"/>
+                                  </a:solidFill>
+                                  <a:latin typeface="Cambria Math"/>
+                                </a:rPr>
+                              </m:ctrlPr>
+                            </m:dPr>
+                            <m:e>
+                              <m:m>
+                                <m:mPr>
+                                  <m:mcs>
+                                    <m:mc>
+                                      <m:mcPr>
+                                        <m:count m:val="3"/>
+                                        <m:mcJc m:val="center"/>
+                                      </m:mcPr>
+                                    </m:mc>
+                                  </m:mcs>
+                                  <m:ctrlPr>
+                                    <a:rPr lang="en-US" altLang="ko-KR" i="1">
+                                      <a:solidFill>
+                                        <a:srgbClr val="00B050"/>
+                                      </a:solidFill>
+                                      <a:latin typeface="Cambria Math"/>
+                                    </a:rPr>
+                                  </m:ctrlPr>
+                                </m:mPr>
+                                <m:mr>
+                                  <m:e>
+                                    <m:r>
+                                      <m:rPr>
+                                        <m:brk m:alnAt="7"/>
+                                      </m:rPr>
+                                      <a:rPr lang="en-US" altLang="ko-KR" i="1">
+                                        <a:solidFill>
+                                          <a:srgbClr val="00B050"/>
+                                        </a:solidFill>
+                                        <a:latin typeface="Cambria Math"/>
+                                      </a:rPr>
+                                      <m:t>1</m:t>
+                                    </m:r>
+                                  </m:e>
+                                  <m:e>
+                                    <m:r>
+                                      <a:rPr lang="en-US" altLang="ko-KR" i="1">
+                                        <a:solidFill>
+                                          <a:srgbClr val="00B050"/>
+                                        </a:solidFill>
+                                        <a:latin typeface="Cambria Math"/>
+                                      </a:rPr>
+                                      <m:t>0</m:t>
+                                    </m:r>
+                                  </m:e>
+                                  <m:e>
+                                    <m:r>
+                                      <a:rPr lang="en-US" altLang="ko-KR" i="1">
+                                        <a:solidFill>
+                                          <a:srgbClr val="00B050"/>
+                                        </a:solidFill>
+                                        <a:latin typeface="Cambria Math"/>
+                                      </a:rPr>
+                                      <m:t>0</m:t>
+                                    </m:r>
+                                  </m:e>
+                                </m:mr>
+                                <m:mr>
+                                  <m:e>
+                                    <m:r>
+                                      <a:rPr lang="en-US" altLang="ko-KR" i="1">
+                                        <a:solidFill>
+                                          <a:srgbClr val="00B050"/>
+                                        </a:solidFill>
+                                        <a:latin typeface="Cambria Math"/>
+                                      </a:rPr>
+                                      <m:t>−2</m:t>
+                                    </m:r>
+                                  </m:e>
+                                  <m:e>
+                                    <m:r>
+                                      <a:rPr lang="en-US" altLang="ko-KR" i="1">
+                                        <a:solidFill>
+                                          <a:srgbClr val="00B050"/>
+                                        </a:solidFill>
+                                        <a:latin typeface="Cambria Math"/>
+                                      </a:rPr>
+                                      <m:t>1</m:t>
+                                    </m:r>
+                                  </m:e>
+                                  <m:e>
+                                    <m:r>
+                                      <a:rPr lang="en-US" altLang="ko-KR" i="1">
+                                        <a:solidFill>
+                                          <a:srgbClr val="00B050"/>
+                                        </a:solidFill>
+                                        <a:latin typeface="Cambria Math"/>
+                                      </a:rPr>
+                                      <m:t>0</m:t>
+                                    </m:r>
+                                  </m:e>
+                                </m:mr>
+                                <m:mr>
+                                  <m:e>
+                                    <m:r>
+                                      <a:rPr lang="en-US" altLang="ko-KR" i="1">
+                                        <a:solidFill>
+                                          <a:srgbClr val="00B050"/>
+                                        </a:solidFill>
+                                        <a:latin typeface="Cambria Math"/>
+                                      </a:rPr>
+                                      <m:t>0</m:t>
+                                    </m:r>
+                                  </m:e>
+                                  <m:e>
+                                    <m:r>
+                                      <a:rPr lang="en-US" altLang="ko-KR" i="1">
+                                        <a:solidFill>
+                                          <a:srgbClr val="00B050"/>
+                                        </a:solidFill>
+                                        <a:latin typeface="Cambria Math"/>
+                                      </a:rPr>
+                                      <m:t>0</m:t>
+                                    </m:r>
+                                  </m:e>
+                                  <m:e>
+                                    <m:r>
+                                      <a:rPr lang="en-US" altLang="ko-KR" i="1">
+                                        <a:solidFill>
+                                          <a:srgbClr val="00B050"/>
+                                        </a:solidFill>
+                                        <a:latin typeface="Cambria Math"/>
+                                      </a:rPr>
+                                      <m:t>1</m:t>
+                                    </m:r>
+                                  </m:e>
+                                </m:mr>
+                              </m:m>
+                            </m:e>
+                          </m:d>
+                        </m:e>
+                        <m:sup>
+                          <m:r>
+                            <a:rPr lang="en-US" altLang="ko-KR" i="1">
+                              <a:solidFill>
+                                <a:srgbClr val="00B050"/>
+                              </a:solidFill>
+                              <a:latin typeface="Cambria Math"/>
+                            </a:rPr>
+                            <m:t>−1</m:t>
+                          </m:r>
+                        </m:sup>
+                      </m:sSup>
+                      <m:sSup>
+                        <m:sSupPr>
+                          <m:ctrlPr>
+                            <a:rPr lang="en-US" altLang="ko-KR" i="1">
+                              <a:solidFill>
+                                <a:srgbClr val="00B0F0"/>
+                              </a:solidFill>
+                              <a:latin typeface="Cambria Math"/>
+                            </a:rPr>
+                          </m:ctrlPr>
+                        </m:sSupPr>
+                        <m:e>
+                          <m:d>
+                            <m:dPr>
+                              <m:begChr m:val="["/>
+                              <m:endChr m:val="]"/>
+                              <m:ctrlPr>
+                                <a:rPr lang="en-US" altLang="ko-KR" i="1">
+                                  <a:solidFill>
+                                    <a:srgbClr val="00B0F0"/>
+                                  </a:solidFill>
+                                  <a:latin typeface="Cambria Math"/>
+                                </a:rPr>
+                              </m:ctrlPr>
+                            </m:dPr>
+                            <m:e>
+                              <m:m>
+                                <m:mPr>
+                                  <m:mcs>
+                                    <m:mc>
+                                      <m:mcPr>
+                                        <m:count m:val="3"/>
+                                        <m:mcJc m:val="center"/>
+                                      </m:mcPr>
+                                    </m:mc>
+                                  </m:mcs>
+                                  <m:ctrlPr>
+                                    <a:rPr lang="en-US" altLang="ko-KR" i="1">
+                                      <a:solidFill>
+                                        <a:srgbClr val="00B0F0"/>
+                                      </a:solidFill>
+                                      <a:latin typeface="Cambria Math"/>
+                                    </a:rPr>
+                                  </m:ctrlPr>
+                                </m:mPr>
+                                <m:mr>
+                                  <m:e>
+                                    <m:r>
+                                      <m:rPr>
+                                        <m:brk m:alnAt="7"/>
+                                      </m:rPr>
+                                      <a:rPr lang="en-US" altLang="ko-KR" i="1">
+                                        <a:solidFill>
+                                          <a:srgbClr val="00B0F0"/>
+                                        </a:solidFill>
+                                        <a:latin typeface="Cambria Math"/>
+                                      </a:rPr>
+                                      <m:t>1</m:t>
+                                    </m:r>
+                                  </m:e>
+                                  <m:e>
+                                    <m:r>
+                                      <a:rPr lang="en-US" altLang="ko-KR" i="1">
+                                        <a:solidFill>
+                                          <a:srgbClr val="00B0F0"/>
+                                        </a:solidFill>
+                                        <a:latin typeface="Cambria Math"/>
+                                      </a:rPr>
+                                      <m:t>0</m:t>
+                                    </m:r>
+                                  </m:e>
+                                  <m:e>
+                                    <m:r>
+                                      <a:rPr lang="en-US" altLang="ko-KR" i="1">
+                                        <a:solidFill>
+                                          <a:srgbClr val="00B0F0"/>
+                                        </a:solidFill>
+                                        <a:latin typeface="Cambria Math"/>
+                                      </a:rPr>
+                                      <m:t>0</m:t>
+                                    </m:r>
+                                  </m:e>
+                                </m:mr>
+                                <m:mr>
+                                  <m:e>
+                                    <m:r>
+                                      <a:rPr lang="en-US" altLang="ko-KR" i="1">
+                                        <a:solidFill>
+                                          <a:srgbClr val="00B0F0"/>
+                                        </a:solidFill>
+                                        <a:latin typeface="Cambria Math"/>
+                                      </a:rPr>
+                                      <m:t>0</m:t>
+                                    </m:r>
+                                  </m:e>
+                                  <m:e>
+                                    <m:r>
+                                      <a:rPr lang="en-US" altLang="ko-KR" i="1">
+                                        <a:solidFill>
+                                          <a:srgbClr val="00B0F0"/>
+                                        </a:solidFill>
+                                        <a:latin typeface="Cambria Math"/>
+                                      </a:rPr>
+                                      <m:t>1</m:t>
+                                    </m:r>
+                                  </m:e>
+                                  <m:e>
+                                    <m:r>
+                                      <a:rPr lang="en-US" altLang="ko-KR" i="1">
+                                        <a:solidFill>
+                                          <a:srgbClr val="00B0F0"/>
+                                        </a:solidFill>
+                                        <a:latin typeface="Cambria Math"/>
+                                      </a:rPr>
+                                      <m:t>0</m:t>
+                                    </m:r>
+                                  </m:e>
+                                </m:mr>
+                                <m:mr>
+                                  <m:e>
+                                    <m:r>
+                                      <a:rPr lang="en-US" altLang="ko-KR" i="1">
+                                        <a:solidFill>
+                                          <a:srgbClr val="00B0F0"/>
+                                        </a:solidFill>
+                                        <a:latin typeface="Cambria Math"/>
+                                      </a:rPr>
+                                      <m:t>−2</m:t>
+                                    </m:r>
+                                  </m:e>
+                                  <m:e>
+                                    <m:r>
+                                      <a:rPr lang="en-US" altLang="ko-KR" i="1">
+                                        <a:solidFill>
+                                          <a:srgbClr val="00B0F0"/>
+                                        </a:solidFill>
+                                        <a:latin typeface="Cambria Math"/>
+                                      </a:rPr>
+                                      <m:t>0</m:t>
+                                    </m:r>
+                                  </m:e>
+                                  <m:e>
+                                    <m:r>
+                                      <a:rPr lang="en-US" altLang="ko-KR" i="1">
+                                        <a:solidFill>
+                                          <a:srgbClr val="00B0F0"/>
+                                        </a:solidFill>
+                                        <a:latin typeface="Cambria Math"/>
+                                      </a:rPr>
+                                      <m:t>1</m:t>
+                                    </m:r>
+                                  </m:e>
+                                </m:mr>
+                              </m:m>
+                            </m:e>
+                          </m:d>
+                        </m:e>
+                        <m:sup>
+                          <m:r>
+                            <a:rPr lang="en-US" altLang="ko-KR" i="1">
+                              <a:solidFill>
+                                <a:srgbClr val="00B0F0"/>
+                              </a:solidFill>
+                              <a:latin typeface="Cambria Math"/>
+                            </a:rPr>
+                            <m:t>−1</m:t>
+                          </m:r>
+                        </m:sup>
+                      </m:sSup>
+                      <m:sSup>
+                        <m:sSupPr>
+                          <m:ctrlPr>
+                            <a:rPr lang="en-US" altLang="ko-KR" b="0" i="1" smtClean="0">
+                              <a:solidFill>
+                                <a:srgbClr val="FF0000"/>
+                              </a:solidFill>
+                              <a:latin typeface="Cambria Math"/>
+                            </a:rPr>
+                          </m:ctrlPr>
+                        </m:sSupPr>
+                        <m:e>
+                          <m:d>
+                            <m:dPr>
+                              <m:begChr m:val="["/>
+                              <m:endChr m:val="]"/>
+                              <m:ctrlPr>
+                                <a:rPr lang="en-US" altLang="ko-KR" i="1">
+                                  <a:solidFill>
+                                    <a:srgbClr val="FF0000"/>
+                                  </a:solidFill>
+                                  <a:latin typeface="Cambria Math"/>
+                                </a:rPr>
+                              </m:ctrlPr>
+                            </m:dPr>
+                            <m:e>
+                              <m:m>
+                                <m:mPr>
+                                  <m:mcs>
+                                    <m:mc>
+                                      <m:mcPr>
+                                        <m:count m:val="3"/>
+                                        <m:mcJc m:val="center"/>
+                                      </m:mcPr>
+                                    </m:mc>
+                                  </m:mcs>
+                                  <m:ctrlPr>
+                                    <a:rPr lang="en-US" altLang="ko-KR" i="1">
+                                      <a:solidFill>
+                                        <a:srgbClr val="FF0000"/>
+                                      </a:solidFill>
+                                      <a:latin typeface="Cambria Math"/>
+                                    </a:rPr>
+                                  </m:ctrlPr>
+                                </m:mPr>
+                                <m:mr>
+                                  <m:e>
+                                    <m:r>
+                                      <m:rPr>
+                                        <m:brk m:alnAt="7"/>
+                                      </m:rPr>
+                                      <a:rPr lang="en-US" altLang="ko-KR" i="1">
+                                        <a:solidFill>
+                                          <a:srgbClr val="FF0000"/>
+                                        </a:solidFill>
+                                        <a:latin typeface="Cambria Math"/>
+                                      </a:rPr>
+                                      <m:t>1</m:t>
+                                    </m:r>
+                                  </m:e>
+                                  <m:e>
+                                    <m:r>
+                                      <a:rPr lang="en-US" altLang="ko-KR" i="1">
+                                        <a:solidFill>
+                                          <a:srgbClr val="FF0000"/>
+                                        </a:solidFill>
+                                        <a:latin typeface="Cambria Math"/>
+                                      </a:rPr>
+                                      <m:t>0</m:t>
+                                    </m:r>
+                                  </m:e>
+                                  <m:e>
+                                    <m:r>
+                                      <a:rPr lang="en-US" altLang="ko-KR" i="1">
+                                        <a:solidFill>
+                                          <a:srgbClr val="FF0000"/>
+                                        </a:solidFill>
+                                        <a:latin typeface="Cambria Math"/>
+                                      </a:rPr>
+                                      <m:t>0</m:t>
+                                    </m:r>
+                                  </m:e>
+                                </m:mr>
+                                <m:mr>
+                                  <m:e>
+                                    <m:r>
+                                      <a:rPr lang="en-US" altLang="ko-KR" i="1">
+                                        <a:solidFill>
+                                          <a:srgbClr val="FF0000"/>
+                                        </a:solidFill>
+                                        <a:latin typeface="Cambria Math"/>
+                                      </a:rPr>
+                                      <m:t>0</m:t>
+                                    </m:r>
+                                  </m:e>
+                                  <m:e>
+                                    <m:r>
+                                      <a:rPr lang="en-US" altLang="ko-KR" i="1">
+                                        <a:solidFill>
+                                          <a:srgbClr val="FF0000"/>
+                                        </a:solidFill>
+                                        <a:latin typeface="Cambria Math"/>
+                                      </a:rPr>
+                                      <m:t>1</m:t>
+                                    </m:r>
+                                  </m:e>
+                                  <m:e>
+                                    <m:r>
+                                      <a:rPr lang="en-US" altLang="ko-KR" i="1">
+                                        <a:solidFill>
+                                          <a:srgbClr val="FF0000"/>
+                                        </a:solidFill>
+                                        <a:latin typeface="Cambria Math"/>
+                                      </a:rPr>
+                                      <m:t>0</m:t>
+                                    </m:r>
+                                  </m:e>
+                                </m:mr>
+                                <m:mr>
+                                  <m:e>
+                                    <m:r>
+                                      <a:rPr lang="en-US" altLang="ko-KR" i="1">
+                                        <a:solidFill>
+                                          <a:srgbClr val="FF0000"/>
+                                        </a:solidFill>
+                                        <a:latin typeface="Cambria Math"/>
+                                      </a:rPr>
+                                      <m:t>0</m:t>
+                                    </m:r>
+                                  </m:e>
+                                  <m:e>
+                                    <m:r>
+                                      <a:rPr lang="en-US" altLang="ko-KR" i="1">
+                                        <a:solidFill>
+                                          <a:srgbClr val="FF0000"/>
+                                        </a:solidFill>
+                                        <a:latin typeface="Cambria Math"/>
+                                      </a:rPr>
+                                      <m:t>−1</m:t>
+                                    </m:r>
+                                  </m:e>
+                                  <m:e>
+                                    <m:r>
+                                      <a:rPr lang="en-US" altLang="ko-KR" i="1">
+                                        <a:solidFill>
+                                          <a:srgbClr val="FF0000"/>
+                                        </a:solidFill>
+                                        <a:latin typeface="Cambria Math"/>
+                                      </a:rPr>
+                                      <m:t>1</m:t>
+                                    </m:r>
+                                  </m:e>
+                                </m:mr>
+                              </m:m>
+                            </m:e>
+                          </m:d>
+                        </m:e>
+                        <m:sup>
+                          <m:r>
+                            <a:rPr lang="en-US" altLang="ko-KR" b="0" i="1" smtClean="0">
+                              <a:solidFill>
+                                <a:srgbClr val="FF0000"/>
+                              </a:solidFill>
+                              <a:latin typeface="Cambria Math"/>
+                            </a:rPr>
+                            <m:t>−1</m:t>
+                          </m:r>
+                        </m:sup>
+                      </m:sSup>
+                      <m:d>
+                        <m:dPr>
+                          <m:begChr m:val="["/>
+                          <m:endChr m:val="]"/>
+                          <m:ctrlPr>
+                            <a:rPr lang="en-US" altLang="ko-KR" i="1">
+                              <a:latin typeface="Cambria Math"/>
+                            </a:rPr>
+                          </m:ctrlPr>
+                        </m:dPr>
+                        <m:e>
+                          <m:m>
+                            <m:mPr>
+                              <m:mcs>
+                                <m:mc>
+                                  <m:mcPr>
+                                    <m:count m:val="3"/>
+                                    <m:mcJc m:val="center"/>
+                                  </m:mcPr>
+                                </m:mc>
+                              </m:mcs>
+                              <m:ctrlPr>
+                                <a:rPr lang="en-US" altLang="ko-KR" i="1">
+                                  <a:latin typeface="Cambria Math"/>
+                                </a:rPr>
+                              </m:ctrlPr>
+                            </m:mPr>
+                            <m:mr>
+                              <m:e>
+                                <m:r>
+                                  <m:rPr>
+                                    <m:brk m:alnAt="7"/>
+                                  </m:rPr>
+                                  <a:rPr lang="en-US" altLang="ko-KR" i="1">
+                                    <a:latin typeface="Cambria Math"/>
+                                  </a:rPr>
+                                  <m:t>1</m:t>
+                                </m:r>
+                              </m:e>
+                              <m:e>
+                                <m:r>
+                                  <a:rPr lang="en-US" altLang="ko-KR" i="1">
+                                    <a:latin typeface="Cambria Math"/>
+                                  </a:rPr>
+                                  <m:t>1</m:t>
+                                </m:r>
+                              </m:e>
+                              <m:e>
+                                <m:r>
+                                  <a:rPr lang="en-US" altLang="ko-KR" i="1">
+                                    <a:latin typeface="Cambria Math"/>
+                                  </a:rPr>
+                                  <m:t>1</m:t>
+                                </m:r>
+                              </m:e>
+                            </m:mr>
+                            <m:mr>
+                              <m:e>
+                                <m:r>
+                                  <a:rPr lang="en-US" altLang="ko-KR" b="0" i="1" smtClean="0">
+                                    <a:latin typeface="Cambria Math"/>
+                                  </a:rPr>
+                                  <m:t>0</m:t>
+                                </m:r>
+                              </m:e>
+                              <m:e>
+                                <m:r>
+                                  <a:rPr lang="en-US" altLang="ko-KR" b="0" i="1" smtClean="0">
+                                    <a:latin typeface="Cambria Math"/>
+                                  </a:rPr>
+                                  <m:t>1</m:t>
+                                </m:r>
+                              </m:e>
+                              <m:e>
+                                <m:r>
+                                  <a:rPr lang="en-US" altLang="ko-KR" i="1">
+                                    <a:latin typeface="Cambria Math"/>
+                                  </a:rPr>
+                                  <m:t>−</m:t>
+                                </m:r>
+                                <m:r>
+                                  <a:rPr lang="en-US" altLang="ko-KR" b="0" i="1" smtClean="0">
+                                    <a:latin typeface="Cambria Math"/>
+                                  </a:rPr>
+                                  <m:t>3</m:t>
+                                </m:r>
+                              </m:e>
+                            </m:mr>
+                            <m:mr>
+                              <m:e>
+                                <m:r>
+                                  <a:rPr lang="en-US" altLang="ko-KR" b="0" i="1" smtClean="0">
+                                    <a:latin typeface="Cambria Math"/>
+                                  </a:rPr>
+                                  <m:t>0</m:t>
+                                </m:r>
+                              </m:e>
+                              <m:e>
+                                <m:r>
+                                  <a:rPr lang="en-US" altLang="ko-KR" b="0" i="1" smtClean="0">
+                                    <a:latin typeface="Cambria Math"/>
+                                  </a:rPr>
+                                  <m:t>0</m:t>
+                                </m:r>
+                              </m:e>
+                              <m:e>
+                                <m:r>
+                                  <a:rPr lang="en-US" altLang="ko-KR" b="0" i="1" smtClean="0">
+                                    <a:latin typeface="Cambria Math"/>
+                                  </a:rPr>
+                                  <m:t>4</m:t>
+                                </m:r>
+                              </m:e>
+                            </m:mr>
+                          </m:m>
+                        </m:e>
+                      </m:d>
+                    </m:oMath>
+                  </m:oMathPara>
+                </a14:m>
+                <a:endParaRPr lang="ko-KR" altLang="en-US" dirty="0"/>
+              </a:p>
+            </p:txBody>
+          </p:sp>
+        </mc:Choice>
+        <mc:Fallback>
+          <p:sp>
+            <p:nvSpPr>
+              <p:cNvPr id="9" name="TextBox 8"/>
+              <p:cNvSpPr txBox="1">
+                <a:spLocks noRot="1" noChangeAspect="1" noMove="1" noResize="1" noEditPoints="1" noAdjustHandles="1" noChangeArrowheads="1" noChangeShapeType="1" noTextEdit="1"/>
+              </p:cNvSpPr>
+              <p:nvPr/>
+            </p:nvSpPr>
+            <p:spPr>
+              <a:xfrm>
                 <a:off x="1164697" y="1484784"/>
                 <a:ext cx="7389010" cy="879023"/>
               </a:xfrm>
@@ -8573,4 +11500,289 @@
   <a:objectDefaults/>
   <a:extraClrSchemeLst/>
 </a:theme>
+</file>
+
+<file path=ppt/theme/theme2.xml><?xml version="1.0" encoding="utf-8"?>
+<a:theme xmlns:a="http://schemas.openxmlformats.org/drawingml/2006/main" name="Office 테마">
+  <a:themeElements>
+    <a:clrScheme name="Office">
+      <a:dk1>
+        <a:sysClr val="windowText" lastClr="000000"/>
+      </a:dk1>
+      <a:lt1>
+        <a:sysClr val="window" lastClr="FFFFFF"/>
+      </a:lt1>
+      <a:dk2>
+        <a:srgbClr val="1F497D"/>
+      </a:dk2>
+      <a:lt2>
+        <a:srgbClr val="EEECE1"/>
+      </a:lt2>
+      <a:accent1>
+        <a:srgbClr val="4F81BD"/>
+      </a:accent1>
+      <a:accent2>
+        <a:srgbClr val="C0504D"/>
+      </a:accent2>
+      <a:accent3>
+        <a:srgbClr val="9BBB59"/>
+      </a:accent3>
+      <a:accent4>
+        <a:srgbClr val="8064A2"/>
+      </a:accent4>
+      <a:accent5>
+        <a:srgbClr val="4BACC6"/>
+      </a:accent5>
+      <a:accent6>
+        <a:srgbClr val="F79646"/>
+      </a:accent6>
+      <a:hlink>
+        <a:srgbClr val="0000FF"/>
+      </a:hlink>
+      <a:folHlink>
+        <a:srgbClr val="800080"/>
+      </a:folHlink>
+    </a:clrScheme>
+    <a:fontScheme name="Office">
+      <a:majorFont>
+        <a:latin typeface="맑은 고딕"/>
+        <a:ea typeface=""/>
+        <a:cs typeface=""/>
+        <a:font script="Jpan" typeface="ＭＳ Ｐゴシック"/>
+        <a:font script="Hang" typeface="맑은 고딕"/>
+        <a:font script="Hans" typeface="宋体"/>
+        <a:font script="Hant" typeface="新細明體"/>
+        <a:font script="Arab" typeface="Times New Roman"/>
+        <a:font script="Hebr" typeface="Times New Roman"/>
+        <a:font script="Thai" typeface="Angsana New"/>
+        <a:font script="Ethi" typeface="Nyala"/>
+        <a:font script="Beng" typeface="Vrinda"/>
+        <a:font script="Gujr" typeface="Shruti"/>
+        <a:font script="Khmr" typeface="MoolBoran"/>
+        <a:font script="Knda" typeface="Tunga"/>
+        <a:font script="Guru" typeface="Raavi"/>
+        <a:font script="Cans" typeface="Euphemia"/>
+        <a:font script="Cher" typeface="Plantagenet Cherokee"/>
+        <a:font script="Yiii" typeface="Microsoft Yi Baiti"/>
+        <a:font script="Tibt" typeface="Microsoft Himalaya"/>
+        <a:font script="Thaa" typeface="MV Boli"/>
+        <a:font script="Deva" typeface="Mangal"/>
+        <a:font script="Telu" typeface="Gautami"/>
+        <a:font script="Taml" typeface="Latha"/>
+        <a:font script="Syrc" typeface="Estrangelo Edessa"/>
+        <a:font script="Orya" typeface="Kalinga"/>
+        <a:font script="Mlym" typeface="Kartika"/>
+        <a:font script="Laoo" typeface="DokChampa"/>
+        <a:font script="Sinh" typeface="Iskoola Pota"/>
+        <a:font script="Mong" typeface="Mongolian Baiti"/>
+        <a:font script="Viet" typeface="Times New Roman"/>
+        <a:font script="Uigh" typeface="Microsoft Uighur"/>
+        <a:font script="Geor" typeface="Sylfaen"/>
+      </a:majorFont>
+      <a:minorFont>
+        <a:latin typeface="맑은 고딕"/>
+        <a:ea typeface=""/>
+        <a:cs typeface=""/>
+        <a:font script="Jpan" typeface="ＭＳ Ｐゴシック"/>
+        <a:font script="Hang" typeface="맑은 고딕"/>
+        <a:font script="Hans" typeface="宋体"/>
+        <a:font script="Hant" typeface="新細明體"/>
+        <a:font script="Arab" typeface="Arial"/>
+        <a:font script="Hebr" typeface="Arial"/>
+        <a:font script="Thai" typeface="Cordia New"/>
+        <a:font script="Ethi" typeface="Nyala"/>
+        <a:font script="Beng" typeface="Vrinda"/>
+        <a:font script="Gujr" typeface="Shruti"/>
+        <a:font script="Khmr" typeface="DaunPenh"/>
+        <a:font script="Knda" typeface="Tunga"/>
+        <a:font script="Guru" typeface="Raavi"/>
+        <a:font script="Cans" typeface="Euphemia"/>
+        <a:font script="Cher" typeface="Plantagenet Cherokee"/>
+        <a:font script="Yiii" typeface="Microsoft Yi Baiti"/>
+        <a:font script="Tibt" typeface="Microsoft Himalaya"/>
+        <a:font script="Thaa" typeface="MV Boli"/>
+        <a:font script="Deva" typeface="Mangal"/>
+        <a:font script="Telu" typeface="Gautami"/>
+        <a:font script="Taml" typeface="Latha"/>
+        <a:font script="Syrc" typeface="Estrangelo Edessa"/>
+        <a:font script="Orya" typeface="Kalinga"/>
+        <a:font script="Mlym" typeface="Kartika"/>
+        <a:font script="Laoo" typeface="DokChampa"/>
+        <a:font script="Sinh" typeface="Iskoola Pota"/>
+        <a:font script="Mong" typeface="Mongolian Baiti"/>
+        <a:font script="Viet" typeface="Arial"/>
+        <a:font script="Uigh" typeface="Microsoft Uighur"/>
+        <a:font script="Geor" typeface="Sylfaen"/>
+      </a:minorFont>
+    </a:fontScheme>
+    <a:fmtScheme name="Office">
+      <a:fillStyleLst>
+        <a:solidFill>
+          <a:schemeClr val="phClr"/>
+        </a:solidFill>
+        <a:gradFill rotWithShape="1">
+          <a:gsLst>
+            <a:gs pos="0">
+              <a:schemeClr val="phClr">
+                <a:tint val="50000"/>
+                <a:satMod val="300000"/>
+              </a:schemeClr>
+            </a:gs>
+            <a:gs pos="35000">
+              <a:schemeClr val="phClr">
+                <a:tint val="37000"/>
+                <a:satMod val="300000"/>
+              </a:schemeClr>
+            </a:gs>
+            <a:gs pos="100000">
+              <a:schemeClr val="phClr">
+                <a:tint val="15000"/>
+                <a:satMod val="350000"/>
+              </a:schemeClr>
+            </a:gs>
+          </a:gsLst>
+          <a:lin ang="16200000" scaled="1"/>
+        </a:gradFill>
+        <a:gradFill rotWithShape="1">
+          <a:gsLst>
+            <a:gs pos="0">
+              <a:schemeClr val="phClr">
+                <a:shade val="51000"/>
+                <a:satMod val="130000"/>
+              </a:schemeClr>
+            </a:gs>
+            <a:gs pos="80000">
+              <a:schemeClr val="phClr">
+                <a:shade val="93000"/>
+                <a:satMod val="130000"/>
+              </a:schemeClr>
+            </a:gs>
+            <a:gs pos="100000">
+              <a:schemeClr val="phClr">
+                <a:shade val="94000"/>
+                <a:satMod val="135000"/>
+              </a:schemeClr>
+            </a:gs>
+          </a:gsLst>
+          <a:lin ang="16200000" scaled="0"/>
+        </a:gradFill>
+      </a:fillStyleLst>
+      <a:lnStyleLst>
+        <a:ln w="9525" cap="flat" cmpd="sng" algn="ctr">
+          <a:solidFill>
+            <a:schemeClr val="phClr">
+              <a:shade val="95000"/>
+              <a:satMod val="105000"/>
+            </a:schemeClr>
+          </a:solidFill>
+          <a:prstDash val="solid"/>
+        </a:ln>
+        <a:ln w="25400" cap="flat" cmpd="sng" algn="ctr">
+          <a:solidFill>
+            <a:schemeClr val="phClr"/>
+          </a:solidFill>
+          <a:prstDash val="solid"/>
+        </a:ln>
+        <a:ln w="38100" cap="flat" cmpd="sng" algn="ctr">
+          <a:solidFill>
+            <a:schemeClr val="phClr"/>
+          </a:solidFill>
+          <a:prstDash val="solid"/>
+        </a:ln>
+      </a:lnStyleLst>
+      <a:effectStyleLst>
+        <a:effectStyle>
+          <a:effectLst>
+            <a:outerShdw blurRad="40000" dist="20000" dir="5400000" rotWithShape="0">
+              <a:srgbClr val="000000">
+                <a:alpha val="38000"/>
+              </a:srgbClr>
+            </a:outerShdw>
+          </a:effectLst>
+        </a:effectStyle>
+        <a:effectStyle>
+          <a:effectLst>
+            <a:outerShdw blurRad="40000" dist="23000" dir="5400000" rotWithShape="0">
+              <a:srgbClr val="000000">
+                <a:alpha val="35000"/>
+              </a:srgbClr>
+            </a:outerShdw>
+          </a:effectLst>
+        </a:effectStyle>
+        <a:effectStyle>
+          <a:effectLst>
+            <a:outerShdw blurRad="40000" dist="23000" dir="5400000" rotWithShape="0">
+              <a:srgbClr val="000000">
+                <a:alpha val="35000"/>
+              </a:srgbClr>
+            </a:outerShdw>
+          </a:effectLst>
+          <a:scene3d>
+            <a:camera prst="orthographicFront">
+              <a:rot lat="0" lon="0" rev="0"/>
+            </a:camera>
+            <a:lightRig rig="threePt" dir="t">
+              <a:rot lat="0" lon="0" rev="1200000"/>
+            </a:lightRig>
+          </a:scene3d>
+          <a:sp3d>
+            <a:bevelT w="63500" h="25400"/>
+          </a:sp3d>
+        </a:effectStyle>
+      </a:effectStyleLst>
+      <a:bgFillStyleLst>
+        <a:solidFill>
+          <a:schemeClr val="phClr"/>
+        </a:solidFill>
+        <a:gradFill rotWithShape="1">
+          <a:gsLst>
+            <a:gs pos="0">
+              <a:schemeClr val="phClr">
+                <a:tint val="40000"/>
+                <a:satMod val="350000"/>
+              </a:schemeClr>
+            </a:gs>
+            <a:gs pos="40000">
+              <a:schemeClr val="phClr">
+                <a:tint val="45000"/>
+                <a:shade val="99000"/>
+                <a:satMod val="350000"/>
+              </a:schemeClr>
+            </a:gs>
+            <a:gs pos="100000">
+              <a:schemeClr val="phClr">
+                <a:shade val="20000"/>
+                <a:satMod val="255000"/>
+              </a:schemeClr>
+            </a:gs>
+          </a:gsLst>
+          <a:path path="circle">
+            <a:fillToRect l="50000" t="-80000" r="50000" b="180000"/>
+          </a:path>
+        </a:gradFill>
+        <a:gradFill rotWithShape="1">
+          <a:gsLst>
+            <a:gs pos="0">
+              <a:schemeClr val="phClr">
+                <a:tint val="80000"/>
+                <a:satMod val="300000"/>
+              </a:schemeClr>
+            </a:gs>
+            <a:gs pos="100000">
+              <a:schemeClr val="phClr">
+                <a:shade val="30000"/>
+                <a:satMod val="200000"/>
+              </a:schemeClr>
+            </a:gs>
+          </a:gsLst>
+          <a:path path="circle">
+            <a:fillToRect l="50000" t="50000" r="50000" b="50000"/>
+          </a:path>
+        </a:gradFill>
+      </a:bgFillStyleLst>
+    </a:fmtScheme>
+  </a:themeElements>
+  <a:objectDefaults/>
+  <a:extraClrSchemeLst/>
+</a:theme>
 </file>
--- a/pics/2021-06-16-LU_decomposition/pics.pptx
+++ b/pics/2021-06-16-LU_decomposition/pics.pptx
@@ -5,13 +5,14 @@
     <p:sldMasterId id="2147483648" r:id="rId1"/>
   </p:sldMasterIdLst>
   <p:notesMasterIdLst>
-    <p:notesMasterId r:id="rId6"/>
+    <p:notesMasterId r:id="rId7"/>
   </p:notesMasterIdLst>
   <p:sldIdLst>
     <p:sldId id="256" r:id="rId2"/>
     <p:sldId id="257" r:id="rId3"/>
     <p:sldId id="259" r:id="rId4"/>
-    <p:sldId id="258" r:id="rId5"/>
+    <p:sldId id="260" r:id="rId5"/>
+    <p:sldId id="258" r:id="rId6"/>
   </p:sldIdLst>
   <p:sldSz cx="9144000" cy="6858000" type="screen4x3"/>
   <p:notesSz cx="6858000" cy="9144000"/>
@@ -110,6 +111,22 @@
       </a:defRPr>
     </a:lvl9pPr>
   </p:defaultTextStyle>
+  <p:extLst>
+    <p:ext uri="{EFAFB233-063F-42B5-8137-9DF3F51BA10A}">
+      <p15:sldGuideLst xmlns:p15="http://schemas.microsoft.com/office/powerpoint/2012/main">
+        <p15:guide id="1" orient="horz" pos="2160">
+          <p15:clr>
+            <a:srgbClr val="A4A3A4"/>
+          </p15:clr>
+        </p15:guide>
+        <p15:guide id="2" pos="2880">
+          <p15:clr>
+            <a:srgbClr val="A4A3A4"/>
+          </p15:clr>
+        </p15:guide>
+      </p15:sldGuideLst>
+    </p:ext>
+  </p:extLst>
 </p:presentation>
 </file>
 
@@ -195,7 +212,7 @@
           <a:p>
             <a:fld id="{B0E7B15C-6628-4D92-A60E-C83AA13F351D}" type="datetimeFigureOut">
               <a:rPr lang="ko-KR" altLang="en-US" smtClean="0"/>
-              <a:t>2021-06-18</a:t>
+              <a:t>2023-05-12</a:t>
             </a:fld>
             <a:endParaRPr lang="ko-KR" altLang="en-US"/>
           </a:p>
@@ -259,38 +276,37 @@
           <a:p>
             <a:pPr lvl="0"/>
             <a:r>
-              <a:rPr lang="ko-KR" altLang="en-US" smtClean="0"/>
+              <a:rPr lang="ko-KR" altLang="en-US"/>
               <a:t>마스터 텍스트 스타일을 편집합니다</a:t>
             </a:r>
           </a:p>
           <a:p>
             <a:pPr lvl="1"/>
             <a:r>
-              <a:rPr lang="ko-KR" altLang="en-US" smtClean="0"/>
+              <a:rPr lang="ko-KR" altLang="en-US"/>
               <a:t>둘째 수준</a:t>
             </a:r>
           </a:p>
           <a:p>
             <a:pPr lvl="2"/>
             <a:r>
-              <a:rPr lang="ko-KR" altLang="en-US" smtClean="0"/>
+              <a:rPr lang="ko-KR" altLang="en-US"/>
               <a:t>셋째 수준</a:t>
             </a:r>
           </a:p>
           <a:p>
             <a:pPr lvl="3"/>
             <a:r>
-              <a:rPr lang="ko-KR" altLang="en-US" smtClean="0"/>
+              <a:rPr lang="ko-KR" altLang="en-US"/>
               <a:t>넷째 수준</a:t>
             </a:r>
           </a:p>
           <a:p>
             <a:pPr lvl="4"/>
             <a:r>
-              <a:rPr lang="ko-KR" altLang="en-US" smtClean="0"/>
+              <a:rPr lang="ko-KR" altLang="en-US"/>
               <a:t>다섯째 수준</a:t>
             </a:r>
-            <a:endParaRPr lang="ko-KR" altLang="en-US"/>
           </a:p>
         </p:txBody>
       </p:sp>
@@ -501,10 +517,9 @@
           <a:lstStyle/>
           <a:p>
             <a:r>
-              <a:rPr lang="ko-KR" altLang="en-US" smtClean="0"/>
+              <a:rPr lang="ko-KR" altLang="en-US"/>
               <a:t>마스터 제목 스타일 편집</a:t>
             </a:r>
-            <a:endParaRPr lang="ko-KR" altLang="en-US"/>
           </a:p>
         </p:txBody>
       </p:sp>
@@ -620,10 +635,9 @@
           </a:lstStyle>
           <a:p>
             <a:r>
-              <a:rPr lang="ko-KR" altLang="en-US" smtClean="0"/>
+              <a:rPr lang="ko-KR" altLang="en-US"/>
               <a:t>마스터 부제목 스타일 편집</a:t>
             </a:r>
-            <a:endParaRPr lang="ko-KR" altLang="en-US"/>
           </a:p>
         </p:txBody>
       </p:sp>
@@ -644,7 +658,7 @@
           <a:p>
             <a:fld id="{FB30EDBD-1C2D-4C1E-B459-B60219FAB484}" type="datetimeFigureOut">
               <a:rPr lang="ko-KR" altLang="en-US" smtClean="0"/>
-              <a:t>2021-06-18</a:t>
+              <a:t>2023-05-12</a:t>
             </a:fld>
             <a:endParaRPr lang="ko-KR" altLang="en-US"/>
           </a:p>
@@ -733,10 +747,9 @@
           <a:lstStyle/>
           <a:p>
             <a:r>
-              <a:rPr lang="ko-KR" altLang="en-US" smtClean="0"/>
+              <a:rPr lang="ko-KR" altLang="en-US"/>
               <a:t>마스터 제목 스타일 편집</a:t>
             </a:r>
-            <a:endParaRPr lang="ko-KR" altLang="en-US"/>
           </a:p>
         </p:txBody>
       </p:sp>
@@ -757,38 +770,37 @@
           <a:p>
             <a:pPr lvl="0"/>
             <a:r>
-              <a:rPr lang="ko-KR" altLang="en-US" smtClean="0"/>
+              <a:rPr lang="ko-KR" altLang="en-US"/>
               <a:t>마스터 텍스트 스타일을 편집합니다</a:t>
             </a:r>
           </a:p>
           <a:p>
             <a:pPr lvl="1"/>
             <a:r>
-              <a:rPr lang="ko-KR" altLang="en-US" smtClean="0"/>
+              <a:rPr lang="ko-KR" altLang="en-US"/>
               <a:t>둘째 수준</a:t>
             </a:r>
           </a:p>
           <a:p>
             <a:pPr lvl="2"/>
             <a:r>
-              <a:rPr lang="ko-KR" altLang="en-US" smtClean="0"/>
+              <a:rPr lang="ko-KR" altLang="en-US"/>
               <a:t>셋째 수준</a:t>
             </a:r>
           </a:p>
           <a:p>
             <a:pPr lvl="3"/>
             <a:r>
-              <a:rPr lang="ko-KR" altLang="en-US" smtClean="0"/>
+              <a:rPr lang="ko-KR" altLang="en-US"/>
               <a:t>넷째 수준</a:t>
             </a:r>
           </a:p>
           <a:p>
             <a:pPr lvl="4"/>
             <a:r>
-              <a:rPr lang="ko-KR" altLang="en-US" smtClean="0"/>
+              <a:rPr lang="ko-KR" altLang="en-US"/>
               <a:t>다섯째 수준</a:t>
             </a:r>
-            <a:endParaRPr lang="ko-KR" altLang="en-US"/>
           </a:p>
         </p:txBody>
       </p:sp>
@@ -809,7 +821,7 @@
           <a:p>
             <a:fld id="{FB30EDBD-1C2D-4C1E-B459-B60219FAB484}" type="datetimeFigureOut">
               <a:rPr lang="ko-KR" altLang="en-US" smtClean="0"/>
-              <a:t>2021-06-18</a:t>
+              <a:t>2023-05-12</a:t>
             </a:fld>
             <a:endParaRPr lang="ko-KR" altLang="en-US"/>
           </a:p>
@@ -903,10 +915,9 @@
           <a:lstStyle/>
           <a:p>
             <a:r>
-              <a:rPr lang="ko-KR" altLang="en-US" smtClean="0"/>
+              <a:rPr lang="ko-KR" altLang="en-US"/>
               <a:t>마스터 제목 스타일 편집</a:t>
             </a:r>
-            <a:endParaRPr lang="ko-KR" altLang="en-US"/>
           </a:p>
         </p:txBody>
       </p:sp>
@@ -932,38 +943,37 @@
           <a:p>
             <a:pPr lvl="0"/>
             <a:r>
-              <a:rPr lang="ko-KR" altLang="en-US" smtClean="0"/>
+              <a:rPr lang="ko-KR" altLang="en-US"/>
               <a:t>마스터 텍스트 스타일을 편집합니다</a:t>
             </a:r>
           </a:p>
           <a:p>
             <a:pPr lvl="1"/>
             <a:r>
-              <a:rPr lang="ko-KR" altLang="en-US" smtClean="0"/>
+              <a:rPr lang="ko-KR" altLang="en-US"/>
               <a:t>둘째 수준</a:t>
             </a:r>
           </a:p>
           <a:p>
             <a:pPr lvl="2"/>
             <a:r>
-              <a:rPr lang="ko-KR" altLang="en-US" smtClean="0"/>
+              <a:rPr lang="ko-KR" altLang="en-US"/>
               <a:t>셋째 수준</a:t>
             </a:r>
           </a:p>
           <a:p>
             <a:pPr lvl="3"/>
             <a:r>
-              <a:rPr lang="ko-KR" altLang="en-US" smtClean="0"/>
+              <a:rPr lang="ko-KR" altLang="en-US"/>
               <a:t>넷째 수준</a:t>
             </a:r>
           </a:p>
           <a:p>
             <a:pPr lvl="4"/>
             <a:r>
-              <a:rPr lang="ko-KR" altLang="en-US" smtClean="0"/>
+              <a:rPr lang="ko-KR" altLang="en-US"/>
               <a:t>다섯째 수준</a:t>
             </a:r>
-            <a:endParaRPr lang="ko-KR" altLang="en-US"/>
           </a:p>
         </p:txBody>
       </p:sp>
@@ -984,7 +994,7 @@
           <a:p>
             <a:fld id="{FB30EDBD-1C2D-4C1E-B459-B60219FAB484}" type="datetimeFigureOut">
               <a:rPr lang="ko-KR" altLang="en-US" smtClean="0"/>
-              <a:t>2021-06-18</a:t>
+              <a:t>2023-05-12</a:t>
             </a:fld>
             <a:endParaRPr lang="ko-KR" altLang="en-US"/>
           </a:p>
@@ -1073,10 +1083,9 @@
           <a:lstStyle/>
           <a:p>
             <a:r>
-              <a:rPr lang="ko-KR" altLang="en-US" smtClean="0"/>
+              <a:rPr lang="ko-KR" altLang="en-US"/>
               <a:t>마스터 제목 스타일 편집</a:t>
             </a:r>
-            <a:endParaRPr lang="ko-KR" altLang="en-US"/>
           </a:p>
         </p:txBody>
       </p:sp>
@@ -1097,38 +1106,37 @@
           <a:p>
             <a:pPr lvl="0"/>
             <a:r>
-              <a:rPr lang="ko-KR" altLang="en-US" smtClean="0"/>
+              <a:rPr lang="ko-KR" altLang="en-US"/>
               <a:t>마스터 텍스트 스타일을 편집합니다</a:t>
             </a:r>
           </a:p>
           <a:p>
             <a:pPr lvl="1"/>
             <a:r>
-              <a:rPr lang="ko-KR" altLang="en-US" smtClean="0"/>
+              <a:rPr lang="ko-KR" altLang="en-US"/>
               <a:t>둘째 수준</a:t>
             </a:r>
           </a:p>
           <a:p>
             <a:pPr lvl="2"/>
             <a:r>
-              <a:rPr lang="ko-KR" altLang="en-US" smtClean="0"/>
+              <a:rPr lang="ko-KR" altLang="en-US"/>
               <a:t>셋째 수준</a:t>
             </a:r>
           </a:p>
           <a:p>
             <a:pPr lvl="3"/>
             <a:r>
-              <a:rPr lang="ko-KR" altLang="en-US" smtClean="0"/>
+              <a:rPr lang="ko-KR" altLang="en-US"/>
               <a:t>넷째 수준</a:t>
             </a:r>
           </a:p>
           <a:p>
             <a:pPr lvl="4"/>
             <a:r>
-              <a:rPr lang="ko-KR" altLang="en-US" smtClean="0"/>
+              <a:rPr lang="ko-KR" altLang="en-US"/>
               <a:t>다섯째 수준</a:t>
             </a:r>
-            <a:endParaRPr lang="ko-KR" altLang="en-US"/>
           </a:p>
         </p:txBody>
       </p:sp>
@@ -1149,7 +1157,7 @@
           <a:p>
             <a:fld id="{FB30EDBD-1C2D-4C1E-B459-B60219FAB484}" type="datetimeFigureOut">
               <a:rPr lang="ko-KR" altLang="en-US" smtClean="0"/>
-              <a:t>2021-06-18</a:t>
+              <a:t>2023-05-12</a:t>
             </a:fld>
             <a:endParaRPr lang="ko-KR" altLang="en-US"/>
           </a:p>
@@ -1247,10 +1255,9 @@
           </a:lstStyle>
           <a:p>
             <a:r>
-              <a:rPr lang="ko-KR" altLang="en-US" smtClean="0"/>
+              <a:rPr lang="ko-KR" altLang="en-US"/>
               <a:t>마스터 제목 스타일 편집</a:t>
             </a:r>
-            <a:endParaRPr lang="ko-KR" altLang="en-US"/>
           </a:p>
         </p:txBody>
       </p:sp>
@@ -1367,7 +1374,7 @@
           <a:p>
             <a:pPr lvl="0"/>
             <a:r>
-              <a:rPr lang="ko-KR" altLang="en-US" smtClean="0"/>
+              <a:rPr lang="ko-KR" altLang="en-US"/>
               <a:t>마스터 텍스트 스타일을 편집합니다</a:t>
             </a:r>
           </a:p>
@@ -1390,7 +1397,7 @@
           <a:p>
             <a:fld id="{FB30EDBD-1C2D-4C1E-B459-B60219FAB484}" type="datetimeFigureOut">
               <a:rPr lang="ko-KR" altLang="en-US" smtClean="0"/>
-              <a:t>2021-06-18</a:t>
+              <a:t>2023-05-12</a:t>
             </a:fld>
             <a:endParaRPr lang="ko-KR" altLang="en-US"/>
           </a:p>
@@ -1479,10 +1486,9 @@
           <a:lstStyle/>
           <a:p>
             <a:r>
-              <a:rPr lang="ko-KR" altLang="en-US" smtClean="0"/>
+              <a:rPr lang="ko-KR" altLang="en-US"/>
               <a:t>마스터 제목 스타일 편집</a:t>
             </a:r>
-            <a:endParaRPr lang="ko-KR" altLang="en-US"/>
           </a:p>
         </p:txBody>
       </p:sp>
@@ -1536,38 +1542,37 @@
           <a:p>
             <a:pPr lvl="0"/>
             <a:r>
-              <a:rPr lang="ko-KR" altLang="en-US" smtClean="0"/>
+              <a:rPr lang="ko-KR" altLang="en-US"/>
               <a:t>마스터 텍스트 스타일을 편집합니다</a:t>
             </a:r>
           </a:p>
           <a:p>
             <a:pPr lvl="1"/>
             <a:r>
-              <a:rPr lang="ko-KR" altLang="en-US" smtClean="0"/>
+              <a:rPr lang="ko-KR" altLang="en-US"/>
               <a:t>둘째 수준</a:t>
             </a:r>
           </a:p>
           <a:p>
             <a:pPr lvl="2"/>
             <a:r>
-              <a:rPr lang="ko-KR" altLang="en-US" smtClean="0"/>
+              <a:rPr lang="ko-KR" altLang="en-US"/>
               <a:t>셋째 수준</a:t>
             </a:r>
           </a:p>
           <a:p>
             <a:pPr lvl="3"/>
             <a:r>
-              <a:rPr lang="ko-KR" altLang="en-US" smtClean="0"/>
+              <a:rPr lang="ko-KR" altLang="en-US"/>
               <a:t>넷째 수준</a:t>
             </a:r>
           </a:p>
           <a:p>
             <a:pPr lvl="4"/>
             <a:r>
-              <a:rPr lang="ko-KR" altLang="en-US" smtClean="0"/>
+              <a:rPr lang="ko-KR" altLang="en-US"/>
               <a:t>다섯째 수준</a:t>
             </a:r>
-            <a:endParaRPr lang="ko-KR" altLang="en-US"/>
           </a:p>
         </p:txBody>
       </p:sp>
@@ -1621,38 +1626,37 @@
           <a:p>
             <a:pPr lvl="0"/>
             <a:r>
-              <a:rPr lang="ko-KR" altLang="en-US" smtClean="0"/>
+              <a:rPr lang="ko-KR" altLang="en-US"/>
               <a:t>마스터 텍스트 스타일을 편집합니다</a:t>
             </a:r>
           </a:p>
           <a:p>
             <a:pPr lvl="1"/>
             <a:r>
-              <a:rPr lang="ko-KR" altLang="en-US" smtClean="0"/>
+              <a:rPr lang="ko-KR" altLang="en-US"/>
               <a:t>둘째 수준</a:t>
             </a:r>
           </a:p>
           <a:p>
             <a:pPr lvl="2"/>
             <a:r>
-              <a:rPr lang="ko-KR" altLang="en-US" smtClean="0"/>
+              <a:rPr lang="ko-KR" altLang="en-US"/>
               <a:t>셋째 수준</a:t>
             </a:r>
           </a:p>
           <a:p>
             <a:pPr lvl="3"/>
             <a:r>
-              <a:rPr lang="ko-KR" altLang="en-US" smtClean="0"/>
+              <a:rPr lang="ko-KR" altLang="en-US"/>
               <a:t>넷째 수준</a:t>
             </a:r>
           </a:p>
           <a:p>
             <a:pPr lvl="4"/>
             <a:r>
-              <a:rPr lang="ko-KR" altLang="en-US" smtClean="0"/>
+              <a:rPr lang="ko-KR" altLang="en-US"/>
               <a:t>다섯째 수준</a:t>
             </a:r>
-            <a:endParaRPr lang="ko-KR" altLang="en-US"/>
           </a:p>
         </p:txBody>
       </p:sp>
@@ -1673,7 +1677,7 @@
           <a:p>
             <a:fld id="{FB30EDBD-1C2D-4C1E-B459-B60219FAB484}" type="datetimeFigureOut">
               <a:rPr lang="ko-KR" altLang="en-US" smtClean="0"/>
-              <a:t>2021-06-18</a:t>
+              <a:t>2023-05-12</a:t>
             </a:fld>
             <a:endParaRPr lang="ko-KR" altLang="en-US"/>
           </a:p>
@@ -1766,10 +1770,9 @@
           </a:lstStyle>
           <a:p>
             <a:r>
-              <a:rPr lang="ko-KR" altLang="en-US" smtClean="0"/>
+              <a:rPr lang="ko-KR" altLang="en-US"/>
               <a:t>마스터 제목 스타일 편집</a:t>
             </a:r>
-            <a:endParaRPr lang="ko-KR" altLang="en-US"/>
           </a:p>
         </p:txBody>
       </p:sp>
@@ -1832,7 +1835,7 @@
           <a:p>
             <a:pPr lvl="0"/>
             <a:r>
-              <a:rPr lang="ko-KR" altLang="en-US" smtClean="0"/>
+              <a:rPr lang="ko-KR" altLang="en-US"/>
               <a:t>마스터 텍스트 스타일을 편집합니다</a:t>
             </a:r>
           </a:p>
@@ -1888,38 +1891,37 @@
           <a:p>
             <a:pPr lvl="0"/>
             <a:r>
-              <a:rPr lang="ko-KR" altLang="en-US" smtClean="0"/>
+              <a:rPr lang="ko-KR" altLang="en-US"/>
               <a:t>마스터 텍스트 스타일을 편집합니다</a:t>
             </a:r>
           </a:p>
           <a:p>
             <a:pPr lvl="1"/>
             <a:r>
-              <a:rPr lang="ko-KR" altLang="en-US" smtClean="0"/>
+              <a:rPr lang="ko-KR" altLang="en-US"/>
               <a:t>둘째 수준</a:t>
             </a:r>
           </a:p>
           <a:p>
             <a:pPr lvl="2"/>
             <a:r>
-              <a:rPr lang="ko-KR" altLang="en-US" smtClean="0"/>
+              <a:rPr lang="ko-KR" altLang="en-US"/>
               <a:t>셋째 수준</a:t>
             </a:r>
           </a:p>
           <a:p>
             <a:pPr lvl="3"/>
             <a:r>
-              <a:rPr lang="ko-KR" altLang="en-US" smtClean="0"/>
+              <a:rPr lang="ko-KR" altLang="en-US"/>
               <a:t>넷째 수준</a:t>
             </a:r>
           </a:p>
           <a:p>
             <a:pPr lvl="4"/>
             <a:r>
-              <a:rPr lang="ko-KR" altLang="en-US" smtClean="0"/>
+              <a:rPr lang="ko-KR" altLang="en-US"/>
               <a:t>다섯째 수준</a:t>
             </a:r>
-            <a:endParaRPr lang="ko-KR" altLang="en-US"/>
           </a:p>
         </p:txBody>
       </p:sp>
@@ -1982,7 +1984,7 @@
           <a:p>
             <a:pPr lvl="0"/>
             <a:r>
-              <a:rPr lang="ko-KR" altLang="en-US" smtClean="0"/>
+              <a:rPr lang="ko-KR" altLang="en-US"/>
               <a:t>마스터 텍스트 스타일을 편집합니다</a:t>
             </a:r>
           </a:p>
@@ -2038,38 +2040,37 @@
           <a:p>
             <a:pPr lvl="0"/>
             <a:r>
-              <a:rPr lang="ko-KR" altLang="en-US" smtClean="0"/>
+              <a:rPr lang="ko-KR" altLang="en-US"/>
               <a:t>마스터 텍스트 스타일을 편집합니다</a:t>
             </a:r>
           </a:p>
           <a:p>
             <a:pPr lvl="1"/>
             <a:r>
-              <a:rPr lang="ko-KR" altLang="en-US" smtClean="0"/>
+              <a:rPr lang="ko-KR" altLang="en-US"/>
               <a:t>둘째 수준</a:t>
             </a:r>
           </a:p>
           <a:p>
             <a:pPr lvl="2"/>
             <a:r>
-              <a:rPr lang="ko-KR" altLang="en-US" smtClean="0"/>
+              <a:rPr lang="ko-KR" altLang="en-US"/>
               <a:t>셋째 수준</a:t>
             </a:r>
           </a:p>
           <a:p>
             <a:pPr lvl="3"/>
             <a:r>
-              <a:rPr lang="ko-KR" altLang="en-US" smtClean="0"/>
+              <a:rPr lang="ko-KR" altLang="en-US"/>
               <a:t>넷째 수준</a:t>
             </a:r>
           </a:p>
           <a:p>
             <a:pPr lvl="4"/>
             <a:r>
-              <a:rPr lang="ko-KR" altLang="en-US" smtClean="0"/>
+              <a:rPr lang="ko-KR" altLang="en-US"/>
               <a:t>다섯째 수준</a:t>
             </a:r>
-            <a:endParaRPr lang="ko-KR" altLang="en-US"/>
           </a:p>
         </p:txBody>
       </p:sp>
@@ -2090,7 +2091,7 @@
           <a:p>
             <a:fld id="{FB30EDBD-1C2D-4C1E-B459-B60219FAB484}" type="datetimeFigureOut">
               <a:rPr lang="ko-KR" altLang="en-US" smtClean="0"/>
-              <a:t>2021-06-18</a:t>
+              <a:t>2023-05-12</a:t>
             </a:fld>
             <a:endParaRPr lang="ko-KR" altLang="en-US"/>
           </a:p>
@@ -2179,10 +2180,9 @@
           <a:lstStyle/>
           <a:p>
             <a:r>
-              <a:rPr lang="ko-KR" altLang="en-US" smtClean="0"/>
+              <a:rPr lang="ko-KR" altLang="en-US"/>
               <a:t>마스터 제목 스타일 편집</a:t>
             </a:r>
-            <a:endParaRPr lang="ko-KR" altLang="en-US"/>
           </a:p>
         </p:txBody>
       </p:sp>
@@ -2203,7 +2203,7 @@
           <a:p>
             <a:fld id="{FB30EDBD-1C2D-4C1E-B459-B60219FAB484}" type="datetimeFigureOut">
               <a:rPr lang="ko-KR" altLang="en-US" smtClean="0"/>
-              <a:t>2021-06-18</a:t>
+              <a:t>2023-05-12</a:t>
             </a:fld>
             <a:endParaRPr lang="ko-KR" altLang="en-US"/>
           </a:p>
@@ -2293,7 +2293,7 @@
           <a:p>
             <a:fld id="{FB30EDBD-1C2D-4C1E-B459-B60219FAB484}" type="datetimeFigureOut">
               <a:rPr lang="ko-KR" altLang="en-US" smtClean="0"/>
-              <a:t>2021-06-18</a:t>
+              <a:t>2023-05-12</a:t>
             </a:fld>
             <a:endParaRPr lang="ko-KR" altLang="en-US"/>
           </a:p>
@@ -2391,10 +2391,9 @@
           </a:lstStyle>
           <a:p>
             <a:r>
-              <a:rPr lang="ko-KR" altLang="en-US" smtClean="0"/>
+              <a:rPr lang="ko-KR" altLang="en-US"/>
               <a:t>마스터 제목 스타일 편집</a:t>
             </a:r>
-            <a:endParaRPr lang="ko-KR" altLang="en-US"/>
           </a:p>
         </p:txBody>
       </p:sp>
@@ -2448,38 +2447,37 @@
           <a:p>
             <a:pPr lvl="0"/>
             <a:r>
-              <a:rPr lang="ko-KR" altLang="en-US" smtClean="0"/>
+              <a:rPr lang="ko-KR" altLang="en-US"/>
               <a:t>마스터 텍스트 스타일을 편집합니다</a:t>
             </a:r>
           </a:p>
           <a:p>
             <a:pPr lvl="1"/>
             <a:r>
-              <a:rPr lang="ko-KR" altLang="en-US" smtClean="0"/>
+              <a:rPr lang="ko-KR" altLang="en-US"/>
               <a:t>둘째 수준</a:t>
             </a:r>
           </a:p>
           <a:p>
             <a:pPr lvl="2"/>
             <a:r>
-              <a:rPr lang="ko-KR" altLang="en-US" smtClean="0"/>
+              <a:rPr lang="ko-KR" altLang="en-US"/>
               <a:t>셋째 수준</a:t>
             </a:r>
           </a:p>
           <a:p>
             <a:pPr lvl="3"/>
             <a:r>
-              <a:rPr lang="ko-KR" altLang="en-US" smtClean="0"/>
+              <a:rPr lang="ko-KR" altLang="en-US"/>
               <a:t>넷째 수준</a:t>
             </a:r>
           </a:p>
           <a:p>
             <a:pPr lvl="4"/>
             <a:r>
-              <a:rPr lang="ko-KR" altLang="en-US" smtClean="0"/>
+              <a:rPr lang="ko-KR" altLang="en-US"/>
               <a:t>다섯째 수준</a:t>
             </a:r>
-            <a:endParaRPr lang="ko-KR" altLang="en-US"/>
           </a:p>
         </p:txBody>
       </p:sp>
@@ -2542,7 +2540,7 @@
           <a:p>
             <a:pPr lvl="0"/>
             <a:r>
-              <a:rPr lang="ko-KR" altLang="en-US" smtClean="0"/>
+              <a:rPr lang="ko-KR" altLang="en-US"/>
               <a:t>마스터 텍스트 스타일을 편집합니다</a:t>
             </a:r>
           </a:p>
@@ -2565,7 +2563,7 @@
           <a:p>
             <a:fld id="{FB30EDBD-1C2D-4C1E-B459-B60219FAB484}" type="datetimeFigureOut">
               <a:rPr lang="ko-KR" altLang="en-US" smtClean="0"/>
-              <a:t>2021-06-18</a:t>
+              <a:t>2023-05-12</a:t>
             </a:fld>
             <a:endParaRPr lang="ko-KR" altLang="en-US"/>
           </a:p>
@@ -2663,10 +2661,9 @@
           </a:lstStyle>
           <a:p>
             <a:r>
-              <a:rPr lang="ko-KR" altLang="en-US" smtClean="0"/>
+              <a:rPr lang="ko-KR" altLang="en-US"/>
               <a:t>마스터 제목 스타일 편집</a:t>
             </a:r>
-            <a:endParaRPr lang="ko-KR" altLang="en-US"/>
           </a:p>
         </p:txBody>
       </p:sp>
@@ -2790,7 +2787,7 @@
           <a:p>
             <a:pPr lvl="0"/>
             <a:r>
-              <a:rPr lang="ko-KR" altLang="en-US" smtClean="0"/>
+              <a:rPr lang="ko-KR" altLang="en-US"/>
               <a:t>마스터 텍스트 스타일을 편집합니다</a:t>
             </a:r>
           </a:p>
@@ -2813,7 +2810,7 @@
           <a:p>
             <a:fld id="{FB30EDBD-1C2D-4C1E-B459-B60219FAB484}" type="datetimeFigureOut">
               <a:rPr lang="ko-KR" altLang="en-US" smtClean="0"/>
-              <a:t>2021-06-18</a:t>
+              <a:t>2023-05-12</a:t>
             </a:fld>
             <a:endParaRPr lang="ko-KR" altLang="en-US"/>
           </a:p>
@@ -2917,10 +2914,9 @@
           <a:lstStyle/>
           <a:p>
             <a:r>
-              <a:rPr lang="ko-KR" altLang="en-US" smtClean="0"/>
+              <a:rPr lang="ko-KR" altLang="en-US"/>
               <a:t>마스터 제목 스타일 편집</a:t>
             </a:r>
-            <a:endParaRPr lang="ko-KR" altLang="en-US"/>
           </a:p>
         </p:txBody>
       </p:sp>
@@ -2951,38 +2947,37 @@
           <a:p>
             <a:pPr lvl="0"/>
             <a:r>
-              <a:rPr lang="ko-KR" altLang="en-US" smtClean="0"/>
+              <a:rPr lang="ko-KR" altLang="en-US"/>
               <a:t>마스터 텍스트 스타일을 편집합니다</a:t>
             </a:r>
           </a:p>
           <a:p>
             <a:pPr lvl="1"/>
             <a:r>
-              <a:rPr lang="ko-KR" altLang="en-US" smtClean="0"/>
+              <a:rPr lang="ko-KR" altLang="en-US"/>
               <a:t>둘째 수준</a:t>
             </a:r>
           </a:p>
           <a:p>
             <a:pPr lvl="2"/>
             <a:r>
-              <a:rPr lang="ko-KR" altLang="en-US" smtClean="0"/>
+              <a:rPr lang="ko-KR" altLang="en-US"/>
               <a:t>셋째 수준</a:t>
             </a:r>
           </a:p>
           <a:p>
             <a:pPr lvl="3"/>
             <a:r>
-              <a:rPr lang="ko-KR" altLang="en-US" smtClean="0"/>
+              <a:rPr lang="ko-KR" altLang="en-US"/>
               <a:t>넷째 수준</a:t>
             </a:r>
           </a:p>
           <a:p>
             <a:pPr lvl="4"/>
             <a:r>
-              <a:rPr lang="ko-KR" altLang="en-US" smtClean="0"/>
+              <a:rPr lang="ko-KR" altLang="en-US"/>
               <a:t>다섯째 수준</a:t>
             </a:r>
-            <a:endParaRPr lang="ko-KR" altLang="en-US"/>
           </a:p>
         </p:txBody>
       </p:sp>
@@ -3021,7 +3016,7 @@
           <a:p>
             <a:fld id="{FB30EDBD-1C2D-4C1E-B459-B60219FAB484}" type="datetimeFigureOut">
               <a:rPr lang="ko-KR" altLang="en-US" smtClean="0"/>
-              <a:t>2021-06-18</a:t>
+              <a:t>2023-05-12</a:t>
             </a:fld>
             <a:endParaRPr lang="ko-KR" altLang="en-US"/>
           </a:p>
@@ -3431,7 +3426,7 @@
                               <a:solidFill>
                                 <a:srgbClr val="FF0000"/>
                               </a:solidFill>
-                              <a:latin typeface="Cambria Math"/>
+                              <a:latin typeface="Cambria Math" panose="02040503050406030204" pitchFamily="18" charset="0"/>
                             </a:rPr>
                           </m:ctrlPr>
                         </m:dPr>
@@ -3451,7 +3446,7 @@
                                   <a:solidFill>
                                     <a:srgbClr val="FF0000"/>
                                   </a:solidFill>
-                                  <a:latin typeface="Cambria Math"/>
+                                  <a:latin typeface="Cambria Math" panose="02040503050406030204" pitchFamily="18" charset="0"/>
                                 </a:rPr>
                               </m:ctrlPr>
                             </m:mPr>
@@ -3575,7 +3570,7 @@
                               <a:solidFill>
                                 <a:srgbClr val="00B0F0"/>
                               </a:solidFill>
-                              <a:latin typeface="Cambria Math"/>
+                              <a:latin typeface="Cambria Math" panose="02040503050406030204" pitchFamily="18" charset="0"/>
                             </a:rPr>
                           </m:ctrlPr>
                         </m:dPr>
@@ -3595,7 +3590,7 @@
                                   <a:solidFill>
                                     <a:srgbClr val="00B0F0"/>
                                   </a:solidFill>
-                                  <a:latin typeface="Cambria Math"/>
+                                  <a:latin typeface="Cambria Math" panose="02040503050406030204" pitchFamily="18" charset="0"/>
                                 </a:rPr>
                               </m:ctrlPr>
                             </m:mPr>
@@ -3719,7 +3714,7 @@
                               <a:solidFill>
                                 <a:srgbClr val="00B050"/>
                               </a:solidFill>
-                              <a:latin typeface="Cambria Math"/>
+                              <a:latin typeface="Cambria Math" panose="02040503050406030204" pitchFamily="18" charset="0"/>
                             </a:rPr>
                           </m:ctrlPr>
                         </m:dPr>
@@ -3739,7 +3734,7 @@
                                   <a:solidFill>
                                     <a:srgbClr val="00B050"/>
                                   </a:solidFill>
-                                  <a:latin typeface="Cambria Math"/>
+                                  <a:latin typeface="Cambria Math" panose="02040503050406030204" pitchFamily="18" charset="0"/>
                                 </a:rPr>
                               </m:ctrlPr>
                             </m:mPr>
@@ -3860,7 +3855,7 @@
                           <m:endChr m:val="]"/>
                           <m:ctrlPr>
                             <a:rPr lang="en-US" altLang="ko-KR" b="0" i="1" smtClean="0">
-                              <a:latin typeface="Cambria Math"/>
+                              <a:latin typeface="Cambria Math" panose="02040503050406030204" pitchFamily="18" charset="0"/>
                             </a:rPr>
                           </m:ctrlPr>
                         </m:dPr>
@@ -3877,7 +3872,7 @@
                               </m:mcs>
                               <m:ctrlPr>
                                 <a:rPr lang="en-US" altLang="ko-KR" b="0" i="1" smtClean="0">
-                                  <a:latin typeface="Cambria Math"/>
+                                  <a:latin typeface="Cambria Math" panose="02040503050406030204" pitchFamily="18" charset="0"/>
                                 </a:rPr>
                               </m:ctrlPr>
                             </m:mPr>
@@ -3977,7 +3972,7 @@
                               </m:mcs>
                               <m:ctrlPr>
                                 <a:rPr lang="en-US" altLang="ko-KR" b="0" i="1" smtClean="0">
-                                  <a:latin typeface="Cambria Math"/>
+                                  <a:latin typeface="Cambria Math" panose="02040503050406030204" pitchFamily="18" charset="0"/>
                                 </a:rPr>
                               </m:ctrlPr>
                             </m:mPr>
@@ -4029,7 +4024,7 @@
                           <m:endChr m:val="]"/>
                           <m:ctrlPr>
                             <a:rPr lang="en-US" altLang="ko-KR" i="1">
-                              <a:latin typeface="Cambria Math"/>
+                              <a:latin typeface="Cambria Math" panose="02040503050406030204" pitchFamily="18" charset="0"/>
                             </a:rPr>
                           </m:ctrlPr>
                         </m:dPr>
@@ -4046,7 +4041,7 @@
                               </m:mcs>
                               <m:ctrlPr>
                                 <a:rPr lang="en-US" altLang="ko-KR" i="1">
-                                  <a:latin typeface="Cambria Math"/>
+                                  <a:latin typeface="Cambria Math" panose="02040503050406030204" pitchFamily="18" charset="0"/>
                                 </a:rPr>
                               </m:ctrlPr>
                             </m:mPr>
@@ -4146,7 +4141,7 @@
                               </m:mcs>
                               <m:ctrlPr>
                                 <a:rPr lang="en-US" altLang="ko-KR" i="1">
-                                  <a:latin typeface="Cambria Math"/>
+                                  <a:latin typeface="Cambria Math" panose="02040503050406030204" pitchFamily="18" charset="0"/>
                                 </a:rPr>
                               </m:ctrlPr>
                             </m:mPr>
@@ -4398,7 +4393,7 @@
                               <a:solidFill>
                                 <a:srgbClr val="00B050"/>
                               </a:solidFill>
-                              <a:latin typeface="Cambria Math"/>
+                              <a:latin typeface="Cambria Math" panose="02040503050406030204" pitchFamily="18" charset="0"/>
                             </a:rPr>
                           </m:ctrlPr>
                         </m:sSubPr>
@@ -4441,7 +4436,7 @@
                               <a:solidFill>
                                 <a:srgbClr val="00B050"/>
                               </a:solidFill>
-                              <a:latin typeface="Cambria Math"/>
+                              <a:latin typeface="Cambria Math" panose="02040503050406030204" pitchFamily="18" charset="0"/>
                             </a:rPr>
                           </m:ctrlPr>
                         </m:dPr>
@@ -4453,7 +4448,7 @@
                                   <a:solidFill>
                                     <a:srgbClr val="00B050"/>
                                   </a:solidFill>
-                                  <a:latin typeface="Cambria Math"/>
+                                  <a:latin typeface="Cambria Math" panose="02040503050406030204" pitchFamily="18" charset="0"/>
                                 </a:rPr>
                               </m:ctrlPr>
                             </m:sSubPr>
@@ -4496,7 +4491,7 @@
                                   <a:solidFill>
                                     <a:srgbClr val="00B050"/>
                                   </a:solidFill>
-                                  <a:latin typeface="Cambria Math"/>
+                                  <a:latin typeface="Cambria Math" panose="02040503050406030204" pitchFamily="18" charset="0"/>
                                 </a:rPr>
                               </m:ctrlPr>
                             </m:sSubPr>
@@ -4614,7 +4609,7 @@
                               <a:solidFill>
                                 <a:srgbClr val="00B0F0"/>
                               </a:solidFill>
-                              <a:latin typeface="Cambria Math"/>
+                              <a:latin typeface="Cambria Math" panose="02040503050406030204" pitchFamily="18" charset="0"/>
                             </a:rPr>
                           </m:ctrlPr>
                         </m:sSubPr>
@@ -4657,7 +4652,7 @@
                               <a:solidFill>
                                 <a:srgbClr val="00B0F0"/>
                               </a:solidFill>
-                              <a:latin typeface="Cambria Math"/>
+                              <a:latin typeface="Cambria Math" panose="02040503050406030204" pitchFamily="18" charset="0"/>
                             </a:rPr>
                           </m:ctrlPr>
                         </m:sSubPr>
@@ -4700,7 +4695,7 @@
                               <a:solidFill>
                                 <a:srgbClr val="00B0F0"/>
                               </a:solidFill>
-                              <a:latin typeface="Cambria Math"/>
+                              <a:latin typeface="Cambria Math" panose="02040503050406030204" pitchFamily="18" charset="0"/>
                             </a:rPr>
                           </m:ctrlPr>
                         </m:sSubPr>
@@ -4825,7 +4820,7 @@
                               <a:solidFill>
                                 <a:srgbClr val="FF0000"/>
                               </a:solidFill>
-                              <a:latin typeface="Cambria Math"/>
+                              <a:latin typeface="Cambria Math" panose="02040503050406030204" pitchFamily="18" charset="0"/>
                             </a:rPr>
                           </m:ctrlPr>
                         </m:sSubPr>
@@ -4868,7 +4863,7 @@
                               <a:solidFill>
                                 <a:srgbClr val="FF0000"/>
                               </a:solidFill>
-                              <a:latin typeface="Cambria Math"/>
+                              <a:latin typeface="Cambria Math" panose="02040503050406030204" pitchFamily="18" charset="0"/>
                             </a:rPr>
                           </m:ctrlPr>
                         </m:sSubPr>
@@ -4911,7 +4906,7 @@
                               <a:solidFill>
                                 <a:srgbClr val="FF0000"/>
                               </a:solidFill>
-                              <a:latin typeface="Cambria Math"/>
+                              <a:latin typeface="Cambria Math" panose="02040503050406030204" pitchFamily="18" charset="0"/>
                             </a:rPr>
                           </m:ctrlPr>
                         </m:sSubPr>
@@ -5068,7 +5063,7 @@
                               <a:solidFill>
                                 <a:srgbClr val="FF0000"/>
                               </a:solidFill>
-                              <a:latin typeface="Cambria Math"/>
+                              <a:latin typeface="Cambria Math" panose="02040503050406030204" pitchFamily="18" charset="0"/>
                             </a:rPr>
                           </m:ctrlPr>
                         </m:dPr>
@@ -5088,7 +5083,7 @@
                                   <a:solidFill>
                                     <a:srgbClr val="FF0000"/>
                                   </a:solidFill>
-                                  <a:latin typeface="Cambria Math"/>
+                                  <a:latin typeface="Cambria Math" panose="02040503050406030204" pitchFamily="18" charset="0"/>
                                 </a:rPr>
                               </m:ctrlPr>
                             </m:mPr>
@@ -5212,7 +5207,7 @@
                               <a:solidFill>
                                 <a:srgbClr val="00B0F0"/>
                               </a:solidFill>
-                              <a:latin typeface="Cambria Math"/>
+                              <a:latin typeface="Cambria Math" panose="02040503050406030204" pitchFamily="18" charset="0"/>
                             </a:rPr>
                           </m:ctrlPr>
                         </m:dPr>
@@ -5232,7 +5227,7 @@
                                   <a:solidFill>
                                     <a:srgbClr val="00B0F0"/>
                                   </a:solidFill>
-                                  <a:latin typeface="Cambria Math"/>
+                                  <a:latin typeface="Cambria Math" panose="02040503050406030204" pitchFamily="18" charset="0"/>
                                 </a:rPr>
                               </m:ctrlPr>
                             </m:mPr>
@@ -5356,7 +5351,7 @@
                               <a:solidFill>
                                 <a:srgbClr val="00B050"/>
                               </a:solidFill>
-                              <a:latin typeface="Cambria Math"/>
+                              <a:latin typeface="Cambria Math" panose="02040503050406030204" pitchFamily="18" charset="0"/>
                             </a:rPr>
                           </m:ctrlPr>
                         </m:dPr>
@@ -5376,7 +5371,7 @@
                                   <a:solidFill>
                                     <a:srgbClr val="00B050"/>
                                   </a:solidFill>
-                                  <a:latin typeface="Cambria Math"/>
+                                  <a:latin typeface="Cambria Math" panose="02040503050406030204" pitchFamily="18" charset="0"/>
                                 </a:rPr>
                               </m:ctrlPr>
                             </m:mPr>
@@ -5500,7 +5495,7 @@
                               <a:solidFill>
                                 <a:schemeClr val="tx1"/>
                               </a:solidFill>
-                              <a:latin typeface="Cambria Math"/>
+                              <a:latin typeface="Cambria Math" panose="02040503050406030204" pitchFamily="18" charset="0"/>
                             </a:rPr>
                           </m:ctrlPr>
                         </m:dPr>
@@ -5520,7 +5515,7 @@
                                   <a:solidFill>
                                     <a:schemeClr val="tx1"/>
                                   </a:solidFill>
-                                  <a:latin typeface="Cambria Math"/>
+                                  <a:latin typeface="Cambria Math" panose="02040503050406030204" pitchFamily="18" charset="0"/>
                                 </a:rPr>
                               </m:ctrlPr>
                             </m:mPr>
@@ -5647,7 +5642,7 @@
                           <m:endChr m:val="]"/>
                           <m:ctrlPr>
                             <a:rPr lang="en-US" altLang="ko-KR" i="1">
-                              <a:latin typeface="Cambria Math"/>
+                              <a:latin typeface="Cambria Math" panose="02040503050406030204" pitchFamily="18" charset="0"/>
                             </a:rPr>
                           </m:ctrlPr>
                         </m:dPr>
@@ -5664,7 +5659,7 @@
                               </m:mcs>
                               <m:ctrlPr>
                                 <a:rPr lang="en-US" altLang="ko-KR" i="1">
-                                  <a:latin typeface="Cambria Math"/>
+                                  <a:latin typeface="Cambria Math" panose="02040503050406030204" pitchFamily="18" charset="0"/>
                                 </a:rPr>
                               </m:ctrlPr>
                             </m:mPr>
@@ -5934,7 +5929,7 @@
                               <a:solidFill>
                                 <a:srgbClr val="00B050"/>
                               </a:solidFill>
-                              <a:latin typeface="Cambria Math"/>
+                              <a:latin typeface="Cambria Math" panose="02040503050406030204" pitchFamily="18" charset="0"/>
                             </a:rPr>
                           </m:ctrlPr>
                         </m:sSubPr>
@@ -5977,7 +5972,7 @@
                               <a:solidFill>
                                 <a:srgbClr val="00B050"/>
                               </a:solidFill>
-                              <a:latin typeface="Cambria Math"/>
+                              <a:latin typeface="Cambria Math" panose="02040503050406030204" pitchFamily="18" charset="0"/>
                             </a:rPr>
                           </m:ctrlPr>
                         </m:dPr>
@@ -5989,7 +5984,7 @@
                                   <a:solidFill>
                                     <a:srgbClr val="00B050"/>
                                   </a:solidFill>
-                                  <a:latin typeface="Cambria Math"/>
+                                  <a:latin typeface="Cambria Math" panose="02040503050406030204" pitchFamily="18" charset="0"/>
                                 </a:rPr>
                               </m:ctrlPr>
                             </m:sSubPr>
@@ -6032,7 +6027,7 @@
                                   <a:solidFill>
                                     <a:srgbClr val="00B050"/>
                                   </a:solidFill>
-                                  <a:latin typeface="Cambria Math"/>
+                                  <a:latin typeface="Cambria Math" panose="02040503050406030204" pitchFamily="18" charset="0"/>
                                 </a:rPr>
                               </m:ctrlPr>
                             </m:sSubPr>
@@ -6150,7 +6145,7 @@
                               <a:solidFill>
                                 <a:srgbClr val="00B0F0"/>
                               </a:solidFill>
-                              <a:latin typeface="Cambria Math"/>
+                              <a:latin typeface="Cambria Math" panose="02040503050406030204" pitchFamily="18" charset="0"/>
                             </a:rPr>
                           </m:ctrlPr>
                         </m:sSubPr>
@@ -6193,7 +6188,7 @@
                               <a:solidFill>
                                 <a:srgbClr val="00B0F0"/>
                               </a:solidFill>
-                              <a:latin typeface="Cambria Math"/>
+                              <a:latin typeface="Cambria Math" panose="02040503050406030204" pitchFamily="18" charset="0"/>
                             </a:rPr>
                           </m:ctrlPr>
                         </m:sSubPr>
@@ -6236,7 +6231,7 @@
                               <a:solidFill>
                                 <a:srgbClr val="00B0F0"/>
                               </a:solidFill>
-                              <a:latin typeface="Cambria Math"/>
+                              <a:latin typeface="Cambria Math" panose="02040503050406030204" pitchFamily="18" charset="0"/>
                             </a:rPr>
                           </m:ctrlPr>
                         </m:sSubPr>
@@ -6361,7 +6356,7 @@
                               <a:solidFill>
                                 <a:srgbClr val="FF0000"/>
                               </a:solidFill>
-                              <a:latin typeface="Cambria Math"/>
+                              <a:latin typeface="Cambria Math" panose="02040503050406030204" pitchFamily="18" charset="0"/>
                             </a:rPr>
                           </m:ctrlPr>
                         </m:sSubPr>
@@ -6404,7 +6399,7 @@
                               <a:solidFill>
                                 <a:srgbClr val="FF0000"/>
                               </a:solidFill>
-                              <a:latin typeface="Cambria Math"/>
+                              <a:latin typeface="Cambria Math" panose="02040503050406030204" pitchFamily="18" charset="0"/>
                             </a:rPr>
                           </m:ctrlPr>
                         </m:sSubPr>
@@ -6447,7 +6442,7 @@
                               <a:solidFill>
                                 <a:srgbClr val="FF0000"/>
                               </a:solidFill>
-                              <a:latin typeface="Cambria Math"/>
+                              <a:latin typeface="Cambria Math" panose="02040503050406030204" pitchFamily="18" charset="0"/>
                             </a:rPr>
                           </m:ctrlPr>
                         </m:sSubPr>
@@ -6564,8 +6559,8 @@
           <a:chExt cx="0" cy="0"/>
         </a:xfrm>
       </p:grpSpPr>
-      <mc:AlternateContent xmlns:mc="http://schemas.openxmlformats.org/markup-compatibility/2006">
-        <mc:Choice xmlns:a14="http://schemas.microsoft.com/office/drawing/2010/main" Requires="a14">
+      <mc:AlternateContent xmlns:mc="http://schemas.openxmlformats.org/markup-compatibility/2006" xmlns:a14="http://schemas.microsoft.com/office/drawing/2010/main">
+        <mc:Choice Requires="a14">
           <p:sp>
             <p:nvSpPr>
               <p:cNvPr id="4" name="TextBox 3"/>
@@ -6604,7 +6599,7 @@
                               <a:solidFill>
                                 <a:srgbClr val="FF0000"/>
                               </a:solidFill>
-                              <a:latin typeface="Cambria Math"/>
+                              <a:latin typeface="Cambria Math" panose="02040503050406030204" pitchFamily="18" charset="0"/>
                             </a:rPr>
                           </m:ctrlPr>
                         </m:dPr>
@@ -6624,7 +6619,7 @@
                                   <a:solidFill>
                                     <a:srgbClr val="FF0000"/>
                                   </a:solidFill>
-                                  <a:latin typeface="Cambria Math"/>
+                                  <a:latin typeface="Cambria Math" panose="02040503050406030204" pitchFamily="18" charset="0"/>
                                 </a:rPr>
                               </m:ctrlPr>
                             </m:mPr>
@@ -6748,7 +6743,7 @@
                               <a:solidFill>
                                 <a:srgbClr val="00B0F0"/>
                               </a:solidFill>
-                              <a:latin typeface="Cambria Math"/>
+                              <a:latin typeface="Cambria Math" panose="02040503050406030204" pitchFamily="18" charset="0"/>
                             </a:rPr>
                           </m:ctrlPr>
                         </m:dPr>
@@ -6768,7 +6763,7 @@
                                   <a:solidFill>
                                     <a:srgbClr val="00B0F0"/>
                                   </a:solidFill>
-                                  <a:latin typeface="Cambria Math"/>
+                                  <a:latin typeface="Cambria Math" panose="02040503050406030204" pitchFamily="18" charset="0"/>
                                 </a:rPr>
                               </m:ctrlPr>
                             </m:mPr>
@@ -6892,7 +6887,7 @@
                               <a:solidFill>
                                 <a:srgbClr val="00B050"/>
                               </a:solidFill>
-                              <a:latin typeface="Cambria Math"/>
+                              <a:latin typeface="Cambria Math" panose="02040503050406030204" pitchFamily="18" charset="0"/>
                             </a:rPr>
                           </m:ctrlPr>
                         </m:dPr>
@@ -6912,7 +6907,7 @@
                                   <a:solidFill>
                                     <a:srgbClr val="00B050"/>
                                   </a:solidFill>
-                                  <a:latin typeface="Cambria Math"/>
+                                  <a:latin typeface="Cambria Math" panose="02040503050406030204" pitchFamily="18" charset="0"/>
                                 </a:rPr>
                               </m:ctrlPr>
                             </m:mPr>
@@ -7036,7 +7031,7 @@
                               <a:solidFill>
                                 <a:schemeClr val="tx1"/>
                               </a:solidFill>
-                              <a:latin typeface="Cambria Math"/>
+                              <a:latin typeface="Cambria Math" panose="02040503050406030204" pitchFamily="18" charset="0"/>
                             </a:rPr>
                           </m:ctrlPr>
                         </m:dPr>
@@ -7056,7 +7051,7 @@
                                   <a:solidFill>
                                     <a:schemeClr val="tx1"/>
                                   </a:solidFill>
-                                  <a:latin typeface="Cambria Math"/>
+                                  <a:latin typeface="Cambria Math" panose="02040503050406030204" pitchFamily="18" charset="0"/>
                                 </a:rPr>
                               </m:ctrlPr>
                             </m:mPr>
@@ -7183,7 +7178,7 @@
                           <m:endChr m:val="]"/>
                           <m:ctrlPr>
                             <a:rPr lang="en-US" altLang="ko-KR" i="1">
-                              <a:latin typeface="Cambria Math"/>
+                              <a:latin typeface="Cambria Math" panose="02040503050406030204" pitchFamily="18" charset="0"/>
                             </a:rPr>
                           </m:ctrlPr>
                         </m:dPr>
@@ -7200,7 +7195,7 @@
                               </m:mcs>
                               <m:ctrlPr>
                                 <a:rPr lang="en-US" altLang="ko-KR" i="1">
-                                  <a:latin typeface="Cambria Math"/>
+                                  <a:latin typeface="Cambria Math" panose="02040503050406030204" pitchFamily="18" charset="0"/>
                                 </a:rPr>
                               </m:ctrlPr>
                             </m:mPr>
@@ -7302,7 +7297,7 @@
             </p:txBody>
           </p:sp>
         </mc:Choice>
-        <mc:Fallback>
+        <mc:Fallback xmlns="">
           <p:sp>
             <p:nvSpPr>
               <p:cNvPr id="4" name="TextBox 3"/>
@@ -7341,8 +7336,8 @@
           </p:sp>
         </mc:Fallback>
       </mc:AlternateContent>
-      <mc:AlternateContent xmlns:mc="http://schemas.openxmlformats.org/markup-compatibility/2006">
-        <mc:Choice xmlns:a14="http://schemas.microsoft.com/office/drawing/2010/main" Requires="a14">
+      <mc:AlternateContent xmlns:mc="http://schemas.openxmlformats.org/markup-compatibility/2006" xmlns:a14="http://schemas.microsoft.com/office/drawing/2010/main">
+        <mc:Choice Requires="a14">
           <p:sp>
             <p:nvSpPr>
               <p:cNvPr id="5" name="TextBox 4"/>
@@ -7393,7 +7388,7 @@
             </p:txBody>
           </p:sp>
         </mc:Choice>
-        <mc:Fallback>
+        <mc:Fallback xmlns="">
           <p:sp>
             <p:nvSpPr>
               <p:cNvPr id="5" name="TextBox 4"/>
@@ -7432,8 +7427,8 @@
           </p:sp>
         </mc:Fallback>
       </mc:AlternateContent>
-      <mc:AlternateContent xmlns:mc="http://schemas.openxmlformats.org/markup-compatibility/2006">
-        <mc:Choice xmlns:a14="http://schemas.microsoft.com/office/drawing/2010/main" Requires="a14">
+      <mc:AlternateContent xmlns:mc="http://schemas.openxmlformats.org/markup-compatibility/2006" xmlns:a14="http://schemas.microsoft.com/office/drawing/2010/main">
+        <mc:Choice Requires="a14">
           <p:sp>
             <p:nvSpPr>
               <p:cNvPr id="6" name="TextBox 5"/>
@@ -7470,7 +7465,7 @@
                               <a:solidFill>
                                 <a:srgbClr val="00B050"/>
                               </a:solidFill>
-                              <a:latin typeface="Cambria Math"/>
+                              <a:latin typeface="Cambria Math" panose="02040503050406030204" pitchFamily="18" charset="0"/>
                             </a:rPr>
                           </m:ctrlPr>
                         </m:sSubPr>
@@ -7513,7 +7508,7 @@
                               <a:solidFill>
                                 <a:srgbClr val="00B050"/>
                               </a:solidFill>
-                              <a:latin typeface="Cambria Math"/>
+                              <a:latin typeface="Cambria Math" panose="02040503050406030204" pitchFamily="18" charset="0"/>
                             </a:rPr>
                           </m:ctrlPr>
                         </m:dPr>
@@ -7525,7 +7520,7 @@
                                   <a:solidFill>
                                     <a:srgbClr val="00B050"/>
                                   </a:solidFill>
-                                  <a:latin typeface="Cambria Math"/>
+                                  <a:latin typeface="Cambria Math" panose="02040503050406030204" pitchFamily="18" charset="0"/>
                                 </a:rPr>
                               </m:ctrlPr>
                             </m:sSubPr>
@@ -7568,7 +7563,7 @@
                                   <a:solidFill>
                                     <a:srgbClr val="00B050"/>
                                   </a:solidFill>
-                                  <a:latin typeface="Cambria Math"/>
+                                  <a:latin typeface="Cambria Math" panose="02040503050406030204" pitchFamily="18" charset="0"/>
                                 </a:rPr>
                               </m:ctrlPr>
                             </m:sSubPr>
@@ -7609,7 +7604,7 @@
             </p:txBody>
           </p:sp>
         </mc:Choice>
-        <mc:Fallback>
+        <mc:Fallback xmlns="">
           <p:sp>
             <p:nvSpPr>
               <p:cNvPr id="6" name="TextBox 5"/>
@@ -7648,8 +7643,8 @@
           </p:sp>
         </mc:Fallback>
       </mc:AlternateContent>
-      <mc:AlternateContent xmlns:mc="http://schemas.openxmlformats.org/markup-compatibility/2006">
-        <mc:Choice xmlns:a14="http://schemas.microsoft.com/office/drawing/2010/main" Requires="a14">
+      <mc:AlternateContent xmlns:mc="http://schemas.openxmlformats.org/markup-compatibility/2006" xmlns:a14="http://schemas.microsoft.com/office/drawing/2010/main">
+        <mc:Choice Requires="a14">
           <p:sp>
             <p:nvSpPr>
               <p:cNvPr id="7" name="TextBox 6"/>
@@ -7686,7 +7681,7 @@
                               <a:solidFill>
                                 <a:srgbClr val="00B0F0"/>
                               </a:solidFill>
-                              <a:latin typeface="Cambria Math"/>
+                              <a:latin typeface="Cambria Math" panose="02040503050406030204" pitchFamily="18" charset="0"/>
                             </a:rPr>
                           </m:ctrlPr>
                         </m:sSubPr>
@@ -7729,7 +7724,7 @@
                               <a:solidFill>
                                 <a:srgbClr val="00B0F0"/>
                               </a:solidFill>
-                              <a:latin typeface="Cambria Math"/>
+                              <a:latin typeface="Cambria Math" panose="02040503050406030204" pitchFamily="18" charset="0"/>
                             </a:rPr>
                           </m:ctrlPr>
                         </m:sSubPr>
@@ -7772,7 +7767,7 @@
                               <a:solidFill>
                                 <a:srgbClr val="00B0F0"/>
                               </a:solidFill>
-                              <a:latin typeface="Cambria Math"/>
+                              <a:latin typeface="Cambria Math" panose="02040503050406030204" pitchFamily="18" charset="0"/>
                             </a:rPr>
                           </m:ctrlPr>
                         </m:sSubPr>
@@ -7820,7 +7815,7 @@
             </p:txBody>
           </p:sp>
         </mc:Choice>
-        <mc:Fallback>
+        <mc:Fallback xmlns="">
           <p:sp>
             <p:nvSpPr>
               <p:cNvPr id="7" name="TextBox 6"/>
@@ -7859,8 +7854,8 @@
           </p:sp>
         </mc:Fallback>
       </mc:AlternateContent>
-      <mc:AlternateContent xmlns:mc="http://schemas.openxmlformats.org/markup-compatibility/2006">
-        <mc:Choice xmlns:a14="http://schemas.microsoft.com/office/drawing/2010/main" Requires="a14">
+      <mc:AlternateContent xmlns:mc="http://schemas.openxmlformats.org/markup-compatibility/2006" xmlns:a14="http://schemas.microsoft.com/office/drawing/2010/main">
+        <mc:Choice Requires="a14">
           <p:sp>
             <p:nvSpPr>
               <p:cNvPr id="8" name="TextBox 7"/>
@@ -7897,7 +7892,7 @@
                               <a:solidFill>
                                 <a:srgbClr val="FF0000"/>
                               </a:solidFill>
-                              <a:latin typeface="Cambria Math"/>
+                              <a:latin typeface="Cambria Math" panose="02040503050406030204" pitchFamily="18" charset="0"/>
                             </a:rPr>
                           </m:ctrlPr>
                         </m:sSubPr>
@@ -7940,7 +7935,7 @@
                               <a:solidFill>
                                 <a:srgbClr val="FF0000"/>
                               </a:solidFill>
-                              <a:latin typeface="Cambria Math"/>
+                              <a:latin typeface="Cambria Math" panose="02040503050406030204" pitchFamily="18" charset="0"/>
                             </a:rPr>
                           </m:ctrlPr>
                         </m:sSubPr>
@@ -7983,7 +7978,7 @@
                               <a:solidFill>
                                 <a:srgbClr val="FF0000"/>
                               </a:solidFill>
-                              <a:latin typeface="Cambria Math"/>
+                              <a:latin typeface="Cambria Math" panose="02040503050406030204" pitchFamily="18" charset="0"/>
                             </a:rPr>
                           </m:ctrlPr>
                         </m:sSubPr>
@@ -8031,7 +8026,7 @@
             </p:txBody>
           </p:sp>
         </mc:Choice>
-        <mc:Fallback>
+        <mc:Fallback xmlns="">
           <p:sp>
             <p:nvSpPr>
               <p:cNvPr id="8" name="TextBox 7"/>
@@ -8070,8 +8065,8 @@
           </p:sp>
         </mc:Fallback>
       </mc:AlternateContent>
-      <mc:AlternateContent xmlns:mc="http://schemas.openxmlformats.org/markup-compatibility/2006">
-        <mc:Choice xmlns:a14="http://schemas.microsoft.com/office/drawing/2010/main" Requires="a14">
+      <mc:AlternateContent xmlns:mc="http://schemas.openxmlformats.org/markup-compatibility/2006" xmlns:a14="http://schemas.microsoft.com/office/drawing/2010/main">
+        <mc:Choice Requires="a14">
           <p:sp>
             <p:nvSpPr>
               <p:cNvPr id="9" name="TextBox 8"/>
@@ -8110,7 +8105,7 @@
                               <a:solidFill>
                                 <a:schemeClr val="tx1"/>
                               </a:solidFill>
-                              <a:latin typeface="Cambria Math"/>
+                              <a:latin typeface="Cambria Math" panose="02040503050406030204" pitchFamily="18" charset="0"/>
                             </a:rPr>
                           </m:ctrlPr>
                         </m:dPr>
@@ -8130,7 +8125,7 @@
                                   <a:solidFill>
                                     <a:schemeClr val="tx1"/>
                                   </a:solidFill>
-                                  <a:latin typeface="Cambria Math"/>
+                                  <a:latin typeface="Cambria Math" panose="02040503050406030204" pitchFamily="18" charset="0"/>
                                 </a:rPr>
                               </m:ctrlPr>
                             </m:mPr>
@@ -8258,7 +8253,7 @@
                               <a:solidFill>
                                 <a:srgbClr val="00B050"/>
                               </a:solidFill>
-                              <a:latin typeface="Cambria Math"/>
+                              <a:latin typeface="Cambria Math" panose="02040503050406030204" pitchFamily="18" charset="0"/>
                             </a:rPr>
                           </m:ctrlPr>
                         </m:sSupPr>
@@ -8272,7 +8267,7 @@
                                   <a:solidFill>
                                     <a:srgbClr val="00B050"/>
                                   </a:solidFill>
-                                  <a:latin typeface="Cambria Math"/>
+                                  <a:latin typeface="Cambria Math" panose="02040503050406030204" pitchFamily="18" charset="0"/>
                                 </a:rPr>
                               </m:ctrlPr>
                             </m:dPr>
@@ -8292,7 +8287,7 @@
                                       <a:solidFill>
                                         <a:srgbClr val="00B050"/>
                                       </a:solidFill>
-                                      <a:latin typeface="Cambria Math"/>
+                                      <a:latin typeface="Cambria Math" panose="02040503050406030204" pitchFamily="18" charset="0"/>
                                     </a:rPr>
                                   </m:ctrlPr>
                                 </m:mPr>
@@ -8427,7 +8422,7 @@
                               <a:solidFill>
                                 <a:srgbClr val="00B0F0"/>
                               </a:solidFill>
-                              <a:latin typeface="Cambria Math"/>
+                              <a:latin typeface="Cambria Math" panose="02040503050406030204" pitchFamily="18" charset="0"/>
                             </a:rPr>
                           </m:ctrlPr>
                         </m:sSupPr>
@@ -8441,7 +8436,7 @@
                                   <a:solidFill>
                                     <a:srgbClr val="00B0F0"/>
                                   </a:solidFill>
-                                  <a:latin typeface="Cambria Math"/>
+                                  <a:latin typeface="Cambria Math" panose="02040503050406030204" pitchFamily="18" charset="0"/>
                                 </a:rPr>
                               </m:ctrlPr>
                             </m:dPr>
@@ -8461,7 +8456,7 @@
                                       <a:solidFill>
                                         <a:srgbClr val="00B0F0"/>
                                       </a:solidFill>
-                                      <a:latin typeface="Cambria Math"/>
+                                      <a:latin typeface="Cambria Math" panose="02040503050406030204" pitchFamily="18" charset="0"/>
                                     </a:rPr>
                                   </m:ctrlPr>
                                 </m:mPr>
@@ -8596,7 +8591,7 @@
                               <a:solidFill>
                                 <a:srgbClr val="FF0000"/>
                               </a:solidFill>
-                              <a:latin typeface="Cambria Math"/>
+                              <a:latin typeface="Cambria Math" panose="02040503050406030204" pitchFamily="18" charset="0"/>
                             </a:rPr>
                           </m:ctrlPr>
                         </m:sSupPr>
@@ -8610,7 +8605,7 @@
                                   <a:solidFill>
                                     <a:srgbClr val="FF0000"/>
                                   </a:solidFill>
-                                  <a:latin typeface="Cambria Math"/>
+                                  <a:latin typeface="Cambria Math" panose="02040503050406030204" pitchFamily="18" charset="0"/>
                                 </a:rPr>
                               </m:ctrlPr>
                             </m:dPr>
@@ -8630,7 +8625,7 @@
                                       <a:solidFill>
                                         <a:srgbClr val="FF0000"/>
                                       </a:solidFill>
-                                      <a:latin typeface="Cambria Math"/>
+                                      <a:latin typeface="Cambria Math" panose="02040503050406030204" pitchFamily="18" charset="0"/>
                                     </a:rPr>
                                   </m:ctrlPr>
                                 </m:mPr>
@@ -8764,7 +8759,7 @@
                           <m:endChr m:val="]"/>
                           <m:ctrlPr>
                             <a:rPr lang="en-US" altLang="ko-KR" i="1">
-                              <a:latin typeface="Cambria Math"/>
+                              <a:latin typeface="Cambria Math" panose="02040503050406030204" pitchFamily="18" charset="0"/>
                             </a:rPr>
                           </m:ctrlPr>
                         </m:dPr>
@@ -8781,7 +8776,7 @@
                               </m:mcs>
                               <m:ctrlPr>
                                 <a:rPr lang="en-US" altLang="ko-KR" i="1">
-                                  <a:latin typeface="Cambria Math"/>
+                                  <a:latin typeface="Cambria Math" panose="02040503050406030204" pitchFamily="18" charset="0"/>
                                 </a:rPr>
                               </m:ctrlPr>
                             </m:mPr>
@@ -8883,7 +8878,7 @@
             </p:txBody>
           </p:sp>
         </mc:Choice>
-        <mc:Fallback>
+        <mc:Fallback xmlns="">
           <p:sp>
             <p:nvSpPr>
               <p:cNvPr id="9" name="TextBox 8"/>
@@ -8922,8 +8917,8 @@
           </p:sp>
         </mc:Fallback>
       </mc:AlternateContent>
-      <mc:AlternateContent xmlns:mc="http://schemas.openxmlformats.org/markup-compatibility/2006">
-        <mc:Choice xmlns:a14="http://schemas.microsoft.com/office/drawing/2010/main" Requires="a14">
+      <mc:AlternateContent xmlns:mc="http://schemas.openxmlformats.org/markup-compatibility/2006" xmlns:a14="http://schemas.microsoft.com/office/drawing/2010/main">
+        <mc:Choice Requires="a14">
           <p:sp>
             <p:nvSpPr>
               <p:cNvPr id="11" name="TextBox 10"/>
@@ -8974,7 +8969,7 @@
             </p:txBody>
           </p:sp>
         </mc:Choice>
-        <mc:Fallback>
+        <mc:Fallback xmlns="">
           <p:sp>
             <p:nvSpPr>
               <p:cNvPr id="11" name="TextBox 10"/>
@@ -9080,13 +9075,13 @@
           <a:p>
             <a:pPr algn="ctr"/>
             <a:r>
-              <a:rPr lang="ko-KR" altLang="en-US" dirty="0" smtClean="0">
+              <a:rPr lang="ko-KR" altLang="en-US" dirty="0">
                 <a:latin typeface="나눔고딕" pitchFamily="50" charset="-127"/>
                 <a:ea typeface="나눔고딕" pitchFamily="50" charset="-127"/>
               </a:rPr>
               <a:t>기본 행렬의</a:t>
             </a:r>
-            <a:endParaRPr lang="en-US" altLang="ko-KR" dirty="0" smtClean="0">
+            <a:endParaRPr lang="en-US" altLang="ko-KR" dirty="0">
               <a:latin typeface="나눔고딕" pitchFamily="50" charset="-127"/>
               <a:ea typeface="나눔고딕" pitchFamily="50" charset="-127"/>
             </a:endParaRPr>
@@ -9094,16 +9089,12 @@
           <a:p>
             <a:pPr algn="ctr"/>
             <a:r>
-              <a:rPr lang="ko-KR" altLang="en-US" dirty="0" smtClean="0">
+              <a:rPr lang="ko-KR" altLang="en-US" dirty="0">
                 <a:latin typeface="나눔고딕" pitchFamily="50" charset="-127"/>
                 <a:ea typeface="나눔고딕" pitchFamily="50" charset="-127"/>
               </a:rPr>
               <a:t>역행렬 곱해주기</a:t>
             </a:r>
-            <a:endParaRPr lang="ko-KR" altLang="en-US" dirty="0">
-              <a:latin typeface="나눔고딕" pitchFamily="50" charset="-127"/>
-              <a:ea typeface="나눔고딕" pitchFamily="50" charset="-127"/>
-            </a:endParaRPr>
           </a:p>
         </p:txBody>
       </p:sp>
@@ -9137,8 +9128,1514 @@
           <a:chExt cx="0" cy="0"/>
         </a:xfrm>
       </p:grpSpPr>
-      <mc:AlternateContent xmlns:mc="http://schemas.openxmlformats.org/markup-compatibility/2006">
-        <mc:Choice xmlns:a14="http://schemas.microsoft.com/office/drawing/2010/main" Requires="a14">
+      <mc:AlternateContent xmlns:mc="http://schemas.openxmlformats.org/markup-compatibility/2006" xmlns:a14="http://schemas.microsoft.com/office/drawing/2010/main">
+        <mc:Choice Requires="a14">
+          <p:sp>
+            <p:nvSpPr>
+              <p:cNvPr id="4" name="TextBox 3"/>
+              <p:cNvSpPr txBox="1"/>
+              <p:nvPr/>
+            </p:nvSpPr>
+            <p:spPr>
+              <a:xfrm>
+                <a:off x="1179565" y="1383599"/>
+                <a:ext cx="6784870" cy="824906"/>
+              </a:xfrm>
+              <a:prstGeom prst="rect">
+                <a:avLst/>
+              </a:prstGeom>
+              <a:noFill/>
+            </p:spPr>
+            <p:txBody>
+              <a:bodyPr wrap="none" rtlCol="0">
+                <a:spAutoFit/>
+              </a:bodyPr>
+              <a:lstStyle/>
+              <a:p>
+                <a:pPr/>
+                <a14:m>
+                  <m:oMathPara xmlns:m="http://schemas.openxmlformats.org/officeDocument/2006/math">
+                    <m:oMathParaPr>
+                      <m:jc m:val="centerGroup"/>
+                    </m:oMathParaPr>
+                    <m:oMath xmlns:m="http://schemas.openxmlformats.org/officeDocument/2006/math">
+                      <m:d>
+                        <m:dPr>
+                          <m:begChr m:val="["/>
+                          <m:endChr m:val="]"/>
+                          <m:ctrlPr>
+                            <a:rPr lang="en-US" altLang="ko-KR" i="1" smtClean="0">
+                              <a:solidFill>
+                                <a:srgbClr val="FF0000"/>
+                              </a:solidFill>
+                              <a:latin typeface="Cambria Math" panose="02040503050406030204" pitchFamily="18" charset="0"/>
+                            </a:rPr>
+                          </m:ctrlPr>
+                        </m:dPr>
+                        <m:e>
+                          <m:m>
+                            <m:mPr>
+                              <m:mcs>
+                                <m:mc>
+                                  <m:mcPr>
+                                    <m:count m:val="3"/>
+                                    <m:mcJc m:val="center"/>
+                                  </m:mcPr>
+                                </m:mc>
+                              </m:mcs>
+                              <m:ctrlPr>
+                                <a:rPr lang="en-US" altLang="ko-KR" i="1" smtClean="0">
+                                  <a:solidFill>
+                                    <a:srgbClr val="FF0000"/>
+                                  </a:solidFill>
+                                  <a:latin typeface="Cambria Math" panose="02040503050406030204" pitchFamily="18" charset="0"/>
+                                </a:rPr>
+                              </m:ctrlPr>
+                            </m:mPr>
+                            <m:mr>
+                              <m:e>
+                                <m:r>
+                                  <m:rPr>
+                                    <m:brk m:alnAt="7"/>
+                                  </m:rPr>
+                                  <a:rPr lang="en-US" altLang="ko-KR" b="0" i="1" smtClean="0">
+                                    <a:solidFill>
+                                      <a:srgbClr val="FF0000"/>
+                                    </a:solidFill>
+                                    <a:latin typeface="Cambria Math"/>
+                                  </a:rPr>
+                                  <m:t>1</m:t>
+                                </m:r>
+                              </m:e>
+                              <m:e>
+                                <m:r>
+                                  <a:rPr lang="en-US" altLang="ko-KR" b="0" i="1" smtClean="0">
+                                    <a:solidFill>
+                                      <a:srgbClr val="FF0000"/>
+                                    </a:solidFill>
+                                    <a:latin typeface="Cambria Math"/>
+                                  </a:rPr>
+                                  <m:t>0</m:t>
+                                </m:r>
+                              </m:e>
+                              <m:e>
+                                <m:r>
+                                  <a:rPr lang="en-US" altLang="ko-KR" b="0" i="1" smtClean="0">
+                                    <a:solidFill>
+                                      <a:srgbClr val="FF0000"/>
+                                    </a:solidFill>
+                                    <a:latin typeface="Cambria Math"/>
+                                  </a:rPr>
+                                  <m:t>0</m:t>
+                                </m:r>
+                              </m:e>
+                            </m:mr>
+                            <m:mr>
+                              <m:e>
+                                <m:r>
+                                  <a:rPr lang="en-US" altLang="ko-KR" b="0" i="1" smtClean="0">
+                                    <a:solidFill>
+                                      <a:srgbClr val="FF0000"/>
+                                    </a:solidFill>
+                                    <a:latin typeface="Cambria Math"/>
+                                  </a:rPr>
+                                  <m:t>0</m:t>
+                                </m:r>
+                              </m:e>
+                              <m:e>
+                                <m:r>
+                                  <a:rPr lang="en-US" altLang="ko-KR" b="0" i="1" smtClean="0">
+                                    <a:solidFill>
+                                      <a:srgbClr val="FF0000"/>
+                                    </a:solidFill>
+                                    <a:latin typeface="Cambria Math"/>
+                                  </a:rPr>
+                                  <m:t>1</m:t>
+                                </m:r>
+                              </m:e>
+                              <m:e>
+                                <m:r>
+                                  <a:rPr lang="en-US" altLang="ko-KR" b="0" i="1" smtClean="0">
+                                    <a:solidFill>
+                                      <a:srgbClr val="FF0000"/>
+                                    </a:solidFill>
+                                    <a:latin typeface="Cambria Math"/>
+                                  </a:rPr>
+                                  <m:t>0</m:t>
+                                </m:r>
+                              </m:e>
+                            </m:mr>
+                            <m:mr>
+                              <m:e>
+                                <m:r>
+                                  <a:rPr lang="en-US" altLang="ko-KR" b="0" i="1" smtClean="0">
+                                    <a:solidFill>
+                                      <a:srgbClr val="FF0000"/>
+                                    </a:solidFill>
+                                    <a:latin typeface="Cambria Math"/>
+                                  </a:rPr>
+                                  <m:t>0</m:t>
+                                </m:r>
+                              </m:e>
+                              <m:e>
+                                <m:r>
+                                  <a:rPr lang="en-US" altLang="ko-KR" b="0" i="1" smtClean="0">
+                                    <a:solidFill>
+                                      <a:srgbClr val="FF0000"/>
+                                    </a:solidFill>
+                                    <a:latin typeface="Cambria Math"/>
+                                  </a:rPr>
+                                  <m:t>−1</m:t>
+                                </m:r>
+                              </m:e>
+                              <m:e>
+                                <m:r>
+                                  <a:rPr lang="en-US" altLang="ko-KR" b="0" i="1" smtClean="0">
+                                    <a:solidFill>
+                                      <a:srgbClr val="FF0000"/>
+                                    </a:solidFill>
+                                    <a:latin typeface="Cambria Math"/>
+                                  </a:rPr>
+                                  <m:t>1</m:t>
+                                </m:r>
+                              </m:e>
+                            </m:mr>
+                          </m:m>
+                        </m:e>
+                      </m:d>
+                      <m:d>
+                        <m:dPr>
+                          <m:begChr m:val="["/>
+                          <m:endChr m:val="]"/>
+                          <m:ctrlPr>
+                            <a:rPr lang="en-US" altLang="ko-KR" i="1" smtClean="0">
+                              <a:solidFill>
+                                <a:srgbClr val="00B0F0"/>
+                              </a:solidFill>
+                              <a:latin typeface="Cambria Math" panose="02040503050406030204" pitchFamily="18" charset="0"/>
+                            </a:rPr>
+                          </m:ctrlPr>
+                        </m:dPr>
+                        <m:e>
+                          <m:m>
+                            <m:mPr>
+                              <m:mcs>
+                                <m:mc>
+                                  <m:mcPr>
+                                    <m:count m:val="3"/>
+                                    <m:mcJc m:val="center"/>
+                                  </m:mcPr>
+                                </m:mc>
+                              </m:mcs>
+                              <m:ctrlPr>
+                                <a:rPr lang="en-US" altLang="ko-KR" i="1">
+                                  <a:solidFill>
+                                    <a:srgbClr val="00B0F0"/>
+                                  </a:solidFill>
+                                  <a:latin typeface="Cambria Math" panose="02040503050406030204" pitchFamily="18" charset="0"/>
+                                </a:rPr>
+                              </m:ctrlPr>
+                            </m:mPr>
+                            <m:mr>
+                              <m:e>
+                                <m:r>
+                                  <m:rPr>
+                                    <m:brk m:alnAt="7"/>
+                                  </m:rPr>
+                                  <a:rPr lang="en-US" altLang="ko-KR" b="0" i="1" smtClean="0">
+                                    <a:solidFill>
+                                      <a:srgbClr val="00B0F0"/>
+                                    </a:solidFill>
+                                    <a:latin typeface="Cambria Math"/>
+                                  </a:rPr>
+                                  <m:t>1</m:t>
+                                </m:r>
+                              </m:e>
+                              <m:e>
+                                <m:r>
+                                  <a:rPr lang="en-US" altLang="ko-KR" b="0" i="1" smtClean="0">
+                                    <a:solidFill>
+                                      <a:srgbClr val="00B0F0"/>
+                                    </a:solidFill>
+                                    <a:latin typeface="Cambria Math"/>
+                                  </a:rPr>
+                                  <m:t>0</m:t>
+                                </m:r>
+                              </m:e>
+                              <m:e>
+                                <m:r>
+                                  <a:rPr lang="en-US" altLang="ko-KR" b="0" i="1" smtClean="0">
+                                    <a:solidFill>
+                                      <a:srgbClr val="00B0F0"/>
+                                    </a:solidFill>
+                                    <a:latin typeface="Cambria Math"/>
+                                  </a:rPr>
+                                  <m:t>0</m:t>
+                                </m:r>
+                              </m:e>
+                            </m:mr>
+                            <m:mr>
+                              <m:e>
+                                <m:r>
+                                  <a:rPr lang="en-US" altLang="ko-KR" b="0" i="1" smtClean="0">
+                                    <a:solidFill>
+                                      <a:srgbClr val="00B0F0"/>
+                                    </a:solidFill>
+                                    <a:latin typeface="Cambria Math"/>
+                                  </a:rPr>
+                                  <m:t>0</m:t>
+                                </m:r>
+                              </m:e>
+                              <m:e>
+                                <m:r>
+                                  <a:rPr lang="en-US" altLang="ko-KR" b="0" i="1" smtClean="0">
+                                    <a:solidFill>
+                                      <a:srgbClr val="00B0F0"/>
+                                    </a:solidFill>
+                                    <a:latin typeface="Cambria Math"/>
+                                  </a:rPr>
+                                  <m:t>1</m:t>
+                                </m:r>
+                              </m:e>
+                              <m:e>
+                                <m:r>
+                                  <a:rPr lang="en-US" altLang="ko-KR" b="0" i="1" smtClean="0">
+                                    <a:solidFill>
+                                      <a:srgbClr val="00B0F0"/>
+                                    </a:solidFill>
+                                    <a:latin typeface="Cambria Math"/>
+                                  </a:rPr>
+                                  <m:t>0</m:t>
+                                </m:r>
+                              </m:e>
+                            </m:mr>
+                            <m:mr>
+                              <m:e>
+                                <m:r>
+                                  <a:rPr lang="en-US" altLang="ko-KR" b="0" i="1" smtClean="0">
+                                    <a:solidFill>
+                                      <a:srgbClr val="00B0F0"/>
+                                    </a:solidFill>
+                                    <a:latin typeface="Cambria Math"/>
+                                  </a:rPr>
+                                  <m:t>−2</m:t>
+                                </m:r>
+                              </m:e>
+                              <m:e>
+                                <m:r>
+                                  <a:rPr lang="en-US" altLang="ko-KR" b="0" i="1" smtClean="0">
+                                    <a:solidFill>
+                                      <a:srgbClr val="00B0F0"/>
+                                    </a:solidFill>
+                                    <a:latin typeface="Cambria Math"/>
+                                  </a:rPr>
+                                  <m:t>0</m:t>
+                                </m:r>
+                              </m:e>
+                              <m:e>
+                                <m:r>
+                                  <a:rPr lang="en-US" altLang="ko-KR" b="0" i="1" smtClean="0">
+                                    <a:solidFill>
+                                      <a:srgbClr val="00B0F0"/>
+                                    </a:solidFill>
+                                    <a:latin typeface="Cambria Math"/>
+                                  </a:rPr>
+                                  <m:t>1</m:t>
+                                </m:r>
+                              </m:e>
+                            </m:mr>
+                          </m:m>
+                        </m:e>
+                      </m:d>
+                      <m:d>
+                        <m:dPr>
+                          <m:begChr m:val="["/>
+                          <m:endChr m:val="]"/>
+                          <m:ctrlPr>
+                            <a:rPr lang="en-US" altLang="ko-KR" i="1" smtClean="0">
+                              <a:solidFill>
+                                <a:srgbClr val="00B050"/>
+                              </a:solidFill>
+                              <a:latin typeface="Cambria Math" panose="02040503050406030204" pitchFamily="18" charset="0"/>
+                            </a:rPr>
+                          </m:ctrlPr>
+                        </m:dPr>
+                        <m:e>
+                          <m:m>
+                            <m:mPr>
+                              <m:mcs>
+                                <m:mc>
+                                  <m:mcPr>
+                                    <m:count m:val="3"/>
+                                    <m:mcJc m:val="center"/>
+                                  </m:mcPr>
+                                </m:mc>
+                              </m:mcs>
+                              <m:ctrlPr>
+                                <a:rPr lang="en-US" altLang="ko-KR" i="1">
+                                  <a:solidFill>
+                                    <a:srgbClr val="00B050"/>
+                                  </a:solidFill>
+                                  <a:latin typeface="Cambria Math" panose="02040503050406030204" pitchFamily="18" charset="0"/>
+                                </a:rPr>
+                              </m:ctrlPr>
+                            </m:mPr>
+                            <m:mr>
+                              <m:e>
+                                <m:r>
+                                  <m:rPr>
+                                    <m:brk m:alnAt="7"/>
+                                  </m:rPr>
+                                  <a:rPr lang="en-US" altLang="ko-KR" b="0" i="1" smtClean="0">
+                                    <a:solidFill>
+                                      <a:srgbClr val="00B050"/>
+                                    </a:solidFill>
+                                    <a:latin typeface="Cambria Math"/>
+                                  </a:rPr>
+                                  <m:t>1</m:t>
+                                </m:r>
+                              </m:e>
+                              <m:e>
+                                <m:r>
+                                  <a:rPr lang="en-US" altLang="ko-KR" b="0" i="1" smtClean="0">
+                                    <a:solidFill>
+                                      <a:srgbClr val="00B050"/>
+                                    </a:solidFill>
+                                    <a:latin typeface="Cambria Math"/>
+                                  </a:rPr>
+                                  <m:t>0</m:t>
+                                </m:r>
+                              </m:e>
+                              <m:e>
+                                <m:r>
+                                  <a:rPr lang="en-US" altLang="ko-KR" b="0" i="1" smtClean="0">
+                                    <a:solidFill>
+                                      <a:srgbClr val="00B050"/>
+                                    </a:solidFill>
+                                    <a:latin typeface="Cambria Math"/>
+                                  </a:rPr>
+                                  <m:t>0</m:t>
+                                </m:r>
+                              </m:e>
+                            </m:mr>
+                            <m:mr>
+                              <m:e>
+                                <m:r>
+                                  <a:rPr lang="en-US" altLang="ko-KR" b="0" i="1" smtClean="0">
+                                    <a:solidFill>
+                                      <a:srgbClr val="00B050"/>
+                                    </a:solidFill>
+                                    <a:latin typeface="Cambria Math"/>
+                                  </a:rPr>
+                                  <m:t>−2</m:t>
+                                </m:r>
+                              </m:e>
+                              <m:e>
+                                <m:r>
+                                  <a:rPr lang="en-US" altLang="ko-KR" b="0" i="1" smtClean="0">
+                                    <a:solidFill>
+                                      <a:srgbClr val="00B050"/>
+                                    </a:solidFill>
+                                    <a:latin typeface="Cambria Math"/>
+                                  </a:rPr>
+                                  <m:t>1</m:t>
+                                </m:r>
+                              </m:e>
+                              <m:e>
+                                <m:r>
+                                  <a:rPr lang="en-US" altLang="ko-KR" b="0" i="1" smtClean="0">
+                                    <a:solidFill>
+                                      <a:srgbClr val="00B050"/>
+                                    </a:solidFill>
+                                    <a:latin typeface="Cambria Math"/>
+                                  </a:rPr>
+                                  <m:t>0</m:t>
+                                </m:r>
+                              </m:e>
+                            </m:mr>
+                            <m:mr>
+                              <m:e>
+                                <m:r>
+                                  <a:rPr lang="en-US" altLang="ko-KR" b="0" i="1" smtClean="0">
+                                    <a:solidFill>
+                                      <a:srgbClr val="00B050"/>
+                                    </a:solidFill>
+                                    <a:latin typeface="Cambria Math"/>
+                                  </a:rPr>
+                                  <m:t>0</m:t>
+                                </m:r>
+                              </m:e>
+                              <m:e>
+                                <m:r>
+                                  <a:rPr lang="en-US" altLang="ko-KR" b="0" i="1" smtClean="0">
+                                    <a:solidFill>
+                                      <a:srgbClr val="00B050"/>
+                                    </a:solidFill>
+                                    <a:latin typeface="Cambria Math"/>
+                                  </a:rPr>
+                                  <m:t>0</m:t>
+                                </m:r>
+                              </m:e>
+                              <m:e>
+                                <m:r>
+                                  <a:rPr lang="en-US" altLang="ko-KR" b="0" i="1" smtClean="0">
+                                    <a:solidFill>
+                                      <a:srgbClr val="00B050"/>
+                                    </a:solidFill>
+                                    <a:latin typeface="Cambria Math"/>
+                                  </a:rPr>
+                                  <m:t>1</m:t>
+                                </m:r>
+                              </m:e>
+                            </m:mr>
+                          </m:m>
+                        </m:e>
+                      </m:d>
+                      <m:d>
+                        <m:dPr>
+                          <m:begChr m:val="["/>
+                          <m:endChr m:val="]"/>
+                          <m:ctrlPr>
+                            <a:rPr lang="en-US" altLang="ko-KR" i="1" smtClean="0">
+                              <a:solidFill>
+                                <a:schemeClr val="tx1"/>
+                              </a:solidFill>
+                              <a:latin typeface="Cambria Math" panose="02040503050406030204" pitchFamily="18" charset="0"/>
+                            </a:rPr>
+                          </m:ctrlPr>
+                        </m:dPr>
+                        <m:e>
+                          <m:m>
+                            <m:mPr>
+                              <m:mcs>
+                                <m:mc>
+                                  <m:mcPr>
+                                    <m:count m:val="3"/>
+                                    <m:mcJc m:val="center"/>
+                                  </m:mcPr>
+                                </m:mc>
+                              </m:mcs>
+                              <m:ctrlPr>
+                                <a:rPr lang="en-US" altLang="ko-KR" i="1">
+                                  <a:solidFill>
+                                    <a:schemeClr val="tx1"/>
+                                  </a:solidFill>
+                                  <a:latin typeface="Cambria Math" panose="02040503050406030204" pitchFamily="18" charset="0"/>
+                                </a:rPr>
+                              </m:ctrlPr>
+                            </m:mPr>
+                            <m:mr>
+                              <m:e>
+                                <m:r>
+                                  <m:rPr>
+                                    <m:brk m:alnAt="7"/>
+                                  </m:rPr>
+                                  <a:rPr lang="en-US" altLang="ko-KR" i="1">
+                                    <a:solidFill>
+                                      <a:schemeClr val="tx1"/>
+                                    </a:solidFill>
+                                    <a:latin typeface="Cambria Math"/>
+                                  </a:rPr>
+                                  <m:t>1</m:t>
+                                </m:r>
+                              </m:e>
+                              <m:e>
+                                <m:r>
+                                  <a:rPr lang="en-US" altLang="ko-KR" b="0" i="1" smtClean="0">
+                                    <a:solidFill>
+                                      <a:schemeClr val="tx1"/>
+                                    </a:solidFill>
+                                    <a:latin typeface="Cambria Math"/>
+                                  </a:rPr>
+                                  <m:t>1</m:t>
+                                </m:r>
+                              </m:e>
+                              <m:e>
+                                <m:r>
+                                  <a:rPr lang="en-US" altLang="ko-KR" b="0" i="1" smtClean="0">
+                                    <a:solidFill>
+                                      <a:schemeClr val="tx1"/>
+                                    </a:solidFill>
+                                    <a:latin typeface="Cambria Math"/>
+                                  </a:rPr>
+                                  <m:t>1</m:t>
+                                </m:r>
+                              </m:e>
+                            </m:mr>
+                            <m:mr>
+                              <m:e>
+                                <m:r>
+                                  <a:rPr lang="en-US" altLang="ko-KR" i="1">
+                                    <a:solidFill>
+                                      <a:schemeClr val="tx1"/>
+                                    </a:solidFill>
+                                    <a:latin typeface="Cambria Math"/>
+                                  </a:rPr>
+                                  <m:t>2</m:t>
+                                </m:r>
+                              </m:e>
+                              <m:e>
+                                <m:r>
+                                  <a:rPr lang="en-US" altLang="ko-KR" b="0" i="1" smtClean="0">
+                                    <a:solidFill>
+                                      <a:schemeClr val="tx1"/>
+                                    </a:solidFill>
+                                    <a:latin typeface="Cambria Math"/>
+                                  </a:rPr>
+                                  <m:t>3</m:t>
+                                </m:r>
+                              </m:e>
+                              <m:e>
+                                <m:r>
+                                  <a:rPr lang="en-US" altLang="ko-KR" b="0" i="1" smtClean="0">
+                                    <a:solidFill>
+                                      <a:schemeClr val="tx1"/>
+                                    </a:solidFill>
+                                    <a:latin typeface="Cambria Math"/>
+                                  </a:rPr>
+                                  <m:t>−1</m:t>
+                                </m:r>
+                              </m:e>
+                            </m:mr>
+                            <m:mr>
+                              <m:e>
+                                <m:r>
+                                  <a:rPr lang="en-US" altLang="ko-KR" b="0" i="1" smtClean="0">
+                                    <a:solidFill>
+                                      <a:schemeClr val="tx1"/>
+                                    </a:solidFill>
+                                    <a:latin typeface="Cambria Math"/>
+                                  </a:rPr>
+                                  <m:t>2</m:t>
+                                </m:r>
+                              </m:e>
+                              <m:e>
+                                <m:r>
+                                  <a:rPr lang="en-US" altLang="ko-KR" b="0" i="1" smtClean="0">
+                                    <a:solidFill>
+                                      <a:schemeClr val="tx1"/>
+                                    </a:solidFill>
+                                    <a:latin typeface="Cambria Math"/>
+                                  </a:rPr>
+                                  <m:t>3</m:t>
+                                </m:r>
+                              </m:e>
+                              <m:e>
+                                <m:r>
+                                  <a:rPr lang="en-US" altLang="ko-KR" b="0" i="1" smtClean="0">
+                                    <a:solidFill>
+                                      <a:schemeClr val="tx1"/>
+                                    </a:solidFill>
+                                    <a:latin typeface="Cambria Math"/>
+                                  </a:rPr>
+                                  <m:t>3</m:t>
+                                </m:r>
+                              </m:e>
+                            </m:mr>
+                          </m:m>
+                        </m:e>
+                      </m:d>
+                      <m:r>
+                        <a:rPr lang="en-US" altLang="ko-KR" b="0" i="1" smtClean="0">
+                          <a:latin typeface="Cambria Math"/>
+                        </a:rPr>
+                        <m:t>=</m:t>
+                      </m:r>
+                      <m:d>
+                        <m:dPr>
+                          <m:begChr m:val="["/>
+                          <m:endChr m:val="]"/>
+                          <m:ctrlPr>
+                            <a:rPr lang="en-US" altLang="ko-KR" i="1">
+                              <a:latin typeface="Cambria Math" panose="02040503050406030204" pitchFamily="18" charset="0"/>
+                            </a:rPr>
+                          </m:ctrlPr>
+                        </m:dPr>
+                        <m:e>
+                          <m:m>
+                            <m:mPr>
+                              <m:mcs>
+                                <m:mc>
+                                  <m:mcPr>
+                                    <m:count m:val="3"/>
+                                    <m:mcJc m:val="center"/>
+                                  </m:mcPr>
+                                </m:mc>
+                              </m:mcs>
+                              <m:ctrlPr>
+                                <a:rPr lang="en-US" altLang="ko-KR" i="1">
+                                  <a:latin typeface="Cambria Math" panose="02040503050406030204" pitchFamily="18" charset="0"/>
+                                </a:rPr>
+                              </m:ctrlPr>
+                            </m:mPr>
+                            <m:mr>
+                              <m:e>
+                                <m:r>
+                                  <m:rPr>
+                                    <m:brk m:alnAt="7"/>
+                                  </m:rPr>
+                                  <a:rPr lang="en-US" altLang="ko-KR" i="1">
+                                    <a:latin typeface="Cambria Math"/>
+                                  </a:rPr>
+                                  <m:t>1</m:t>
+                                </m:r>
+                              </m:e>
+                              <m:e>
+                                <m:r>
+                                  <a:rPr lang="en-US" altLang="ko-KR" i="1">
+                                    <a:latin typeface="Cambria Math"/>
+                                  </a:rPr>
+                                  <m:t>1</m:t>
+                                </m:r>
+                              </m:e>
+                              <m:e>
+                                <m:r>
+                                  <a:rPr lang="en-US" altLang="ko-KR" i="1">
+                                    <a:latin typeface="Cambria Math"/>
+                                  </a:rPr>
+                                  <m:t>1</m:t>
+                                </m:r>
+                              </m:e>
+                            </m:mr>
+                            <m:mr>
+                              <m:e>
+                                <m:r>
+                                  <a:rPr lang="en-US" altLang="ko-KR" b="0" i="1" smtClean="0">
+                                    <a:latin typeface="Cambria Math"/>
+                                  </a:rPr>
+                                  <m:t>0</m:t>
+                                </m:r>
+                              </m:e>
+                              <m:e>
+                                <m:r>
+                                  <a:rPr lang="en-US" altLang="ko-KR" b="0" i="1" smtClean="0">
+                                    <a:latin typeface="Cambria Math"/>
+                                  </a:rPr>
+                                  <m:t>1</m:t>
+                                </m:r>
+                              </m:e>
+                              <m:e>
+                                <m:r>
+                                  <a:rPr lang="en-US" altLang="ko-KR" i="1">
+                                    <a:latin typeface="Cambria Math"/>
+                                  </a:rPr>
+                                  <m:t>−</m:t>
+                                </m:r>
+                                <m:r>
+                                  <a:rPr lang="en-US" altLang="ko-KR" b="0" i="1" smtClean="0">
+                                    <a:latin typeface="Cambria Math"/>
+                                  </a:rPr>
+                                  <m:t>3</m:t>
+                                </m:r>
+                              </m:e>
+                            </m:mr>
+                            <m:mr>
+                              <m:e>
+                                <m:r>
+                                  <a:rPr lang="en-US" altLang="ko-KR" b="0" i="1" smtClean="0">
+                                    <a:latin typeface="Cambria Math"/>
+                                  </a:rPr>
+                                  <m:t>0</m:t>
+                                </m:r>
+                              </m:e>
+                              <m:e>
+                                <m:r>
+                                  <a:rPr lang="en-US" altLang="ko-KR" b="0" i="1" smtClean="0">
+                                    <a:latin typeface="Cambria Math"/>
+                                  </a:rPr>
+                                  <m:t>0</m:t>
+                                </m:r>
+                              </m:e>
+                              <m:e>
+                                <m:r>
+                                  <a:rPr lang="en-US" altLang="ko-KR" b="0" i="1" smtClean="0">
+                                    <a:latin typeface="Cambria Math"/>
+                                  </a:rPr>
+                                  <m:t>4</m:t>
+                                </m:r>
+                              </m:e>
+                            </m:mr>
+                          </m:m>
+                        </m:e>
+                      </m:d>
+                    </m:oMath>
+                  </m:oMathPara>
+                </a14:m>
+                <a:endParaRPr lang="ko-KR" altLang="en-US" dirty="0"/>
+              </a:p>
+            </p:txBody>
+          </p:sp>
+        </mc:Choice>
+        <mc:Fallback xmlns="">
+          <p:sp>
+            <p:nvSpPr>
+              <p:cNvPr id="4" name="TextBox 3"/>
+              <p:cNvSpPr txBox="1">
+                <a:spLocks noRot="1" noChangeAspect="1" noMove="1" noResize="1" noEditPoints="1" noAdjustHandles="1" noChangeArrowheads="1" noChangeShapeType="1" noTextEdit="1"/>
+              </p:cNvSpPr>
+              <p:nvPr/>
+            </p:nvSpPr>
+            <p:spPr>
+              <a:xfrm>
+                <a:off x="1179565" y="1383599"/>
+                <a:ext cx="6784870" cy="824906"/>
+              </a:xfrm>
+              <a:prstGeom prst="rect">
+                <a:avLst/>
+              </a:prstGeom>
+              <a:blipFill rotWithShape="1">
+                <a:blip r:embed="rId2"/>
+                <a:stretch>
+                  <a:fillRect/>
+                </a:stretch>
+              </a:blipFill>
+            </p:spPr>
+            <p:txBody>
+              <a:bodyPr/>
+              <a:lstStyle/>
+              <a:p>
+                <a:r>
+                  <a:rPr lang="ko-KR" altLang="en-US">
+                    <a:noFill/>
+                  </a:rPr>
+                  <a:t> </a:t>
+                </a:r>
+              </a:p>
+            </p:txBody>
+          </p:sp>
+        </mc:Fallback>
+      </mc:AlternateContent>
+      <mc:AlternateContent xmlns:mc="http://schemas.openxmlformats.org/markup-compatibility/2006" xmlns:a14="http://schemas.microsoft.com/office/drawing/2010/main">
+        <mc:Choice Requires="a14">
+          <p:sp>
+            <p:nvSpPr>
+              <p:cNvPr id="5" name="TextBox 4"/>
+              <p:cNvSpPr txBox="1"/>
+              <p:nvPr/>
+            </p:nvSpPr>
+            <p:spPr>
+              <a:xfrm>
+                <a:off x="5428332" y="2247695"/>
+                <a:ext cx="414537" cy="369332"/>
+              </a:xfrm>
+              <a:prstGeom prst="rect">
+                <a:avLst/>
+              </a:prstGeom>
+              <a:noFill/>
+            </p:spPr>
+            <p:txBody>
+              <a:bodyPr wrap="none" rtlCol="0">
+                <a:spAutoFit/>
+              </a:bodyPr>
+              <a:lstStyle/>
+              <a:p>
+                <a:pPr/>
+                <a14:m>
+                  <m:oMathPara xmlns:m="http://schemas.openxmlformats.org/officeDocument/2006/math">
+                    <m:oMathParaPr>
+                      <m:jc m:val="centerGroup"/>
+                    </m:oMathParaPr>
+                    <m:oMath xmlns:m="http://schemas.openxmlformats.org/officeDocument/2006/math">
+                      <m:r>
+                        <a:rPr lang="en-US" altLang="ko-KR" b="0" i="1" smtClean="0">
+                          <a:solidFill>
+                            <a:schemeClr val="tx1"/>
+                          </a:solidFill>
+                          <a:latin typeface="Cambria Math"/>
+                        </a:rPr>
+                        <m:t>𝐴</m:t>
+                      </m:r>
+                    </m:oMath>
+                  </m:oMathPara>
+                </a14:m>
+                <a:endParaRPr lang="ko-KR" altLang="en-US" dirty="0">
+                  <a:solidFill>
+                    <a:schemeClr val="tx1"/>
+                  </a:solidFill>
+                </a:endParaRPr>
+              </a:p>
+            </p:txBody>
+          </p:sp>
+        </mc:Choice>
+        <mc:Fallback xmlns="">
+          <p:sp>
+            <p:nvSpPr>
+              <p:cNvPr id="5" name="TextBox 4"/>
+              <p:cNvSpPr txBox="1">
+                <a:spLocks noRot="1" noChangeAspect="1" noMove="1" noResize="1" noEditPoints="1" noAdjustHandles="1" noChangeArrowheads="1" noChangeShapeType="1" noTextEdit="1"/>
+              </p:cNvSpPr>
+              <p:nvPr/>
+            </p:nvSpPr>
+            <p:spPr>
+              <a:xfrm>
+                <a:off x="5428332" y="2247695"/>
+                <a:ext cx="414537" cy="369332"/>
+              </a:xfrm>
+              <a:prstGeom prst="rect">
+                <a:avLst/>
+              </a:prstGeom>
+              <a:blipFill rotWithShape="1">
+                <a:blip r:embed="rId3"/>
+                <a:stretch>
+                  <a:fillRect/>
+                </a:stretch>
+              </a:blipFill>
+            </p:spPr>
+            <p:txBody>
+              <a:bodyPr/>
+              <a:lstStyle/>
+              <a:p>
+                <a:r>
+                  <a:rPr lang="ko-KR" altLang="en-US">
+                    <a:noFill/>
+                  </a:rPr>
+                  <a:t> </a:t>
+                </a:r>
+              </a:p>
+            </p:txBody>
+          </p:sp>
+        </mc:Fallback>
+      </mc:AlternateContent>
+      <mc:AlternateContent xmlns:mc="http://schemas.openxmlformats.org/markup-compatibility/2006" xmlns:a14="http://schemas.microsoft.com/office/drawing/2010/main">
+        <mc:Choice Requires="a14">
+          <p:sp>
+            <p:nvSpPr>
+              <p:cNvPr id="6" name="TextBox 5"/>
+              <p:cNvSpPr txBox="1"/>
+              <p:nvPr/>
+            </p:nvSpPr>
+            <p:spPr>
+              <a:xfrm>
+                <a:off x="3579376" y="1025966"/>
+                <a:ext cx="1752467" cy="369332"/>
+              </a:xfrm>
+              <a:prstGeom prst="rect">
+                <a:avLst/>
+              </a:prstGeom>
+              <a:noFill/>
+            </p:spPr>
+            <p:txBody>
+              <a:bodyPr wrap="none" rtlCol="0">
+                <a:spAutoFit/>
+              </a:bodyPr>
+              <a:lstStyle/>
+              <a:p>
+                <a:pPr/>
+                <a14:m>
+                  <m:oMathPara xmlns:m="http://schemas.openxmlformats.org/officeDocument/2006/math">
+                    <m:oMathParaPr>
+                      <m:jc m:val="centerGroup"/>
+                    </m:oMathParaPr>
+                    <m:oMath xmlns:m="http://schemas.openxmlformats.org/officeDocument/2006/math">
+                      <m:sSub>
+                        <m:sSubPr>
+                          <m:ctrlPr>
+                            <a:rPr lang="en-US" altLang="ko-KR" b="0" i="1" smtClean="0">
+                              <a:solidFill>
+                                <a:srgbClr val="00B050"/>
+                              </a:solidFill>
+                              <a:latin typeface="Cambria Math" panose="02040503050406030204" pitchFamily="18" charset="0"/>
+                            </a:rPr>
+                          </m:ctrlPr>
+                        </m:sSubPr>
+                        <m:e>
+                          <m:r>
+                            <a:rPr lang="en-US" altLang="ko-KR" b="0" i="1" smtClean="0">
+                              <a:solidFill>
+                                <a:srgbClr val="00B050"/>
+                              </a:solidFill>
+                              <a:latin typeface="Cambria Math"/>
+                            </a:rPr>
+                            <m:t>𝑟</m:t>
+                          </m:r>
+                        </m:e>
+                        <m:sub>
+                          <m:r>
+                            <a:rPr lang="en-US" altLang="ko-KR" b="0" i="1" smtClean="0">
+                              <a:solidFill>
+                                <a:srgbClr val="00B050"/>
+                              </a:solidFill>
+                              <a:latin typeface="Cambria Math"/>
+                            </a:rPr>
+                            <m:t>2</m:t>
+                          </m:r>
+                        </m:sub>
+                      </m:sSub>
+                      <m:r>
+                        <a:rPr lang="en-US" altLang="ko-KR" b="0" i="1" smtClean="0">
+                          <a:solidFill>
+                            <a:srgbClr val="00B050"/>
+                          </a:solidFill>
+                          <a:latin typeface="Cambria Math"/>
+                        </a:rPr>
+                        <m:t>→</m:t>
+                      </m:r>
+                      <m:d>
+                        <m:dPr>
+                          <m:ctrlPr>
+                            <a:rPr lang="en-US" altLang="ko-KR" b="0" i="1" smtClean="0">
+                              <a:solidFill>
+                                <a:srgbClr val="00B050"/>
+                              </a:solidFill>
+                              <a:latin typeface="Cambria Math" panose="02040503050406030204" pitchFamily="18" charset="0"/>
+                            </a:rPr>
+                          </m:ctrlPr>
+                        </m:dPr>
+                        <m:e>
+                          <m:sSub>
+                            <m:sSubPr>
+                              <m:ctrlPr>
+                                <a:rPr lang="en-US" altLang="ko-KR" b="0" i="1" smtClean="0">
+                                  <a:solidFill>
+                                    <a:srgbClr val="00B050"/>
+                                  </a:solidFill>
+                                  <a:latin typeface="Cambria Math" panose="02040503050406030204" pitchFamily="18" charset="0"/>
+                                </a:rPr>
+                              </m:ctrlPr>
+                            </m:sSubPr>
+                            <m:e>
+                              <m:r>
+                                <a:rPr lang="en-US" altLang="ko-KR" b="0" i="1" smtClean="0">
+                                  <a:solidFill>
+                                    <a:srgbClr val="00B050"/>
+                                  </a:solidFill>
+                                  <a:latin typeface="Cambria Math"/>
+                                </a:rPr>
+                                <m:t>𝑟</m:t>
+                              </m:r>
+                            </m:e>
+                            <m:sub>
+                              <m:r>
+                                <a:rPr lang="en-US" altLang="ko-KR" b="0" i="1" smtClean="0">
+                                  <a:solidFill>
+                                    <a:srgbClr val="00B050"/>
+                                  </a:solidFill>
+                                  <a:latin typeface="Cambria Math"/>
+                                </a:rPr>
+                                <m:t>2</m:t>
+                              </m:r>
+                            </m:sub>
+                          </m:sSub>
+                          <m:r>
+                            <a:rPr lang="en-US" altLang="ko-KR" b="0" i="1" smtClean="0">
+                              <a:solidFill>
+                                <a:srgbClr val="00B050"/>
+                              </a:solidFill>
+                              <a:latin typeface="Cambria Math"/>
+                            </a:rPr>
+                            <m:t>−2</m:t>
+                          </m:r>
+                          <m:sSub>
+                            <m:sSubPr>
+                              <m:ctrlPr>
+                                <a:rPr lang="en-US" altLang="ko-KR" b="0" i="1" smtClean="0">
+                                  <a:solidFill>
+                                    <a:srgbClr val="00B050"/>
+                                  </a:solidFill>
+                                  <a:latin typeface="Cambria Math" panose="02040503050406030204" pitchFamily="18" charset="0"/>
+                                </a:rPr>
+                              </m:ctrlPr>
+                            </m:sSubPr>
+                            <m:e>
+                              <m:r>
+                                <a:rPr lang="en-US" altLang="ko-KR" b="0" i="1" smtClean="0">
+                                  <a:solidFill>
+                                    <a:srgbClr val="00B050"/>
+                                  </a:solidFill>
+                                  <a:latin typeface="Cambria Math"/>
+                                </a:rPr>
+                                <m:t>𝑟</m:t>
+                              </m:r>
+                            </m:e>
+                            <m:sub>
+                              <m:r>
+                                <a:rPr lang="en-US" altLang="ko-KR" b="0" i="1" smtClean="0">
+                                  <a:solidFill>
+                                    <a:srgbClr val="00B050"/>
+                                  </a:solidFill>
+                                  <a:latin typeface="Cambria Math"/>
+                                </a:rPr>
+                                <m:t>1</m:t>
+                              </m:r>
+                            </m:sub>
+                          </m:sSub>
+                        </m:e>
+                      </m:d>
+                    </m:oMath>
+                  </m:oMathPara>
+                </a14:m>
+                <a:endParaRPr lang="ko-KR" altLang="en-US" dirty="0">
+                  <a:solidFill>
+                    <a:srgbClr val="00B050"/>
+                  </a:solidFill>
+                </a:endParaRPr>
+              </a:p>
+            </p:txBody>
+          </p:sp>
+        </mc:Choice>
+        <mc:Fallback xmlns="">
+          <p:sp>
+            <p:nvSpPr>
+              <p:cNvPr id="6" name="TextBox 5"/>
+              <p:cNvSpPr txBox="1">
+                <a:spLocks noRot="1" noChangeAspect="1" noMove="1" noResize="1" noEditPoints="1" noAdjustHandles="1" noChangeArrowheads="1" noChangeShapeType="1" noTextEdit="1"/>
+              </p:cNvSpPr>
+              <p:nvPr/>
+            </p:nvSpPr>
+            <p:spPr>
+              <a:xfrm>
+                <a:off x="3579376" y="1025966"/>
+                <a:ext cx="1752467" cy="369332"/>
+              </a:xfrm>
+              <a:prstGeom prst="rect">
+                <a:avLst/>
+              </a:prstGeom>
+              <a:blipFill rotWithShape="1">
+                <a:blip r:embed="rId4"/>
+                <a:stretch>
+                  <a:fillRect b="-1639"/>
+                </a:stretch>
+              </a:blipFill>
+            </p:spPr>
+            <p:txBody>
+              <a:bodyPr/>
+              <a:lstStyle/>
+              <a:p>
+                <a:r>
+                  <a:rPr lang="ko-KR" altLang="en-US">
+                    <a:noFill/>
+                  </a:rPr>
+                  <a:t> </a:t>
+                </a:r>
+              </a:p>
+            </p:txBody>
+          </p:sp>
+        </mc:Fallback>
+      </mc:AlternateContent>
+      <mc:AlternateContent xmlns:mc="http://schemas.openxmlformats.org/markup-compatibility/2006" xmlns:a14="http://schemas.microsoft.com/office/drawing/2010/main">
+        <mc:Choice Requires="a14">
+          <p:sp>
+            <p:nvSpPr>
+              <p:cNvPr id="7" name="TextBox 6"/>
+              <p:cNvSpPr txBox="1"/>
+              <p:nvPr/>
+            </p:nvSpPr>
+            <p:spPr>
+              <a:xfrm>
+                <a:off x="2384935" y="2175687"/>
+                <a:ext cx="1752467" cy="369332"/>
+              </a:xfrm>
+              <a:prstGeom prst="rect">
+                <a:avLst/>
+              </a:prstGeom>
+              <a:noFill/>
+            </p:spPr>
+            <p:txBody>
+              <a:bodyPr wrap="none" rtlCol="0">
+                <a:spAutoFit/>
+              </a:bodyPr>
+              <a:lstStyle/>
+              <a:p>
+                <a:pPr/>
+                <a14:m>
+                  <m:oMathPara xmlns:m="http://schemas.openxmlformats.org/officeDocument/2006/math">
+                    <m:oMathParaPr>
+                      <m:jc m:val="centerGroup"/>
+                    </m:oMathParaPr>
+                    <m:oMath xmlns:m="http://schemas.openxmlformats.org/officeDocument/2006/math">
+                      <m:sSub>
+                        <m:sSubPr>
+                          <m:ctrlPr>
+                            <a:rPr lang="en-US" altLang="ko-KR" b="0" i="1" smtClean="0">
+                              <a:solidFill>
+                                <a:srgbClr val="00B0F0"/>
+                              </a:solidFill>
+                              <a:latin typeface="Cambria Math" panose="02040503050406030204" pitchFamily="18" charset="0"/>
+                            </a:rPr>
+                          </m:ctrlPr>
+                        </m:sSubPr>
+                        <m:e>
+                          <m:r>
+                            <a:rPr lang="en-US" altLang="ko-KR" b="0" i="1" smtClean="0">
+                              <a:solidFill>
+                                <a:srgbClr val="00B0F0"/>
+                              </a:solidFill>
+                              <a:latin typeface="Cambria Math"/>
+                            </a:rPr>
+                            <m:t>𝑟</m:t>
+                          </m:r>
+                        </m:e>
+                        <m:sub>
+                          <m:r>
+                            <a:rPr lang="en-US" altLang="ko-KR" b="0" i="1" smtClean="0">
+                              <a:solidFill>
+                                <a:srgbClr val="00B0F0"/>
+                              </a:solidFill>
+                              <a:latin typeface="Cambria Math"/>
+                            </a:rPr>
+                            <m:t>3</m:t>
+                          </m:r>
+                        </m:sub>
+                      </m:sSub>
+                      <m:r>
+                        <a:rPr lang="en-US" altLang="ko-KR" b="0" i="1" smtClean="0">
+                          <a:solidFill>
+                            <a:srgbClr val="00B0F0"/>
+                          </a:solidFill>
+                          <a:latin typeface="Cambria Math"/>
+                        </a:rPr>
+                        <m:t>→(</m:t>
+                      </m:r>
+                      <m:sSub>
+                        <m:sSubPr>
+                          <m:ctrlPr>
+                            <a:rPr lang="en-US" altLang="ko-KR" b="0" i="1" smtClean="0">
+                              <a:solidFill>
+                                <a:srgbClr val="00B0F0"/>
+                              </a:solidFill>
+                              <a:latin typeface="Cambria Math" panose="02040503050406030204" pitchFamily="18" charset="0"/>
+                            </a:rPr>
+                          </m:ctrlPr>
+                        </m:sSubPr>
+                        <m:e>
+                          <m:r>
+                            <a:rPr lang="en-US" altLang="ko-KR" b="0" i="1" smtClean="0">
+                              <a:solidFill>
+                                <a:srgbClr val="00B0F0"/>
+                              </a:solidFill>
+                              <a:latin typeface="Cambria Math"/>
+                            </a:rPr>
+                            <m:t>𝑟</m:t>
+                          </m:r>
+                        </m:e>
+                        <m:sub>
+                          <m:r>
+                            <a:rPr lang="en-US" altLang="ko-KR" b="0" i="1" smtClean="0">
+                              <a:solidFill>
+                                <a:srgbClr val="00B0F0"/>
+                              </a:solidFill>
+                              <a:latin typeface="Cambria Math"/>
+                            </a:rPr>
+                            <m:t>3</m:t>
+                          </m:r>
+                        </m:sub>
+                      </m:sSub>
+                      <m:r>
+                        <a:rPr lang="en-US" altLang="ko-KR" b="0" i="1" smtClean="0">
+                          <a:solidFill>
+                            <a:srgbClr val="00B0F0"/>
+                          </a:solidFill>
+                          <a:latin typeface="Cambria Math"/>
+                        </a:rPr>
+                        <m:t>−2</m:t>
+                      </m:r>
+                      <m:sSub>
+                        <m:sSubPr>
+                          <m:ctrlPr>
+                            <a:rPr lang="en-US" altLang="ko-KR" b="0" i="1" smtClean="0">
+                              <a:solidFill>
+                                <a:srgbClr val="00B0F0"/>
+                              </a:solidFill>
+                              <a:latin typeface="Cambria Math" panose="02040503050406030204" pitchFamily="18" charset="0"/>
+                            </a:rPr>
+                          </m:ctrlPr>
+                        </m:sSubPr>
+                        <m:e>
+                          <m:r>
+                            <a:rPr lang="en-US" altLang="ko-KR" b="0" i="1" smtClean="0">
+                              <a:solidFill>
+                                <a:srgbClr val="00B0F0"/>
+                              </a:solidFill>
+                              <a:latin typeface="Cambria Math"/>
+                            </a:rPr>
+                            <m:t>𝑟</m:t>
+                          </m:r>
+                        </m:e>
+                        <m:sub>
+                          <m:r>
+                            <a:rPr lang="en-US" altLang="ko-KR" b="0" i="1" smtClean="0">
+                              <a:solidFill>
+                                <a:srgbClr val="00B0F0"/>
+                              </a:solidFill>
+                              <a:latin typeface="Cambria Math"/>
+                            </a:rPr>
+                            <m:t>1</m:t>
+                          </m:r>
+                        </m:sub>
+                      </m:sSub>
+                      <m:r>
+                        <a:rPr lang="en-US" altLang="ko-KR" b="0" i="1" smtClean="0">
+                          <a:solidFill>
+                            <a:srgbClr val="00B0F0"/>
+                          </a:solidFill>
+                          <a:latin typeface="Cambria Math"/>
+                        </a:rPr>
+                        <m:t>)</m:t>
+                      </m:r>
+                    </m:oMath>
+                  </m:oMathPara>
+                </a14:m>
+                <a:endParaRPr lang="ko-KR" altLang="en-US" dirty="0">
+                  <a:solidFill>
+                    <a:srgbClr val="00B0F0"/>
+                  </a:solidFill>
+                </a:endParaRPr>
+              </a:p>
+            </p:txBody>
+          </p:sp>
+        </mc:Choice>
+        <mc:Fallback xmlns="">
+          <p:sp>
+            <p:nvSpPr>
+              <p:cNvPr id="7" name="TextBox 6"/>
+              <p:cNvSpPr txBox="1">
+                <a:spLocks noRot="1" noChangeAspect="1" noMove="1" noResize="1" noEditPoints="1" noAdjustHandles="1" noChangeArrowheads="1" noChangeShapeType="1" noTextEdit="1"/>
+              </p:cNvSpPr>
+              <p:nvPr/>
+            </p:nvSpPr>
+            <p:spPr>
+              <a:xfrm>
+                <a:off x="2384935" y="2175687"/>
+                <a:ext cx="1752467" cy="369332"/>
+              </a:xfrm>
+              <a:prstGeom prst="rect">
+                <a:avLst/>
+              </a:prstGeom>
+              <a:blipFill rotWithShape="1">
+                <a:blip r:embed="rId5"/>
+                <a:stretch>
+                  <a:fillRect b="-16667"/>
+                </a:stretch>
+              </a:blipFill>
+            </p:spPr>
+            <p:txBody>
+              <a:bodyPr/>
+              <a:lstStyle/>
+              <a:p>
+                <a:r>
+                  <a:rPr lang="ko-KR" altLang="en-US">
+                    <a:noFill/>
+                  </a:rPr>
+                  <a:t> </a:t>
+                </a:r>
+              </a:p>
+            </p:txBody>
+          </p:sp>
+        </mc:Fallback>
+      </mc:AlternateContent>
+      <mc:AlternateContent xmlns:mc="http://schemas.openxmlformats.org/markup-compatibility/2006" xmlns:a14="http://schemas.microsoft.com/office/drawing/2010/main">
+        <mc:Choice Requires="a14">
+          <p:sp>
+            <p:nvSpPr>
+              <p:cNvPr id="8" name="TextBox 7"/>
+              <p:cNvSpPr txBox="1"/>
+              <p:nvPr/>
+            </p:nvSpPr>
+            <p:spPr>
+              <a:xfrm>
+                <a:off x="1203084" y="1025966"/>
+                <a:ext cx="1629549" cy="369332"/>
+              </a:xfrm>
+              <a:prstGeom prst="rect">
+                <a:avLst/>
+              </a:prstGeom>
+              <a:noFill/>
+            </p:spPr>
+            <p:txBody>
+              <a:bodyPr wrap="none" rtlCol="0">
+                <a:spAutoFit/>
+              </a:bodyPr>
+              <a:lstStyle/>
+              <a:p>
+                <a:pPr/>
+                <a14:m>
+                  <m:oMathPara xmlns:m="http://schemas.openxmlformats.org/officeDocument/2006/math">
+                    <m:oMathParaPr>
+                      <m:jc m:val="centerGroup"/>
+                    </m:oMathParaPr>
+                    <m:oMath xmlns:m="http://schemas.openxmlformats.org/officeDocument/2006/math">
+                      <m:sSub>
+                        <m:sSubPr>
+                          <m:ctrlPr>
+                            <a:rPr lang="en-US" altLang="ko-KR" b="0" i="1" smtClean="0">
+                              <a:solidFill>
+                                <a:srgbClr val="FF0000"/>
+                              </a:solidFill>
+                              <a:latin typeface="Cambria Math" panose="02040503050406030204" pitchFamily="18" charset="0"/>
+                            </a:rPr>
+                          </m:ctrlPr>
+                        </m:sSubPr>
+                        <m:e>
+                          <m:r>
+                            <a:rPr lang="en-US" altLang="ko-KR" b="0" i="1" smtClean="0">
+                              <a:solidFill>
+                                <a:srgbClr val="FF0000"/>
+                              </a:solidFill>
+                              <a:latin typeface="Cambria Math"/>
+                            </a:rPr>
+                            <m:t>𝑟</m:t>
+                          </m:r>
+                        </m:e>
+                        <m:sub>
+                          <m:r>
+                            <a:rPr lang="en-US" altLang="ko-KR" b="0" i="1" smtClean="0">
+                              <a:solidFill>
+                                <a:srgbClr val="FF0000"/>
+                              </a:solidFill>
+                              <a:latin typeface="Cambria Math"/>
+                            </a:rPr>
+                            <m:t>3</m:t>
+                          </m:r>
+                        </m:sub>
+                      </m:sSub>
+                      <m:r>
+                        <a:rPr lang="en-US" altLang="ko-KR" b="0" i="1" smtClean="0">
+                          <a:solidFill>
+                            <a:srgbClr val="FF0000"/>
+                          </a:solidFill>
+                          <a:latin typeface="Cambria Math"/>
+                        </a:rPr>
+                        <m:t>→(</m:t>
+                      </m:r>
+                      <m:sSub>
+                        <m:sSubPr>
+                          <m:ctrlPr>
+                            <a:rPr lang="en-US" altLang="ko-KR" b="0" i="1" smtClean="0">
+                              <a:solidFill>
+                                <a:srgbClr val="FF0000"/>
+                              </a:solidFill>
+                              <a:latin typeface="Cambria Math" panose="02040503050406030204" pitchFamily="18" charset="0"/>
+                            </a:rPr>
+                          </m:ctrlPr>
+                        </m:sSubPr>
+                        <m:e>
+                          <m:r>
+                            <a:rPr lang="en-US" altLang="ko-KR" b="0" i="1" smtClean="0">
+                              <a:solidFill>
+                                <a:srgbClr val="FF0000"/>
+                              </a:solidFill>
+                              <a:latin typeface="Cambria Math"/>
+                            </a:rPr>
+                            <m:t>𝑟</m:t>
+                          </m:r>
+                        </m:e>
+                        <m:sub>
+                          <m:r>
+                            <a:rPr lang="en-US" altLang="ko-KR" b="0" i="1" smtClean="0">
+                              <a:solidFill>
+                                <a:srgbClr val="FF0000"/>
+                              </a:solidFill>
+                              <a:latin typeface="Cambria Math"/>
+                            </a:rPr>
+                            <m:t>3</m:t>
+                          </m:r>
+                        </m:sub>
+                      </m:sSub>
+                      <m:r>
+                        <a:rPr lang="en-US" altLang="ko-KR" b="0" i="1" smtClean="0">
+                          <a:solidFill>
+                            <a:srgbClr val="FF0000"/>
+                          </a:solidFill>
+                          <a:latin typeface="Cambria Math"/>
+                        </a:rPr>
+                        <m:t>−</m:t>
+                      </m:r>
+                      <m:sSub>
+                        <m:sSubPr>
+                          <m:ctrlPr>
+                            <a:rPr lang="en-US" altLang="ko-KR" b="0" i="1" smtClean="0">
+                              <a:solidFill>
+                                <a:srgbClr val="FF0000"/>
+                              </a:solidFill>
+                              <a:latin typeface="Cambria Math" panose="02040503050406030204" pitchFamily="18" charset="0"/>
+                            </a:rPr>
+                          </m:ctrlPr>
+                        </m:sSubPr>
+                        <m:e>
+                          <m:r>
+                            <a:rPr lang="en-US" altLang="ko-KR" b="0" i="1" smtClean="0">
+                              <a:solidFill>
+                                <a:srgbClr val="FF0000"/>
+                              </a:solidFill>
+                              <a:latin typeface="Cambria Math"/>
+                            </a:rPr>
+                            <m:t>𝑟</m:t>
+                          </m:r>
+                        </m:e>
+                        <m:sub>
+                          <m:r>
+                            <a:rPr lang="en-US" altLang="ko-KR" b="0" i="1" smtClean="0">
+                              <a:solidFill>
+                                <a:srgbClr val="FF0000"/>
+                              </a:solidFill>
+                              <a:latin typeface="Cambria Math"/>
+                            </a:rPr>
+                            <m:t>2</m:t>
+                          </m:r>
+                        </m:sub>
+                      </m:sSub>
+                      <m:r>
+                        <a:rPr lang="en-US" altLang="ko-KR" b="0" i="1" smtClean="0">
+                          <a:solidFill>
+                            <a:srgbClr val="FF0000"/>
+                          </a:solidFill>
+                          <a:latin typeface="Cambria Math"/>
+                        </a:rPr>
+                        <m:t>)</m:t>
+                      </m:r>
+                    </m:oMath>
+                  </m:oMathPara>
+                </a14:m>
+                <a:endParaRPr lang="ko-KR" altLang="en-US" dirty="0">
+                  <a:solidFill>
+                    <a:srgbClr val="FF0000"/>
+                  </a:solidFill>
+                </a:endParaRPr>
+              </a:p>
+            </p:txBody>
+          </p:sp>
+        </mc:Choice>
+        <mc:Fallback xmlns="">
+          <p:sp>
+            <p:nvSpPr>
+              <p:cNvPr id="8" name="TextBox 7"/>
+              <p:cNvSpPr txBox="1">
+                <a:spLocks noRot="1" noChangeAspect="1" noMove="1" noResize="1" noEditPoints="1" noAdjustHandles="1" noChangeArrowheads="1" noChangeShapeType="1" noTextEdit="1"/>
+              </p:cNvSpPr>
+              <p:nvPr/>
+            </p:nvSpPr>
+            <p:spPr>
+              <a:xfrm>
+                <a:off x="1203084" y="1025966"/>
+                <a:ext cx="1629549" cy="369332"/>
+              </a:xfrm>
+              <a:prstGeom prst="rect">
+                <a:avLst/>
+              </a:prstGeom>
+              <a:blipFill rotWithShape="1">
+                <a:blip r:embed="rId6"/>
+                <a:stretch>
+                  <a:fillRect b="-14754"/>
+                </a:stretch>
+              </a:blipFill>
+            </p:spPr>
+            <p:txBody>
+              <a:bodyPr/>
+              <a:lstStyle/>
+              <a:p>
+                <a:r>
+                  <a:rPr lang="ko-KR" altLang="en-US">
+                    <a:noFill/>
+                  </a:rPr>
+                  <a:t> </a:t>
+                </a:r>
+              </a:p>
+            </p:txBody>
+          </p:sp>
+        </mc:Fallback>
+      </mc:AlternateContent>
+      <mc:AlternateContent xmlns:mc="http://schemas.openxmlformats.org/markup-compatibility/2006" xmlns:a14="http://schemas.microsoft.com/office/drawing/2010/main">
+        <mc:Choice Requires="a14">
           <p:sp>
             <p:nvSpPr>
               <p:cNvPr id="9" name="TextBox 8"/>
@@ -9147,7 +10644,7 @@
             </p:nvSpPr>
             <p:spPr>
               <a:xfrm>
-                <a:off x="1164697" y="1484784"/>
+                <a:off x="877495" y="4084535"/>
                 <a:ext cx="7389010" cy="879023"/>
               </a:xfrm>
               <a:prstGeom prst="rect">
@@ -9177,7 +10674,7 @@
                               <a:solidFill>
                                 <a:schemeClr val="tx1"/>
                               </a:solidFill>
-                              <a:latin typeface="Cambria Math"/>
+                              <a:latin typeface="Cambria Math" panose="02040503050406030204" pitchFamily="18" charset="0"/>
                             </a:rPr>
                           </m:ctrlPr>
                         </m:dPr>
@@ -9197,7 +10694,7 @@
                                   <a:solidFill>
                                     <a:schemeClr val="tx1"/>
                                   </a:solidFill>
-                                  <a:latin typeface="Cambria Math"/>
+                                  <a:latin typeface="Cambria Math" panose="02040503050406030204" pitchFamily="18" charset="0"/>
                                 </a:rPr>
                               </m:ctrlPr>
                             </m:mPr>
@@ -9325,7 +10822,7 @@
                               <a:solidFill>
                                 <a:srgbClr val="00B050"/>
                               </a:solidFill>
-                              <a:latin typeface="Cambria Math"/>
+                              <a:latin typeface="Cambria Math" panose="02040503050406030204" pitchFamily="18" charset="0"/>
                             </a:rPr>
                           </m:ctrlPr>
                         </m:sSupPr>
@@ -9339,7 +10836,7 @@
                                   <a:solidFill>
                                     <a:srgbClr val="00B050"/>
                                   </a:solidFill>
-                                  <a:latin typeface="Cambria Math"/>
+                                  <a:latin typeface="Cambria Math" panose="02040503050406030204" pitchFamily="18" charset="0"/>
                                 </a:rPr>
                               </m:ctrlPr>
                             </m:dPr>
@@ -9359,7 +10856,7 @@
                                       <a:solidFill>
                                         <a:srgbClr val="00B050"/>
                                       </a:solidFill>
-                                      <a:latin typeface="Cambria Math"/>
+                                      <a:latin typeface="Cambria Math" panose="02040503050406030204" pitchFamily="18" charset="0"/>
                                     </a:rPr>
                                   </m:ctrlPr>
                                 </m:mPr>
@@ -9494,7 +10991,7 @@
                               <a:solidFill>
                                 <a:srgbClr val="00B0F0"/>
                               </a:solidFill>
-                              <a:latin typeface="Cambria Math"/>
+                              <a:latin typeface="Cambria Math" panose="02040503050406030204" pitchFamily="18" charset="0"/>
                             </a:rPr>
                           </m:ctrlPr>
                         </m:sSupPr>
@@ -9508,7 +11005,7 @@
                                   <a:solidFill>
                                     <a:srgbClr val="00B0F0"/>
                                   </a:solidFill>
-                                  <a:latin typeface="Cambria Math"/>
+                                  <a:latin typeface="Cambria Math" panose="02040503050406030204" pitchFamily="18" charset="0"/>
                                 </a:rPr>
                               </m:ctrlPr>
                             </m:dPr>
@@ -9528,7 +11025,7 @@
                                       <a:solidFill>
                                         <a:srgbClr val="00B0F0"/>
                                       </a:solidFill>
-                                      <a:latin typeface="Cambria Math"/>
+                                      <a:latin typeface="Cambria Math" panose="02040503050406030204" pitchFamily="18" charset="0"/>
                                     </a:rPr>
                                   </m:ctrlPr>
                                 </m:mPr>
@@ -9663,7 +11160,7 @@
                               <a:solidFill>
                                 <a:srgbClr val="FF0000"/>
                               </a:solidFill>
-                              <a:latin typeface="Cambria Math"/>
+                              <a:latin typeface="Cambria Math" panose="02040503050406030204" pitchFamily="18" charset="0"/>
                             </a:rPr>
                           </m:ctrlPr>
                         </m:sSupPr>
@@ -9677,7 +11174,7 @@
                                   <a:solidFill>
                                     <a:srgbClr val="FF0000"/>
                                   </a:solidFill>
-                                  <a:latin typeface="Cambria Math"/>
+                                  <a:latin typeface="Cambria Math" panose="02040503050406030204" pitchFamily="18" charset="0"/>
                                 </a:rPr>
                               </m:ctrlPr>
                             </m:dPr>
@@ -9697,7 +11194,7 @@
                                       <a:solidFill>
                                         <a:srgbClr val="FF0000"/>
                                       </a:solidFill>
-                                      <a:latin typeface="Cambria Math"/>
+                                      <a:latin typeface="Cambria Math" panose="02040503050406030204" pitchFamily="18" charset="0"/>
                                     </a:rPr>
                                   </m:ctrlPr>
                                 </m:mPr>
@@ -9831,7 +11328,7 @@
                           <m:endChr m:val="]"/>
                           <m:ctrlPr>
                             <a:rPr lang="en-US" altLang="ko-KR" i="1">
-                              <a:latin typeface="Cambria Math"/>
+                              <a:latin typeface="Cambria Math" panose="02040503050406030204" pitchFamily="18" charset="0"/>
                             </a:rPr>
                           </m:ctrlPr>
                         </m:dPr>
@@ -9848,7 +11345,7 @@
                               </m:mcs>
                               <m:ctrlPr>
                                 <a:rPr lang="en-US" altLang="ko-KR" i="1">
-                                  <a:latin typeface="Cambria Math"/>
+                                  <a:latin typeface="Cambria Math" panose="02040503050406030204" pitchFamily="18" charset="0"/>
                                 </a:rPr>
                               </m:ctrlPr>
                             </m:mPr>
@@ -9950,7 +11447,1070 @@
             </p:txBody>
           </p:sp>
         </mc:Choice>
-        <mc:Fallback>
+        <mc:Fallback xmlns="">
+          <p:sp>
+            <p:nvSpPr>
+              <p:cNvPr id="9" name="TextBox 8"/>
+              <p:cNvSpPr txBox="1">
+                <a:spLocks noRot="1" noChangeAspect="1" noMove="1" noResize="1" noEditPoints="1" noAdjustHandles="1" noChangeArrowheads="1" noChangeShapeType="1" noTextEdit="1"/>
+              </p:cNvSpPr>
+              <p:nvPr/>
+            </p:nvSpPr>
+            <p:spPr>
+              <a:xfrm>
+                <a:off x="877495" y="4084535"/>
+                <a:ext cx="7389010" cy="879023"/>
+              </a:xfrm>
+              <a:prstGeom prst="rect">
+                <a:avLst/>
+              </a:prstGeom>
+              <a:blipFill rotWithShape="1">
+                <a:blip r:embed="rId7"/>
+                <a:stretch>
+                  <a:fillRect/>
+                </a:stretch>
+              </a:blipFill>
+            </p:spPr>
+            <p:txBody>
+              <a:bodyPr/>
+              <a:lstStyle/>
+              <a:p>
+                <a:r>
+                  <a:rPr lang="ko-KR" altLang="en-US">
+                    <a:noFill/>
+                  </a:rPr>
+                  <a:t> </a:t>
+                </a:r>
+              </a:p>
+            </p:txBody>
+          </p:sp>
+        </mc:Fallback>
+      </mc:AlternateContent>
+      <mc:AlternateContent xmlns:mc="http://schemas.openxmlformats.org/markup-compatibility/2006" xmlns:a14="http://schemas.microsoft.com/office/drawing/2010/main">
+        <mc:Choice Requires="a14">
+          <p:sp>
+            <p:nvSpPr>
+              <p:cNvPr id="11" name="TextBox 10"/>
+              <p:cNvSpPr txBox="1"/>
+              <p:nvPr/>
+            </p:nvSpPr>
+            <p:spPr>
+              <a:xfrm>
+                <a:off x="1404478" y="4963558"/>
+                <a:ext cx="414537" cy="369332"/>
+              </a:xfrm>
+              <a:prstGeom prst="rect">
+                <a:avLst/>
+              </a:prstGeom>
+              <a:noFill/>
+            </p:spPr>
+            <p:txBody>
+              <a:bodyPr wrap="none" rtlCol="0">
+                <a:spAutoFit/>
+              </a:bodyPr>
+              <a:lstStyle/>
+              <a:p>
+                <a:pPr/>
+                <a14:m>
+                  <m:oMathPara xmlns:m="http://schemas.openxmlformats.org/officeDocument/2006/math">
+                    <m:oMathParaPr>
+                      <m:jc m:val="centerGroup"/>
+                    </m:oMathParaPr>
+                    <m:oMath xmlns:m="http://schemas.openxmlformats.org/officeDocument/2006/math">
+                      <m:r>
+                        <a:rPr lang="en-US" altLang="ko-KR" b="0" i="1" smtClean="0">
+                          <a:solidFill>
+                            <a:schemeClr val="tx1"/>
+                          </a:solidFill>
+                          <a:latin typeface="Cambria Math"/>
+                        </a:rPr>
+                        <m:t>𝐴</m:t>
+                      </m:r>
+                    </m:oMath>
+                  </m:oMathPara>
+                </a14:m>
+                <a:endParaRPr lang="ko-KR" altLang="en-US" dirty="0">
+                  <a:solidFill>
+                    <a:schemeClr val="tx1"/>
+                  </a:solidFill>
+                </a:endParaRPr>
+              </a:p>
+            </p:txBody>
+          </p:sp>
+        </mc:Choice>
+        <mc:Fallback xmlns="">
+          <p:sp>
+            <p:nvSpPr>
+              <p:cNvPr id="11" name="TextBox 10"/>
+              <p:cNvSpPr txBox="1">
+                <a:spLocks noRot="1" noChangeAspect="1" noMove="1" noResize="1" noEditPoints="1" noAdjustHandles="1" noChangeArrowheads="1" noChangeShapeType="1" noTextEdit="1"/>
+              </p:cNvSpPr>
+              <p:nvPr/>
+            </p:nvSpPr>
+            <p:spPr>
+              <a:xfrm>
+                <a:off x="1404478" y="4963558"/>
+                <a:ext cx="414537" cy="369332"/>
+              </a:xfrm>
+              <a:prstGeom prst="rect">
+                <a:avLst/>
+              </a:prstGeom>
+              <a:blipFill rotWithShape="1">
+                <a:blip r:embed="rId8"/>
+                <a:stretch>
+                  <a:fillRect/>
+                </a:stretch>
+              </a:blipFill>
+            </p:spPr>
+            <p:txBody>
+              <a:bodyPr/>
+              <a:lstStyle/>
+              <a:p>
+                <a:r>
+                  <a:rPr lang="ko-KR" altLang="en-US">
+                    <a:noFill/>
+                  </a:rPr>
+                  <a:t> </a:t>
+                </a:r>
+              </a:p>
+            </p:txBody>
+          </p:sp>
+        </mc:Fallback>
+      </mc:AlternateContent>
+      <p:sp>
+        <p:nvSpPr>
+          <p:cNvPr id="2" name="아래쪽 화살표 1"/>
+          <p:cNvSpPr/>
+          <p:nvPr/>
+        </p:nvSpPr>
+        <p:spPr>
+          <a:xfrm>
+            <a:off x="4329684" y="2852936"/>
+            <a:ext cx="484632" cy="978408"/>
+          </a:xfrm>
+          <a:prstGeom prst="downArrow">
+            <a:avLst/>
+          </a:prstGeom>
+          <a:solidFill>
+            <a:srgbClr val="FFC000"/>
+          </a:solidFill>
+        </p:spPr>
+        <p:style>
+          <a:lnRef idx="2">
+            <a:schemeClr val="accent1">
+              <a:shade val="50000"/>
+            </a:schemeClr>
+          </a:lnRef>
+          <a:fillRef idx="1">
+            <a:schemeClr val="accent1"/>
+          </a:fillRef>
+          <a:effectRef idx="0">
+            <a:schemeClr val="accent1"/>
+          </a:effectRef>
+          <a:fontRef idx="minor">
+            <a:schemeClr val="lt1"/>
+          </a:fontRef>
+        </p:style>
+        <p:txBody>
+          <a:bodyPr rtlCol="0" anchor="ctr"/>
+          <a:lstStyle/>
+          <a:p>
+            <a:pPr algn="ctr"/>
+            <a:endParaRPr lang="ko-KR" altLang="en-US" dirty="0"/>
+          </a:p>
+        </p:txBody>
+      </p:sp>
+      <p:sp>
+        <p:nvSpPr>
+          <p:cNvPr id="3" name="TextBox 2"/>
+          <p:cNvSpPr txBox="1"/>
+          <p:nvPr/>
+        </p:nvSpPr>
+        <p:spPr>
+          <a:xfrm>
+            <a:off x="4699898" y="2924944"/>
+            <a:ext cx="2608406" cy="646331"/>
+          </a:xfrm>
+          <a:prstGeom prst="rect">
+            <a:avLst/>
+          </a:prstGeom>
+          <a:noFill/>
+        </p:spPr>
+        <p:txBody>
+          <a:bodyPr wrap="none" rtlCol="0">
+            <a:spAutoFit/>
+          </a:bodyPr>
+          <a:lstStyle/>
+          <a:p>
+            <a:pPr algn="ctr"/>
+            <a:r>
+              <a:rPr lang="en-US" altLang="ko-KR" dirty="0">
+                <a:latin typeface="나눔고딕" pitchFamily="50" charset="-127"/>
+                <a:ea typeface="나눔고딕" pitchFamily="50" charset="-127"/>
+              </a:rPr>
+              <a:t>multiplying inverses </a:t>
+            </a:r>
+          </a:p>
+          <a:p>
+            <a:pPr algn="ctr"/>
+            <a:r>
+              <a:rPr lang="en-US" altLang="ko-KR" dirty="0">
+                <a:latin typeface="나눔고딕" pitchFamily="50" charset="-127"/>
+                <a:ea typeface="나눔고딕" pitchFamily="50" charset="-127"/>
+              </a:rPr>
+              <a:t>of elementary matrices</a:t>
+            </a:r>
+            <a:endParaRPr lang="ko-KR" altLang="en-US" dirty="0">
+              <a:latin typeface="나눔고딕" pitchFamily="50" charset="-127"/>
+              <a:ea typeface="나눔고딕" pitchFamily="50" charset="-127"/>
+            </a:endParaRPr>
+          </a:p>
+        </p:txBody>
+      </p:sp>
+    </p:spTree>
+    <p:extLst>
+      <p:ext uri="{BB962C8B-B14F-4D97-AF65-F5344CB8AC3E}">
+        <p14:creationId xmlns:p14="http://schemas.microsoft.com/office/powerpoint/2010/main" val="2083245766"/>
+      </p:ext>
+    </p:extLst>
+  </p:cSld>
+  <p:clrMapOvr>
+    <a:masterClrMapping/>
+  </p:clrMapOvr>
+</p:sld>
+</file>
+
+<file path=ppt/slides/slide5.xml><?xml version="1.0" encoding="utf-8"?>
+<p:sld xmlns:a="http://schemas.openxmlformats.org/drawingml/2006/main" xmlns:r="http://schemas.openxmlformats.org/officeDocument/2006/relationships" xmlns:p="http://schemas.openxmlformats.org/presentationml/2006/main">
+  <p:cSld>
+    <p:spTree>
+      <p:nvGrpSpPr>
+        <p:cNvPr id="1" name=""/>
+        <p:cNvGrpSpPr/>
+        <p:nvPr/>
+      </p:nvGrpSpPr>
+      <p:grpSpPr>
+        <a:xfrm>
+          <a:off x="0" y="0"/>
+          <a:ext cx="0" cy="0"/>
+          <a:chOff x="0" y="0"/>
+          <a:chExt cx="0" cy="0"/>
+        </a:xfrm>
+      </p:grpSpPr>
+      <mc:AlternateContent xmlns:mc="http://schemas.openxmlformats.org/markup-compatibility/2006" xmlns:a14="http://schemas.microsoft.com/office/drawing/2010/main">
+        <mc:Choice Requires="a14">
+          <p:sp>
+            <p:nvSpPr>
+              <p:cNvPr id="9" name="TextBox 8"/>
+              <p:cNvSpPr txBox="1"/>
+              <p:nvPr/>
+            </p:nvSpPr>
+            <p:spPr>
+              <a:xfrm>
+                <a:off x="1164697" y="1484784"/>
+                <a:ext cx="7389010" cy="879023"/>
+              </a:xfrm>
+              <a:prstGeom prst="rect">
+                <a:avLst/>
+              </a:prstGeom>
+              <a:noFill/>
+            </p:spPr>
+            <p:txBody>
+              <a:bodyPr wrap="none" rtlCol="0">
+                <a:spAutoFit/>
+              </a:bodyPr>
+              <a:lstStyle/>
+              <a:p>
+                <a:pPr/>
+                <a14:m>
+                  <m:oMathPara xmlns:m="http://schemas.openxmlformats.org/officeDocument/2006/math">
+                    <m:oMathParaPr>
+                      <m:jc m:val="centerGroup"/>
+                    </m:oMathParaPr>
+                    <m:oMath xmlns:m="http://schemas.openxmlformats.org/officeDocument/2006/math">
+                      <m:d>
+                        <m:dPr>
+                          <m:begChr m:val="["/>
+                          <m:endChr m:val="]"/>
+                          <m:ctrlPr>
+                            <a:rPr lang="en-US" altLang="ko-KR" i="1" smtClean="0">
+                              <a:solidFill>
+                                <a:schemeClr val="tx1"/>
+                              </a:solidFill>
+                              <a:latin typeface="Cambria Math" panose="02040503050406030204" pitchFamily="18" charset="0"/>
+                            </a:rPr>
+                          </m:ctrlPr>
+                        </m:dPr>
+                        <m:e>
+                          <m:m>
+                            <m:mPr>
+                              <m:mcs>
+                                <m:mc>
+                                  <m:mcPr>
+                                    <m:count m:val="3"/>
+                                    <m:mcJc m:val="center"/>
+                                  </m:mcPr>
+                                </m:mc>
+                              </m:mcs>
+                              <m:ctrlPr>
+                                <a:rPr lang="en-US" altLang="ko-KR" i="1">
+                                  <a:solidFill>
+                                    <a:schemeClr val="tx1"/>
+                                  </a:solidFill>
+                                  <a:latin typeface="Cambria Math" panose="02040503050406030204" pitchFamily="18" charset="0"/>
+                                </a:rPr>
+                              </m:ctrlPr>
+                            </m:mPr>
+                            <m:mr>
+                              <m:e>
+                                <m:r>
+                                  <m:rPr>
+                                    <m:brk m:alnAt="7"/>
+                                  </m:rPr>
+                                  <a:rPr lang="en-US" altLang="ko-KR" i="1">
+                                    <a:solidFill>
+                                      <a:schemeClr val="tx1"/>
+                                    </a:solidFill>
+                                    <a:latin typeface="Cambria Math"/>
+                                  </a:rPr>
+                                  <m:t>1</m:t>
+                                </m:r>
+                              </m:e>
+                              <m:e>
+                                <m:r>
+                                  <a:rPr lang="en-US" altLang="ko-KR" b="0" i="1" smtClean="0">
+                                    <a:solidFill>
+                                      <a:schemeClr val="tx1"/>
+                                    </a:solidFill>
+                                    <a:latin typeface="Cambria Math"/>
+                                  </a:rPr>
+                                  <m:t>1</m:t>
+                                </m:r>
+                              </m:e>
+                              <m:e>
+                                <m:r>
+                                  <a:rPr lang="en-US" altLang="ko-KR" b="0" i="1" smtClean="0">
+                                    <a:solidFill>
+                                      <a:schemeClr val="tx1"/>
+                                    </a:solidFill>
+                                    <a:latin typeface="Cambria Math"/>
+                                  </a:rPr>
+                                  <m:t>1</m:t>
+                                </m:r>
+                              </m:e>
+                            </m:mr>
+                            <m:mr>
+                              <m:e>
+                                <m:r>
+                                  <a:rPr lang="en-US" altLang="ko-KR" i="1">
+                                    <a:solidFill>
+                                      <a:schemeClr val="tx1"/>
+                                    </a:solidFill>
+                                    <a:latin typeface="Cambria Math"/>
+                                  </a:rPr>
+                                  <m:t>2</m:t>
+                                </m:r>
+                              </m:e>
+                              <m:e>
+                                <m:r>
+                                  <a:rPr lang="en-US" altLang="ko-KR" b="0" i="1" smtClean="0">
+                                    <a:solidFill>
+                                      <a:schemeClr val="tx1"/>
+                                    </a:solidFill>
+                                    <a:latin typeface="Cambria Math"/>
+                                  </a:rPr>
+                                  <m:t>3</m:t>
+                                </m:r>
+                              </m:e>
+                              <m:e>
+                                <m:r>
+                                  <a:rPr lang="en-US" altLang="ko-KR" b="0" i="1" smtClean="0">
+                                    <a:solidFill>
+                                      <a:schemeClr val="tx1"/>
+                                    </a:solidFill>
+                                    <a:latin typeface="Cambria Math"/>
+                                  </a:rPr>
+                                  <m:t>−1</m:t>
+                                </m:r>
+                              </m:e>
+                            </m:mr>
+                            <m:mr>
+                              <m:e>
+                                <m:r>
+                                  <a:rPr lang="en-US" altLang="ko-KR" b="0" i="1" smtClean="0">
+                                    <a:solidFill>
+                                      <a:schemeClr val="tx1"/>
+                                    </a:solidFill>
+                                    <a:latin typeface="Cambria Math"/>
+                                  </a:rPr>
+                                  <m:t>2</m:t>
+                                </m:r>
+                              </m:e>
+                              <m:e>
+                                <m:r>
+                                  <a:rPr lang="en-US" altLang="ko-KR" b="0" i="1" smtClean="0">
+                                    <a:solidFill>
+                                      <a:schemeClr val="tx1"/>
+                                    </a:solidFill>
+                                    <a:latin typeface="Cambria Math"/>
+                                  </a:rPr>
+                                  <m:t>3</m:t>
+                                </m:r>
+                              </m:e>
+                              <m:e>
+                                <m:r>
+                                  <a:rPr lang="en-US" altLang="ko-KR" b="0" i="1" smtClean="0">
+                                    <a:solidFill>
+                                      <a:schemeClr val="tx1"/>
+                                    </a:solidFill>
+                                    <a:latin typeface="Cambria Math"/>
+                                  </a:rPr>
+                                  <m:t>3</m:t>
+                                </m:r>
+                              </m:e>
+                            </m:mr>
+                          </m:m>
+                        </m:e>
+                      </m:d>
+                      <m:r>
+                        <a:rPr lang="en-US" altLang="ko-KR" b="0" i="1" smtClean="0">
+                          <a:latin typeface="Cambria Math"/>
+                        </a:rPr>
+                        <m:t>=</m:t>
+                      </m:r>
+                      <m:sSup>
+                        <m:sSupPr>
+                          <m:ctrlPr>
+                            <a:rPr lang="en-US" altLang="ko-KR" i="1">
+                              <a:solidFill>
+                                <a:srgbClr val="00B050"/>
+                              </a:solidFill>
+                              <a:latin typeface="Cambria Math" panose="02040503050406030204" pitchFamily="18" charset="0"/>
+                            </a:rPr>
+                          </m:ctrlPr>
+                        </m:sSupPr>
+                        <m:e>
+                          <m:d>
+                            <m:dPr>
+                              <m:begChr m:val="["/>
+                              <m:endChr m:val="]"/>
+                              <m:ctrlPr>
+                                <a:rPr lang="en-US" altLang="ko-KR" i="1">
+                                  <a:solidFill>
+                                    <a:srgbClr val="00B050"/>
+                                  </a:solidFill>
+                                  <a:latin typeface="Cambria Math" panose="02040503050406030204" pitchFamily="18" charset="0"/>
+                                </a:rPr>
+                              </m:ctrlPr>
+                            </m:dPr>
+                            <m:e>
+                              <m:m>
+                                <m:mPr>
+                                  <m:mcs>
+                                    <m:mc>
+                                      <m:mcPr>
+                                        <m:count m:val="3"/>
+                                        <m:mcJc m:val="center"/>
+                                      </m:mcPr>
+                                    </m:mc>
+                                  </m:mcs>
+                                  <m:ctrlPr>
+                                    <a:rPr lang="en-US" altLang="ko-KR" i="1">
+                                      <a:solidFill>
+                                        <a:srgbClr val="00B050"/>
+                                      </a:solidFill>
+                                      <a:latin typeface="Cambria Math" panose="02040503050406030204" pitchFamily="18" charset="0"/>
+                                    </a:rPr>
+                                  </m:ctrlPr>
+                                </m:mPr>
+                                <m:mr>
+                                  <m:e>
+                                    <m:r>
+                                      <m:rPr>
+                                        <m:brk m:alnAt="7"/>
+                                      </m:rPr>
+                                      <a:rPr lang="en-US" altLang="ko-KR" i="1">
+                                        <a:solidFill>
+                                          <a:srgbClr val="00B050"/>
+                                        </a:solidFill>
+                                        <a:latin typeface="Cambria Math"/>
+                                      </a:rPr>
+                                      <m:t>1</m:t>
+                                    </m:r>
+                                  </m:e>
+                                  <m:e>
+                                    <m:r>
+                                      <a:rPr lang="en-US" altLang="ko-KR" i="1">
+                                        <a:solidFill>
+                                          <a:srgbClr val="00B050"/>
+                                        </a:solidFill>
+                                        <a:latin typeface="Cambria Math"/>
+                                      </a:rPr>
+                                      <m:t>0</m:t>
+                                    </m:r>
+                                  </m:e>
+                                  <m:e>
+                                    <m:r>
+                                      <a:rPr lang="en-US" altLang="ko-KR" i="1">
+                                        <a:solidFill>
+                                          <a:srgbClr val="00B050"/>
+                                        </a:solidFill>
+                                        <a:latin typeface="Cambria Math"/>
+                                      </a:rPr>
+                                      <m:t>0</m:t>
+                                    </m:r>
+                                  </m:e>
+                                </m:mr>
+                                <m:mr>
+                                  <m:e>
+                                    <m:r>
+                                      <a:rPr lang="en-US" altLang="ko-KR" i="1">
+                                        <a:solidFill>
+                                          <a:srgbClr val="00B050"/>
+                                        </a:solidFill>
+                                        <a:latin typeface="Cambria Math"/>
+                                      </a:rPr>
+                                      <m:t>−2</m:t>
+                                    </m:r>
+                                  </m:e>
+                                  <m:e>
+                                    <m:r>
+                                      <a:rPr lang="en-US" altLang="ko-KR" i="1">
+                                        <a:solidFill>
+                                          <a:srgbClr val="00B050"/>
+                                        </a:solidFill>
+                                        <a:latin typeface="Cambria Math"/>
+                                      </a:rPr>
+                                      <m:t>1</m:t>
+                                    </m:r>
+                                  </m:e>
+                                  <m:e>
+                                    <m:r>
+                                      <a:rPr lang="en-US" altLang="ko-KR" i="1">
+                                        <a:solidFill>
+                                          <a:srgbClr val="00B050"/>
+                                        </a:solidFill>
+                                        <a:latin typeface="Cambria Math"/>
+                                      </a:rPr>
+                                      <m:t>0</m:t>
+                                    </m:r>
+                                  </m:e>
+                                </m:mr>
+                                <m:mr>
+                                  <m:e>
+                                    <m:r>
+                                      <a:rPr lang="en-US" altLang="ko-KR" i="1">
+                                        <a:solidFill>
+                                          <a:srgbClr val="00B050"/>
+                                        </a:solidFill>
+                                        <a:latin typeface="Cambria Math"/>
+                                      </a:rPr>
+                                      <m:t>0</m:t>
+                                    </m:r>
+                                  </m:e>
+                                  <m:e>
+                                    <m:r>
+                                      <a:rPr lang="en-US" altLang="ko-KR" i="1">
+                                        <a:solidFill>
+                                          <a:srgbClr val="00B050"/>
+                                        </a:solidFill>
+                                        <a:latin typeface="Cambria Math"/>
+                                      </a:rPr>
+                                      <m:t>0</m:t>
+                                    </m:r>
+                                  </m:e>
+                                  <m:e>
+                                    <m:r>
+                                      <a:rPr lang="en-US" altLang="ko-KR" i="1">
+                                        <a:solidFill>
+                                          <a:srgbClr val="00B050"/>
+                                        </a:solidFill>
+                                        <a:latin typeface="Cambria Math"/>
+                                      </a:rPr>
+                                      <m:t>1</m:t>
+                                    </m:r>
+                                  </m:e>
+                                </m:mr>
+                              </m:m>
+                            </m:e>
+                          </m:d>
+                        </m:e>
+                        <m:sup>
+                          <m:r>
+                            <a:rPr lang="en-US" altLang="ko-KR" i="1">
+                              <a:solidFill>
+                                <a:srgbClr val="00B050"/>
+                              </a:solidFill>
+                              <a:latin typeface="Cambria Math"/>
+                            </a:rPr>
+                            <m:t>−1</m:t>
+                          </m:r>
+                        </m:sup>
+                      </m:sSup>
+                      <m:sSup>
+                        <m:sSupPr>
+                          <m:ctrlPr>
+                            <a:rPr lang="en-US" altLang="ko-KR" i="1">
+                              <a:solidFill>
+                                <a:srgbClr val="00B0F0"/>
+                              </a:solidFill>
+                              <a:latin typeface="Cambria Math" panose="02040503050406030204" pitchFamily="18" charset="0"/>
+                            </a:rPr>
+                          </m:ctrlPr>
+                        </m:sSupPr>
+                        <m:e>
+                          <m:d>
+                            <m:dPr>
+                              <m:begChr m:val="["/>
+                              <m:endChr m:val="]"/>
+                              <m:ctrlPr>
+                                <a:rPr lang="en-US" altLang="ko-KR" i="1">
+                                  <a:solidFill>
+                                    <a:srgbClr val="00B0F0"/>
+                                  </a:solidFill>
+                                  <a:latin typeface="Cambria Math" panose="02040503050406030204" pitchFamily="18" charset="0"/>
+                                </a:rPr>
+                              </m:ctrlPr>
+                            </m:dPr>
+                            <m:e>
+                              <m:m>
+                                <m:mPr>
+                                  <m:mcs>
+                                    <m:mc>
+                                      <m:mcPr>
+                                        <m:count m:val="3"/>
+                                        <m:mcJc m:val="center"/>
+                                      </m:mcPr>
+                                    </m:mc>
+                                  </m:mcs>
+                                  <m:ctrlPr>
+                                    <a:rPr lang="en-US" altLang="ko-KR" i="1">
+                                      <a:solidFill>
+                                        <a:srgbClr val="00B0F0"/>
+                                      </a:solidFill>
+                                      <a:latin typeface="Cambria Math" panose="02040503050406030204" pitchFamily="18" charset="0"/>
+                                    </a:rPr>
+                                  </m:ctrlPr>
+                                </m:mPr>
+                                <m:mr>
+                                  <m:e>
+                                    <m:r>
+                                      <m:rPr>
+                                        <m:brk m:alnAt="7"/>
+                                      </m:rPr>
+                                      <a:rPr lang="en-US" altLang="ko-KR" i="1">
+                                        <a:solidFill>
+                                          <a:srgbClr val="00B0F0"/>
+                                        </a:solidFill>
+                                        <a:latin typeface="Cambria Math"/>
+                                      </a:rPr>
+                                      <m:t>1</m:t>
+                                    </m:r>
+                                  </m:e>
+                                  <m:e>
+                                    <m:r>
+                                      <a:rPr lang="en-US" altLang="ko-KR" i="1">
+                                        <a:solidFill>
+                                          <a:srgbClr val="00B0F0"/>
+                                        </a:solidFill>
+                                        <a:latin typeface="Cambria Math"/>
+                                      </a:rPr>
+                                      <m:t>0</m:t>
+                                    </m:r>
+                                  </m:e>
+                                  <m:e>
+                                    <m:r>
+                                      <a:rPr lang="en-US" altLang="ko-KR" i="1">
+                                        <a:solidFill>
+                                          <a:srgbClr val="00B0F0"/>
+                                        </a:solidFill>
+                                        <a:latin typeface="Cambria Math"/>
+                                      </a:rPr>
+                                      <m:t>0</m:t>
+                                    </m:r>
+                                  </m:e>
+                                </m:mr>
+                                <m:mr>
+                                  <m:e>
+                                    <m:r>
+                                      <a:rPr lang="en-US" altLang="ko-KR" i="1">
+                                        <a:solidFill>
+                                          <a:srgbClr val="00B0F0"/>
+                                        </a:solidFill>
+                                        <a:latin typeface="Cambria Math"/>
+                                      </a:rPr>
+                                      <m:t>0</m:t>
+                                    </m:r>
+                                  </m:e>
+                                  <m:e>
+                                    <m:r>
+                                      <a:rPr lang="en-US" altLang="ko-KR" i="1">
+                                        <a:solidFill>
+                                          <a:srgbClr val="00B0F0"/>
+                                        </a:solidFill>
+                                        <a:latin typeface="Cambria Math"/>
+                                      </a:rPr>
+                                      <m:t>1</m:t>
+                                    </m:r>
+                                  </m:e>
+                                  <m:e>
+                                    <m:r>
+                                      <a:rPr lang="en-US" altLang="ko-KR" i="1">
+                                        <a:solidFill>
+                                          <a:srgbClr val="00B0F0"/>
+                                        </a:solidFill>
+                                        <a:latin typeface="Cambria Math"/>
+                                      </a:rPr>
+                                      <m:t>0</m:t>
+                                    </m:r>
+                                  </m:e>
+                                </m:mr>
+                                <m:mr>
+                                  <m:e>
+                                    <m:r>
+                                      <a:rPr lang="en-US" altLang="ko-KR" i="1">
+                                        <a:solidFill>
+                                          <a:srgbClr val="00B0F0"/>
+                                        </a:solidFill>
+                                        <a:latin typeface="Cambria Math"/>
+                                      </a:rPr>
+                                      <m:t>−2</m:t>
+                                    </m:r>
+                                  </m:e>
+                                  <m:e>
+                                    <m:r>
+                                      <a:rPr lang="en-US" altLang="ko-KR" i="1">
+                                        <a:solidFill>
+                                          <a:srgbClr val="00B0F0"/>
+                                        </a:solidFill>
+                                        <a:latin typeface="Cambria Math"/>
+                                      </a:rPr>
+                                      <m:t>0</m:t>
+                                    </m:r>
+                                  </m:e>
+                                  <m:e>
+                                    <m:r>
+                                      <a:rPr lang="en-US" altLang="ko-KR" i="1">
+                                        <a:solidFill>
+                                          <a:srgbClr val="00B0F0"/>
+                                        </a:solidFill>
+                                        <a:latin typeface="Cambria Math"/>
+                                      </a:rPr>
+                                      <m:t>1</m:t>
+                                    </m:r>
+                                  </m:e>
+                                </m:mr>
+                              </m:m>
+                            </m:e>
+                          </m:d>
+                        </m:e>
+                        <m:sup>
+                          <m:r>
+                            <a:rPr lang="en-US" altLang="ko-KR" i="1">
+                              <a:solidFill>
+                                <a:srgbClr val="00B0F0"/>
+                              </a:solidFill>
+                              <a:latin typeface="Cambria Math"/>
+                            </a:rPr>
+                            <m:t>−1</m:t>
+                          </m:r>
+                        </m:sup>
+                      </m:sSup>
+                      <m:sSup>
+                        <m:sSupPr>
+                          <m:ctrlPr>
+                            <a:rPr lang="en-US" altLang="ko-KR" b="0" i="1" smtClean="0">
+                              <a:solidFill>
+                                <a:srgbClr val="FF0000"/>
+                              </a:solidFill>
+                              <a:latin typeface="Cambria Math" panose="02040503050406030204" pitchFamily="18" charset="0"/>
+                            </a:rPr>
+                          </m:ctrlPr>
+                        </m:sSupPr>
+                        <m:e>
+                          <m:d>
+                            <m:dPr>
+                              <m:begChr m:val="["/>
+                              <m:endChr m:val="]"/>
+                              <m:ctrlPr>
+                                <a:rPr lang="en-US" altLang="ko-KR" i="1">
+                                  <a:solidFill>
+                                    <a:srgbClr val="FF0000"/>
+                                  </a:solidFill>
+                                  <a:latin typeface="Cambria Math" panose="02040503050406030204" pitchFamily="18" charset="0"/>
+                                </a:rPr>
+                              </m:ctrlPr>
+                            </m:dPr>
+                            <m:e>
+                              <m:m>
+                                <m:mPr>
+                                  <m:mcs>
+                                    <m:mc>
+                                      <m:mcPr>
+                                        <m:count m:val="3"/>
+                                        <m:mcJc m:val="center"/>
+                                      </m:mcPr>
+                                    </m:mc>
+                                  </m:mcs>
+                                  <m:ctrlPr>
+                                    <a:rPr lang="en-US" altLang="ko-KR" i="1">
+                                      <a:solidFill>
+                                        <a:srgbClr val="FF0000"/>
+                                      </a:solidFill>
+                                      <a:latin typeface="Cambria Math" panose="02040503050406030204" pitchFamily="18" charset="0"/>
+                                    </a:rPr>
+                                  </m:ctrlPr>
+                                </m:mPr>
+                                <m:mr>
+                                  <m:e>
+                                    <m:r>
+                                      <m:rPr>
+                                        <m:brk m:alnAt="7"/>
+                                      </m:rPr>
+                                      <a:rPr lang="en-US" altLang="ko-KR" i="1">
+                                        <a:solidFill>
+                                          <a:srgbClr val="FF0000"/>
+                                        </a:solidFill>
+                                        <a:latin typeface="Cambria Math"/>
+                                      </a:rPr>
+                                      <m:t>1</m:t>
+                                    </m:r>
+                                  </m:e>
+                                  <m:e>
+                                    <m:r>
+                                      <a:rPr lang="en-US" altLang="ko-KR" i="1">
+                                        <a:solidFill>
+                                          <a:srgbClr val="FF0000"/>
+                                        </a:solidFill>
+                                        <a:latin typeface="Cambria Math"/>
+                                      </a:rPr>
+                                      <m:t>0</m:t>
+                                    </m:r>
+                                  </m:e>
+                                  <m:e>
+                                    <m:r>
+                                      <a:rPr lang="en-US" altLang="ko-KR" i="1">
+                                        <a:solidFill>
+                                          <a:srgbClr val="FF0000"/>
+                                        </a:solidFill>
+                                        <a:latin typeface="Cambria Math"/>
+                                      </a:rPr>
+                                      <m:t>0</m:t>
+                                    </m:r>
+                                  </m:e>
+                                </m:mr>
+                                <m:mr>
+                                  <m:e>
+                                    <m:r>
+                                      <a:rPr lang="en-US" altLang="ko-KR" i="1">
+                                        <a:solidFill>
+                                          <a:srgbClr val="FF0000"/>
+                                        </a:solidFill>
+                                        <a:latin typeface="Cambria Math"/>
+                                      </a:rPr>
+                                      <m:t>0</m:t>
+                                    </m:r>
+                                  </m:e>
+                                  <m:e>
+                                    <m:r>
+                                      <a:rPr lang="en-US" altLang="ko-KR" i="1">
+                                        <a:solidFill>
+                                          <a:srgbClr val="FF0000"/>
+                                        </a:solidFill>
+                                        <a:latin typeface="Cambria Math"/>
+                                      </a:rPr>
+                                      <m:t>1</m:t>
+                                    </m:r>
+                                  </m:e>
+                                  <m:e>
+                                    <m:r>
+                                      <a:rPr lang="en-US" altLang="ko-KR" i="1">
+                                        <a:solidFill>
+                                          <a:srgbClr val="FF0000"/>
+                                        </a:solidFill>
+                                        <a:latin typeface="Cambria Math"/>
+                                      </a:rPr>
+                                      <m:t>0</m:t>
+                                    </m:r>
+                                  </m:e>
+                                </m:mr>
+                                <m:mr>
+                                  <m:e>
+                                    <m:r>
+                                      <a:rPr lang="en-US" altLang="ko-KR" i="1">
+                                        <a:solidFill>
+                                          <a:srgbClr val="FF0000"/>
+                                        </a:solidFill>
+                                        <a:latin typeface="Cambria Math"/>
+                                      </a:rPr>
+                                      <m:t>0</m:t>
+                                    </m:r>
+                                  </m:e>
+                                  <m:e>
+                                    <m:r>
+                                      <a:rPr lang="en-US" altLang="ko-KR" i="1">
+                                        <a:solidFill>
+                                          <a:srgbClr val="FF0000"/>
+                                        </a:solidFill>
+                                        <a:latin typeface="Cambria Math"/>
+                                      </a:rPr>
+                                      <m:t>−1</m:t>
+                                    </m:r>
+                                  </m:e>
+                                  <m:e>
+                                    <m:r>
+                                      <a:rPr lang="en-US" altLang="ko-KR" i="1">
+                                        <a:solidFill>
+                                          <a:srgbClr val="FF0000"/>
+                                        </a:solidFill>
+                                        <a:latin typeface="Cambria Math"/>
+                                      </a:rPr>
+                                      <m:t>1</m:t>
+                                    </m:r>
+                                  </m:e>
+                                </m:mr>
+                              </m:m>
+                            </m:e>
+                          </m:d>
+                        </m:e>
+                        <m:sup>
+                          <m:r>
+                            <a:rPr lang="en-US" altLang="ko-KR" b="0" i="1" smtClean="0">
+                              <a:solidFill>
+                                <a:srgbClr val="FF0000"/>
+                              </a:solidFill>
+                              <a:latin typeface="Cambria Math"/>
+                            </a:rPr>
+                            <m:t>−1</m:t>
+                          </m:r>
+                        </m:sup>
+                      </m:sSup>
+                      <m:d>
+                        <m:dPr>
+                          <m:begChr m:val="["/>
+                          <m:endChr m:val="]"/>
+                          <m:ctrlPr>
+                            <a:rPr lang="en-US" altLang="ko-KR" i="1">
+                              <a:latin typeface="Cambria Math" panose="02040503050406030204" pitchFamily="18" charset="0"/>
+                            </a:rPr>
+                          </m:ctrlPr>
+                        </m:dPr>
+                        <m:e>
+                          <m:m>
+                            <m:mPr>
+                              <m:mcs>
+                                <m:mc>
+                                  <m:mcPr>
+                                    <m:count m:val="3"/>
+                                    <m:mcJc m:val="center"/>
+                                  </m:mcPr>
+                                </m:mc>
+                              </m:mcs>
+                              <m:ctrlPr>
+                                <a:rPr lang="en-US" altLang="ko-KR" i="1">
+                                  <a:latin typeface="Cambria Math" panose="02040503050406030204" pitchFamily="18" charset="0"/>
+                                </a:rPr>
+                              </m:ctrlPr>
+                            </m:mPr>
+                            <m:mr>
+                              <m:e>
+                                <m:r>
+                                  <m:rPr>
+                                    <m:brk m:alnAt="7"/>
+                                  </m:rPr>
+                                  <a:rPr lang="en-US" altLang="ko-KR" i="1">
+                                    <a:latin typeface="Cambria Math"/>
+                                  </a:rPr>
+                                  <m:t>1</m:t>
+                                </m:r>
+                              </m:e>
+                              <m:e>
+                                <m:r>
+                                  <a:rPr lang="en-US" altLang="ko-KR" i="1">
+                                    <a:latin typeface="Cambria Math"/>
+                                  </a:rPr>
+                                  <m:t>1</m:t>
+                                </m:r>
+                              </m:e>
+                              <m:e>
+                                <m:r>
+                                  <a:rPr lang="en-US" altLang="ko-KR" i="1">
+                                    <a:latin typeface="Cambria Math"/>
+                                  </a:rPr>
+                                  <m:t>1</m:t>
+                                </m:r>
+                              </m:e>
+                            </m:mr>
+                            <m:mr>
+                              <m:e>
+                                <m:r>
+                                  <a:rPr lang="en-US" altLang="ko-KR" b="0" i="1" smtClean="0">
+                                    <a:latin typeface="Cambria Math"/>
+                                  </a:rPr>
+                                  <m:t>0</m:t>
+                                </m:r>
+                              </m:e>
+                              <m:e>
+                                <m:r>
+                                  <a:rPr lang="en-US" altLang="ko-KR" b="0" i="1" smtClean="0">
+                                    <a:latin typeface="Cambria Math"/>
+                                  </a:rPr>
+                                  <m:t>1</m:t>
+                                </m:r>
+                              </m:e>
+                              <m:e>
+                                <m:r>
+                                  <a:rPr lang="en-US" altLang="ko-KR" i="1">
+                                    <a:latin typeface="Cambria Math"/>
+                                  </a:rPr>
+                                  <m:t>−</m:t>
+                                </m:r>
+                                <m:r>
+                                  <a:rPr lang="en-US" altLang="ko-KR" b="0" i="1" smtClean="0">
+                                    <a:latin typeface="Cambria Math"/>
+                                  </a:rPr>
+                                  <m:t>3</m:t>
+                                </m:r>
+                              </m:e>
+                            </m:mr>
+                            <m:mr>
+                              <m:e>
+                                <m:r>
+                                  <a:rPr lang="en-US" altLang="ko-KR" b="0" i="1" smtClean="0">
+                                    <a:latin typeface="Cambria Math"/>
+                                  </a:rPr>
+                                  <m:t>0</m:t>
+                                </m:r>
+                              </m:e>
+                              <m:e>
+                                <m:r>
+                                  <a:rPr lang="en-US" altLang="ko-KR" b="0" i="1" smtClean="0">
+                                    <a:latin typeface="Cambria Math"/>
+                                  </a:rPr>
+                                  <m:t>0</m:t>
+                                </m:r>
+                              </m:e>
+                              <m:e>
+                                <m:r>
+                                  <a:rPr lang="en-US" altLang="ko-KR" b="0" i="1" smtClean="0">
+                                    <a:latin typeface="Cambria Math"/>
+                                  </a:rPr>
+                                  <m:t>4</m:t>
+                                </m:r>
+                              </m:e>
+                            </m:mr>
+                          </m:m>
+                        </m:e>
+                      </m:d>
+                    </m:oMath>
+                  </m:oMathPara>
+                </a14:m>
+                <a:endParaRPr lang="ko-KR" altLang="en-US" dirty="0"/>
+              </a:p>
+            </p:txBody>
+          </p:sp>
+        </mc:Choice>
+        <mc:Fallback xmlns="">
           <p:sp>
             <p:nvSpPr>
               <p:cNvPr id="9" name="TextBox 8"/>
@@ -9989,8 +12549,8 @@
           </p:sp>
         </mc:Fallback>
       </mc:AlternateContent>
-      <mc:AlternateContent xmlns:mc="http://schemas.openxmlformats.org/markup-compatibility/2006">
-        <mc:Choice xmlns:a14="http://schemas.microsoft.com/office/drawing/2010/main" Requires="a14">
+      <mc:AlternateContent xmlns:mc="http://schemas.openxmlformats.org/markup-compatibility/2006" xmlns:a14="http://schemas.microsoft.com/office/drawing/2010/main">
+        <mc:Choice Requires="a14">
           <p:sp>
             <p:nvSpPr>
               <p:cNvPr id="10" name="TextBox 9"/>
@@ -10041,7 +12601,7 @@
             </p:txBody>
           </p:sp>
         </mc:Choice>
-        <mc:Fallback>
+        <mc:Fallback xmlns="">
           <p:sp>
             <p:nvSpPr>
               <p:cNvPr id="10" name="TextBox 9"/>
@@ -10080,8 +12640,8 @@
           </p:sp>
         </mc:Fallback>
       </mc:AlternateContent>
-      <mc:AlternateContent xmlns:mc="http://schemas.openxmlformats.org/markup-compatibility/2006">
-        <mc:Choice xmlns:a14="http://schemas.microsoft.com/office/drawing/2010/main" Requires="a14">
+      <mc:AlternateContent xmlns:mc="http://schemas.openxmlformats.org/markup-compatibility/2006" xmlns:a14="http://schemas.microsoft.com/office/drawing/2010/main">
+        <mc:Choice Requires="a14">
           <p:sp>
             <p:nvSpPr>
               <p:cNvPr id="14" name="TextBox 13"/>
@@ -10126,7 +12686,7 @@
                               <a:solidFill>
                                 <a:srgbClr val="00B050"/>
                               </a:solidFill>
-                              <a:latin typeface="Cambria Math"/>
+                              <a:latin typeface="Cambria Math" panose="02040503050406030204" pitchFamily="18" charset="0"/>
                             </a:rPr>
                           </m:ctrlPr>
                         </m:dPr>
@@ -10146,7 +12706,7 @@
                                   <a:solidFill>
                                     <a:srgbClr val="00B050"/>
                                   </a:solidFill>
-                                  <a:latin typeface="Cambria Math"/>
+                                  <a:latin typeface="Cambria Math" panose="02040503050406030204" pitchFamily="18" charset="0"/>
                                 </a:rPr>
                               </m:ctrlPr>
                             </m:mPr>
@@ -10270,7 +12830,7 @@
                               <a:solidFill>
                                 <a:srgbClr val="00B0F0"/>
                               </a:solidFill>
-                              <a:latin typeface="Cambria Math"/>
+                              <a:latin typeface="Cambria Math" panose="02040503050406030204" pitchFamily="18" charset="0"/>
                             </a:rPr>
                           </m:ctrlPr>
                         </m:dPr>
@@ -10290,7 +12850,7 @@
                                   <a:solidFill>
                                     <a:srgbClr val="00B0F0"/>
                                   </a:solidFill>
-                                  <a:latin typeface="Cambria Math"/>
+                                  <a:latin typeface="Cambria Math" panose="02040503050406030204" pitchFamily="18" charset="0"/>
                                 </a:rPr>
                               </m:ctrlPr>
                             </m:mPr>
@@ -10414,7 +12974,7 @@
                               <a:solidFill>
                                 <a:srgbClr val="FF0000"/>
                               </a:solidFill>
-                              <a:latin typeface="Cambria Math"/>
+                              <a:latin typeface="Cambria Math" panose="02040503050406030204" pitchFamily="18" charset="0"/>
                             </a:rPr>
                           </m:ctrlPr>
                         </m:dPr>
@@ -10434,7 +12994,7 @@
                                   <a:solidFill>
                                     <a:srgbClr val="FF0000"/>
                                   </a:solidFill>
-                                  <a:latin typeface="Cambria Math"/>
+                                  <a:latin typeface="Cambria Math" panose="02040503050406030204" pitchFamily="18" charset="0"/>
                                 </a:rPr>
                               </m:ctrlPr>
                             </m:mPr>
@@ -10555,7 +13115,7 @@
                           <m:endChr m:val="]"/>
                           <m:ctrlPr>
                             <a:rPr lang="en-US" altLang="ko-KR" i="1">
-                              <a:latin typeface="Cambria Math"/>
+                              <a:latin typeface="Cambria Math" panose="02040503050406030204" pitchFamily="18" charset="0"/>
                             </a:rPr>
                           </m:ctrlPr>
                         </m:dPr>
@@ -10572,7 +13132,7 @@
                               </m:mcs>
                               <m:ctrlPr>
                                 <a:rPr lang="en-US" altLang="ko-KR" i="1">
-                                  <a:latin typeface="Cambria Math"/>
+                                  <a:latin typeface="Cambria Math" panose="02040503050406030204" pitchFamily="18" charset="0"/>
                                 </a:rPr>
                               </m:ctrlPr>
                             </m:mPr>
@@ -10674,7 +13234,7 @@
             </p:txBody>
           </p:sp>
         </mc:Choice>
-        <mc:Fallback>
+        <mc:Fallback xmlns="">
           <p:sp>
             <p:nvSpPr>
               <p:cNvPr id="14" name="TextBox 13"/>
@@ -10713,8 +13273,8 @@
           </p:sp>
         </mc:Fallback>
       </mc:AlternateContent>
-      <mc:AlternateContent xmlns:mc="http://schemas.openxmlformats.org/markup-compatibility/2006">
-        <mc:Choice xmlns:a14="http://schemas.microsoft.com/office/drawing/2010/main" Requires="a14">
+      <mc:AlternateContent xmlns:mc="http://schemas.openxmlformats.org/markup-compatibility/2006" xmlns:a14="http://schemas.microsoft.com/office/drawing/2010/main">
+        <mc:Choice Requires="a14">
           <p:sp>
             <p:nvSpPr>
               <p:cNvPr id="15" name="TextBox 14"/>
@@ -10737,6 +13297,7 @@
               </a:bodyPr>
               <a:lstStyle/>
               <a:p>
+                <a:pPr/>
                 <a14:m>
                   <m:oMathPara xmlns:m="http://schemas.openxmlformats.org/officeDocument/2006/math">
                     <m:oMathParaPr>
@@ -10755,7 +13316,7 @@
                           <m:endChr m:val="]"/>
                           <m:ctrlPr>
                             <a:rPr lang="en-US" altLang="ko-KR" i="1">
-                              <a:latin typeface="Cambria Math"/>
+                              <a:latin typeface="Cambria Math" panose="02040503050406030204" pitchFamily="18" charset="0"/>
                             </a:rPr>
                           </m:ctrlPr>
                         </m:dPr>
@@ -10772,7 +13333,7 @@
                               </m:mcs>
                               <m:ctrlPr>
                                 <a:rPr lang="en-US" altLang="ko-KR" i="1">
-                                  <a:latin typeface="Cambria Math"/>
+                                  <a:latin typeface="Cambria Math" panose="02040503050406030204" pitchFamily="18" charset="0"/>
                                 </a:rPr>
                               </m:ctrlPr>
                             </m:mPr>
@@ -10866,7 +13427,7 @@
                           <m:endChr m:val="]"/>
                           <m:ctrlPr>
                             <a:rPr lang="en-US" altLang="ko-KR" i="1">
-                              <a:latin typeface="Cambria Math"/>
+                              <a:latin typeface="Cambria Math" panose="02040503050406030204" pitchFamily="18" charset="0"/>
                             </a:rPr>
                           </m:ctrlPr>
                         </m:dPr>
@@ -10883,7 +13444,7 @@
                               </m:mcs>
                               <m:ctrlPr>
                                 <a:rPr lang="en-US" altLang="ko-KR" i="1">
-                                  <a:latin typeface="Cambria Math"/>
+                                  <a:latin typeface="Cambria Math" panose="02040503050406030204" pitchFamily="18" charset="0"/>
                                 </a:rPr>
                               </m:ctrlPr>
                             </m:mPr>
@@ -10985,7 +13546,7 @@
             </p:txBody>
           </p:sp>
         </mc:Choice>
-        <mc:Fallback>
+        <mc:Fallback xmlns="">
           <p:sp>
             <p:nvSpPr>
               <p:cNvPr id="15" name="TextBox 14"/>
@@ -11024,8 +13585,8 @@
           </p:sp>
         </mc:Fallback>
       </mc:AlternateContent>
-      <mc:AlternateContent xmlns:mc="http://schemas.openxmlformats.org/markup-compatibility/2006">
-        <mc:Choice xmlns:a14="http://schemas.microsoft.com/office/drawing/2010/main" Requires="a14">
+      <mc:AlternateContent xmlns:mc="http://schemas.openxmlformats.org/markup-compatibility/2006" xmlns:a14="http://schemas.microsoft.com/office/drawing/2010/main">
+        <mc:Choice Requires="a14">
           <p:sp>
             <p:nvSpPr>
               <p:cNvPr id="16" name="TextBox 15"/>
@@ -11076,7 +13637,7 @@
             </p:txBody>
           </p:sp>
         </mc:Choice>
-        <mc:Fallback>
+        <mc:Fallback xmlns="">
           <p:sp>
             <p:nvSpPr>
               <p:cNvPr id="16" name="TextBox 15"/>
@@ -11115,8 +13676,8 @@
           </p:sp>
         </mc:Fallback>
       </mc:AlternateContent>
-      <mc:AlternateContent xmlns:mc="http://schemas.openxmlformats.org/markup-compatibility/2006">
-        <mc:Choice xmlns:a14="http://schemas.microsoft.com/office/drawing/2010/main" Requires="a14">
+      <mc:AlternateContent xmlns:mc="http://schemas.openxmlformats.org/markup-compatibility/2006" xmlns:a14="http://schemas.microsoft.com/office/drawing/2010/main">
+        <mc:Choice Requires="a14">
           <p:sp>
             <p:nvSpPr>
               <p:cNvPr id="17" name="TextBox 16"/>
@@ -11167,7 +13728,7 @@
             </p:txBody>
           </p:sp>
         </mc:Choice>
-        <mc:Fallback>
+        <mc:Fallback xmlns="">
           <p:sp>
             <p:nvSpPr>
               <p:cNvPr id="17" name="TextBox 16"/>
